--- a/images/images.pptx
+++ b/images/images.pptx
@@ -5,11 +5,19 @@
     <p:sldMasterId id="2147483648" r:id="rId1"/>
   </p:sldMasterIdLst>
   <p:notesMasterIdLst>
-    <p:notesMasterId r:id="rId4"/>
+    <p:notesMasterId r:id="rId12"/>
   </p:notesMasterIdLst>
   <p:sldIdLst>
     <p:sldId id="256" r:id="rId2"/>
-    <p:sldId id="257" r:id="rId3"/>
+    <p:sldId id="259" r:id="rId3"/>
+    <p:sldId id="265" r:id="rId4"/>
+    <p:sldId id="264" r:id="rId5"/>
+    <p:sldId id="266" r:id="rId6"/>
+    <p:sldId id="267" r:id="rId7"/>
+    <p:sldId id="261" r:id="rId8"/>
+    <p:sldId id="269" r:id="rId9"/>
+    <p:sldId id="270" r:id="rId10"/>
+    <p:sldId id="271" r:id="rId11"/>
   </p:sldIdLst>
   <p:sldSz cx="12192000" cy="6858000"/>
   <p:notesSz cx="6858000" cy="9144000"/>
@@ -549,7 +557,7 @@
 </p:notes>
 </file>
 
-<file path=ppt/notesSlides/notesSlide2.xml><?xml version="1.0" encoding="utf-8"?>
+<file path=ppt/notesSlides/notesSlide10.xml><?xml version="1.0" encoding="utf-8"?>
 <p:notes xmlns:a="http://schemas.openxmlformats.org/drawingml/2006/main" xmlns:r="http://schemas.openxmlformats.org/officeDocument/2006/relationships" xmlns:p="http://schemas.openxmlformats.org/presentationml/2006/main">
   <p:cSld>
     <p:spTree>
@@ -557,7 +565,7 @@
         <p:cNvPr id="1" name="">
           <a:extLst>
             <a:ext uri="{FF2B5EF4-FFF2-40B4-BE49-F238E27FC236}">
-              <a16:creationId xmlns:a16="http://schemas.microsoft.com/office/drawing/2014/main" id="{0F562F02-6DE9-1E92-3481-203749490D5D}"/>
+              <a16:creationId xmlns:a16="http://schemas.microsoft.com/office/drawing/2014/main" id="{662C242B-62A5-585F-32C3-C239EE7AA856}"/>
             </a:ext>
           </a:extLst>
         </p:cNvPr>
@@ -577,7 +585,7 @@
           <p:cNvPr id="2" name="Slide Image Placeholder 1">
             <a:extLst>
               <a:ext uri="{FF2B5EF4-FFF2-40B4-BE49-F238E27FC236}">
-                <a16:creationId xmlns:a16="http://schemas.microsoft.com/office/drawing/2014/main" id="{534F7EB2-0001-C99D-1955-7B9F47A9AA4F}"/>
+                <a16:creationId xmlns:a16="http://schemas.microsoft.com/office/drawing/2014/main" id="{B77123F0-C030-F16F-DBEE-65B2D18A6DBC}"/>
               </a:ext>
             </a:extLst>
           </p:cNvPr>
@@ -595,7 +603,7 @@
           <p:cNvPr id="3" name="Notes Placeholder 2">
             <a:extLst>
               <a:ext uri="{FF2B5EF4-FFF2-40B4-BE49-F238E27FC236}">
-                <a16:creationId xmlns:a16="http://schemas.microsoft.com/office/drawing/2014/main" id="{4C3A3143-8962-0786-1885-3A2F348B1F6E}"/>
+                <a16:creationId xmlns:a16="http://schemas.microsoft.com/office/drawing/2014/main" id="{EF4B9859-FFE8-EB27-99B1-4BED796C06C6}"/>
               </a:ext>
             </a:extLst>
           </p:cNvPr>
@@ -620,7 +628,115 @@
           <p:cNvPr id="4" name="Slide Number Placeholder 3">
             <a:extLst>
               <a:ext uri="{FF2B5EF4-FFF2-40B4-BE49-F238E27FC236}">
-                <a16:creationId xmlns:a16="http://schemas.microsoft.com/office/drawing/2014/main" id="{84CF19FF-B94E-AF35-4796-2290AFF950D8}"/>
+                <a16:creationId xmlns:a16="http://schemas.microsoft.com/office/drawing/2014/main" id="{B8AA0F20-5186-7C4B-624B-F1B5B8A6E6AE}"/>
+              </a:ext>
+            </a:extLst>
+          </p:cNvPr>
+          <p:cNvSpPr>
+            <a:spLocks noGrp="1"/>
+          </p:cNvSpPr>
+          <p:nvPr>
+            <p:ph type="sldNum" sz="quarter" idx="5"/>
+          </p:nvPr>
+        </p:nvSpPr>
+        <p:spPr/>
+        <p:txBody>
+          <a:bodyPr/>
+          <a:lstStyle/>
+          <a:p>
+            <a:fld id="{A59EC0A6-2850-D147-9A65-4202BC918C7F}" type="slidenum">
+              <a:rPr lang="en-US" smtClean="0"/>
+              <a:t>10</a:t>
+            </a:fld>
+            <a:endParaRPr lang="en-US"/>
+          </a:p>
+        </p:txBody>
+      </p:sp>
+    </p:spTree>
+    <p:extLst>
+      <p:ext uri="{BB962C8B-B14F-4D97-AF65-F5344CB8AC3E}">
+        <p14:creationId xmlns:p14="http://schemas.microsoft.com/office/powerpoint/2010/main" val="4129836771"/>
+      </p:ext>
+    </p:extLst>
+  </p:cSld>
+  <p:clrMapOvr>
+    <a:masterClrMapping/>
+  </p:clrMapOvr>
+</p:notes>
+</file>
+
+<file path=ppt/notesSlides/notesSlide2.xml><?xml version="1.0" encoding="utf-8"?>
+<p:notes xmlns:a="http://schemas.openxmlformats.org/drawingml/2006/main" xmlns:r="http://schemas.openxmlformats.org/officeDocument/2006/relationships" xmlns:p="http://schemas.openxmlformats.org/presentationml/2006/main">
+  <p:cSld>
+    <p:spTree>
+      <p:nvGrpSpPr>
+        <p:cNvPr id="1" name="">
+          <a:extLst>
+            <a:ext uri="{FF2B5EF4-FFF2-40B4-BE49-F238E27FC236}">
+              <a16:creationId xmlns:a16="http://schemas.microsoft.com/office/drawing/2014/main" id="{5907D80A-A8FE-DFF0-F07F-0ACF753A0794}"/>
+            </a:ext>
+          </a:extLst>
+        </p:cNvPr>
+        <p:cNvGrpSpPr/>
+        <p:nvPr/>
+      </p:nvGrpSpPr>
+      <p:grpSpPr>
+        <a:xfrm>
+          <a:off x="0" y="0"/>
+          <a:ext cx="0" cy="0"/>
+          <a:chOff x="0" y="0"/>
+          <a:chExt cx="0" cy="0"/>
+        </a:xfrm>
+      </p:grpSpPr>
+      <p:sp>
+        <p:nvSpPr>
+          <p:cNvPr id="2" name="Slide Image Placeholder 1">
+            <a:extLst>
+              <a:ext uri="{FF2B5EF4-FFF2-40B4-BE49-F238E27FC236}">
+                <a16:creationId xmlns:a16="http://schemas.microsoft.com/office/drawing/2014/main" id="{49EB4529-831E-71FE-B785-BE181DA6108B}"/>
+              </a:ext>
+            </a:extLst>
+          </p:cNvPr>
+          <p:cNvSpPr>
+            <a:spLocks noGrp="1" noRot="1" noChangeAspect="1"/>
+          </p:cNvSpPr>
+          <p:nvPr>
+            <p:ph type="sldImg"/>
+          </p:nvPr>
+        </p:nvSpPr>
+        <p:spPr/>
+      </p:sp>
+      <p:sp>
+        <p:nvSpPr>
+          <p:cNvPr id="3" name="Notes Placeholder 2">
+            <a:extLst>
+              <a:ext uri="{FF2B5EF4-FFF2-40B4-BE49-F238E27FC236}">
+                <a16:creationId xmlns:a16="http://schemas.microsoft.com/office/drawing/2014/main" id="{8A62C066-46AB-028F-3C8B-219ECB1A811D}"/>
+              </a:ext>
+            </a:extLst>
+          </p:cNvPr>
+          <p:cNvSpPr>
+            <a:spLocks noGrp="1"/>
+          </p:cNvSpPr>
+          <p:nvPr>
+            <p:ph type="body" idx="1"/>
+          </p:nvPr>
+        </p:nvSpPr>
+        <p:spPr/>
+        <p:txBody>
+          <a:bodyPr/>
+          <a:lstStyle/>
+          <a:p>
+            <a:endParaRPr lang="en-US" dirty="0"/>
+          </a:p>
+        </p:txBody>
+      </p:sp>
+      <p:sp>
+        <p:nvSpPr>
+          <p:cNvPr id="4" name="Slide Number Placeholder 3">
+            <a:extLst>
+              <a:ext uri="{FF2B5EF4-FFF2-40B4-BE49-F238E27FC236}">
+                <a16:creationId xmlns:a16="http://schemas.microsoft.com/office/drawing/2014/main" id="{8E4AB996-DD86-C36F-4EEF-1ECB8E0222FD}"/>
               </a:ext>
             </a:extLst>
           </p:cNvPr>
@@ -647,7 +763,763 @@
     </p:spTree>
     <p:extLst>
       <p:ext uri="{BB962C8B-B14F-4D97-AF65-F5344CB8AC3E}">
-        <p14:creationId xmlns:p14="http://schemas.microsoft.com/office/powerpoint/2010/main" val="1422996111"/>
+        <p14:creationId xmlns:p14="http://schemas.microsoft.com/office/powerpoint/2010/main" val="1200045256"/>
+      </p:ext>
+    </p:extLst>
+  </p:cSld>
+  <p:clrMapOvr>
+    <a:masterClrMapping/>
+  </p:clrMapOvr>
+</p:notes>
+</file>
+
+<file path=ppt/notesSlides/notesSlide3.xml><?xml version="1.0" encoding="utf-8"?>
+<p:notes xmlns:a="http://schemas.openxmlformats.org/drawingml/2006/main" xmlns:r="http://schemas.openxmlformats.org/officeDocument/2006/relationships" xmlns:p="http://schemas.openxmlformats.org/presentationml/2006/main">
+  <p:cSld>
+    <p:spTree>
+      <p:nvGrpSpPr>
+        <p:cNvPr id="1" name="">
+          <a:extLst>
+            <a:ext uri="{FF2B5EF4-FFF2-40B4-BE49-F238E27FC236}">
+              <a16:creationId xmlns:a16="http://schemas.microsoft.com/office/drawing/2014/main" id="{6CEE88F8-BC38-AB45-623B-CBF52FD23CD4}"/>
+            </a:ext>
+          </a:extLst>
+        </p:cNvPr>
+        <p:cNvGrpSpPr/>
+        <p:nvPr/>
+      </p:nvGrpSpPr>
+      <p:grpSpPr>
+        <a:xfrm>
+          <a:off x="0" y="0"/>
+          <a:ext cx="0" cy="0"/>
+          <a:chOff x="0" y="0"/>
+          <a:chExt cx="0" cy="0"/>
+        </a:xfrm>
+      </p:grpSpPr>
+      <p:sp>
+        <p:nvSpPr>
+          <p:cNvPr id="2" name="Slide Image Placeholder 1">
+            <a:extLst>
+              <a:ext uri="{FF2B5EF4-FFF2-40B4-BE49-F238E27FC236}">
+                <a16:creationId xmlns:a16="http://schemas.microsoft.com/office/drawing/2014/main" id="{D23094A6-0018-65D3-ADC5-6EB8C99B758D}"/>
+              </a:ext>
+            </a:extLst>
+          </p:cNvPr>
+          <p:cNvSpPr>
+            <a:spLocks noGrp="1" noRot="1" noChangeAspect="1"/>
+          </p:cNvSpPr>
+          <p:nvPr>
+            <p:ph type="sldImg"/>
+          </p:nvPr>
+        </p:nvSpPr>
+        <p:spPr/>
+      </p:sp>
+      <p:sp>
+        <p:nvSpPr>
+          <p:cNvPr id="3" name="Notes Placeholder 2">
+            <a:extLst>
+              <a:ext uri="{FF2B5EF4-FFF2-40B4-BE49-F238E27FC236}">
+                <a16:creationId xmlns:a16="http://schemas.microsoft.com/office/drawing/2014/main" id="{677ADC41-2D64-AAD7-3FAA-45ACA5D8359A}"/>
+              </a:ext>
+            </a:extLst>
+          </p:cNvPr>
+          <p:cNvSpPr>
+            <a:spLocks noGrp="1"/>
+          </p:cNvSpPr>
+          <p:nvPr>
+            <p:ph type="body" idx="1"/>
+          </p:nvPr>
+        </p:nvSpPr>
+        <p:spPr/>
+        <p:txBody>
+          <a:bodyPr/>
+          <a:lstStyle/>
+          <a:p>
+            <a:endParaRPr lang="en-US" dirty="0"/>
+          </a:p>
+        </p:txBody>
+      </p:sp>
+      <p:sp>
+        <p:nvSpPr>
+          <p:cNvPr id="4" name="Slide Number Placeholder 3">
+            <a:extLst>
+              <a:ext uri="{FF2B5EF4-FFF2-40B4-BE49-F238E27FC236}">
+                <a16:creationId xmlns:a16="http://schemas.microsoft.com/office/drawing/2014/main" id="{EE247A90-4EF7-CA13-0810-C59ECCA0538C}"/>
+              </a:ext>
+            </a:extLst>
+          </p:cNvPr>
+          <p:cNvSpPr>
+            <a:spLocks noGrp="1"/>
+          </p:cNvSpPr>
+          <p:nvPr>
+            <p:ph type="sldNum" sz="quarter" idx="5"/>
+          </p:nvPr>
+        </p:nvSpPr>
+        <p:spPr/>
+        <p:txBody>
+          <a:bodyPr/>
+          <a:lstStyle/>
+          <a:p>
+            <a:fld id="{A59EC0A6-2850-D147-9A65-4202BC918C7F}" type="slidenum">
+              <a:rPr lang="en-US" smtClean="0"/>
+              <a:t>3</a:t>
+            </a:fld>
+            <a:endParaRPr lang="en-US"/>
+          </a:p>
+        </p:txBody>
+      </p:sp>
+    </p:spTree>
+    <p:extLst>
+      <p:ext uri="{BB962C8B-B14F-4D97-AF65-F5344CB8AC3E}">
+        <p14:creationId xmlns:p14="http://schemas.microsoft.com/office/powerpoint/2010/main" val="2519272138"/>
+      </p:ext>
+    </p:extLst>
+  </p:cSld>
+  <p:clrMapOvr>
+    <a:masterClrMapping/>
+  </p:clrMapOvr>
+</p:notes>
+</file>
+
+<file path=ppt/notesSlides/notesSlide4.xml><?xml version="1.0" encoding="utf-8"?>
+<p:notes xmlns:a="http://schemas.openxmlformats.org/drawingml/2006/main" xmlns:r="http://schemas.openxmlformats.org/officeDocument/2006/relationships" xmlns:p="http://schemas.openxmlformats.org/presentationml/2006/main">
+  <p:cSld>
+    <p:spTree>
+      <p:nvGrpSpPr>
+        <p:cNvPr id="1" name="">
+          <a:extLst>
+            <a:ext uri="{FF2B5EF4-FFF2-40B4-BE49-F238E27FC236}">
+              <a16:creationId xmlns:a16="http://schemas.microsoft.com/office/drawing/2014/main" id="{A55E017A-3E4A-44D1-896F-ABCC377F4EEF}"/>
+            </a:ext>
+          </a:extLst>
+        </p:cNvPr>
+        <p:cNvGrpSpPr/>
+        <p:nvPr/>
+      </p:nvGrpSpPr>
+      <p:grpSpPr>
+        <a:xfrm>
+          <a:off x="0" y="0"/>
+          <a:ext cx="0" cy="0"/>
+          <a:chOff x="0" y="0"/>
+          <a:chExt cx="0" cy="0"/>
+        </a:xfrm>
+      </p:grpSpPr>
+      <p:sp>
+        <p:nvSpPr>
+          <p:cNvPr id="2" name="Slide Image Placeholder 1">
+            <a:extLst>
+              <a:ext uri="{FF2B5EF4-FFF2-40B4-BE49-F238E27FC236}">
+                <a16:creationId xmlns:a16="http://schemas.microsoft.com/office/drawing/2014/main" id="{EDF642D4-4C1B-4C58-24D4-70444CF01035}"/>
+              </a:ext>
+            </a:extLst>
+          </p:cNvPr>
+          <p:cNvSpPr>
+            <a:spLocks noGrp="1" noRot="1" noChangeAspect="1"/>
+          </p:cNvSpPr>
+          <p:nvPr>
+            <p:ph type="sldImg"/>
+          </p:nvPr>
+        </p:nvSpPr>
+        <p:spPr/>
+      </p:sp>
+      <p:sp>
+        <p:nvSpPr>
+          <p:cNvPr id="3" name="Notes Placeholder 2">
+            <a:extLst>
+              <a:ext uri="{FF2B5EF4-FFF2-40B4-BE49-F238E27FC236}">
+                <a16:creationId xmlns:a16="http://schemas.microsoft.com/office/drawing/2014/main" id="{8958D0BD-7E4C-C809-DDCB-9196F70E22BB}"/>
+              </a:ext>
+            </a:extLst>
+          </p:cNvPr>
+          <p:cNvSpPr>
+            <a:spLocks noGrp="1"/>
+          </p:cNvSpPr>
+          <p:nvPr>
+            <p:ph type="body" idx="1"/>
+          </p:nvPr>
+        </p:nvSpPr>
+        <p:spPr/>
+        <p:txBody>
+          <a:bodyPr/>
+          <a:lstStyle/>
+          <a:p>
+            <a:endParaRPr lang="en-US" dirty="0"/>
+          </a:p>
+        </p:txBody>
+      </p:sp>
+      <p:sp>
+        <p:nvSpPr>
+          <p:cNvPr id="4" name="Slide Number Placeholder 3">
+            <a:extLst>
+              <a:ext uri="{FF2B5EF4-FFF2-40B4-BE49-F238E27FC236}">
+                <a16:creationId xmlns:a16="http://schemas.microsoft.com/office/drawing/2014/main" id="{C9C70823-6DD9-2B23-8F09-C9427A999853}"/>
+              </a:ext>
+            </a:extLst>
+          </p:cNvPr>
+          <p:cNvSpPr>
+            <a:spLocks noGrp="1"/>
+          </p:cNvSpPr>
+          <p:nvPr>
+            <p:ph type="sldNum" sz="quarter" idx="5"/>
+          </p:nvPr>
+        </p:nvSpPr>
+        <p:spPr/>
+        <p:txBody>
+          <a:bodyPr/>
+          <a:lstStyle/>
+          <a:p>
+            <a:fld id="{A59EC0A6-2850-D147-9A65-4202BC918C7F}" type="slidenum">
+              <a:rPr lang="en-US" smtClean="0"/>
+              <a:t>4</a:t>
+            </a:fld>
+            <a:endParaRPr lang="en-US"/>
+          </a:p>
+        </p:txBody>
+      </p:sp>
+    </p:spTree>
+    <p:extLst>
+      <p:ext uri="{BB962C8B-B14F-4D97-AF65-F5344CB8AC3E}">
+        <p14:creationId xmlns:p14="http://schemas.microsoft.com/office/powerpoint/2010/main" val="4103746654"/>
+      </p:ext>
+    </p:extLst>
+  </p:cSld>
+  <p:clrMapOvr>
+    <a:masterClrMapping/>
+  </p:clrMapOvr>
+</p:notes>
+</file>
+
+<file path=ppt/notesSlides/notesSlide5.xml><?xml version="1.0" encoding="utf-8"?>
+<p:notes xmlns:a="http://schemas.openxmlformats.org/drawingml/2006/main" xmlns:r="http://schemas.openxmlformats.org/officeDocument/2006/relationships" xmlns:p="http://schemas.openxmlformats.org/presentationml/2006/main">
+  <p:cSld>
+    <p:spTree>
+      <p:nvGrpSpPr>
+        <p:cNvPr id="1" name="">
+          <a:extLst>
+            <a:ext uri="{FF2B5EF4-FFF2-40B4-BE49-F238E27FC236}">
+              <a16:creationId xmlns:a16="http://schemas.microsoft.com/office/drawing/2014/main" id="{F870A0F3-9C68-4317-4FB3-31FA9DBBE757}"/>
+            </a:ext>
+          </a:extLst>
+        </p:cNvPr>
+        <p:cNvGrpSpPr/>
+        <p:nvPr/>
+      </p:nvGrpSpPr>
+      <p:grpSpPr>
+        <a:xfrm>
+          <a:off x="0" y="0"/>
+          <a:ext cx="0" cy="0"/>
+          <a:chOff x="0" y="0"/>
+          <a:chExt cx="0" cy="0"/>
+        </a:xfrm>
+      </p:grpSpPr>
+      <p:sp>
+        <p:nvSpPr>
+          <p:cNvPr id="2" name="Slide Image Placeholder 1">
+            <a:extLst>
+              <a:ext uri="{FF2B5EF4-FFF2-40B4-BE49-F238E27FC236}">
+                <a16:creationId xmlns:a16="http://schemas.microsoft.com/office/drawing/2014/main" id="{14E2F466-B444-A0C8-20F8-5C3D41F1E0D0}"/>
+              </a:ext>
+            </a:extLst>
+          </p:cNvPr>
+          <p:cNvSpPr>
+            <a:spLocks noGrp="1" noRot="1" noChangeAspect="1"/>
+          </p:cNvSpPr>
+          <p:nvPr>
+            <p:ph type="sldImg"/>
+          </p:nvPr>
+        </p:nvSpPr>
+        <p:spPr/>
+      </p:sp>
+      <p:sp>
+        <p:nvSpPr>
+          <p:cNvPr id="3" name="Notes Placeholder 2">
+            <a:extLst>
+              <a:ext uri="{FF2B5EF4-FFF2-40B4-BE49-F238E27FC236}">
+                <a16:creationId xmlns:a16="http://schemas.microsoft.com/office/drawing/2014/main" id="{46B9FAFD-ED68-BAB7-4AA5-0E918DA0F928}"/>
+              </a:ext>
+            </a:extLst>
+          </p:cNvPr>
+          <p:cNvSpPr>
+            <a:spLocks noGrp="1"/>
+          </p:cNvSpPr>
+          <p:nvPr>
+            <p:ph type="body" idx="1"/>
+          </p:nvPr>
+        </p:nvSpPr>
+        <p:spPr/>
+        <p:txBody>
+          <a:bodyPr/>
+          <a:lstStyle/>
+          <a:p>
+            <a:endParaRPr lang="en-US" dirty="0"/>
+          </a:p>
+        </p:txBody>
+      </p:sp>
+      <p:sp>
+        <p:nvSpPr>
+          <p:cNvPr id="4" name="Slide Number Placeholder 3">
+            <a:extLst>
+              <a:ext uri="{FF2B5EF4-FFF2-40B4-BE49-F238E27FC236}">
+                <a16:creationId xmlns:a16="http://schemas.microsoft.com/office/drawing/2014/main" id="{7343FE78-2E26-B1A7-39FF-8CC6A10FEDC8}"/>
+              </a:ext>
+            </a:extLst>
+          </p:cNvPr>
+          <p:cNvSpPr>
+            <a:spLocks noGrp="1"/>
+          </p:cNvSpPr>
+          <p:nvPr>
+            <p:ph type="sldNum" sz="quarter" idx="5"/>
+          </p:nvPr>
+        </p:nvSpPr>
+        <p:spPr/>
+        <p:txBody>
+          <a:bodyPr/>
+          <a:lstStyle/>
+          <a:p>
+            <a:fld id="{A59EC0A6-2850-D147-9A65-4202BC918C7F}" type="slidenum">
+              <a:rPr lang="en-US" smtClean="0"/>
+              <a:t>5</a:t>
+            </a:fld>
+            <a:endParaRPr lang="en-US"/>
+          </a:p>
+        </p:txBody>
+      </p:sp>
+    </p:spTree>
+    <p:extLst>
+      <p:ext uri="{BB962C8B-B14F-4D97-AF65-F5344CB8AC3E}">
+        <p14:creationId xmlns:p14="http://schemas.microsoft.com/office/powerpoint/2010/main" val="2609763191"/>
+      </p:ext>
+    </p:extLst>
+  </p:cSld>
+  <p:clrMapOvr>
+    <a:masterClrMapping/>
+  </p:clrMapOvr>
+</p:notes>
+</file>
+
+<file path=ppt/notesSlides/notesSlide6.xml><?xml version="1.0" encoding="utf-8"?>
+<p:notes xmlns:a="http://schemas.openxmlformats.org/drawingml/2006/main" xmlns:r="http://schemas.openxmlformats.org/officeDocument/2006/relationships" xmlns:p="http://schemas.openxmlformats.org/presentationml/2006/main">
+  <p:cSld>
+    <p:spTree>
+      <p:nvGrpSpPr>
+        <p:cNvPr id="1" name="">
+          <a:extLst>
+            <a:ext uri="{FF2B5EF4-FFF2-40B4-BE49-F238E27FC236}">
+              <a16:creationId xmlns:a16="http://schemas.microsoft.com/office/drawing/2014/main" id="{FDA4DCC1-8E6F-B69F-9E7D-9F1BBE12354B}"/>
+            </a:ext>
+          </a:extLst>
+        </p:cNvPr>
+        <p:cNvGrpSpPr/>
+        <p:nvPr/>
+      </p:nvGrpSpPr>
+      <p:grpSpPr>
+        <a:xfrm>
+          <a:off x="0" y="0"/>
+          <a:ext cx="0" cy="0"/>
+          <a:chOff x="0" y="0"/>
+          <a:chExt cx="0" cy="0"/>
+        </a:xfrm>
+      </p:grpSpPr>
+      <p:sp>
+        <p:nvSpPr>
+          <p:cNvPr id="2" name="Slide Image Placeholder 1">
+            <a:extLst>
+              <a:ext uri="{FF2B5EF4-FFF2-40B4-BE49-F238E27FC236}">
+                <a16:creationId xmlns:a16="http://schemas.microsoft.com/office/drawing/2014/main" id="{11F0F437-694C-9C64-C476-583A72DCF1FA}"/>
+              </a:ext>
+            </a:extLst>
+          </p:cNvPr>
+          <p:cNvSpPr>
+            <a:spLocks noGrp="1" noRot="1" noChangeAspect="1"/>
+          </p:cNvSpPr>
+          <p:nvPr>
+            <p:ph type="sldImg"/>
+          </p:nvPr>
+        </p:nvSpPr>
+        <p:spPr/>
+      </p:sp>
+      <p:sp>
+        <p:nvSpPr>
+          <p:cNvPr id="3" name="Notes Placeholder 2">
+            <a:extLst>
+              <a:ext uri="{FF2B5EF4-FFF2-40B4-BE49-F238E27FC236}">
+                <a16:creationId xmlns:a16="http://schemas.microsoft.com/office/drawing/2014/main" id="{9B876B5D-727F-4F86-B4CC-F7D676016FEB}"/>
+              </a:ext>
+            </a:extLst>
+          </p:cNvPr>
+          <p:cNvSpPr>
+            <a:spLocks noGrp="1"/>
+          </p:cNvSpPr>
+          <p:nvPr>
+            <p:ph type="body" idx="1"/>
+          </p:nvPr>
+        </p:nvSpPr>
+        <p:spPr/>
+        <p:txBody>
+          <a:bodyPr/>
+          <a:lstStyle/>
+          <a:p>
+            <a:endParaRPr lang="en-US" dirty="0"/>
+          </a:p>
+        </p:txBody>
+      </p:sp>
+      <p:sp>
+        <p:nvSpPr>
+          <p:cNvPr id="4" name="Slide Number Placeholder 3">
+            <a:extLst>
+              <a:ext uri="{FF2B5EF4-FFF2-40B4-BE49-F238E27FC236}">
+                <a16:creationId xmlns:a16="http://schemas.microsoft.com/office/drawing/2014/main" id="{833ECA27-E4F2-DB91-7F28-222659971239}"/>
+              </a:ext>
+            </a:extLst>
+          </p:cNvPr>
+          <p:cNvSpPr>
+            <a:spLocks noGrp="1"/>
+          </p:cNvSpPr>
+          <p:nvPr>
+            <p:ph type="sldNum" sz="quarter" idx="5"/>
+          </p:nvPr>
+        </p:nvSpPr>
+        <p:spPr/>
+        <p:txBody>
+          <a:bodyPr/>
+          <a:lstStyle/>
+          <a:p>
+            <a:fld id="{A59EC0A6-2850-D147-9A65-4202BC918C7F}" type="slidenum">
+              <a:rPr lang="en-US" smtClean="0"/>
+              <a:t>6</a:t>
+            </a:fld>
+            <a:endParaRPr lang="en-US"/>
+          </a:p>
+        </p:txBody>
+      </p:sp>
+    </p:spTree>
+    <p:extLst>
+      <p:ext uri="{BB962C8B-B14F-4D97-AF65-F5344CB8AC3E}">
+        <p14:creationId xmlns:p14="http://schemas.microsoft.com/office/powerpoint/2010/main" val="2082614854"/>
+      </p:ext>
+    </p:extLst>
+  </p:cSld>
+  <p:clrMapOvr>
+    <a:masterClrMapping/>
+  </p:clrMapOvr>
+</p:notes>
+</file>
+
+<file path=ppt/notesSlides/notesSlide7.xml><?xml version="1.0" encoding="utf-8"?>
+<p:notes xmlns:a="http://schemas.openxmlformats.org/drawingml/2006/main" xmlns:r="http://schemas.openxmlformats.org/officeDocument/2006/relationships" xmlns:p="http://schemas.openxmlformats.org/presentationml/2006/main">
+  <p:cSld>
+    <p:spTree>
+      <p:nvGrpSpPr>
+        <p:cNvPr id="1" name="">
+          <a:extLst>
+            <a:ext uri="{FF2B5EF4-FFF2-40B4-BE49-F238E27FC236}">
+              <a16:creationId xmlns:a16="http://schemas.microsoft.com/office/drawing/2014/main" id="{44264B3E-F296-8853-AAE2-765C012F5776}"/>
+            </a:ext>
+          </a:extLst>
+        </p:cNvPr>
+        <p:cNvGrpSpPr/>
+        <p:nvPr/>
+      </p:nvGrpSpPr>
+      <p:grpSpPr>
+        <a:xfrm>
+          <a:off x="0" y="0"/>
+          <a:ext cx="0" cy="0"/>
+          <a:chOff x="0" y="0"/>
+          <a:chExt cx="0" cy="0"/>
+        </a:xfrm>
+      </p:grpSpPr>
+      <p:sp>
+        <p:nvSpPr>
+          <p:cNvPr id="2" name="Slide Image Placeholder 1">
+            <a:extLst>
+              <a:ext uri="{FF2B5EF4-FFF2-40B4-BE49-F238E27FC236}">
+                <a16:creationId xmlns:a16="http://schemas.microsoft.com/office/drawing/2014/main" id="{79021356-B51D-0B28-ABDD-C8BE7B729D4B}"/>
+              </a:ext>
+            </a:extLst>
+          </p:cNvPr>
+          <p:cNvSpPr>
+            <a:spLocks noGrp="1" noRot="1" noChangeAspect="1"/>
+          </p:cNvSpPr>
+          <p:nvPr>
+            <p:ph type="sldImg"/>
+          </p:nvPr>
+        </p:nvSpPr>
+        <p:spPr/>
+      </p:sp>
+      <p:sp>
+        <p:nvSpPr>
+          <p:cNvPr id="3" name="Notes Placeholder 2">
+            <a:extLst>
+              <a:ext uri="{FF2B5EF4-FFF2-40B4-BE49-F238E27FC236}">
+                <a16:creationId xmlns:a16="http://schemas.microsoft.com/office/drawing/2014/main" id="{0FE5C53C-0718-C961-A693-5BFC9493FDC8}"/>
+              </a:ext>
+            </a:extLst>
+          </p:cNvPr>
+          <p:cNvSpPr>
+            <a:spLocks noGrp="1"/>
+          </p:cNvSpPr>
+          <p:nvPr>
+            <p:ph type="body" idx="1"/>
+          </p:nvPr>
+        </p:nvSpPr>
+        <p:spPr/>
+        <p:txBody>
+          <a:bodyPr/>
+          <a:lstStyle/>
+          <a:p>
+            <a:endParaRPr lang="en-US" dirty="0"/>
+          </a:p>
+        </p:txBody>
+      </p:sp>
+      <p:sp>
+        <p:nvSpPr>
+          <p:cNvPr id="4" name="Slide Number Placeholder 3">
+            <a:extLst>
+              <a:ext uri="{FF2B5EF4-FFF2-40B4-BE49-F238E27FC236}">
+                <a16:creationId xmlns:a16="http://schemas.microsoft.com/office/drawing/2014/main" id="{01945530-6539-2D4D-3479-8B4DBDAF8E58}"/>
+              </a:ext>
+            </a:extLst>
+          </p:cNvPr>
+          <p:cNvSpPr>
+            <a:spLocks noGrp="1"/>
+          </p:cNvSpPr>
+          <p:nvPr>
+            <p:ph type="sldNum" sz="quarter" idx="5"/>
+          </p:nvPr>
+        </p:nvSpPr>
+        <p:spPr/>
+        <p:txBody>
+          <a:bodyPr/>
+          <a:lstStyle/>
+          <a:p>
+            <a:fld id="{A59EC0A6-2850-D147-9A65-4202BC918C7F}" type="slidenum">
+              <a:rPr lang="en-US" smtClean="0"/>
+              <a:t>7</a:t>
+            </a:fld>
+            <a:endParaRPr lang="en-US"/>
+          </a:p>
+        </p:txBody>
+      </p:sp>
+    </p:spTree>
+    <p:extLst>
+      <p:ext uri="{BB962C8B-B14F-4D97-AF65-F5344CB8AC3E}">
+        <p14:creationId xmlns:p14="http://schemas.microsoft.com/office/powerpoint/2010/main" val="2454228979"/>
+      </p:ext>
+    </p:extLst>
+  </p:cSld>
+  <p:clrMapOvr>
+    <a:masterClrMapping/>
+  </p:clrMapOvr>
+</p:notes>
+</file>
+
+<file path=ppt/notesSlides/notesSlide8.xml><?xml version="1.0" encoding="utf-8"?>
+<p:notes xmlns:a="http://schemas.openxmlformats.org/drawingml/2006/main" xmlns:r="http://schemas.openxmlformats.org/officeDocument/2006/relationships" xmlns:p="http://schemas.openxmlformats.org/presentationml/2006/main">
+  <p:cSld>
+    <p:spTree>
+      <p:nvGrpSpPr>
+        <p:cNvPr id="1" name="">
+          <a:extLst>
+            <a:ext uri="{FF2B5EF4-FFF2-40B4-BE49-F238E27FC236}">
+              <a16:creationId xmlns:a16="http://schemas.microsoft.com/office/drawing/2014/main" id="{BADD3C62-DECE-3E56-2AFE-646CB5A070BF}"/>
+            </a:ext>
+          </a:extLst>
+        </p:cNvPr>
+        <p:cNvGrpSpPr/>
+        <p:nvPr/>
+      </p:nvGrpSpPr>
+      <p:grpSpPr>
+        <a:xfrm>
+          <a:off x="0" y="0"/>
+          <a:ext cx="0" cy="0"/>
+          <a:chOff x="0" y="0"/>
+          <a:chExt cx="0" cy="0"/>
+        </a:xfrm>
+      </p:grpSpPr>
+      <p:sp>
+        <p:nvSpPr>
+          <p:cNvPr id="2" name="Slide Image Placeholder 1">
+            <a:extLst>
+              <a:ext uri="{FF2B5EF4-FFF2-40B4-BE49-F238E27FC236}">
+                <a16:creationId xmlns:a16="http://schemas.microsoft.com/office/drawing/2014/main" id="{BC2A6401-FC75-F7E4-F96A-EC2BA0E9E69A}"/>
+              </a:ext>
+            </a:extLst>
+          </p:cNvPr>
+          <p:cNvSpPr>
+            <a:spLocks noGrp="1" noRot="1" noChangeAspect="1"/>
+          </p:cNvSpPr>
+          <p:nvPr>
+            <p:ph type="sldImg"/>
+          </p:nvPr>
+        </p:nvSpPr>
+        <p:spPr/>
+      </p:sp>
+      <p:sp>
+        <p:nvSpPr>
+          <p:cNvPr id="3" name="Notes Placeholder 2">
+            <a:extLst>
+              <a:ext uri="{FF2B5EF4-FFF2-40B4-BE49-F238E27FC236}">
+                <a16:creationId xmlns:a16="http://schemas.microsoft.com/office/drawing/2014/main" id="{85571BC3-4405-0E16-7F92-63C2A0D89730}"/>
+              </a:ext>
+            </a:extLst>
+          </p:cNvPr>
+          <p:cNvSpPr>
+            <a:spLocks noGrp="1"/>
+          </p:cNvSpPr>
+          <p:nvPr>
+            <p:ph type="body" idx="1"/>
+          </p:nvPr>
+        </p:nvSpPr>
+        <p:spPr/>
+        <p:txBody>
+          <a:bodyPr/>
+          <a:lstStyle/>
+          <a:p>
+            <a:endParaRPr lang="en-US" dirty="0"/>
+          </a:p>
+        </p:txBody>
+      </p:sp>
+      <p:sp>
+        <p:nvSpPr>
+          <p:cNvPr id="4" name="Slide Number Placeholder 3">
+            <a:extLst>
+              <a:ext uri="{FF2B5EF4-FFF2-40B4-BE49-F238E27FC236}">
+                <a16:creationId xmlns:a16="http://schemas.microsoft.com/office/drawing/2014/main" id="{9E1D8DB3-E47D-E3CB-0140-B8CE393CF78F}"/>
+              </a:ext>
+            </a:extLst>
+          </p:cNvPr>
+          <p:cNvSpPr>
+            <a:spLocks noGrp="1"/>
+          </p:cNvSpPr>
+          <p:nvPr>
+            <p:ph type="sldNum" sz="quarter" idx="5"/>
+          </p:nvPr>
+        </p:nvSpPr>
+        <p:spPr/>
+        <p:txBody>
+          <a:bodyPr/>
+          <a:lstStyle/>
+          <a:p>
+            <a:fld id="{A59EC0A6-2850-D147-9A65-4202BC918C7F}" type="slidenum">
+              <a:rPr lang="en-US" smtClean="0"/>
+              <a:t>8</a:t>
+            </a:fld>
+            <a:endParaRPr lang="en-US"/>
+          </a:p>
+        </p:txBody>
+      </p:sp>
+    </p:spTree>
+    <p:extLst>
+      <p:ext uri="{BB962C8B-B14F-4D97-AF65-F5344CB8AC3E}">
+        <p14:creationId xmlns:p14="http://schemas.microsoft.com/office/powerpoint/2010/main" val="3359511317"/>
+      </p:ext>
+    </p:extLst>
+  </p:cSld>
+  <p:clrMapOvr>
+    <a:masterClrMapping/>
+  </p:clrMapOvr>
+</p:notes>
+</file>
+
+<file path=ppt/notesSlides/notesSlide9.xml><?xml version="1.0" encoding="utf-8"?>
+<p:notes xmlns:a="http://schemas.openxmlformats.org/drawingml/2006/main" xmlns:r="http://schemas.openxmlformats.org/officeDocument/2006/relationships" xmlns:p="http://schemas.openxmlformats.org/presentationml/2006/main">
+  <p:cSld>
+    <p:spTree>
+      <p:nvGrpSpPr>
+        <p:cNvPr id="1" name="">
+          <a:extLst>
+            <a:ext uri="{FF2B5EF4-FFF2-40B4-BE49-F238E27FC236}">
+              <a16:creationId xmlns:a16="http://schemas.microsoft.com/office/drawing/2014/main" id="{77FFBDD5-A2C4-9FBE-170F-E70755CB6928}"/>
+            </a:ext>
+          </a:extLst>
+        </p:cNvPr>
+        <p:cNvGrpSpPr/>
+        <p:nvPr/>
+      </p:nvGrpSpPr>
+      <p:grpSpPr>
+        <a:xfrm>
+          <a:off x="0" y="0"/>
+          <a:ext cx="0" cy="0"/>
+          <a:chOff x="0" y="0"/>
+          <a:chExt cx="0" cy="0"/>
+        </a:xfrm>
+      </p:grpSpPr>
+      <p:sp>
+        <p:nvSpPr>
+          <p:cNvPr id="2" name="Slide Image Placeholder 1">
+            <a:extLst>
+              <a:ext uri="{FF2B5EF4-FFF2-40B4-BE49-F238E27FC236}">
+                <a16:creationId xmlns:a16="http://schemas.microsoft.com/office/drawing/2014/main" id="{D0EFF999-6F8F-F078-7FE2-645ECC49955E}"/>
+              </a:ext>
+            </a:extLst>
+          </p:cNvPr>
+          <p:cNvSpPr>
+            <a:spLocks noGrp="1" noRot="1" noChangeAspect="1"/>
+          </p:cNvSpPr>
+          <p:nvPr>
+            <p:ph type="sldImg"/>
+          </p:nvPr>
+        </p:nvSpPr>
+        <p:spPr/>
+      </p:sp>
+      <p:sp>
+        <p:nvSpPr>
+          <p:cNvPr id="3" name="Notes Placeholder 2">
+            <a:extLst>
+              <a:ext uri="{FF2B5EF4-FFF2-40B4-BE49-F238E27FC236}">
+                <a16:creationId xmlns:a16="http://schemas.microsoft.com/office/drawing/2014/main" id="{F9EA9736-BDB9-058A-DD01-CC0E3883BDC3}"/>
+              </a:ext>
+            </a:extLst>
+          </p:cNvPr>
+          <p:cNvSpPr>
+            <a:spLocks noGrp="1"/>
+          </p:cNvSpPr>
+          <p:nvPr>
+            <p:ph type="body" idx="1"/>
+          </p:nvPr>
+        </p:nvSpPr>
+        <p:spPr/>
+        <p:txBody>
+          <a:bodyPr/>
+          <a:lstStyle/>
+          <a:p>
+            <a:endParaRPr lang="en-US" dirty="0"/>
+          </a:p>
+        </p:txBody>
+      </p:sp>
+      <p:sp>
+        <p:nvSpPr>
+          <p:cNvPr id="4" name="Slide Number Placeholder 3">
+            <a:extLst>
+              <a:ext uri="{FF2B5EF4-FFF2-40B4-BE49-F238E27FC236}">
+                <a16:creationId xmlns:a16="http://schemas.microsoft.com/office/drawing/2014/main" id="{C0E2B8D5-B52C-CC0C-DAA5-88CBAE971D1B}"/>
+              </a:ext>
+            </a:extLst>
+          </p:cNvPr>
+          <p:cNvSpPr>
+            <a:spLocks noGrp="1"/>
+          </p:cNvSpPr>
+          <p:nvPr>
+            <p:ph type="sldNum" sz="quarter" idx="5"/>
+          </p:nvPr>
+        </p:nvSpPr>
+        <p:spPr/>
+        <p:txBody>
+          <a:bodyPr/>
+          <a:lstStyle/>
+          <a:p>
+            <a:fld id="{A59EC0A6-2850-D147-9A65-4202BC918C7F}" type="slidenum">
+              <a:rPr lang="en-US" smtClean="0"/>
+              <a:t>9</a:t>
+            </a:fld>
+            <a:endParaRPr lang="en-US"/>
+          </a:p>
+        </p:txBody>
+      </p:sp>
+    </p:spTree>
+    <p:extLst>
+      <p:ext uri="{BB962C8B-B14F-4D97-AF65-F5344CB8AC3E}">
+        <p14:creationId xmlns:p14="http://schemas.microsoft.com/office/powerpoint/2010/main" val="1632072661"/>
       </p:ext>
     </p:extLst>
   </p:cSld>
@@ -3901,7 +4773,7 @@
         </p:blipFill>
         <p:spPr>
           <a:xfrm>
-            <a:off x="2829618" y="1826470"/>
+            <a:off x="1735375" y="1826470"/>
             <a:ext cx="8721250" cy="3205059"/>
           </a:xfrm>
           <a:prstGeom prst="rect">
@@ -3922,7 +4794,7 @@
 </p:sld>
 </file>
 
-<file path=ppt/slides/slide2.xml><?xml version="1.0" encoding="utf-8"?>
+<file path=ppt/slides/slide10.xml><?xml version="1.0" encoding="utf-8"?>
 <p:sld xmlns:a="http://schemas.openxmlformats.org/drawingml/2006/main" xmlns:r="http://schemas.openxmlformats.org/officeDocument/2006/relationships" xmlns:p="http://schemas.openxmlformats.org/presentationml/2006/main">
   <p:cSld>
     <p:spTree>
@@ -3930,7 +4802,7 @@
         <p:cNvPr id="1" name="">
           <a:extLst>
             <a:ext uri="{FF2B5EF4-FFF2-40B4-BE49-F238E27FC236}">
-              <a16:creationId xmlns:a16="http://schemas.microsoft.com/office/drawing/2014/main" id="{96A1918F-ACB3-982E-200C-F0E6DB8B3547}"/>
+              <a16:creationId xmlns:a16="http://schemas.microsoft.com/office/drawing/2014/main" id="{2A5369C3-419B-8999-4ADA-CDFF9537CCB8}"/>
             </a:ext>
           </a:extLst>
         </p:cNvPr>
@@ -3950,7 +4822,7 @@
           <p:cNvPr id="3" name="Picture 2" descr="A diagram of a model&#10;&#10;Description automatically generated">
             <a:extLst>
               <a:ext uri="{FF2B5EF4-FFF2-40B4-BE49-F238E27FC236}">
-                <a16:creationId xmlns:a16="http://schemas.microsoft.com/office/drawing/2014/main" id="{FAE6F09D-C7AE-3C3E-0378-014B7E20B7D5}"/>
+                <a16:creationId xmlns:a16="http://schemas.microsoft.com/office/drawing/2014/main" id="{2DEB727C-F3B6-C9A2-A564-F1FE23BAD4DD}"/>
               </a:ext>
             </a:extLst>
           </p:cNvPr>
@@ -3967,7 +4839,7 @@
         </p:blipFill>
         <p:spPr>
           <a:xfrm>
-            <a:off x="2829618" y="1826470"/>
+            <a:off x="2829618" y="223941"/>
             <a:ext cx="8721250" cy="3205059"/>
           </a:xfrm>
           <a:prstGeom prst="rect">
@@ -3980,7 +4852,7 @@
           <p:cNvPr id="5" name="Rounded Rectangle 4">
             <a:extLst>
               <a:ext uri="{FF2B5EF4-FFF2-40B4-BE49-F238E27FC236}">
-                <a16:creationId xmlns:a16="http://schemas.microsoft.com/office/drawing/2014/main" id="{0C9B5487-51C3-887B-F034-A3B33F0B0160}"/>
+                <a16:creationId xmlns:a16="http://schemas.microsoft.com/office/drawing/2014/main" id="{9D2AF731-A9EF-A057-1D52-DA2093F39675}"/>
               </a:ext>
             </a:extLst>
           </p:cNvPr>
@@ -3989,7 +4861,7 @@
         </p:nvSpPr>
         <p:spPr>
           <a:xfrm>
-            <a:off x="599089" y="1826470"/>
+            <a:off x="599089" y="223941"/>
             <a:ext cx="1881352" cy="2894375"/>
           </a:xfrm>
           <a:prstGeom prst="roundRect">
@@ -4056,7 +4928,7 @@
           <p:cNvPr id="8" name="Straight Arrow Connector 7">
             <a:extLst>
               <a:ext uri="{FF2B5EF4-FFF2-40B4-BE49-F238E27FC236}">
-                <a16:creationId xmlns:a16="http://schemas.microsoft.com/office/drawing/2014/main" id="{A7C71B95-316D-3974-68AC-5165F2357298}"/>
+                <a16:creationId xmlns:a16="http://schemas.microsoft.com/office/drawing/2014/main" id="{6791545A-C1B7-B0A2-ECF3-65932106E726}"/>
               </a:ext>
             </a:extLst>
           </p:cNvPr>
@@ -4067,7 +4939,7 @@
         </p:nvCxnSpPr>
         <p:spPr>
           <a:xfrm flipV="1">
-            <a:off x="2480441" y="3273657"/>
+            <a:off x="2480441" y="1671128"/>
             <a:ext cx="349177" cy="1"/>
           </a:xfrm>
           <a:prstGeom prst="straightConnector1">
@@ -4100,7 +4972,7 @@
           <p:cNvPr id="9" name="TextBox 8">
             <a:extLst>
               <a:ext uri="{FF2B5EF4-FFF2-40B4-BE49-F238E27FC236}">
-                <a16:creationId xmlns:a16="http://schemas.microsoft.com/office/drawing/2014/main" id="{CC6CC65B-D270-F5AD-81FE-241DB6DBBF83}"/>
+                <a16:creationId xmlns:a16="http://schemas.microsoft.com/office/drawing/2014/main" id="{DF7E4ED5-99F8-9441-8E62-1EA85105A5A5}"/>
               </a:ext>
             </a:extLst>
           </p:cNvPr>
@@ -4109,7 +4981,7 @@
         </p:nvSpPr>
         <p:spPr>
           <a:xfrm>
-            <a:off x="607721" y="4692975"/>
+            <a:off x="607721" y="3090446"/>
             <a:ext cx="795411" cy="338554"/>
           </a:xfrm>
           <a:prstGeom prst="rect">
@@ -4136,10 +5008,1482 @@
           </a:p>
         </p:txBody>
       </p:sp>
+      <p:pic>
+        <p:nvPicPr>
+          <p:cNvPr id="6" name="Picture 8">
+            <a:extLst>
+              <a:ext uri="{FF2B5EF4-FFF2-40B4-BE49-F238E27FC236}">
+                <a16:creationId xmlns:a16="http://schemas.microsoft.com/office/drawing/2014/main" id="{95FA6227-BF1C-6FF8-5138-D28553714EA9}"/>
+              </a:ext>
+            </a:extLst>
+          </p:cNvPr>
+          <p:cNvPicPr>
+            <a:picLocks noChangeAspect="1" noChangeArrowheads="1"/>
+          </p:cNvPicPr>
+          <p:nvPr/>
+        </p:nvPicPr>
+        <p:blipFill>
+          <a:blip r:embed="rId4">
+            <a:extLst>
+              <a:ext uri="{28A0092B-C50C-407E-A947-70E740481C1C}">
+                <a14:useLocalDpi xmlns:a14="http://schemas.microsoft.com/office/drawing/2010/main" val="0"/>
+              </a:ext>
+            </a:extLst>
+          </a:blip>
+          <a:srcRect/>
+          <a:stretch>
+            <a:fillRect/>
+          </a:stretch>
+        </p:blipFill>
+        <p:spPr bwMode="auto">
+          <a:xfrm>
+            <a:off x="168165" y="3815272"/>
+            <a:ext cx="2743200" cy="2743200"/>
+          </a:xfrm>
+          <a:prstGeom prst="rect">
+            <a:avLst/>
+          </a:prstGeom>
+          <a:noFill/>
+          <a:extLst>
+            <a:ext uri="{909E8E84-426E-40DD-AFC4-6F175D3DCCD1}">
+              <a14:hiddenFill xmlns:a14="http://schemas.microsoft.com/office/drawing/2010/main">
+                <a:solidFill>
+                  <a:srgbClr val="FFFFFF"/>
+                </a:solidFill>
+              </a14:hiddenFill>
+            </a:ext>
+          </a:extLst>
+        </p:spPr>
+      </p:pic>
     </p:spTree>
     <p:extLst>
       <p:ext uri="{BB962C8B-B14F-4D97-AF65-F5344CB8AC3E}">
-        <p14:creationId xmlns:p14="http://schemas.microsoft.com/office/powerpoint/2010/main" val="2440007590"/>
+        <p14:creationId xmlns:p14="http://schemas.microsoft.com/office/powerpoint/2010/main" val="2850970145"/>
+      </p:ext>
+    </p:extLst>
+  </p:cSld>
+  <p:clrMapOvr>
+    <a:masterClrMapping/>
+  </p:clrMapOvr>
+</p:sld>
+</file>
+
+<file path=ppt/slides/slide2.xml><?xml version="1.0" encoding="utf-8"?>
+<p:sld xmlns:a="http://schemas.openxmlformats.org/drawingml/2006/main" xmlns:r="http://schemas.openxmlformats.org/officeDocument/2006/relationships" xmlns:p="http://schemas.openxmlformats.org/presentationml/2006/main">
+  <p:cSld>
+    <p:spTree>
+      <p:nvGrpSpPr>
+        <p:cNvPr id="1" name="">
+          <a:extLst>
+            <a:ext uri="{FF2B5EF4-FFF2-40B4-BE49-F238E27FC236}">
+              <a16:creationId xmlns:a16="http://schemas.microsoft.com/office/drawing/2014/main" id="{2ACA5108-D457-92F9-18F6-F5E85056E1A2}"/>
+            </a:ext>
+          </a:extLst>
+        </p:cNvPr>
+        <p:cNvGrpSpPr/>
+        <p:nvPr/>
+      </p:nvGrpSpPr>
+      <p:grpSpPr>
+        <a:xfrm>
+          <a:off x="0" y="0"/>
+          <a:ext cx="0" cy="0"/>
+          <a:chOff x="0" y="0"/>
+          <a:chExt cx="0" cy="0"/>
+        </a:xfrm>
+      </p:grpSpPr>
+      <p:pic>
+        <p:nvPicPr>
+          <p:cNvPr id="3" name="Picture 2" descr="A diagram of a model&#10;&#10;Description automatically generated">
+            <a:extLst>
+              <a:ext uri="{FF2B5EF4-FFF2-40B4-BE49-F238E27FC236}">
+                <a16:creationId xmlns:a16="http://schemas.microsoft.com/office/drawing/2014/main" id="{F34B7E21-F390-A7AA-912E-4195C3953B4C}"/>
+              </a:ext>
+            </a:extLst>
+          </p:cNvPr>
+          <p:cNvPicPr>
+            <a:picLocks noChangeAspect="1"/>
+          </p:cNvPicPr>
+          <p:nvPr/>
+        </p:nvPicPr>
+        <p:blipFill>
+          <a:blip r:embed="rId3"/>
+          <a:stretch>
+            <a:fillRect/>
+          </a:stretch>
+        </p:blipFill>
+        <p:spPr>
+          <a:xfrm>
+            <a:off x="2829618" y="223941"/>
+            <a:ext cx="8721250" cy="3205059"/>
+          </a:xfrm>
+          <a:prstGeom prst="rect">
+            <a:avLst/>
+          </a:prstGeom>
+        </p:spPr>
+      </p:pic>
+    </p:spTree>
+    <p:extLst>
+      <p:ext uri="{BB962C8B-B14F-4D97-AF65-F5344CB8AC3E}">
+        <p14:creationId xmlns:p14="http://schemas.microsoft.com/office/powerpoint/2010/main" val="1050744130"/>
+      </p:ext>
+    </p:extLst>
+  </p:cSld>
+  <p:clrMapOvr>
+    <a:masterClrMapping/>
+  </p:clrMapOvr>
+</p:sld>
+</file>
+
+<file path=ppt/slides/slide3.xml><?xml version="1.0" encoding="utf-8"?>
+<p:sld xmlns:a="http://schemas.openxmlformats.org/drawingml/2006/main" xmlns:r="http://schemas.openxmlformats.org/officeDocument/2006/relationships" xmlns:p="http://schemas.openxmlformats.org/presentationml/2006/main">
+  <p:cSld>
+    <p:spTree>
+      <p:nvGrpSpPr>
+        <p:cNvPr id="1" name="">
+          <a:extLst>
+            <a:ext uri="{FF2B5EF4-FFF2-40B4-BE49-F238E27FC236}">
+              <a16:creationId xmlns:a16="http://schemas.microsoft.com/office/drawing/2014/main" id="{D2BFE4B4-6AE9-EAD3-12F9-80E442F3C027}"/>
+            </a:ext>
+          </a:extLst>
+        </p:cNvPr>
+        <p:cNvGrpSpPr/>
+        <p:nvPr/>
+      </p:nvGrpSpPr>
+      <p:grpSpPr>
+        <a:xfrm>
+          <a:off x="0" y="0"/>
+          <a:ext cx="0" cy="0"/>
+          <a:chOff x="0" y="0"/>
+          <a:chExt cx="0" cy="0"/>
+        </a:xfrm>
+      </p:grpSpPr>
+      <p:pic>
+        <p:nvPicPr>
+          <p:cNvPr id="3" name="Picture 2" descr="A diagram of a model&#10;&#10;Description automatically generated">
+            <a:extLst>
+              <a:ext uri="{FF2B5EF4-FFF2-40B4-BE49-F238E27FC236}">
+                <a16:creationId xmlns:a16="http://schemas.microsoft.com/office/drawing/2014/main" id="{CC114647-BEA1-42A8-A007-255B58889CC9}"/>
+              </a:ext>
+            </a:extLst>
+          </p:cNvPr>
+          <p:cNvPicPr>
+            <a:picLocks noChangeAspect="1"/>
+          </p:cNvPicPr>
+          <p:nvPr/>
+        </p:nvPicPr>
+        <p:blipFill>
+          <a:blip r:embed="rId3"/>
+          <a:stretch>
+            <a:fillRect/>
+          </a:stretch>
+        </p:blipFill>
+        <p:spPr>
+          <a:xfrm>
+            <a:off x="2829618" y="223941"/>
+            <a:ext cx="8721250" cy="3205059"/>
+          </a:xfrm>
+          <a:prstGeom prst="rect">
+            <a:avLst/>
+          </a:prstGeom>
+        </p:spPr>
+      </p:pic>
+      <p:pic>
+        <p:nvPicPr>
+          <p:cNvPr id="4" name="Picture 2">
+            <a:extLst>
+              <a:ext uri="{FF2B5EF4-FFF2-40B4-BE49-F238E27FC236}">
+                <a16:creationId xmlns:a16="http://schemas.microsoft.com/office/drawing/2014/main" id="{A1A8EC43-9C8D-F27F-A9E7-B77FAC5D0903}"/>
+              </a:ext>
+            </a:extLst>
+          </p:cNvPr>
+          <p:cNvPicPr>
+            <a:picLocks noChangeAspect="1" noChangeArrowheads="1"/>
+          </p:cNvPicPr>
+          <p:nvPr/>
+        </p:nvPicPr>
+        <p:blipFill rotWithShape="1">
+          <a:blip r:embed="rId4">
+            <a:extLst>
+              <a:ext uri="{28A0092B-C50C-407E-A947-70E740481C1C}">
+                <a14:useLocalDpi xmlns:a14="http://schemas.microsoft.com/office/drawing/2010/main" val="0"/>
+              </a:ext>
+            </a:extLst>
+          </a:blip>
+          <a:srcRect l="33464" t="16290" r="33856" b="16277"/>
+          <a:stretch/>
+        </p:blipFill>
+        <p:spPr bwMode="auto">
+          <a:xfrm>
+            <a:off x="4391873" y="4047079"/>
+            <a:ext cx="2924775" cy="2286000"/>
+          </a:xfrm>
+          <a:prstGeom prst="rect">
+            <a:avLst/>
+          </a:prstGeom>
+          <a:noFill/>
+          <a:extLst>
+            <a:ext uri="{909E8E84-426E-40DD-AFC4-6F175D3DCCD1}">
+              <a14:hiddenFill xmlns:a14="http://schemas.microsoft.com/office/drawing/2010/main">
+                <a:solidFill>
+                  <a:srgbClr val="FFFFFF"/>
+                </a:solidFill>
+              </a14:hiddenFill>
+            </a:ext>
+          </a:extLst>
+        </p:spPr>
+      </p:pic>
+      <p:sp>
+        <p:nvSpPr>
+          <p:cNvPr id="12" name="Rounded Rectangle 11">
+            <a:extLst>
+              <a:ext uri="{FF2B5EF4-FFF2-40B4-BE49-F238E27FC236}">
+                <a16:creationId xmlns:a16="http://schemas.microsoft.com/office/drawing/2014/main" id="{C51BCC2B-3653-F998-4346-5DDE553603F6}"/>
+              </a:ext>
+            </a:extLst>
+          </p:cNvPr>
+          <p:cNvSpPr/>
+          <p:nvPr/>
+        </p:nvSpPr>
+        <p:spPr>
+          <a:xfrm>
+            <a:off x="2669627" y="126124"/>
+            <a:ext cx="6369269" cy="3302877"/>
+          </a:xfrm>
+          <a:prstGeom prst="roundRect">
+            <a:avLst>
+              <a:gd name="adj" fmla="val 7170"/>
+            </a:avLst>
+          </a:prstGeom>
+          <a:noFill/>
+          <a:ln w="28575">
+            <a:solidFill>
+              <a:schemeClr val="accent6">
+                <a:lumMod val="60000"/>
+                <a:lumOff val="40000"/>
+              </a:schemeClr>
+            </a:solidFill>
+          </a:ln>
+        </p:spPr>
+        <p:style>
+          <a:lnRef idx="2">
+            <a:schemeClr val="accent1">
+              <a:shade val="15000"/>
+            </a:schemeClr>
+          </a:lnRef>
+          <a:fillRef idx="1">
+            <a:schemeClr val="accent1"/>
+          </a:fillRef>
+          <a:effectRef idx="0">
+            <a:schemeClr val="accent1"/>
+          </a:effectRef>
+          <a:fontRef idx="minor">
+            <a:schemeClr val="lt1"/>
+          </a:fontRef>
+        </p:style>
+        <p:txBody>
+          <a:bodyPr rtlCol="0" anchor="ctr"/>
+          <a:lstStyle/>
+          <a:p>
+            <a:pPr algn="ctr"/>
+            <a:endParaRPr lang="en-US" sz="2200" dirty="0">
+              <a:solidFill>
+                <a:srgbClr val="FF0000"/>
+              </a:solidFill>
+              <a:latin typeface="Roboto" panose="02000000000000000000" pitchFamily="2" charset="0"/>
+              <a:ea typeface="Roboto" panose="02000000000000000000" pitchFamily="2" charset="0"/>
+            </a:endParaRPr>
+          </a:p>
+        </p:txBody>
+      </p:sp>
+    </p:spTree>
+    <p:extLst>
+      <p:ext uri="{BB962C8B-B14F-4D97-AF65-F5344CB8AC3E}">
+        <p14:creationId xmlns:p14="http://schemas.microsoft.com/office/powerpoint/2010/main" val="159865887"/>
+      </p:ext>
+    </p:extLst>
+  </p:cSld>
+  <p:clrMapOvr>
+    <a:masterClrMapping/>
+  </p:clrMapOvr>
+</p:sld>
+</file>
+
+<file path=ppt/slides/slide4.xml><?xml version="1.0" encoding="utf-8"?>
+<p:sld xmlns:a="http://schemas.openxmlformats.org/drawingml/2006/main" xmlns:r="http://schemas.openxmlformats.org/officeDocument/2006/relationships" xmlns:p="http://schemas.openxmlformats.org/presentationml/2006/main">
+  <p:cSld>
+    <p:spTree>
+      <p:nvGrpSpPr>
+        <p:cNvPr id="1" name="">
+          <a:extLst>
+            <a:ext uri="{FF2B5EF4-FFF2-40B4-BE49-F238E27FC236}">
+              <a16:creationId xmlns:a16="http://schemas.microsoft.com/office/drawing/2014/main" id="{51EDD887-1628-276E-2246-F759BB4E9BC7}"/>
+            </a:ext>
+          </a:extLst>
+        </p:cNvPr>
+        <p:cNvGrpSpPr/>
+        <p:nvPr/>
+      </p:nvGrpSpPr>
+      <p:grpSpPr>
+        <a:xfrm>
+          <a:off x="0" y="0"/>
+          <a:ext cx="0" cy="0"/>
+          <a:chOff x="0" y="0"/>
+          <a:chExt cx="0" cy="0"/>
+        </a:xfrm>
+      </p:grpSpPr>
+      <p:pic>
+        <p:nvPicPr>
+          <p:cNvPr id="3" name="Picture 2" descr="A diagram of a model&#10;&#10;Description automatically generated">
+            <a:extLst>
+              <a:ext uri="{FF2B5EF4-FFF2-40B4-BE49-F238E27FC236}">
+                <a16:creationId xmlns:a16="http://schemas.microsoft.com/office/drawing/2014/main" id="{2DC44FDC-BA5E-3374-0100-A943428D4AF5}"/>
+              </a:ext>
+            </a:extLst>
+          </p:cNvPr>
+          <p:cNvPicPr>
+            <a:picLocks noChangeAspect="1"/>
+          </p:cNvPicPr>
+          <p:nvPr/>
+        </p:nvPicPr>
+        <p:blipFill>
+          <a:blip r:embed="rId3"/>
+          <a:stretch>
+            <a:fillRect/>
+          </a:stretch>
+        </p:blipFill>
+        <p:spPr>
+          <a:xfrm>
+            <a:off x="2829618" y="223941"/>
+            <a:ext cx="8721250" cy="3205059"/>
+          </a:xfrm>
+          <a:prstGeom prst="rect">
+            <a:avLst/>
+          </a:prstGeom>
+        </p:spPr>
+      </p:pic>
+      <p:sp>
+        <p:nvSpPr>
+          <p:cNvPr id="12" name="Rounded Rectangle 11">
+            <a:extLst>
+              <a:ext uri="{FF2B5EF4-FFF2-40B4-BE49-F238E27FC236}">
+                <a16:creationId xmlns:a16="http://schemas.microsoft.com/office/drawing/2014/main" id="{EC50E9BB-5C0A-A5CE-F58E-6E991F549AF0}"/>
+              </a:ext>
+            </a:extLst>
+          </p:cNvPr>
+          <p:cNvSpPr/>
+          <p:nvPr/>
+        </p:nvSpPr>
+        <p:spPr>
+          <a:xfrm>
+            <a:off x="2669627" y="126124"/>
+            <a:ext cx="6369269" cy="3302877"/>
+          </a:xfrm>
+          <a:prstGeom prst="roundRect">
+            <a:avLst>
+              <a:gd name="adj" fmla="val 7170"/>
+            </a:avLst>
+          </a:prstGeom>
+          <a:noFill/>
+          <a:ln w="28575">
+            <a:solidFill>
+              <a:schemeClr val="accent6">
+                <a:lumMod val="60000"/>
+                <a:lumOff val="40000"/>
+              </a:schemeClr>
+            </a:solidFill>
+          </a:ln>
+        </p:spPr>
+        <p:style>
+          <a:lnRef idx="2">
+            <a:schemeClr val="accent1">
+              <a:shade val="15000"/>
+            </a:schemeClr>
+          </a:lnRef>
+          <a:fillRef idx="1">
+            <a:schemeClr val="accent1"/>
+          </a:fillRef>
+          <a:effectRef idx="0">
+            <a:schemeClr val="accent1"/>
+          </a:effectRef>
+          <a:fontRef idx="minor">
+            <a:schemeClr val="lt1"/>
+          </a:fontRef>
+        </p:style>
+        <p:txBody>
+          <a:bodyPr rtlCol="0" anchor="ctr"/>
+          <a:lstStyle/>
+          <a:p>
+            <a:pPr algn="ctr"/>
+            <a:endParaRPr lang="en-US" sz="2200" dirty="0">
+              <a:solidFill>
+                <a:srgbClr val="FF0000"/>
+              </a:solidFill>
+              <a:latin typeface="Roboto" panose="02000000000000000000" pitchFamily="2" charset="0"/>
+              <a:ea typeface="Roboto" panose="02000000000000000000" pitchFamily="2" charset="0"/>
+            </a:endParaRPr>
+          </a:p>
+        </p:txBody>
+      </p:sp>
+      <p:pic>
+        <p:nvPicPr>
+          <p:cNvPr id="2" name="Picture 6" descr="Tidyverse - Wikipedia">
+            <a:extLst>
+              <a:ext uri="{FF2B5EF4-FFF2-40B4-BE49-F238E27FC236}">
+                <a16:creationId xmlns:a16="http://schemas.microsoft.com/office/drawing/2014/main" id="{5A192CDE-C006-88E3-72E7-1EEBD0DF9876}"/>
+              </a:ext>
+            </a:extLst>
+          </p:cNvPr>
+          <p:cNvPicPr>
+            <a:picLocks noChangeAspect="1" noChangeArrowheads="1"/>
+          </p:cNvPicPr>
+          <p:nvPr/>
+        </p:nvPicPr>
+        <p:blipFill>
+          <a:blip r:embed="rId4">
+            <a:extLst>
+              <a:ext uri="{28A0092B-C50C-407E-A947-70E740481C1C}">
+                <a14:useLocalDpi xmlns:a14="http://schemas.microsoft.com/office/drawing/2010/main" val="0"/>
+              </a:ext>
+            </a:extLst>
+          </a:blip>
+          <a:srcRect/>
+          <a:stretch>
+            <a:fillRect/>
+          </a:stretch>
+        </p:blipFill>
+        <p:spPr bwMode="auto">
+          <a:xfrm>
+            <a:off x="4684351" y="3753506"/>
+            <a:ext cx="2374901" cy="2743200"/>
+          </a:xfrm>
+          <a:prstGeom prst="rect">
+            <a:avLst/>
+          </a:prstGeom>
+          <a:noFill/>
+          <a:extLst>
+            <a:ext uri="{909E8E84-426E-40DD-AFC4-6F175D3DCCD1}">
+              <a14:hiddenFill xmlns:a14="http://schemas.microsoft.com/office/drawing/2010/main">
+                <a:solidFill>
+                  <a:srgbClr val="FFFFFF"/>
+                </a:solidFill>
+              </a14:hiddenFill>
+            </a:ext>
+          </a:extLst>
+        </p:spPr>
+      </p:pic>
+    </p:spTree>
+    <p:extLst>
+      <p:ext uri="{BB962C8B-B14F-4D97-AF65-F5344CB8AC3E}">
+        <p14:creationId xmlns:p14="http://schemas.microsoft.com/office/powerpoint/2010/main" val="991876997"/>
+      </p:ext>
+    </p:extLst>
+  </p:cSld>
+  <p:clrMapOvr>
+    <a:masterClrMapping/>
+  </p:clrMapOvr>
+</p:sld>
+</file>
+
+<file path=ppt/slides/slide5.xml><?xml version="1.0" encoding="utf-8"?>
+<p:sld xmlns:a="http://schemas.openxmlformats.org/drawingml/2006/main" xmlns:r="http://schemas.openxmlformats.org/officeDocument/2006/relationships" xmlns:p="http://schemas.openxmlformats.org/presentationml/2006/main">
+  <p:cSld>
+    <p:spTree>
+      <p:nvGrpSpPr>
+        <p:cNvPr id="1" name="">
+          <a:extLst>
+            <a:ext uri="{FF2B5EF4-FFF2-40B4-BE49-F238E27FC236}">
+              <a16:creationId xmlns:a16="http://schemas.microsoft.com/office/drawing/2014/main" id="{9ABB8E0F-4E92-6CD4-288A-3DF896F18FE9}"/>
+            </a:ext>
+          </a:extLst>
+        </p:cNvPr>
+        <p:cNvGrpSpPr/>
+        <p:nvPr/>
+      </p:nvGrpSpPr>
+      <p:grpSpPr>
+        <a:xfrm>
+          <a:off x="0" y="0"/>
+          <a:ext cx="0" cy="0"/>
+          <a:chOff x="0" y="0"/>
+          <a:chExt cx="0" cy="0"/>
+        </a:xfrm>
+      </p:grpSpPr>
+      <p:pic>
+        <p:nvPicPr>
+          <p:cNvPr id="3" name="Picture 2" descr="A diagram of a model&#10;&#10;Description automatically generated">
+            <a:extLst>
+              <a:ext uri="{FF2B5EF4-FFF2-40B4-BE49-F238E27FC236}">
+                <a16:creationId xmlns:a16="http://schemas.microsoft.com/office/drawing/2014/main" id="{53AA2B7F-0A50-69F3-F84B-413A7884F162}"/>
+              </a:ext>
+            </a:extLst>
+          </p:cNvPr>
+          <p:cNvPicPr>
+            <a:picLocks noChangeAspect="1"/>
+          </p:cNvPicPr>
+          <p:nvPr/>
+        </p:nvPicPr>
+        <p:blipFill>
+          <a:blip r:embed="rId3"/>
+          <a:stretch>
+            <a:fillRect/>
+          </a:stretch>
+        </p:blipFill>
+        <p:spPr>
+          <a:xfrm>
+            <a:off x="2829618" y="223941"/>
+            <a:ext cx="8721250" cy="3205059"/>
+          </a:xfrm>
+          <a:prstGeom prst="rect">
+            <a:avLst/>
+          </a:prstGeom>
+        </p:spPr>
+      </p:pic>
+      <p:sp>
+        <p:nvSpPr>
+          <p:cNvPr id="12" name="Rounded Rectangle 11">
+            <a:extLst>
+              <a:ext uri="{FF2B5EF4-FFF2-40B4-BE49-F238E27FC236}">
+                <a16:creationId xmlns:a16="http://schemas.microsoft.com/office/drawing/2014/main" id="{7B3CA457-412D-8975-FF93-07069E136745}"/>
+              </a:ext>
+            </a:extLst>
+          </p:cNvPr>
+          <p:cNvSpPr/>
+          <p:nvPr/>
+        </p:nvSpPr>
+        <p:spPr>
+          <a:xfrm>
+            <a:off x="8912771" y="126124"/>
+            <a:ext cx="2753711" cy="3302877"/>
+          </a:xfrm>
+          <a:prstGeom prst="roundRect">
+            <a:avLst>
+              <a:gd name="adj" fmla="val 7170"/>
+            </a:avLst>
+          </a:prstGeom>
+          <a:noFill/>
+          <a:ln w="28575">
+            <a:solidFill>
+              <a:schemeClr val="accent2">
+                <a:lumMod val="60000"/>
+                <a:lumOff val="40000"/>
+              </a:schemeClr>
+            </a:solidFill>
+          </a:ln>
+        </p:spPr>
+        <p:style>
+          <a:lnRef idx="2">
+            <a:schemeClr val="accent1">
+              <a:shade val="15000"/>
+            </a:schemeClr>
+          </a:lnRef>
+          <a:fillRef idx="1">
+            <a:schemeClr val="accent1"/>
+          </a:fillRef>
+          <a:effectRef idx="0">
+            <a:schemeClr val="accent1"/>
+          </a:effectRef>
+          <a:fontRef idx="minor">
+            <a:schemeClr val="lt1"/>
+          </a:fontRef>
+        </p:style>
+        <p:txBody>
+          <a:bodyPr rtlCol="0" anchor="ctr"/>
+          <a:lstStyle/>
+          <a:p>
+            <a:pPr algn="ctr"/>
+            <a:endParaRPr lang="en-US" sz="2200" dirty="0">
+              <a:solidFill>
+                <a:srgbClr val="FF0000"/>
+              </a:solidFill>
+              <a:latin typeface="Roboto" panose="02000000000000000000" pitchFamily="2" charset="0"/>
+              <a:ea typeface="Roboto" panose="02000000000000000000" pitchFamily="2" charset="0"/>
+            </a:endParaRPr>
+          </a:p>
+        </p:txBody>
+      </p:sp>
+      <p:pic>
+        <p:nvPicPr>
+          <p:cNvPr id="2" name="Picture 2">
+            <a:extLst>
+              <a:ext uri="{FF2B5EF4-FFF2-40B4-BE49-F238E27FC236}">
+                <a16:creationId xmlns:a16="http://schemas.microsoft.com/office/drawing/2014/main" id="{7D585771-4A4A-D8C4-BF92-49E6027DA1C2}"/>
+              </a:ext>
+            </a:extLst>
+          </p:cNvPr>
+          <p:cNvPicPr>
+            <a:picLocks noChangeAspect="1" noChangeArrowheads="1"/>
+          </p:cNvPicPr>
+          <p:nvPr/>
+        </p:nvPicPr>
+        <p:blipFill rotWithShape="1">
+          <a:blip r:embed="rId4">
+            <a:extLst>
+              <a:ext uri="{28A0092B-C50C-407E-A947-70E740481C1C}">
+                <a14:useLocalDpi xmlns:a14="http://schemas.microsoft.com/office/drawing/2010/main" val="0"/>
+              </a:ext>
+            </a:extLst>
+          </a:blip>
+          <a:srcRect l="65283" t="16283" r="4205" b="16283"/>
+          <a:stretch/>
+        </p:blipFill>
+        <p:spPr bwMode="auto">
+          <a:xfrm>
+            <a:off x="9355736" y="3905190"/>
+            <a:ext cx="2730776" cy="2286000"/>
+          </a:xfrm>
+          <a:prstGeom prst="rect">
+            <a:avLst/>
+          </a:prstGeom>
+          <a:noFill/>
+          <a:extLst>
+            <a:ext uri="{909E8E84-426E-40DD-AFC4-6F175D3DCCD1}">
+              <a14:hiddenFill xmlns:a14="http://schemas.microsoft.com/office/drawing/2010/main">
+                <a:solidFill>
+                  <a:srgbClr val="FFFFFF"/>
+                </a:solidFill>
+              </a14:hiddenFill>
+            </a:ext>
+          </a:extLst>
+        </p:spPr>
+      </p:pic>
+      <p:pic>
+        <p:nvPicPr>
+          <p:cNvPr id="5" name="Picture 2">
+            <a:extLst>
+              <a:ext uri="{FF2B5EF4-FFF2-40B4-BE49-F238E27FC236}">
+                <a16:creationId xmlns:a16="http://schemas.microsoft.com/office/drawing/2014/main" id="{B7811E1A-FBDE-0677-63CD-DC2E366BDB2C}"/>
+              </a:ext>
+            </a:extLst>
+          </p:cNvPr>
+          <p:cNvPicPr>
+            <a:picLocks noChangeAspect="1" noChangeArrowheads="1"/>
+          </p:cNvPicPr>
+          <p:nvPr/>
+        </p:nvPicPr>
+        <p:blipFill rotWithShape="1">
+          <a:blip r:embed="rId4">
+            <a:extLst>
+              <a:ext uri="{28A0092B-C50C-407E-A947-70E740481C1C}">
+                <a14:useLocalDpi xmlns:a14="http://schemas.microsoft.com/office/drawing/2010/main" val="0"/>
+              </a:ext>
+            </a:extLst>
+          </a:blip>
+          <a:srcRect t="16290" r="65282" b="16277"/>
+          <a:stretch/>
+        </p:blipFill>
+        <p:spPr bwMode="auto">
+          <a:xfrm>
+            <a:off x="6485010" y="3905190"/>
+            <a:ext cx="3107125" cy="2286000"/>
+          </a:xfrm>
+          <a:prstGeom prst="rect">
+            <a:avLst/>
+          </a:prstGeom>
+          <a:noFill/>
+          <a:extLst>
+            <a:ext uri="{909E8E84-426E-40DD-AFC4-6F175D3DCCD1}">
+              <a14:hiddenFill xmlns:a14="http://schemas.microsoft.com/office/drawing/2010/main">
+                <a:solidFill>
+                  <a:srgbClr val="FFFFFF"/>
+                </a:solidFill>
+              </a14:hiddenFill>
+            </a:ext>
+          </a:extLst>
+        </p:spPr>
+      </p:pic>
+    </p:spTree>
+    <p:extLst>
+      <p:ext uri="{BB962C8B-B14F-4D97-AF65-F5344CB8AC3E}">
+        <p14:creationId xmlns:p14="http://schemas.microsoft.com/office/powerpoint/2010/main" val="3430866735"/>
+      </p:ext>
+    </p:extLst>
+  </p:cSld>
+  <p:clrMapOvr>
+    <a:masterClrMapping/>
+  </p:clrMapOvr>
+</p:sld>
+</file>
+
+<file path=ppt/slides/slide6.xml><?xml version="1.0" encoding="utf-8"?>
+<p:sld xmlns:a="http://schemas.openxmlformats.org/drawingml/2006/main" xmlns:r="http://schemas.openxmlformats.org/officeDocument/2006/relationships" xmlns:p="http://schemas.openxmlformats.org/presentationml/2006/main">
+  <p:cSld>
+    <p:spTree>
+      <p:nvGrpSpPr>
+        <p:cNvPr id="1" name="">
+          <a:extLst>
+            <a:ext uri="{FF2B5EF4-FFF2-40B4-BE49-F238E27FC236}">
+              <a16:creationId xmlns:a16="http://schemas.microsoft.com/office/drawing/2014/main" id="{BB6CAF10-FFB2-5C7B-C08F-4670C46C58B2}"/>
+            </a:ext>
+          </a:extLst>
+        </p:cNvPr>
+        <p:cNvGrpSpPr/>
+        <p:nvPr/>
+      </p:nvGrpSpPr>
+      <p:grpSpPr>
+        <a:xfrm>
+          <a:off x="0" y="0"/>
+          <a:ext cx="0" cy="0"/>
+          <a:chOff x="0" y="0"/>
+          <a:chExt cx="0" cy="0"/>
+        </a:xfrm>
+      </p:grpSpPr>
+      <p:pic>
+        <p:nvPicPr>
+          <p:cNvPr id="3" name="Picture 2" descr="A diagram of a model&#10;&#10;Description automatically generated">
+            <a:extLst>
+              <a:ext uri="{FF2B5EF4-FFF2-40B4-BE49-F238E27FC236}">
+                <a16:creationId xmlns:a16="http://schemas.microsoft.com/office/drawing/2014/main" id="{5A6F23A6-E720-024B-4A5D-C9EAE0F07F29}"/>
+              </a:ext>
+            </a:extLst>
+          </p:cNvPr>
+          <p:cNvPicPr>
+            <a:picLocks noChangeAspect="1"/>
+          </p:cNvPicPr>
+          <p:nvPr/>
+        </p:nvPicPr>
+        <p:blipFill>
+          <a:blip r:embed="rId3"/>
+          <a:stretch>
+            <a:fillRect/>
+          </a:stretch>
+        </p:blipFill>
+        <p:spPr>
+          <a:xfrm>
+            <a:off x="2829618" y="223941"/>
+            <a:ext cx="8721250" cy="3205059"/>
+          </a:xfrm>
+          <a:prstGeom prst="rect">
+            <a:avLst/>
+          </a:prstGeom>
+        </p:spPr>
+      </p:pic>
+      <p:sp>
+        <p:nvSpPr>
+          <p:cNvPr id="12" name="Rounded Rectangle 11">
+            <a:extLst>
+              <a:ext uri="{FF2B5EF4-FFF2-40B4-BE49-F238E27FC236}">
+                <a16:creationId xmlns:a16="http://schemas.microsoft.com/office/drawing/2014/main" id="{0A53DF4E-030B-E39C-9BC1-AC3482D0F059}"/>
+              </a:ext>
+            </a:extLst>
+          </p:cNvPr>
+          <p:cNvSpPr/>
+          <p:nvPr/>
+        </p:nvSpPr>
+        <p:spPr>
+          <a:xfrm>
+            <a:off x="8912771" y="126124"/>
+            <a:ext cx="2753711" cy="3302877"/>
+          </a:xfrm>
+          <a:prstGeom prst="roundRect">
+            <a:avLst>
+              <a:gd name="adj" fmla="val 7170"/>
+            </a:avLst>
+          </a:prstGeom>
+          <a:noFill/>
+          <a:ln w="28575">
+            <a:solidFill>
+              <a:schemeClr val="accent2">
+                <a:lumMod val="60000"/>
+                <a:lumOff val="40000"/>
+              </a:schemeClr>
+            </a:solidFill>
+          </a:ln>
+        </p:spPr>
+        <p:style>
+          <a:lnRef idx="2">
+            <a:schemeClr val="accent1">
+              <a:shade val="15000"/>
+            </a:schemeClr>
+          </a:lnRef>
+          <a:fillRef idx="1">
+            <a:schemeClr val="accent1"/>
+          </a:fillRef>
+          <a:effectRef idx="0">
+            <a:schemeClr val="accent1"/>
+          </a:effectRef>
+          <a:fontRef idx="minor">
+            <a:schemeClr val="lt1"/>
+          </a:fontRef>
+        </p:style>
+        <p:txBody>
+          <a:bodyPr rtlCol="0" anchor="ctr"/>
+          <a:lstStyle/>
+          <a:p>
+            <a:pPr algn="ctr"/>
+            <a:endParaRPr lang="en-US" sz="2200" dirty="0">
+              <a:solidFill>
+                <a:srgbClr val="FF0000"/>
+              </a:solidFill>
+              <a:latin typeface="Roboto" panose="02000000000000000000" pitchFamily="2" charset="0"/>
+              <a:ea typeface="Roboto" panose="02000000000000000000" pitchFamily="2" charset="0"/>
+            </a:endParaRPr>
+          </a:p>
+        </p:txBody>
+      </p:sp>
+      <p:pic>
+        <p:nvPicPr>
+          <p:cNvPr id="4" name="Picture 4" descr="Hex logo for Quarto - a white circle segmented into quarters next to the text Quarto on a blue background.">
+            <a:extLst>
+              <a:ext uri="{FF2B5EF4-FFF2-40B4-BE49-F238E27FC236}">
+                <a16:creationId xmlns:a16="http://schemas.microsoft.com/office/drawing/2014/main" id="{563CE127-0AB8-1B25-C224-4B4CD1DD0282}"/>
+              </a:ext>
+            </a:extLst>
+          </p:cNvPr>
+          <p:cNvPicPr>
+            <a:picLocks noChangeAspect="1" noChangeArrowheads="1"/>
+          </p:cNvPicPr>
+          <p:nvPr/>
+        </p:nvPicPr>
+        <p:blipFill>
+          <a:blip r:embed="rId4">
+            <a:extLst>
+              <a:ext uri="{28A0092B-C50C-407E-A947-70E740481C1C}">
+                <a14:useLocalDpi xmlns:a14="http://schemas.microsoft.com/office/drawing/2010/main" val="0"/>
+              </a:ext>
+            </a:extLst>
+          </a:blip>
+          <a:srcRect/>
+          <a:stretch>
+            <a:fillRect/>
+          </a:stretch>
+        </p:blipFill>
+        <p:spPr bwMode="auto">
+          <a:xfrm>
+            <a:off x="9101236" y="3785756"/>
+            <a:ext cx="2376780" cy="2743200"/>
+          </a:xfrm>
+          <a:prstGeom prst="rect">
+            <a:avLst/>
+          </a:prstGeom>
+          <a:noFill/>
+          <a:extLst>
+            <a:ext uri="{909E8E84-426E-40DD-AFC4-6F175D3DCCD1}">
+              <a14:hiddenFill xmlns:a14="http://schemas.microsoft.com/office/drawing/2010/main">
+                <a:solidFill>
+                  <a:srgbClr val="FFFFFF"/>
+                </a:solidFill>
+              </a14:hiddenFill>
+            </a:ext>
+          </a:extLst>
+        </p:spPr>
+      </p:pic>
+    </p:spTree>
+    <p:extLst>
+      <p:ext uri="{BB962C8B-B14F-4D97-AF65-F5344CB8AC3E}">
+        <p14:creationId xmlns:p14="http://schemas.microsoft.com/office/powerpoint/2010/main" val="2733506970"/>
+      </p:ext>
+    </p:extLst>
+  </p:cSld>
+  <p:clrMapOvr>
+    <a:masterClrMapping/>
+  </p:clrMapOvr>
+</p:sld>
+</file>
+
+<file path=ppt/slides/slide7.xml><?xml version="1.0" encoding="utf-8"?>
+<p:sld xmlns:a="http://schemas.openxmlformats.org/drawingml/2006/main" xmlns:r="http://schemas.openxmlformats.org/officeDocument/2006/relationships" xmlns:p="http://schemas.openxmlformats.org/presentationml/2006/main">
+  <p:cSld>
+    <p:spTree>
+      <p:nvGrpSpPr>
+        <p:cNvPr id="1" name="">
+          <a:extLst>
+            <a:ext uri="{FF2B5EF4-FFF2-40B4-BE49-F238E27FC236}">
+              <a16:creationId xmlns:a16="http://schemas.microsoft.com/office/drawing/2014/main" id="{B13A4EFA-21A3-0823-CBAF-C3917C77ED66}"/>
+            </a:ext>
+          </a:extLst>
+        </p:cNvPr>
+        <p:cNvGrpSpPr/>
+        <p:nvPr/>
+      </p:nvGrpSpPr>
+      <p:grpSpPr>
+        <a:xfrm>
+          <a:off x="0" y="0"/>
+          <a:ext cx="0" cy="0"/>
+          <a:chOff x="0" y="0"/>
+          <a:chExt cx="0" cy="0"/>
+        </a:xfrm>
+      </p:grpSpPr>
+      <p:pic>
+        <p:nvPicPr>
+          <p:cNvPr id="3" name="Picture 2" descr="A diagram of a model&#10;&#10;Description automatically generated">
+            <a:extLst>
+              <a:ext uri="{FF2B5EF4-FFF2-40B4-BE49-F238E27FC236}">
+                <a16:creationId xmlns:a16="http://schemas.microsoft.com/office/drawing/2014/main" id="{3680D1C4-5FB8-2723-1107-9D7A649800DD}"/>
+              </a:ext>
+            </a:extLst>
+          </p:cNvPr>
+          <p:cNvPicPr>
+            <a:picLocks noChangeAspect="1"/>
+          </p:cNvPicPr>
+          <p:nvPr/>
+        </p:nvPicPr>
+        <p:blipFill>
+          <a:blip r:embed="rId3"/>
+          <a:stretch>
+            <a:fillRect/>
+          </a:stretch>
+        </p:blipFill>
+        <p:spPr>
+          <a:xfrm>
+            <a:off x="2829618" y="223941"/>
+            <a:ext cx="8721250" cy="3205059"/>
+          </a:xfrm>
+          <a:prstGeom prst="rect">
+            <a:avLst/>
+          </a:prstGeom>
+        </p:spPr>
+      </p:pic>
+    </p:spTree>
+    <p:extLst>
+      <p:ext uri="{BB962C8B-B14F-4D97-AF65-F5344CB8AC3E}">
+        <p14:creationId xmlns:p14="http://schemas.microsoft.com/office/powerpoint/2010/main" val="1834132455"/>
+      </p:ext>
+    </p:extLst>
+  </p:cSld>
+  <p:clrMapOvr>
+    <a:masterClrMapping/>
+  </p:clrMapOvr>
+</p:sld>
+</file>
+
+<file path=ppt/slides/slide8.xml><?xml version="1.0" encoding="utf-8"?>
+<p:sld xmlns:a="http://schemas.openxmlformats.org/drawingml/2006/main" xmlns:r="http://schemas.openxmlformats.org/officeDocument/2006/relationships" xmlns:p="http://schemas.openxmlformats.org/presentationml/2006/main">
+  <p:cSld>
+    <p:spTree>
+      <p:nvGrpSpPr>
+        <p:cNvPr id="1" name="">
+          <a:extLst>
+            <a:ext uri="{FF2B5EF4-FFF2-40B4-BE49-F238E27FC236}">
+              <a16:creationId xmlns:a16="http://schemas.microsoft.com/office/drawing/2014/main" id="{4CB225F6-8941-323B-7D5E-C5BFCC43A990}"/>
+            </a:ext>
+          </a:extLst>
+        </p:cNvPr>
+        <p:cNvGrpSpPr/>
+        <p:nvPr/>
+      </p:nvGrpSpPr>
+      <p:grpSpPr>
+        <a:xfrm>
+          <a:off x="0" y="0"/>
+          <a:ext cx="0" cy="0"/>
+          <a:chOff x="0" y="0"/>
+          <a:chExt cx="0" cy="0"/>
+        </a:xfrm>
+      </p:grpSpPr>
+      <p:pic>
+        <p:nvPicPr>
+          <p:cNvPr id="3" name="Picture 2" descr="A diagram of a model&#10;&#10;Description automatically generated">
+            <a:extLst>
+              <a:ext uri="{FF2B5EF4-FFF2-40B4-BE49-F238E27FC236}">
+                <a16:creationId xmlns:a16="http://schemas.microsoft.com/office/drawing/2014/main" id="{9CCC40D1-DEC1-9839-4219-2165F23317E4}"/>
+              </a:ext>
+            </a:extLst>
+          </p:cNvPr>
+          <p:cNvPicPr>
+            <a:picLocks noChangeAspect="1"/>
+          </p:cNvPicPr>
+          <p:nvPr/>
+        </p:nvPicPr>
+        <p:blipFill>
+          <a:blip r:embed="rId3"/>
+          <a:stretch>
+            <a:fillRect/>
+          </a:stretch>
+        </p:blipFill>
+        <p:spPr>
+          <a:xfrm>
+            <a:off x="2829618" y="223941"/>
+            <a:ext cx="8721250" cy="3205059"/>
+          </a:xfrm>
+          <a:prstGeom prst="rect">
+            <a:avLst/>
+          </a:prstGeom>
+        </p:spPr>
+      </p:pic>
+      <p:sp>
+        <p:nvSpPr>
+          <p:cNvPr id="5" name="Rounded Rectangle 4">
+            <a:extLst>
+              <a:ext uri="{FF2B5EF4-FFF2-40B4-BE49-F238E27FC236}">
+                <a16:creationId xmlns:a16="http://schemas.microsoft.com/office/drawing/2014/main" id="{CFBA4CA2-6851-57A1-07AF-16602F27EC2D}"/>
+              </a:ext>
+            </a:extLst>
+          </p:cNvPr>
+          <p:cNvSpPr/>
+          <p:nvPr/>
+        </p:nvSpPr>
+        <p:spPr>
+          <a:xfrm>
+            <a:off x="599089" y="223941"/>
+            <a:ext cx="1881352" cy="2894375"/>
+          </a:xfrm>
+          <a:prstGeom prst="roundRect">
+            <a:avLst>
+              <a:gd name="adj" fmla="val 7170"/>
+            </a:avLst>
+          </a:prstGeom>
+          <a:noFill/>
+          <a:ln>
+            <a:solidFill>
+              <a:srgbClr val="FF0000"/>
+            </a:solidFill>
+          </a:ln>
+        </p:spPr>
+        <p:style>
+          <a:lnRef idx="2">
+            <a:schemeClr val="accent1">
+              <a:shade val="15000"/>
+            </a:schemeClr>
+          </a:lnRef>
+          <a:fillRef idx="1">
+            <a:schemeClr val="accent1"/>
+          </a:fillRef>
+          <a:effectRef idx="0">
+            <a:schemeClr val="accent1"/>
+          </a:effectRef>
+          <a:fontRef idx="minor">
+            <a:schemeClr val="lt1"/>
+          </a:fontRef>
+        </p:style>
+        <p:txBody>
+          <a:bodyPr rtlCol="0" anchor="ctr"/>
+          <a:lstStyle/>
+          <a:p>
+            <a:pPr algn="ctr"/>
+            <a:r>
+              <a:rPr lang="en-US" sz="2200" dirty="0">
+                <a:solidFill>
+                  <a:srgbClr val="FF0000"/>
+                </a:solidFill>
+                <a:latin typeface="Roboto" panose="02000000000000000000" pitchFamily="2" charset="0"/>
+                <a:ea typeface="Roboto" panose="02000000000000000000" pitchFamily="2" charset="0"/>
+              </a:rPr>
+              <a:t>Collect</a:t>
+            </a:r>
+          </a:p>
+          <a:p>
+            <a:pPr algn="ctr"/>
+            <a:r>
+              <a:rPr lang="en-US" sz="2200" dirty="0">
+                <a:solidFill>
+                  <a:srgbClr val="FF0000"/>
+                </a:solidFill>
+                <a:latin typeface="Roboto" panose="02000000000000000000" pitchFamily="2" charset="0"/>
+                <a:ea typeface="Roboto" panose="02000000000000000000" pitchFamily="2" charset="0"/>
+              </a:rPr>
+              <a:t>Data</a:t>
+            </a:r>
+          </a:p>
+        </p:txBody>
+      </p:sp>
+      <p:cxnSp>
+        <p:nvCxnSpPr>
+          <p:cNvPr id="8" name="Straight Arrow Connector 7">
+            <a:extLst>
+              <a:ext uri="{FF2B5EF4-FFF2-40B4-BE49-F238E27FC236}">
+                <a16:creationId xmlns:a16="http://schemas.microsoft.com/office/drawing/2014/main" id="{579F3D89-1B46-2335-1937-70289117F97E}"/>
+              </a:ext>
+            </a:extLst>
+          </p:cNvPr>
+          <p:cNvCxnSpPr>
+            <a:stCxn id="5" idx="3"/>
+          </p:cNvCxnSpPr>
+          <p:nvPr/>
+        </p:nvCxnSpPr>
+        <p:spPr>
+          <a:xfrm flipV="1">
+            <a:off x="2480441" y="1671128"/>
+            <a:ext cx="349177" cy="1"/>
+          </a:xfrm>
+          <a:prstGeom prst="straightConnector1">
+            <a:avLst/>
+          </a:prstGeom>
+          <a:ln>
+            <a:solidFill>
+              <a:srgbClr val="FF0000"/>
+            </a:solidFill>
+            <a:tailEnd type="triangle" w="lg" len="lg"/>
+          </a:ln>
+        </p:spPr>
+        <p:style>
+          <a:lnRef idx="2">
+            <a:schemeClr val="accent1"/>
+          </a:lnRef>
+          <a:fillRef idx="0">
+            <a:schemeClr val="accent1"/>
+          </a:fillRef>
+          <a:effectRef idx="1">
+            <a:schemeClr val="accent1"/>
+          </a:effectRef>
+          <a:fontRef idx="minor">
+            <a:schemeClr val="tx1"/>
+          </a:fontRef>
+        </p:style>
+      </p:cxnSp>
+      <p:sp>
+        <p:nvSpPr>
+          <p:cNvPr id="9" name="TextBox 8">
+            <a:extLst>
+              <a:ext uri="{FF2B5EF4-FFF2-40B4-BE49-F238E27FC236}">
+                <a16:creationId xmlns:a16="http://schemas.microsoft.com/office/drawing/2014/main" id="{730DB322-63AD-A817-A730-C0AC2D5046DE}"/>
+              </a:ext>
+            </a:extLst>
+          </p:cNvPr>
+          <p:cNvSpPr txBox="1"/>
+          <p:nvPr/>
+        </p:nvSpPr>
+        <p:spPr>
+          <a:xfrm>
+            <a:off x="607721" y="3090446"/>
+            <a:ext cx="795411" cy="338554"/>
+          </a:xfrm>
+          <a:prstGeom prst="rect">
+            <a:avLst/>
+          </a:prstGeom>
+          <a:noFill/>
+        </p:spPr>
+        <p:txBody>
+          <a:bodyPr wrap="none" rtlCol="0">
+            <a:spAutoFit/>
+          </a:bodyPr>
+          <a:lstStyle/>
+          <a:p>
+            <a:r>
+              <a:rPr lang="en-US" sz="1600" dirty="0">
+                <a:solidFill>
+                  <a:srgbClr val="FF0000"/>
+                </a:solidFill>
+                <a:latin typeface="Roboto" panose="02000000000000000000" pitchFamily="2" charset="0"/>
+                <a:ea typeface="Roboto" panose="02000000000000000000" pitchFamily="2" charset="0"/>
+              </a:rPr>
+              <a:t>Survey</a:t>
+            </a:r>
+          </a:p>
+        </p:txBody>
+      </p:sp>
+    </p:spTree>
+    <p:extLst>
+      <p:ext uri="{BB962C8B-B14F-4D97-AF65-F5344CB8AC3E}">
+        <p14:creationId xmlns:p14="http://schemas.microsoft.com/office/powerpoint/2010/main" val="2521803350"/>
+      </p:ext>
+    </p:extLst>
+  </p:cSld>
+  <p:clrMapOvr>
+    <a:masterClrMapping/>
+  </p:clrMapOvr>
+</p:sld>
+</file>
+
+<file path=ppt/slides/slide9.xml><?xml version="1.0" encoding="utf-8"?>
+<p:sld xmlns:a="http://schemas.openxmlformats.org/drawingml/2006/main" xmlns:r="http://schemas.openxmlformats.org/officeDocument/2006/relationships" xmlns:p="http://schemas.openxmlformats.org/presentationml/2006/main">
+  <p:cSld>
+    <p:spTree>
+      <p:nvGrpSpPr>
+        <p:cNvPr id="1" name="">
+          <a:extLst>
+            <a:ext uri="{FF2B5EF4-FFF2-40B4-BE49-F238E27FC236}">
+              <a16:creationId xmlns:a16="http://schemas.microsoft.com/office/drawing/2014/main" id="{5CCA3174-F55E-42C7-9214-843019DBE536}"/>
+            </a:ext>
+          </a:extLst>
+        </p:cNvPr>
+        <p:cNvGrpSpPr/>
+        <p:nvPr/>
+      </p:nvGrpSpPr>
+      <p:grpSpPr>
+        <a:xfrm>
+          <a:off x="0" y="0"/>
+          <a:ext cx="0" cy="0"/>
+          <a:chOff x="0" y="0"/>
+          <a:chExt cx="0" cy="0"/>
+        </a:xfrm>
+      </p:grpSpPr>
+      <p:pic>
+        <p:nvPicPr>
+          <p:cNvPr id="3" name="Picture 2" descr="A diagram of a model&#10;&#10;Description automatically generated">
+            <a:extLst>
+              <a:ext uri="{FF2B5EF4-FFF2-40B4-BE49-F238E27FC236}">
+                <a16:creationId xmlns:a16="http://schemas.microsoft.com/office/drawing/2014/main" id="{063D0DEE-7A55-0EB6-5C9E-4A0EA67E8A69}"/>
+              </a:ext>
+            </a:extLst>
+          </p:cNvPr>
+          <p:cNvPicPr>
+            <a:picLocks noChangeAspect="1"/>
+          </p:cNvPicPr>
+          <p:nvPr/>
+        </p:nvPicPr>
+        <p:blipFill>
+          <a:blip r:embed="rId3"/>
+          <a:stretch>
+            <a:fillRect/>
+          </a:stretch>
+        </p:blipFill>
+        <p:spPr>
+          <a:xfrm>
+            <a:off x="2829618" y="223941"/>
+            <a:ext cx="8721250" cy="3205059"/>
+          </a:xfrm>
+          <a:prstGeom prst="rect">
+            <a:avLst/>
+          </a:prstGeom>
+        </p:spPr>
+      </p:pic>
+      <p:sp>
+        <p:nvSpPr>
+          <p:cNvPr id="5" name="Rounded Rectangle 4">
+            <a:extLst>
+              <a:ext uri="{FF2B5EF4-FFF2-40B4-BE49-F238E27FC236}">
+                <a16:creationId xmlns:a16="http://schemas.microsoft.com/office/drawing/2014/main" id="{761093E3-4223-228F-E122-C03B0BF447B2}"/>
+              </a:ext>
+            </a:extLst>
+          </p:cNvPr>
+          <p:cNvSpPr/>
+          <p:nvPr/>
+        </p:nvSpPr>
+        <p:spPr>
+          <a:xfrm>
+            <a:off x="599089" y="223941"/>
+            <a:ext cx="1881352" cy="2894375"/>
+          </a:xfrm>
+          <a:prstGeom prst="roundRect">
+            <a:avLst>
+              <a:gd name="adj" fmla="val 7170"/>
+            </a:avLst>
+          </a:prstGeom>
+          <a:noFill/>
+          <a:ln>
+            <a:solidFill>
+              <a:srgbClr val="FF0000"/>
+            </a:solidFill>
+          </a:ln>
+        </p:spPr>
+        <p:style>
+          <a:lnRef idx="2">
+            <a:schemeClr val="accent1">
+              <a:shade val="15000"/>
+            </a:schemeClr>
+          </a:lnRef>
+          <a:fillRef idx="1">
+            <a:schemeClr val="accent1"/>
+          </a:fillRef>
+          <a:effectRef idx="0">
+            <a:schemeClr val="accent1"/>
+          </a:effectRef>
+          <a:fontRef idx="minor">
+            <a:schemeClr val="lt1"/>
+          </a:fontRef>
+        </p:style>
+        <p:txBody>
+          <a:bodyPr rtlCol="0" anchor="ctr"/>
+          <a:lstStyle/>
+          <a:p>
+            <a:pPr algn="ctr"/>
+            <a:r>
+              <a:rPr lang="en-US" sz="2200" dirty="0">
+                <a:solidFill>
+                  <a:srgbClr val="FF0000"/>
+                </a:solidFill>
+                <a:latin typeface="Roboto" panose="02000000000000000000" pitchFamily="2" charset="0"/>
+                <a:ea typeface="Roboto" panose="02000000000000000000" pitchFamily="2" charset="0"/>
+              </a:rPr>
+              <a:t>Collect</a:t>
+            </a:r>
+          </a:p>
+          <a:p>
+            <a:pPr algn="ctr"/>
+            <a:r>
+              <a:rPr lang="en-US" sz="2200" dirty="0">
+                <a:solidFill>
+                  <a:srgbClr val="FF0000"/>
+                </a:solidFill>
+                <a:latin typeface="Roboto" panose="02000000000000000000" pitchFamily="2" charset="0"/>
+                <a:ea typeface="Roboto" panose="02000000000000000000" pitchFamily="2" charset="0"/>
+              </a:rPr>
+              <a:t>Data</a:t>
+            </a:r>
+          </a:p>
+        </p:txBody>
+      </p:sp>
+      <p:cxnSp>
+        <p:nvCxnSpPr>
+          <p:cNvPr id="8" name="Straight Arrow Connector 7">
+            <a:extLst>
+              <a:ext uri="{FF2B5EF4-FFF2-40B4-BE49-F238E27FC236}">
+                <a16:creationId xmlns:a16="http://schemas.microsoft.com/office/drawing/2014/main" id="{291689CE-394B-AD81-BF7D-1CAE6D2E7E27}"/>
+              </a:ext>
+            </a:extLst>
+          </p:cNvPr>
+          <p:cNvCxnSpPr>
+            <a:stCxn id="5" idx="3"/>
+          </p:cNvCxnSpPr>
+          <p:nvPr/>
+        </p:nvCxnSpPr>
+        <p:spPr>
+          <a:xfrm flipV="1">
+            <a:off x="2480441" y="1671128"/>
+            <a:ext cx="349177" cy="1"/>
+          </a:xfrm>
+          <a:prstGeom prst="straightConnector1">
+            <a:avLst/>
+          </a:prstGeom>
+          <a:ln>
+            <a:solidFill>
+              <a:srgbClr val="FF0000"/>
+            </a:solidFill>
+            <a:tailEnd type="triangle" w="lg" len="lg"/>
+          </a:ln>
+        </p:spPr>
+        <p:style>
+          <a:lnRef idx="2">
+            <a:schemeClr val="accent1"/>
+          </a:lnRef>
+          <a:fillRef idx="0">
+            <a:schemeClr val="accent1"/>
+          </a:fillRef>
+          <a:effectRef idx="1">
+            <a:schemeClr val="accent1"/>
+          </a:effectRef>
+          <a:fontRef idx="minor">
+            <a:schemeClr val="tx1"/>
+          </a:fontRef>
+        </p:style>
+      </p:cxnSp>
+      <p:sp>
+        <p:nvSpPr>
+          <p:cNvPr id="9" name="TextBox 8">
+            <a:extLst>
+              <a:ext uri="{FF2B5EF4-FFF2-40B4-BE49-F238E27FC236}">
+                <a16:creationId xmlns:a16="http://schemas.microsoft.com/office/drawing/2014/main" id="{3DB0DAAA-723D-B05A-4E5C-1C298CE2A53A}"/>
+              </a:ext>
+            </a:extLst>
+          </p:cNvPr>
+          <p:cNvSpPr txBox="1"/>
+          <p:nvPr/>
+        </p:nvSpPr>
+        <p:spPr>
+          <a:xfrm>
+            <a:off x="607721" y="3090446"/>
+            <a:ext cx="795411" cy="338554"/>
+          </a:xfrm>
+          <a:prstGeom prst="rect">
+            <a:avLst/>
+          </a:prstGeom>
+          <a:noFill/>
+        </p:spPr>
+        <p:txBody>
+          <a:bodyPr wrap="none" rtlCol="0">
+            <a:spAutoFit/>
+          </a:bodyPr>
+          <a:lstStyle/>
+          <a:p>
+            <a:r>
+              <a:rPr lang="en-US" sz="1600" dirty="0">
+                <a:solidFill>
+                  <a:srgbClr val="FF0000"/>
+                </a:solidFill>
+                <a:latin typeface="Roboto" panose="02000000000000000000" pitchFamily="2" charset="0"/>
+                <a:ea typeface="Roboto" panose="02000000000000000000" pitchFamily="2" charset="0"/>
+              </a:rPr>
+              <a:t>Survey</a:t>
+            </a:r>
+          </a:p>
+        </p:txBody>
+      </p:sp>
+      <p:pic>
+        <p:nvPicPr>
+          <p:cNvPr id="2" name="Picture 2" descr="Qualtrics, a pioneer in Experience Management (XM) | SOM">
+            <a:extLst>
+              <a:ext uri="{FF2B5EF4-FFF2-40B4-BE49-F238E27FC236}">
+                <a16:creationId xmlns:a16="http://schemas.microsoft.com/office/drawing/2014/main" id="{3885FCC8-6865-A9DC-14D5-D14482FE0D0E}"/>
+              </a:ext>
+            </a:extLst>
+          </p:cNvPr>
+          <p:cNvPicPr>
+            <a:picLocks noChangeAspect="1" noChangeArrowheads="1"/>
+          </p:cNvPicPr>
+          <p:nvPr/>
+        </p:nvPicPr>
+        <p:blipFill>
+          <a:blip r:embed="rId4">
+            <a:extLst>
+              <a:ext uri="{28A0092B-C50C-407E-A947-70E740481C1C}">
+                <a14:useLocalDpi xmlns:a14="http://schemas.microsoft.com/office/drawing/2010/main" val="0"/>
+              </a:ext>
+            </a:extLst>
+          </a:blip>
+          <a:srcRect/>
+          <a:stretch>
+            <a:fillRect/>
+          </a:stretch>
+        </p:blipFill>
+        <p:spPr bwMode="auto">
+          <a:xfrm>
+            <a:off x="278126" y="3868599"/>
+            <a:ext cx="2690936" cy="764226"/>
+          </a:xfrm>
+          <a:prstGeom prst="rect">
+            <a:avLst/>
+          </a:prstGeom>
+          <a:noFill/>
+          <a:extLst>
+            <a:ext uri="{909E8E84-426E-40DD-AFC4-6F175D3DCCD1}">
+              <a14:hiddenFill xmlns:a14="http://schemas.microsoft.com/office/drawing/2010/main">
+                <a:solidFill>
+                  <a:srgbClr val="FFFFFF"/>
+                </a:solidFill>
+              </a14:hiddenFill>
+            </a:ext>
+          </a:extLst>
+        </p:spPr>
+      </p:pic>
+      <p:pic>
+        <p:nvPicPr>
+          <p:cNvPr id="4" name="Picture 4" descr="Google Forms - Workforce EdTech">
+            <a:extLst>
+              <a:ext uri="{FF2B5EF4-FFF2-40B4-BE49-F238E27FC236}">
+                <a16:creationId xmlns:a16="http://schemas.microsoft.com/office/drawing/2014/main" id="{86B5192D-C2D5-8B63-01A4-77FCFE37539F}"/>
+              </a:ext>
+            </a:extLst>
+          </p:cNvPr>
+          <p:cNvPicPr>
+            <a:picLocks noChangeAspect="1" noChangeArrowheads="1"/>
+          </p:cNvPicPr>
+          <p:nvPr/>
+        </p:nvPicPr>
+        <p:blipFill>
+          <a:blip r:embed="rId5">
+            <a:extLst>
+              <a:ext uri="{28A0092B-C50C-407E-A947-70E740481C1C}">
+                <a14:useLocalDpi xmlns:a14="http://schemas.microsoft.com/office/drawing/2010/main" val="0"/>
+              </a:ext>
+            </a:extLst>
+          </a:blip>
+          <a:srcRect/>
+          <a:stretch>
+            <a:fillRect/>
+          </a:stretch>
+        </p:blipFill>
+        <p:spPr bwMode="auto">
+          <a:xfrm>
+            <a:off x="546537" y="4782762"/>
+            <a:ext cx="1933904" cy="1933904"/>
+          </a:xfrm>
+          <a:prstGeom prst="rect">
+            <a:avLst/>
+          </a:prstGeom>
+          <a:noFill/>
+          <a:extLst>
+            <a:ext uri="{909E8E84-426E-40DD-AFC4-6F175D3DCCD1}">
+              <a14:hiddenFill xmlns:a14="http://schemas.microsoft.com/office/drawing/2010/main">
+                <a:solidFill>
+                  <a:srgbClr val="FFFFFF"/>
+                </a:solidFill>
+              </a14:hiddenFill>
+            </a:ext>
+          </a:extLst>
+        </p:spPr>
+      </p:pic>
+    </p:spTree>
+    <p:extLst>
+      <p:ext uri="{BB962C8B-B14F-4D97-AF65-F5344CB8AC3E}">
+        <p14:creationId xmlns:p14="http://schemas.microsoft.com/office/powerpoint/2010/main" val="3157062411"/>
       </p:ext>
     </p:extLst>
   </p:cSld>

--- a/images/images.pptx
+++ b/images/images.pptx
@@ -5,7 +5,7 @@
     <p:sldMasterId id="2147483648" r:id="rId1"/>
   </p:sldMasterIdLst>
   <p:notesMasterIdLst>
-    <p:notesMasterId r:id="rId12"/>
+    <p:notesMasterId r:id="rId16"/>
   </p:notesMasterIdLst>
   <p:sldIdLst>
     <p:sldId id="256" r:id="rId2"/>
@@ -17,7 +17,11 @@
     <p:sldId id="261" r:id="rId8"/>
     <p:sldId id="269" r:id="rId9"/>
     <p:sldId id="270" r:id="rId10"/>
-    <p:sldId id="271" r:id="rId11"/>
+    <p:sldId id="275" r:id="rId11"/>
+    <p:sldId id="278" r:id="rId12"/>
+    <p:sldId id="276" r:id="rId13"/>
+    <p:sldId id="277" r:id="rId14"/>
+    <p:sldId id="273" r:id="rId15"/>
   </p:sldIdLst>
   <p:sldSz cx="12192000" cy="6858000"/>
   <p:notesSz cx="6858000" cy="9144000"/>
@@ -565,7 +569,7 @@
         <p:cNvPr id="1" name="">
           <a:extLst>
             <a:ext uri="{FF2B5EF4-FFF2-40B4-BE49-F238E27FC236}">
-              <a16:creationId xmlns:a16="http://schemas.microsoft.com/office/drawing/2014/main" id="{662C242B-62A5-585F-32C3-C239EE7AA856}"/>
+              <a16:creationId xmlns:a16="http://schemas.microsoft.com/office/drawing/2014/main" id="{6F99D202-3B42-0520-EFE4-6015F8221A19}"/>
             </a:ext>
           </a:extLst>
         </p:cNvPr>
@@ -585,7 +589,7 @@
           <p:cNvPr id="2" name="Slide Image Placeholder 1">
             <a:extLst>
               <a:ext uri="{FF2B5EF4-FFF2-40B4-BE49-F238E27FC236}">
-                <a16:creationId xmlns:a16="http://schemas.microsoft.com/office/drawing/2014/main" id="{B77123F0-C030-F16F-DBEE-65B2D18A6DBC}"/>
+                <a16:creationId xmlns:a16="http://schemas.microsoft.com/office/drawing/2014/main" id="{0F9F0B2B-53FD-A809-DD52-F4994AA83E39}"/>
               </a:ext>
             </a:extLst>
           </p:cNvPr>
@@ -603,7 +607,7 @@
           <p:cNvPr id="3" name="Notes Placeholder 2">
             <a:extLst>
               <a:ext uri="{FF2B5EF4-FFF2-40B4-BE49-F238E27FC236}">
-                <a16:creationId xmlns:a16="http://schemas.microsoft.com/office/drawing/2014/main" id="{EF4B9859-FFE8-EB27-99B1-4BED796C06C6}"/>
+                <a16:creationId xmlns:a16="http://schemas.microsoft.com/office/drawing/2014/main" id="{CADE0E93-03F1-E62B-A1D9-A425EB4193D5}"/>
               </a:ext>
             </a:extLst>
           </p:cNvPr>
@@ -628,7 +632,7 @@
           <p:cNvPr id="4" name="Slide Number Placeholder 3">
             <a:extLst>
               <a:ext uri="{FF2B5EF4-FFF2-40B4-BE49-F238E27FC236}">
-                <a16:creationId xmlns:a16="http://schemas.microsoft.com/office/drawing/2014/main" id="{B8AA0F20-5186-7C4B-624B-F1B5B8A6E6AE}"/>
+                <a16:creationId xmlns:a16="http://schemas.microsoft.com/office/drawing/2014/main" id="{F22E6EDE-73A3-3AC5-1184-E43587973EAB}"/>
               </a:ext>
             </a:extLst>
           </p:cNvPr>
@@ -655,7 +659,439 @@
     </p:spTree>
     <p:extLst>
       <p:ext uri="{BB962C8B-B14F-4D97-AF65-F5344CB8AC3E}">
-        <p14:creationId xmlns:p14="http://schemas.microsoft.com/office/powerpoint/2010/main" val="4129836771"/>
+        <p14:creationId xmlns:p14="http://schemas.microsoft.com/office/powerpoint/2010/main" val="871147315"/>
+      </p:ext>
+    </p:extLst>
+  </p:cSld>
+  <p:clrMapOvr>
+    <a:masterClrMapping/>
+  </p:clrMapOvr>
+</p:notes>
+</file>
+
+<file path=ppt/notesSlides/notesSlide11.xml><?xml version="1.0" encoding="utf-8"?>
+<p:notes xmlns:a="http://schemas.openxmlformats.org/drawingml/2006/main" xmlns:r="http://schemas.openxmlformats.org/officeDocument/2006/relationships" xmlns:p="http://schemas.openxmlformats.org/presentationml/2006/main">
+  <p:cSld>
+    <p:spTree>
+      <p:nvGrpSpPr>
+        <p:cNvPr id="1" name="">
+          <a:extLst>
+            <a:ext uri="{FF2B5EF4-FFF2-40B4-BE49-F238E27FC236}">
+              <a16:creationId xmlns:a16="http://schemas.microsoft.com/office/drawing/2014/main" id="{A2FFA2E4-3B39-EF36-F6B3-8877F72CE2B0}"/>
+            </a:ext>
+          </a:extLst>
+        </p:cNvPr>
+        <p:cNvGrpSpPr/>
+        <p:nvPr/>
+      </p:nvGrpSpPr>
+      <p:grpSpPr>
+        <a:xfrm>
+          <a:off x="0" y="0"/>
+          <a:ext cx="0" cy="0"/>
+          <a:chOff x="0" y="0"/>
+          <a:chExt cx="0" cy="0"/>
+        </a:xfrm>
+      </p:grpSpPr>
+      <p:sp>
+        <p:nvSpPr>
+          <p:cNvPr id="2" name="Slide Image Placeholder 1">
+            <a:extLst>
+              <a:ext uri="{FF2B5EF4-FFF2-40B4-BE49-F238E27FC236}">
+                <a16:creationId xmlns:a16="http://schemas.microsoft.com/office/drawing/2014/main" id="{F9732F7E-F0FC-A9DC-7363-B82FB96703A0}"/>
+              </a:ext>
+            </a:extLst>
+          </p:cNvPr>
+          <p:cNvSpPr>
+            <a:spLocks noGrp="1" noRot="1" noChangeAspect="1"/>
+          </p:cNvSpPr>
+          <p:nvPr>
+            <p:ph type="sldImg"/>
+          </p:nvPr>
+        </p:nvSpPr>
+        <p:spPr/>
+      </p:sp>
+      <p:sp>
+        <p:nvSpPr>
+          <p:cNvPr id="3" name="Notes Placeholder 2">
+            <a:extLst>
+              <a:ext uri="{FF2B5EF4-FFF2-40B4-BE49-F238E27FC236}">
+                <a16:creationId xmlns:a16="http://schemas.microsoft.com/office/drawing/2014/main" id="{51DA9964-4C1F-D75A-D162-844E90E5AB56}"/>
+              </a:ext>
+            </a:extLst>
+          </p:cNvPr>
+          <p:cNvSpPr>
+            <a:spLocks noGrp="1"/>
+          </p:cNvSpPr>
+          <p:nvPr>
+            <p:ph type="body" idx="1"/>
+          </p:nvPr>
+        </p:nvSpPr>
+        <p:spPr/>
+        <p:txBody>
+          <a:bodyPr/>
+          <a:lstStyle/>
+          <a:p>
+            <a:endParaRPr lang="en-US" dirty="0"/>
+          </a:p>
+        </p:txBody>
+      </p:sp>
+      <p:sp>
+        <p:nvSpPr>
+          <p:cNvPr id="4" name="Slide Number Placeholder 3">
+            <a:extLst>
+              <a:ext uri="{FF2B5EF4-FFF2-40B4-BE49-F238E27FC236}">
+                <a16:creationId xmlns:a16="http://schemas.microsoft.com/office/drawing/2014/main" id="{D0E052A0-E728-1F2B-A028-91D6E83EB400}"/>
+              </a:ext>
+            </a:extLst>
+          </p:cNvPr>
+          <p:cNvSpPr>
+            <a:spLocks noGrp="1"/>
+          </p:cNvSpPr>
+          <p:nvPr>
+            <p:ph type="sldNum" sz="quarter" idx="5"/>
+          </p:nvPr>
+        </p:nvSpPr>
+        <p:spPr/>
+        <p:txBody>
+          <a:bodyPr/>
+          <a:lstStyle/>
+          <a:p>
+            <a:fld id="{A59EC0A6-2850-D147-9A65-4202BC918C7F}" type="slidenum">
+              <a:rPr lang="en-US" smtClean="0"/>
+              <a:t>11</a:t>
+            </a:fld>
+            <a:endParaRPr lang="en-US"/>
+          </a:p>
+        </p:txBody>
+      </p:sp>
+    </p:spTree>
+    <p:extLst>
+      <p:ext uri="{BB962C8B-B14F-4D97-AF65-F5344CB8AC3E}">
+        <p14:creationId xmlns:p14="http://schemas.microsoft.com/office/powerpoint/2010/main" val="3632648678"/>
+      </p:ext>
+    </p:extLst>
+  </p:cSld>
+  <p:clrMapOvr>
+    <a:masterClrMapping/>
+  </p:clrMapOvr>
+</p:notes>
+</file>
+
+<file path=ppt/notesSlides/notesSlide12.xml><?xml version="1.0" encoding="utf-8"?>
+<p:notes xmlns:a="http://schemas.openxmlformats.org/drawingml/2006/main" xmlns:r="http://schemas.openxmlformats.org/officeDocument/2006/relationships" xmlns:p="http://schemas.openxmlformats.org/presentationml/2006/main">
+  <p:cSld>
+    <p:spTree>
+      <p:nvGrpSpPr>
+        <p:cNvPr id="1" name="">
+          <a:extLst>
+            <a:ext uri="{FF2B5EF4-FFF2-40B4-BE49-F238E27FC236}">
+              <a16:creationId xmlns:a16="http://schemas.microsoft.com/office/drawing/2014/main" id="{DCBA106E-3FBE-2746-55A6-1160AA7E0F9A}"/>
+            </a:ext>
+          </a:extLst>
+        </p:cNvPr>
+        <p:cNvGrpSpPr/>
+        <p:nvPr/>
+      </p:nvGrpSpPr>
+      <p:grpSpPr>
+        <a:xfrm>
+          <a:off x="0" y="0"/>
+          <a:ext cx="0" cy="0"/>
+          <a:chOff x="0" y="0"/>
+          <a:chExt cx="0" cy="0"/>
+        </a:xfrm>
+      </p:grpSpPr>
+      <p:sp>
+        <p:nvSpPr>
+          <p:cNvPr id="2" name="Slide Image Placeholder 1">
+            <a:extLst>
+              <a:ext uri="{FF2B5EF4-FFF2-40B4-BE49-F238E27FC236}">
+                <a16:creationId xmlns:a16="http://schemas.microsoft.com/office/drawing/2014/main" id="{9ADD41D1-B0D6-01BC-5939-BEC4F0C1AD76}"/>
+              </a:ext>
+            </a:extLst>
+          </p:cNvPr>
+          <p:cNvSpPr>
+            <a:spLocks noGrp="1" noRot="1" noChangeAspect="1"/>
+          </p:cNvSpPr>
+          <p:nvPr>
+            <p:ph type="sldImg"/>
+          </p:nvPr>
+        </p:nvSpPr>
+        <p:spPr/>
+      </p:sp>
+      <p:sp>
+        <p:nvSpPr>
+          <p:cNvPr id="3" name="Notes Placeholder 2">
+            <a:extLst>
+              <a:ext uri="{FF2B5EF4-FFF2-40B4-BE49-F238E27FC236}">
+                <a16:creationId xmlns:a16="http://schemas.microsoft.com/office/drawing/2014/main" id="{82D82BCA-39C4-B9DF-7749-574525FEF5BB}"/>
+              </a:ext>
+            </a:extLst>
+          </p:cNvPr>
+          <p:cNvSpPr>
+            <a:spLocks noGrp="1"/>
+          </p:cNvSpPr>
+          <p:nvPr>
+            <p:ph type="body" idx="1"/>
+          </p:nvPr>
+        </p:nvSpPr>
+        <p:spPr/>
+        <p:txBody>
+          <a:bodyPr/>
+          <a:lstStyle/>
+          <a:p>
+            <a:endParaRPr lang="en-US" dirty="0"/>
+          </a:p>
+        </p:txBody>
+      </p:sp>
+      <p:sp>
+        <p:nvSpPr>
+          <p:cNvPr id="4" name="Slide Number Placeholder 3">
+            <a:extLst>
+              <a:ext uri="{FF2B5EF4-FFF2-40B4-BE49-F238E27FC236}">
+                <a16:creationId xmlns:a16="http://schemas.microsoft.com/office/drawing/2014/main" id="{52F9B8E2-C6B3-DF62-D86E-4B095671EB9A}"/>
+              </a:ext>
+            </a:extLst>
+          </p:cNvPr>
+          <p:cNvSpPr>
+            <a:spLocks noGrp="1"/>
+          </p:cNvSpPr>
+          <p:nvPr>
+            <p:ph type="sldNum" sz="quarter" idx="5"/>
+          </p:nvPr>
+        </p:nvSpPr>
+        <p:spPr/>
+        <p:txBody>
+          <a:bodyPr/>
+          <a:lstStyle/>
+          <a:p>
+            <a:fld id="{A59EC0A6-2850-D147-9A65-4202BC918C7F}" type="slidenum">
+              <a:rPr lang="en-US" smtClean="0"/>
+              <a:t>12</a:t>
+            </a:fld>
+            <a:endParaRPr lang="en-US"/>
+          </a:p>
+        </p:txBody>
+      </p:sp>
+    </p:spTree>
+    <p:extLst>
+      <p:ext uri="{BB962C8B-B14F-4D97-AF65-F5344CB8AC3E}">
+        <p14:creationId xmlns:p14="http://schemas.microsoft.com/office/powerpoint/2010/main" val="2175441274"/>
+      </p:ext>
+    </p:extLst>
+  </p:cSld>
+  <p:clrMapOvr>
+    <a:masterClrMapping/>
+  </p:clrMapOvr>
+</p:notes>
+</file>
+
+<file path=ppt/notesSlides/notesSlide13.xml><?xml version="1.0" encoding="utf-8"?>
+<p:notes xmlns:a="http://schemas.openxmlformats.org/drawingml/2006/main" xmlns:r="http://schemas.openxmlformats.org/officeDocument/2006/relationships" xmlns:p="http://schemas.openxmlformats.org/presentationml/2006/main">
+  <p:cSld>
+    <p:spTree>
+      <p:nvGrpSpPr>
+        <p:cNvPr id="1" name="">
+          <a:extLst>
+            <a:ext uri="{FF2B5EF4-FFF2-40B4-BE49-F238E27FC236}">
+              <a16:creationId xmlns:a16="http://schemas.microsoft.com/office/drawing/2014/main" id="{28A6618E-D79A-CF07-C8D0-DC31DF38BCE3}"/>
+            </a:ext>
+          </a:extLst>
+        </p:cNvPr>
+        <p:cNvGrpSpPr/>
+        <p:nvPr/>
+      </p:nvGrpSpPr>
+      <p:grpSpPr>
+        <a:xfrm>
+          <a:off x="0" y="0"/>
+          <a:ext cx="0" cy="0"/>
+          <a:chOff x="0" y="0"/>
+          <a:chExt cx="0" cy="0"/>
+        </a:xfrm>
+      </p:grpSpPr>
+      <p:sp>
+        <p:nvSpPr>
+          <p:cNvPr id="2" name="Slide Image Placeholder 1">
+            <a:extLst>
+              <a:ext uri="{FF2B5EF4-FFF2-40B4-BE49-F238E27FC236}">
+                <a16:creationId xmlns:a16="http://schemas.microsoft.com/office/drawing/2014/main" id="{91DA63DF-99EB-86DA-A942-599DE8C42B68}"/>
+              </a:ext>
+            </a:extLst>
+          </p:cNvPr>
+          <p:cNvSpPr>
+            <a:spLocks noGrp="1" noRot="1" noChangeAspect="1"/>
+          </p:cNvSpPr>
+          <p:nvPr>
+            <p:ph type="sldImg"/>
+          </p:nvPr>
+        </p:nvSpPr>
+        <p:spPr/>
+      </p:sp>
+      <p:sp>
+        <p:nvSpPr>
+          <p:cNvPr id="3" name="Notes Placeholder 2">
+            <a:extLst>
+              <a:ext uri="{FF2B5EF4-FFF2-40B4-BE49-F238E27FC236}">
+                <a16:creationId xmlns:a16="http://schemas.microsoft.com/office/drawing/2014/main" id="{8060E808-2F99-3782-F62B-3DB34FE3E878}"/>
+              </a:ext>
+            </a:extLst>
+          </p:cNvPr>
+          <p:cNvSpPr>
+            <a:spLocks noGrp="1"/>
+          </p:cNvSpPr>
+          <p:nvPr>
+            <p:ph type="body" idx="1"/>
+          </p:nvPr>
+        </p:nvSpPr>
+        <p:spPr/>
+        <p:txBody>
+          <a:bodyPr/>
+          <a:lstStyle/>
+          <a:p>
+            <a:endParaRPr lang="en-US" dirty="0"/>
+          </a:p>
+        </p:txBody>
+      </p:sp>
+      <p:sp>
+        <p:nvSpPr>
+          <p:cNvPr id="4" name="Slide Number Placeholder 3">
+            <a:extLst>
+              <a:ext uri="{FF2B5EF4-FFF2-40B4-BE49-F238E27FC236}">
+                <a16:creationId xmlns:a16="http://schemas.microsoft.com/office/drawing/2014/main" id="{93CE0B5D-24A5-16F6-28C8-3EFD7C9CB082}"/>
+              </a:ext>
+            </a:extLst>
+          </p:cNvPr>
+          <p:cNvSpPr>
+            <a:spLocks noGrp="1"/>
+          </p:cNvSpPr>
+          <p:nvPr>
+            <p:ph type="sldNum" sz="quarter" idx="5"/>
+          </p:nvPr>
+        </p:nvSpPr>
+        <p:spPr/>
+        <p:txBody>
+          <a:bodyPr/>
+          <a:lstStyle/>
+          <a:p>
+            <a:fld id="{A59EC0A6-2850-D147-9A65-4202BC918C7F}" type="slidenum">
+              <a:rPr lang="en-US" smtClean="0"/>
+              <a:t>13</a:t>
+            </a:fld>
+            <a:endParaRPr lang="en-US"/>
+          </a:p>
+        </p:txBody>
+      </p:sp>
+    </p:spTree>
+    <p:extLst>
+      <p:ext uri="{BB962C8B-B14F-4D97-AF65-F5344CB8AC3E}">
+        <p14:creationId xmlns:p14="http://schemas.microsoft.com/office/powerpoint/2010/main" val="481812022"/>
+      </p:ext>
+    </p:extLst>
+  </p:cSld>
+  <p:clrMapOvr>
+    <a:masterClrMapping/>
+  </p:clrMapOvr>
+</p:notes>
+</file>
+
+<file path=ppt/notesSlides/notesSlide14.xml><?xml version="1.0" encoding="utf-8"?>
+<p:notes xmlns:a="http://schemas.openxmlformats.org/drawingml/2006/main" xmlns:r="http://schemas.openxmlformats.org/officeDocument/2006/relationships" xmlns:p="http://schemas.openxmlformats.org/presentationml/2006/main">
+  <p:cSld>
+    <p:spTree>
+      <p:nvGrpSpPr>
+        <p:cNvPr id="1" name="">
+          <a:extLst>
+            <a:ext uri="{FF2B5EF4-FFF2-40B4-BE49-F238E27FC236}">
+              <a16:creationId xmlns:a16="http://schemas.microsoft.com/office/drawing/2014/main" id="{9B48BD26-B1C5-7003-2418-BA04DEAC2A9A}"/>
+            </a:ext>
+          </a:extLst>
+        </p:cNvPr>
+        <p:cNvGrpSpPr/>
+        <p:nvPr/>
+      </p:nvGrpSpPr>
+      <p:grpSpPr>
+        <a:xfrm>
+          <a:off x="0" y="0"/>
+          <a:ext cx="0" cy="0"/>
+          <a:chOff x="0" y="0"/>
+          <a:chExt cx="0" cy="0"/>
+        </a:xfrm>
+      </p:grpSpPr>
+      <p:sp>
+        <p:nvSpPr>
+          <p:cNvPr id="2" name="Slide Image Placeholder 1">
+            <a:extLst>
+              <a:ext uri="{FF2B5EF4-FFF2-40B4-BE49-F238E27FC236}">
+                <a16:creationId xmlns:a16="http://schemas.microsoft.com/office/drawing/2014/main" id="{B8840E17-4F8F-13C4-F4FB-F879048BCFC5}"/>
+              </a:ext>
+            </a:extLst>
+          </p:cNvPr>
+          <p:cNvSpPr>
+            <a:spLocks noGrp="1" noRot="1" noChangeAspect="1"/>
+          </p:cNvSpPr>
+          <p:nvPr>
+            <p:ph type="sldImg"/>
+          </p:nvPr>
+        </p:nvSpPr>
+        <p:spPr/>
+      </p:sp>
+      <p:sp>
+        <p:nvSpPr>
+          <p:cNvPr id="3" name="Notes Placeholder 2">
+            <a:extLst>
+              <a:ext uri="{FF2B5EF4-FFF2-40B4-BE49-F238E27FC236}">
+                <a16:creationId xmlns:a16="http://schemas.microsoft.com/office/drawing/2014/main" id="{59B77F58-81A2-5B40-ED2B-1104609E406E}"/>
+              </a:ext>
+            </a:extLst>
+          </p:cNvPr>
+          <p:cNvSpPr>
+            <a:spLocks noGrp="1"/>
+          </p:cNvSpPr>
+          <p:nvPr>
+            <p:ph type="body" idx="1"/>
+          </p:nvPr>
+        </p:nvSpPr>
+        <p:spPr/>
+        <p:txBody>
+          <a:bodyPr/>
+          <a:lstStyle/>
+          <a:p>
+            <a:endParaRPr lang="en-US" dirty="0"/>
+          </a:p>
+        </p:txBody>
+      </p:sp>
+      <p:sp>
+        <p:nvSpPr>
+          <p:cNvPr id="4" name="Slide Number Placeholder 3">
+            <a:extLst>
+              <a:ext uri="{FF2B5EF4-FFF2-40B4-BE49-F238E27FC236}">
+                <a16:creationId xmlns:a16="http://schemas.microsoft.com/office/drawing/2014/main" id="{180D8FC8-C259-3921-65A6-081C664086A6}"/>
+              </a:ext>
+            </a:extLst>
+          </p:cNvPr>
+          <p:cNvSpPr>
+            <a:spLocks noGrp="1"/>
+          </p:cNvSpPr>
+          <p:nvPr>
+            <p:ph type="sldNum" sz="quarter" idx="5"/>
+          </p:nvPr>
+        </p:nvSpPr>
+        <p:spPr/>
+        <p:txBody>
+          <a:bodyPr/>
+          <a:lstStyle/>
+          <a:p>
+            <a:fld id="{A59EC0A6-2850-D147-9A65-4202BC918C7F}" type="slidenum">
+              <a:rPr lang="en-US" smtClean="0"/>
+              <a:t>14</a:t>
+            </a:fld>
+            <a:endParaRPr lang="en-US"/>
+          </a:p>
+        </p:txBody>
+      </p:sp>
+    </p:spTree>
+    <p:extLst>
+      <p:ext uri="{BB962C8B-B14F-4D97-AF65-F5344CB8AC3E}">
+        <p14:creationId xmlns:p14="http://schemas.microsoft.com/office/powerpoint/2010/main" val="1597887606"/>
       </p:ext>
     </p:extLst>
   </p:cSld>
@@ -4797,12 +5233,20 @@
 <file path=ppt/slides/slide10.xml><?xml version="1.0" encoding="utf-8"?>
 <p:sld xmlns:a="http://schemas.openxmlformats.org/drawingml/2006/main" xmlns:r="http://schemas.openxmlformats.org/officeDocument/2006/relationships" xmlns:p="http://schemas.openxmlformats.org/presentationml/2006/main">
   <p:cSld>
+    <p:bg>
+      <p:bgPr>
+        <a:solidFill>
+          <a:srgbClr val="EAEAEB"/>
+        </a:solidFill>
+        <a:effectLst/>
+      </p:bgPr>
+    </p:bg>
     <p:spTree>
       <p:nvGrpSpPr>
         <p:cNvPr id="1" name="">
           <a:extLst>
             <a:ext uri="{FF2B5EF4-FFF2-40B4-BE49-F238E27FC236}">
-              <a16:creationId xmlns:a16="http://schemas.microsoft.com/office/drawing/2014/main" id="{2A5369C3-419B-8999-4ADA-CDFF9537CCB8}"/>
+              <a16:creationId xmlns:a16="http://schemas.microsoft.com/office/drawing/2014/main" id="{94328526-D41C-6530-33A1-C8DB170D6EC3}"/>
             </a:ext>
           </a:extLst>
         </p:cNvPr>
@@ -4819,10 +5263,10 @@
       </p:grpSpPr>
       <p:pic>
         <p:nvPicPr>
-          <p:cNvPr id="3" name="Picture 2" descr="A diagram of a model&#10;&#10;Description automatically generated">
-            <a:extLst>
-              <a:ext uri="{FF2B5EF4-FFF2-40B4-BE49-F238E27FC236}">
-                <a16:creationId xmlns:a16="http://schemas.microsoft.com/office/drawing/2014/main" id="{2DEB727C-F3B6-C9A2-A564-F1FE23BAD4DD}"/>
+          <p:cNvPr id="8" name="Picture 7" descr="A screenshot of a computer&#10;&#10;Description automatically generated">
+            <a:extLst>
+              <a:ext uri="{FF2B5EF4-FFF2-40B4-BE49-F238E27FC236}">
+                <a16:creationId xmlns:a16="http://schemas.microsoft.com/office/drawing/2014/main" id="{C82F4BCC-BD67-DC98-297E-E920A110FB34}"/>
               </a:ext>
             </a:extLst>
           </p:cNvPr>
@@ -4839,20 +5283,674 @@
         </p:blipFill>
         <p:spPr>
           <a:xfrm>
-            <a:off x="2829618" y="223941"/>
-            <a:ext cx="8721250" cy="3205059"/>
+            <a:off x="6751454" y="1320906"/>
+            <a:ext cx="5291667" cy="4947708"/>
+          </a:xfrm>
+          <a:prstGeom prst="rect">
+            <a:avLst/>
+          </a:prstGeom>
+          <a:solidFill>
+            <a:srgbClr val="EAEAEB">
+              <a:alpha val="99000"/>
+            </a:srgbClr>
+          </a:solidFill>
+        </p:spPr>
+      </p:pic>
+      <p:pic>
+        <p:nvPicPr>
+          <p:cNvPr id="3" name="Picture 2" descr="A hexagon with a sign and a arrow&#10;&#10;Description automatically generated">
+            <a:extLst>
+              <a:ext uri="{FF2B5EF4-FFF2-40B4-BE49-F238E27FC236}">
+                <a16:creationId xmlns:a16="http://schemas.microsoft.com/office/drawing/2014/main" id="{48FF060C-23CF-09A1-A547-6484DA79CB64}"/>
+              </a:ext>
+            </a:extLst>
+          </p:cNvPr>
+          <p:cNvPicPr>
+            <a:picLocks noChangeAspect="1"/>
+          </p:cNvPicPr>
+          <p:nvPr/>
+        </p:nvPicPr>
+        <p:blipFill>
+          <a:blip r:embed="rId4"/>
+          <a:stretch>
+            <a:fillRect/>
+          </a:stretch>
+        </p:blipFill>
+        <p:spPr>
+          <a:xfrm>
+            <a:off x="3710633" y="2423160"/>
+            <a:ext cx="2384755" cy="2743200"/>
           </a:xfrm>
           <a:prstGeom prst="rect">
             <a:avLst/>
           </a:prstGeom>
         </p:spPr>
       </p:pic>
-      <p:sp>
-        <p:nvSpPr>
-          <p:cNvPr id="5" name="Rounded Rectangle 4">
-            <a:extLst>
-              <a:ext uri="{FF2B5EF4-FFF2-40B4-BE49-F238E27FC236}">
-                <a16:creationId xmlns:a16="http://schemas.microsoft.com/office/drawing/2014/main" id="{9D2AF731-A9EF-A057-1D52-DA2093F39675}"/>
+      <p:pic>
+        <p:nvPicPr>
+          <p:cNvPr id="4" name="Picture 4" descr="Hex logo for Quarto - a white circle segmented into quarters next to the text Quarto on a blue background.">
+            <a:extLst>
+              <a:ext uri="{FF2B5EF4-FFF2-40B4-BE49-F238E27FC236}">
+                <a16:creationId xmlns:a16="http://schemas.microsoft.com/office/drawing/2014/main" id="{5C400ECE-1343-7989-1A9B-8AD11516ED74}"/>
+              </a:ext>
+            </a:extLst>
+          </p:cNvPr>
+          <p:cNvPicPr>
+            <a:picLocks noChangeAspect="1" noChangeArrowheads="1"/>
+          </p:cNvPicPr>
+          <p:nvPr/>
+        </p:nvPicPr>
+        <p:blipFill>
+          <a:blip r:embed="rId5">
+            <a:extLst>
+              <a:ext uri="{28A0092B-C50C-407E-A947-70E740481C1C}">
+                <a14:useLocalDpi xmlns:a14="http://schemas.microsoft.com/office/drawing/2010/main" val="0"/>
+              </a:ext>
+            </a:extLst>
+          </a:blip>
+          <a:srcRect/>
+          <a:stretch>
+            <a:fillRect/>
+          </a:stretch>
+        </p:blipFill>
+        <p:spPr bwMode="auto">
+          <a:xfrm>
+            <a:off x="417753" y="2423160"/>
+            <a:ext cx="2376780" cy="2743200"/>
+          </a:xfrm>
+          <a:prstGeom prst="rect">
+            <a:avLst/>
+          </a:prstGeom>
+          <a:noFill/>
+          <a:extLst>
+            <a:ext uri="{909E8E84-426E-40DD-AFC4-6F175D3DCCD1}">
+              <a14:hiddenFill xmlns:a14="http://schemas.microsoft.com/office/drawing/2010/main">
+                <a:solidFill>
+                  <a:srgbClr val="FFFFFF"/>
+                </a:solidFill>
+              </a14:hiddenFill>
+            </a:ext>
+          </a:extLst>
+        </p:spPr>
+      </p:pic>
+      <p:sp>
+        <p:nvSpPr>
+          <p:cNvPr id="5" name="TextBox 4">
+            <a:extLst>
+              <a:ext uri="{FF2B5EF4-FFF2-40B4-BE49-F238E27FC236}">
+                <a16:creationId xmlns:a16="http://schemas.microsoft.com/office/drawing/2014/main" id="{049242D9-D73D-4BB1-A0E3-95E1DF362804}"/>
+              </a:ext>
+            </a:extLst>
+          </p:cNvPr>
+          <p:cNvSpPr txBox="1"/>
+          <p:nvPr/>
+        </p:nvSpPr>
+        <p:spPr>
+          <a:xfrm>
+            <a:off x="2894953" y="3071485"/>
+            <a:ext cx="715260" cy="1446550"/>
+          </a:xfrm>
+          <a:prstGeom prst="rect">
+            <a:avLst/>
+          </a:prstGeom>
+          <a:noFill/>
+        </p:spPr>
+        <p:txBody>
+          <a:bodyPr wrap="none" rtlCol="0">
+            <a:spAutoFit/>
+          </a:bodyPr>
+          <a:lstStyle/>
+          <a:p>
+            <a:r>
+              <a:rPr lang="en-US" sz="8800" dirty="0">
+                <a:latin typeface="Fira Sans Condensed Medium" panose="020B0603050000020004" pitchFamily="34" charset="0"/>
+              </a:rPr>
+              <a:t>+</a:t>
+            </a:r>
+          </a:p>
+        </p:txBody>
+      </p:sp>
+      <p:sp>
+        <p:nvSpPr>
+          <p:cNvPr id="6" name="TextBox 5">
+            <a:extLst>
+              <a:ext uri="{FF2B5EF4-FFF2-40B4-BE49-F238E27FC236}">
+                <a16:creationId xmlns:a16="http://schemas.microsoft.com/office/drawing/2014/main" id="{E9AFB6F6-C224-8059-14D9-94A7F6B7AC70}"/>
+              </a:ext>
+            </a:extLst>
+          </p:cNvPr>
+          <p:cNvSpPr txBox="1"/>
+          <p:nvPr/>
+        </p:nvSpPr>
+        <p:spPr>
+          <a:xfrm>
+            <a:off x="6195807" y="3071485"/>
+            <a:ext cx="705642" cy="1446550"/>
+          </a:xfrm>
+          <a:prstGeom prst="rect">
+            <a:avLst/>
+          </a:prstGeom>
+          <a:noFill/>
+        </p:spPr>
+        <p:txBody>
+          <a:bodyPr wrap="none" rtlCol="0">
+            <a:spAutoFit/>
+          </a:bodyPr>
+          <a:lstStyle/>
+          <a:p>
+            <a:r>
+              <a:rPr lang="en-US" sz="8800" dirty="0">
+                <a:latin typeface="Fira Sans Condensed Medium" panose="020B0603050000020004" pitchFamily="34" charset="0"/>
+              </a:rPr>
+              <a:t>=</a:t>
+            </a:r>
+          </a:p>
+        </p:txBody>
+      </p:sp>
+      <p:sp>
+        <p:nvSpPr>
+          <p:cNvPr id="7" name="TextBox 6">
+            <a:extLst>
+              <a:ext uri="{FF2B5EF4-FFF2-40B4-BE49-F238E27FC236}">
+                <a16:creationId xmlns:a16="http://schemas.microsoft.com/office/drawing/2014/main" id="{7BC3136E-AB1F-69A6-017E-D4B2AB8969A7}"/>
+              </a:ext>
+            </a:extLst>
+          </p:cNvPr>
+          <p:cNvSpPr txBox="1"/>
+          <p:nvPr/>
+        </p:nvSpPr>
+        <p:spPr>
+          <a:xfrm>
+            <a:off x="0" y="185705"/>
+            <a:ext cx="12192000" cy="769441"/>
+          </a:xfrm>
+          <a:prstGeom prst="rect">
+            <a:avLst/>
+          </a:prstGeom>
+          <a:noFill/>
+        </p:spPr>
+        <p:txBody>
+          <a:bodyPr wrap="square" rtlCol="0">
+            <a:spAutoFit/>
+          </a:bodyPr>
+          <a:lstStyle/>
+          <a:p>
+            <a:pPr algn="ctr"/>
+            <a:r>
+              <a:rPr lang="en-US" sz="4400" dirty="0">
+                <a:latin typeface="Fira Sans Condensed Medium" panose="020B0603050000020004" pitchFamily="34" charset="0"/>
+              </a:rPr>
+              <a:t>R package that renders Quarto files into surveys</a:t>
+            </a:r>
+          </a:p>
+        </p:txBody>
+      </p:sp>
+    </p:spTree>
+    <p:extLst>
+      <p:ext uri="{BB962C8B-B14F-4D97-AF65-F5344CB8AC3E}">
+        <p14:creationId xmlns:p14="http://schemas.microsoft.com/office/powerpoint/2010/main" val="1215931787"/>
+      </p:ext>
+    </p:extLst>
+  </p:cSld>
+  <p:clrMapOvr>
+    <a:masterClrMapping/>
+  </p:clrMapOvr>
+</p:sld>
+</file>
+
+<file path=ppt/slides/slide11.xml><?xml version="1.0" encoding="utf-8"?>
+<p:sld xmlns:a="http://schemas.openxmlformats.org/drawingml/2006/main" xmlns:r="http://schemas.openxmlformats.org/officeDocument/2006/relationships" xmlns:p="http://schemas.openxmlformats.org/presentationml/2006/main">
+  <p:cSld>
+    <p:bg>
+      <p:bgPr>
+        <a:solidFill>
+          <a:srgbClr val="EAEAEB"/>
+        </a:solidFill>
+        <a:effectLst/>
+      </p:bgPr>
+    </p:bg>
+    <p:spTree>
+      <p:nvGrpSpPr>
+        <p:cNvPr id="1" name="">
+          <a:extLst>
+            <a:ext uri="{FF2B5EF4-FFF2-40B4-BE49-F238E27FC236}">
+              <a16:creationId xmlns:a16="http://schemas.microsoft.com/office/drawing/2014/main" id="{A24C025D-830B-0E30-2157-3AEA55088A0D}"/>
+            </a:ext>
+          </a:extLst>
+        </p:cNvPr>
+        <p:cNvGrpSpPr/>
+        <p:nvPr/>
+      </p:nvGrpSpPr>
+      <p:grpSpPr>
+        <a:xfrm>
+          <a:off x="0" y="0"/>
+          <a:ext cx="0" cy="0"/>
+          <a:chOff x="0" y="0"/>
+          <a:chExt cx="0" cy="0"/>
+        </a:xfrm>
+      </p:grpSpPr>
+      <p:pic>
+        <p:nvPicPr>
+          <p:cNvPr id="8" name="Picture 7" descr="A screenshot of a computer&#10;&#10;Description automatically generated">
+            <a:extLst>
+              <a:ext uri="{FF2B5EF4-FFF2-40B4-BE49-F238E27FC236}">
+                <a16:creationId xmlns:a16="http://schemas.microsoft.com/office/drawing/2014/main" id="{8BCC3D4E-EB47-C5A9-56D9-A49E0DBA3ADF}"/>
+              </a:ext>
+            </a:extLst>
+          </p:cNvPr>
+          <p:cNvPicPr>
+            <a:picLocks noChangeAspect="1"/>
+          </p:cNvPicPr>
+          <p:nvPr/>
+        </p:nvPicPr>
+        <p:blipFill>
+          <a:blip r:embed="rId3"/>
+          <a:stretch>
+            <a:fillRect/>
+          </a:stretch>
+        </p:blipFill>
+        <p:spPr>
+          <a:xfrm>
+            <a:off x="6751454" y="1320906"/>
+            <a:ext cx="5291667" cy="4947708"/>
+          </a:xfrm>
+          <a:prstGeom prst="rect">
+            <a:avLst/>
+          </a:prstGeom>
+          <a:solidFill>
+            <a:srgbClr val="EAEAEB">
+              <a:alpha val="99000"/>
+            </a:srgbClr>
+          </a:solidFill>
+        </p:spPr>
+      </p:pic>
+      <p:pic>
+        <p:nvPicPr>
+          <p:cNvPr id="3" name="Picture 2" descr="A hexagon with a sign and a arrow&#10;&#10;Description automatically generated">
+            <a:extLst>
+              <a:ext uri="{FF2B5EF4-FFF2-40B4-BE49-F238E27FC236}">
+                <a16:creationId xmlns:a16="http://schemas.microsoft.com/office/drawing/2014/main" id="{9E08CEF3-96E8-A137-CB14-5268E857404E}"/>
+              </a:ext>
+            </a:extLst>
+          </p:cNvPr>
+          <p:cNvPicPr>
+            <a:picLocks noChangeAspect="1"/>
+          </p:cNvPicPr>
+          <p:nvPr/>
+        </p:nvPicPr>
+        <p:blipFill>
+          <a:blip r:embed="rId4"/>
+          <a:stretch>
+            <a:fillRect/>
+          </a:stretch>
+        </p:blipFill>
+        <p:spPr>
+          <a:xfrm>
+            <a:off x="3710633" y="2423160"/>
+            <a:ext cx="2384755" cy="2743200"/>
+          </a:xfrm>
+          <a:prstGeom prst="rect">
+            <a:avLst/>
+          </a:prstGeom>
+        </p:spPr>
+      </p:pic>
+      <p:pic>
+        <p:nvPicPr>
+          <p:cNvPr id="4" name="Picture 4" descr="Hex logo for Quarto - a white circle segmented into quarters next to the text Quarto on a blue background.">
+            <a:extLst>
+              <a:ext uri="{FF2B5EF4-FFF2-40B4-BE49-F238E27FC236}">
+                <a16:creationId xmlns:a16="http://schemas.microsoft.com/office/drawing/2014/main" id="{3BC54550-CDB5-388F-D22C-A72E6A1A6A29}"/>
+              </a:ext>
+            </a:extLst>
+          </p:cNvPr>
+          <p:cNvPicPr>
+            <a:picLocks noChangeAspect="1" noChangeArrowheads="1"/>
+          </p:cNvPicPr>
+          <p:nvPr/>
+        </p:nvPicPr>
+        <p:blipFill>
+          <a:blip r:embed="rId5">
+            <a:extLst>
+              <a:ext uri="{28A0092B-C50C-407E-A947-70E740481C1C}">
+                <a14:useLocalDpi xmlns:a14="http://schemas.microsoft.com/office/drawing/2010/main" val="0"/>
+              </a:ext>
+            </a:extLst>
+          </a:blip>
+          <a:srcRect/>
+          <a:stretch>
+            <a:fillRect/>
+          </a:stretch>
+        </p:blipFill>
+        <p:spPr bwMode="auto">
+          <a:xfrm>
+            <a:off x="417753" y="2423160"/>
+            <a:ext cx="2376780" cy="2743200"/>
+          </a:xfrm>
+          <a:prstGeom prst="rect">
+            <a:avLst/>
+          </a:prstGeom>
+          <a:noFill/>
+          <a:extLst>
+            <a:ext uri="{909E8E84-426E-40DD-AFC4-6F175D3DCCD1}">
+              <a14:hiddenFill xmlns:a14="http://schemas.microsoft.com/office/drawing/2010/main">
+                <a:solidFill>
+                  <a:srgbClr val="FFFFFF"/>
+                </a:solidFill>
+              </a14:hiddenFill>
+            </a:ext>
+          </a:extLst>
+        </p:spPr>
+      </p:pic>
+      <p:sp>
+        <p:nvSpPr>
+          <p:cNvPr id="5" name="TextBox 4">
+            <a:extLst>
+              <a:ext uri="{FF2B5EF4-FFF2-40B4-BE49-F238E27FC236}">
+                <a16:creationId xmlns:a16="http://schemas.microsoft.com/office/drawing/2014/main" id="{6202F5C4-7056-7B90-1DFE-52D718234550}"/>
+              </a:ext>
+            </a:extLst>
+          </p:cNvPr>
+          <p:cNvSpPr txBox="1"/>
+          <p:nvPr/>
+        </p:nvSpPr>
+        <p:spPr>
+          <a:xfrm>
+            <a:off x="2894953" y="3071485"/>
+            <a:ext cx="715260" cy="1446550"/>
+          </a:xfrm>
+          <a:prstGeom prst="rect">
+            <a:avLst/>
+          </a:prstGeom>
+          <a:noFill/>
+        </p:spPr>
+        <p:txBody>
+          <a:bodyPr wrap="none" rtlCol="0">
+            <a:spAutoFit/>
+          </a:bodyPr>
+          <a:lstStyle/>
+          <a:p>
+            <a:r>
+              <a:rPr lang="en-US" sz="8800" dirty="0">
+                <a:latin typeface="Fira Sans Condensed Medium" panose="020B0603050000020004" pitchFamily="34" charset="0"/>
+              </a:rPr>
+              <a:t>+</a:t>
+            </a:r>
+          </a:p>
+        </p:txBody>
+      </p:sp>
+      <p:sp>
+        <p:nvSpPr>
+          <p:cNvPr id="6" name="TextBox 5">
+            <a:extLst>
+              <a:ext uri="{FF2B5EF4-FFF2-40B4-BE49-F238E27FC236}">
+                <a16:creationId xmlns:a16="http://schemas.microsoft.com/office/drawing/2014/main" id="{111FE4A1-E93B-C00B-B70C-C9B56C25D224}"/>
+              </a:ext>
+            </a:extLst>
+          </p:cNvPr>
+          <p:cNvSpPr txBox="1"/>
+          <p:nvPr/>
+        </p:nvSpPr>
+        <p:spPr>
+          <a:xfrm>
+            <a:off x="6195807" y="3071485"/>
+            <a:ext cx="705642" cy="1446550"/>
+          </a:xfrm>
+          <a:prstGeom prst="rect">
+            <a:avLst/>
+          </a:prstGeom>
+          <a:noFill/>
+        </p:spPr>
+        <p:txBody>
+          <a:bodyPr wrap="none" rtlCol="0">
+            <a:spAutoFit/>
+          </a:bodyPr>
+          <a:lstStyle/>
+          <a:p>
+            <a:r>
+              <a:rPr lang="en-US" sz="8800" dirty="0">
+                <a:latin typeface="Fira Sans Condensed Medium" panose="020B0603050000020004" pitchFamily="34" charset="0"/>
+              </a:rPr>
+              <a:t>=</a:t>
+            </a:r>
+          </a:p>
+        </p:txBody>
+      </p:sp>
+    </p:spTree>
+    <p:extLst>
+      <p:ext uri="{BB962C8B-B14F-4D97-AF65-F5344CB8AC3E}">
+        <p14:creationId xmlns:p14="http://schemas.microsoft.com/office/powerpoint/2010/main" val="366611496"/>
+      </p:ext>
+    </p:extLst>
+  </p:cSld>
+  <p:clrMapOvr>
+    <a:masterClrMapping/>
+  </p:clrMapOvr>
+</p:sld>
+</file>
+
+<file path=ppt/slides/slide12.xml><?xml version="1.0" encoding="utf-8"?>
+<p:sld xmlns:a="http://schemas.openxmlformats.org/drawingml/2006/main" xmlns:r="http://schemas.openxmlformats.org/officeDocument/2006/relationships" xmlns:p="http://schemas.openxmlformats.org/presentationml/2006/main">
+  <p:cSld>
+    <p:bg>
+      <p:bgPr>
+        <a:solidFill>
+          <a:srgbClr val="EAEAEB"/>
+        </a:solidFill>
+        <a:effectLst/>
+      </p:bgPr>
+    </p:bg>
+    <p:spTree>
+      <p:nvGrpSpPr>
+        <p:cNvPr id="1" name="">
+          <a:extLst>
+            <a:ext uri="{FF2B5EF4-FFF2-40B4-BE49-F238E27FC236}">
+              <a16:creationId xmlns:a16="http://schemas.microsoft.com/office/drawing/2014/main" id="{65B89D66-015D-AEE8-0A18-BB4BF51BDA66}"/>
+            </a:ext>
+          </a:extLst>
+        </p:cNvPr>
+        <p:cNvGrpSpPr/>
+        <p:nvPr/>
+      </p:nvGrpSpPr>
+      <p:grpSpPr>
+        <a:xfrm>
+          <a:off x="0" y="0"/>
+          <a:ext cx="0" cy="0"/>
+          <a:chOff x="0" y="0"/>
+          <a:chExt cx="0" cy="0"/>
+        </a:xfrm>
+      </p:grpSpPr>
+      <p:pic>
+        <p:nvPicPr>
+          <p:cNvPr id="8" name="Picture 7" descr="A screenshot of a computer&#10;&#10;Description automatically generated">
+            <a:extLst>
+              <a:ext uri="{FF2B5EF4-FFF2-40B4-BE49-F238E27FC236}">
+                <a16:creationId xmlns:a16="http://schemas.microsoft.com/office/drawing/2014/main" id="{1041F572-CAE2-FD19-80B3-4522E5BE8437}"/>
+              </a:ext>
+            </a:extLst>
+          </p:cNvPr>
+          <p:cNvPicPr>
+            <a:picLocks noChangeAspect="1"/>
+          </p:cNvPicPr>
+          <p:nvPr/>
+        </p:nvPicPr>
+        <p:blipFill>
+          <a:blip r:embed="rId3"/>
+          <a:stretch>
+            <a:fillRect/>
+          </a:stretch>
+        </p:blipFill>
+        <p:spPr>
+          <a:xfrm>
+            <a:off x="6751454" y="1320906"/>
+            <a:ext cx="5291667" cy="4947708"/>
+          </a:xfrm>
+          <a:prstGeom prst="rect">
+            <a:avLst/>
+          </a:prstGeom>
+          <a:solidFill>
+            <a:srgbClr val="EAEAEB">
+              <a:alpha val="99000"/>
+            </a:srgbClr>
+          </a:solidFill>
+        </p:spPr>
+      </p:pic>
+      <p:pic>
+        <p:nvPicPr>
+          <p:cNvPr id="3" name="Picture 2" descr="A hexagon with a sign and a arrow&#10;&#10;Description automatically generated">
+            <a:extLst>
+              <a:ext uri="{FF2B5EF4-FFF2-40B4-BE49-F238E27FC236}">
+                <a16:creationId xmlns:a16="http://schemas.microsoft.com/office/drawing/2014/main" id="{C80F439F-25F2-3A57-140A-7BEF01623ADC}"/>
+              </a:ext>
+            </a:extLst>
+          </p:cNvPr>
+          <p:cNvPicPr>
+            <a:picLocks noChangeAspect="1"/>
+          </p:cNvPicPr>
+          <p:nvPr/>
+        </p:nvPicPr>
+        <p:blipFill>
+          <a:blip r:embed="rId4"/>
+          <a:stretch>
+            <a:fillRect/>
+          </a:stretch>
+        </p:blipFill>
+        <p:spPr>
+          <a:xfrm>
+            <a:off x="3720161" y="1364786"/>
+            <a:ext cx="1681019" cy="1933687"/>
+          </a:xfrm>
+          <a:prstGeom prst="rect">
+            <a:avLst/>
+          </a:prstGeom>
+        </p:spPr>
+      </p:pic>
+      <p:pic>
+        <p:nvPicPr>
+          <p:cNvPr id="4" name="Picture 4" descr="Hex logo for Quarto - a white circle segmented into quarters next to the text Quarto on a blue background.">
+            <a:extLst>
+              <a:ext uri="{FF2B5EF4-FFF2-40B4-BE49-F238E27FC236}">
+                <a16:creationId xmlns:a16="http://schemas.microsoft.com/office/drawing/2014/main" id="{26E4E4F3-8EEB-F543-A27D-284DFF32C9B0}"/>
+              </a:ext>
+            </a:extLst>
+          </p:cNvPr>
+          <p:cNvPicPr>
+            <a:picLocks noChangeAspect="1" noChangeArrowheads="1"/>
+          </p:cNvPicPr>
+          <p:nvPr/>
+        </p:nvPicPr>
+        <p:blipFill>
+          <a:blip r:embed="rId5">
+            <a:extLst>
+              <a:ext uri="{28A0092B-C50C-407E-A947-70E740481C1C}">
+                <a14:useLocalDpi xmlns:a14="http://schemas.microsoft.com/office/drawing/2010/main" val="0"/>
+              </a:ext>
+            </a:extLst>
+          </a:blip>
+          <a:srcRect/>
+          <a:stretch>
+            <a:fillRect/>
+          </a:stretch>
+        </p:blipFill>
+        <p:spPr bwMode="auto">
+          <a:xfrm>
+            <a:off x="925997" y="1364786"/>
+            <a:ext cx="1675397" cy="1933687"/>
+          </a:xfrm>
+          <a:prstGeom prst="rect">
+            <a:avLst/>
+          </a:prstGeom>
+          <a:noFill/>
+          <a:extLst>
+            <a:ext uri="{909E8E84-426E-40DD-AFC4-6F175D3DCCD1}">
+              <a14:hiddenFill xmlns:a14="http://schemas.microsoft.com/office/drawing/2010/main">
+                <a:solidFill>
+                  <a:srgbClr val="FFFFFF"/>
+                </a:solidFill>
+              </a14:hiddenFill>
+            </a:ext>
+          </a:extLst>
+        </p:spPr>
+      </p:pic>
+      <p:sp>
+        <p:nvSpPr>
+          <p:cNvPr id="5" name="TextBox 4">
+            <a:extLst>
+              <a:ext uri="{FF2B5EF4-FFF2-40B4-BE49-F238E27FC236}">
+                <a16:creationId xmlns:a16="http://schemas.microsoft.com/office/drawing/2014/main" id="{681D2F7D-827A-1E49-B2D6-4933B17646C1}"/>
+              </a:ext>
+            </a:extLst>
+          </p:cNvPr>
+          <p:cNvSpPr txBox="1"/>
+          <p:nvPr/>
+        </p:nvSpPr>
+        <p:spPr>
+          <a:xfrm>
+            <a:off x="2840343" y="1618306"/>
+            <a:ext cx="504188" cy="1446550"/>
+          </a:xfrm>
+          <a:prstGeom prst="rect">
+            <a:avLst/>
+          </a:prstGeom>
+          <a:noFill/>
+        </p:spPr>
+        <p:txBody>
+          <a:bodyPr wrap="square" rtlCol="0">
+            <a:spAutoFit/>
+          </a:bodyPr>
+          <a:lstStyle/>
+          <a:p>
+            <a:r>
+              <a:rPr lang="en-US" sz="8800" dirty="0">
+                <a:latin typeface="Fira Sans Condensed Medium" panose="020B0603050000020004" pitchFamily="34" charset="0"/>
+              </a:rPr>
+              <a:t>+</a:t>
+            </a:r>
+          </a:p>
+        </p:txBody>
+      </p:sp>
+      <p:sp>
+        <p:nvSpPr>
+          <p:cNvPr id="6" name="TextBox 5">
+            <a:extLst>
+              <a:ext uri="{FF2B5EF4-FFF2-40B4-BE49-F238E27FC236}">
+                <a16:creationId xmlns:a16="http://schemas.microsoft.com/office/drawing/2014/main" id="{B23227CA-1995-FE2B-16B7-5EEA844B91E9}"/>
+              </a:ext>
+            </a:extLst>
+          </p:cNvPr>
+          <p:cNvSpPr txBox="1"/>
+          <p:nvPr/>
+        </p:nvSpPr>
+        <p:spPr>
+          <a:xfrm>
+            <a:off x="6195807" y="3071485"/>
+            <a:ext cx="705642" cy="1446550"/>
+          </a:xfrm>
+          <a:prstGeom prst="rect">
+            <a:avLst/>
+          </a:prstGeom>
+          <a:noFill/>
+        </p:spPr>
+        <p:txBody>
+          <a:bodyPr wrap="none" rtlCol="0">
+            <a:spAutoFit/>
+          </a:bodyPr>
+          <a:lstStyle/>
+          <a:p>
+            <a:r>
+              <a:rPr lang="en-US" sz="8800" dirty="0">
+                <a:latin typeface="Fira Sans Condensed Medium" panose="020B0603050000020004" pitchFamily="34" charset="0"/>
+              </a:rPr>
+              <a:t>=</a:t>
+            </a:r>
+          </a:p>
+        </p:txBody>
+      </p:sp>
+      <p:sp>
+        <p:nvSpPr>
+          <p:cNvPr id="2" name="Rounded Rectangle 1">
+            <a:extLst>
+              <a:ext uri="{FF2B5EF4-FFF2-40B4-BE49-F238E27FC236}">
+                <a16:creationId xmlns:a16="http://schemas.microsoft.com/office/drawing/2014/main" id="{65565892-9E67-BA90-749D-6307707074AB}"/>
               </a:ext>
             </a:extLst>
           </p:cNvPr>
@@ -4861,8 +5959,8 @@
         </p:nvSpPr>
         <p:spPr>
           <a:xfrm>
-            <a:off x="599089" y="223941"/>
-            <a:ext cx="1881352" cy="2894375"/>
+            <a:off x="304799" y="450929"/>
+            <a:ext cx="5791201" cy="5956142"/>
           </a:xfrm>
           <a:prstGeom prst="roundRect">
             <a:avLst>
@@ -4870,7 +5968,7 @@
             </a:avLst>
           </a:prstGeom>
           <a:noFill/>
-          <a:ln>
+          <a:ln w="38100">
             <a:solidFill>
               <a:srgbClr val="FF0000"/>
             </a:solidFill>
@@ -4893,7 +5991,7 @@
           </a:fontRef>
         </p:style>
         <p:txBody>
-          <a:bodyPr rtlCol="0" anchor="ctr"/>
+          <a:bodyPr rtlCol="0" anchor="t"/>
           <a:lstStyle/>
           <a:p>
             <a:pPr algn="ctr"/>
@@ -4902,118 +6000,198 @@
                 <a:solidFill>
                   <a:srgbClr val="FF0000"/>
                 </a:solidFill>
-                <a:latin typeface="Roboto" panose="02000000000000000000" pitchFamily="2" charset="0"/>
+                <a:latin typeface="Fira Sans Condensed Medium" panose="020B0603050000020004" pitchFamily="34" charset="0"/>
                 <a:ea typeface="Roboto" panose="02000000000000000000" pitchFamily="2" charset="0"/>
               </a:rPr>
-              <a:t>Collect</a:t>
+              <a:t>Shiny App</a:t>
             </a:r>
           </a:p>
+        </p:txBody>
+      </p:sp>
+      <p:sp>
+        <p:nvSpPr>
+          <p:cNvPr id="10" name="Rounded Rectangle 9">
+            <a:extLst>
+              <a:ext uri="{FF2B5EF4-FFF2-40B4-BE49-F238E27FC236}">
+                <a16:creationId xmlns:a16="http://schemas.microsoft.com/office/drawing/2014/main" id="{4E4B383E-F81A-2551-C1E9-1E085801FBBC}"/>
+              </a:ext>
+            </a:extLst>
+          </p:cNvPr>
+          <p:cNvSpPr/>
+          <p:nvPr/>
+        </p:nvSpPr>
+        <p:spPr>
+          <a:xfrm>
+            <a:off x="623988" y="1198581"/>
+            <a:ext cx="5152822" cy="2286000"/>
+          </a:xfrm>
+          <a:prstGeom prst="roundRect">
+            <a:avLst>
+              <a:gd name="adj" fmla="val 7170"/>
+            </a:avLst>
+          </a:prstGeom>
+          <a:noFill/>
+          <a:ln w="38100">
+            <a:solidFill>
+              <a:schemeClr val="accent3">
+                <a:lumMod val="60000"/>
+                <a:lumOff val="40000"/>
+              </a:schemeClr>
+            </a:solidFill>
+          </a:ln>
+        </p:spPr>
+        <p:style>
+          <a:lnRef idx="2">
+            <a:schemeClr val="accent1">
+              <a:shade val="15000"/>
+            </a:schemeClr>
+          </a:lnRef>
+          <a:fillRef idx="1">
+            <a:schemeClr val="accent1"/>
+          </a:fillRef>
+          <a:effectRef idx="0">
+            <a:schemeClr val="accent1"/>
+          </a:effectRef>
+          <a:fontRef idx="minor">
+            <a:schemeClr val="lt1"/>
+          </a:fontRef>
+        </p:style>
+        <p:txBody>
+          <a:bodyPr rtlCol="0" anchor="t"/>
+          <a:lstStyle/>
           <a:p>
             <a:pPr algn="ctr"/>
             <a:r>
               <a:rPr lang="en-US" sz="2200" dirty="0">
                 <a:solidFill>
-                  <a:srgbClr val="FF0000"/>
+                  <a:schemeClr val="accent3">
+                    <a:lumMod val="60000"/>
+                    <a:lumOff val="40000"/>
+                  </a:schemeClr>
                 </a:solidFill>
-                <a:latin typeface="Roboto" panose="02000000000000000000" pitchFamily="2" charset="0"/>
+                <a:latin typeface="Fira Sans Condensed Medium" panose="020B0603050000020004" pitchFamily="34" charset="0"/>
                 <a:ea typeface="Roboto" panose="02000000000000000000" pitchFamily="2" charset="0"/>
               </a:rPr>
-              <a:t>Data</a:t>
+              <a:t>UI</a:t>
             </a:r>
           </a:p>
         </p:txBody>
       </p:sp>
-      <p:cxnSp>
-        <p:nvCxnSpPr>
-          <p:cNvPr id="8" name="Straight Arrow Connector 7">
-            <a:extLst>
-              <a:ext uri="{FF2B5EF4-FFF2-40B4-BE49-F238E27FC236}">
-                <a16:creationId xmlns:a16="http://schemas.microsoft.com/office/drawing/2014/main" id="{6791545A-C1B7-B0A2-ECF3-65932106E726}"/>
-              </a:ext>
-            </a:extLst>
-          </p:cNvPr>
-          <p:cNvCxnSpPr>
-            <a:stCxn id="5" idx="3"/>
-          </p:cNvCxnSpPr>
+    </p:spTree>
+    <p:extLst>
+      <p:ext uri="{BB962C8B-B14F-4D97-AF65-F5344CB8AC3E}">
+        <p14:creationId xmlns:p14="http://schemas.microsoft.com/office/powerpoint/2010/main" val="1032620143"/>
+      </p:ext>
+    </p:extLst>
+  </p:cSld>
+  <p:clrMapOvr>
+    <a:masterClrMapping/>
+  </p:clrMapOvr>
+</p:sld>
+</file>
+
+<file path=ppt/slides/slide13.xml><?xml version="1.0" encoding="utf-8"?>
+<p:sld xmlns:a="http://schemas.openxmlformats.org/drawingml/2006/main" xmlns:r="http://schemas.openxmlformats.org/officeDocument/2006/relationships" xmlns:p="http://schemas.openxmlformats.org/presentationml/2006/main">
+  <p:cSld>
+    <p:bg>
+      <p:bgPr>
+        <a:solidFill>
+          <a:srgbClr val="EAEAEB"/>
+        </a:solidFill>
+        <a:effectLst/>
+      </p:bgPr>
+    </p:bg>
+    <p:spTree>
+      <p:nvGrpSpPr>
+        <p:cNvPr id="1" name="">
+          <a:extLst>
+            <a:ext uri="{FF2B5EF4-FFF2-40B4-BE49-F238E27FC236}">
+              <a16:creationId xmlns:a16="http://schemas.microsoft.com/office/drawing/2014/main" id="{3FBB4CA3-F301-769F-ACBA-2ED3CF9A7295}"/>
+            </a:ext>
+          </a:extLst>
+        </p:cNvPr>
+        <p:cNvGrpSpPr/>
+        <p:nvPr/>
+      </p:nvGrpSpPr>
+      <p:grpSpPr>
+        <a:xfrm>
+          <a:off x="0" y="0"/>
+          <a:ext cx="0" cy="0"/>
+          <a:chOff x="0" y="0"/>
+          <a:chExt cx="0" cy="0"/>
+        </a:xfrm>
+      </p:grpSpPr>
+      <p:pic>
+        <p:nvPicPr>
+          <p:cNvPr id="8" name="Picture 7" descr="A screenshot of a computer&#10;&#10;Description automatically generated">
+            <a:extLst>
+              <a:ext uri="{FF2B5EF4-FFF2-40B4-BE49-F238E27FC236}">
+                <a16:creationId xmlns:a16="http://schemas.microsoft.com/office/drawing/2014/main" id="{7BE279EC-6724-85F3-5F36-61642A4ACBB9}"/>
+              </a:ext>
+            </a:extLst>
+          </p:cNvPr>
+          <p:cNvPicPr>
+            <a:picLocks noChangeAspect="1"/>
+          </p:cNvPicPr>
           <p:nvPr/>
-        </p:nvCxnSpPr>
-        <p:spPr>
-          <a:xfrm flipV="1">
-            <a:off x="2480441" y="1671128"/>
-            <a:ext cx="349177" cy="1"/>
-          </a:xfrm>
-          <a:prstGeom prst="straightConnector1">
-            <a:avLst/>
-          </a:prstGeom>
-          <a:ln>
-            <a:solidFill>
-              <a:srgbClr val="FF0000"/>
-            </a:solidFill>
-            <a:tailEnd type="triangle" w="lg" len="lg"/>
-          </a:ln>
-        </p:spPr>
-        <p:style>
-          <a:lnRef idx="2">
-            <a:schemeClr val="accent1"/>
-          </a:lnRef>
-          <a:fillRef idx="0">
-            <a:schemeClr val="accent1"/>
-          </a:fillRef>
-          <a:effectRef idx="1">
-            <a:schemeClr val="accent1"/>
-          </a:effectRef>
-          <a:fontRef idx="minor">
-            <a:schemeClr val="tx1"/>
-          </a:fontRef>
-        </p:style>
-      </p:cxnSp>
-      <p:sp>
-        <p:nvSpPr>
-          <p:cNvPr id="9" name="TextBox 8">
-            <a:extLst>
-              <a:ext uri="{FF2B5EF4-FFF2-40B4-BE49-F238E27FC236}">
-                <a16:creationId xmlns:a16="http://schemas.microsoft.com/office/drawing/2014/main" id="{DF7E4ED5-99F8-9441-8E62-1EA85105A5A5}"/>
-              </a:ext>
-            </a:extLst>
-          </p:cNvPr>
-          <p:cNvSpPr txBox="1"/>
-          <p:nvPr/>
-        </p:nvSpPr>
+        </p:nvPicPr>
+        <p:blipFill>
+          <a:blip r:embed="rId3"/>
+          <a:stretch>
+            <a:fillRect/>
+          </a:stretch>
+        </p:blipFill>
         <p:spPr>
           <a:xfrm>
-            <a:off x="607721" y="3090446"/>
-            <a:ext cx="795411" cy="338554"/>
+            <a:off x="6751454" y="1320906"/>
+            <a:ext cx="5291667" cy="4947708"/>
           </a:xfrm>
           <a:prstGeom prst="rect">
             <a:avLst/>
           </a:prstGeom>
-          <a:noFill/>
+          <a:solidFill>
+            <a:srgbClr val="EAEAEB">
+              <a:alpha val="99000"/>
+            </a:srgbClr>
+          </a:solidFill>
         </p:spPr>
-        <p:txBody>
-          <a:bodyPr wrap="none" rtlCol="0">
-            <a:spAutoFit/>
-          </a:bodyPr>
-          <a:lstStyle/>
-          <a:p>
-            <a:r>
-              <a:rPr lang="en-US" sz="1600" dirty="0">
-                <a:solidFill>
-                  <a:srgbClr val="FF0000"/>
-                </a:solidFill>
-                <a:latin typeface="Roboto" panose="02000000000000000000" pitchFamily="2" charset="0"/>
-                <a:ea typeface="Roboto" panose="02000000000000000000" pitchFamily="2" charset="0"/>
-              </a:rPr>
-              <a:t>Survey</a:t>
-            </a:r>
-          </a:p>
-        </p:txBody>
-      </p:sp>
+      </p:pic>
       <p:pic>
         <p:nvPicPr>
-          <p:cNvPr id="6" name="Picture 8">
-            <a:extLst>
-              <a:ext uri="{FF2B5EF4-FFF2-40B4-BE49-F238E27FC236}">
-                <a16:creationId xmlns:a16="http://schemas.microsoft.com/office/drawing/2014/main" id="{95FA6227-BF1C-6FF8-5138-D28553714EA9}"/>
+          <p:cNvPr id="3" name="Picture 2" descr="A hexagon with a sign and a arrow&#10;&#10;Description automatically generated">
+            <a:extLst>
+              <a:ext uri="{FF2B5EF4-FFF2-40B4-BE49-F238E27FC236}">
+                <a16:creationId xmlns:a16="http://schemas.microsoft.com/office/drawing/2014/main" id="{E5E5EEB2-93B7-7383-C260-00D4331723B9}"/>
+              </a:ext>
+            </a:extLst>
+          </p:cNvPr>
+          <p:cNvPicPr>
+            <a:picLocks noChangeAspect="1"/>
+          </p:cNvPicPr>
+          <p:nvPr/>
+        </p:nvPicPr>
+        <p:blipFill>
+          <a:blip r:embed="rId4"/>
+          <a:stretch>
+            <a:fillRect/>
+          </a:stretch>
+        </p:blipFill>
+        <p:spPr>
+          <a:xfrm>
+            <a:off x="3720161" y="1364786"/>
+            <a:ext cx="1681019" cy="1933687"/>
+          </a:xfrm>
+          <a:prstGeom prst="rect">
+            <a:avLst/>
+          </a:prstGeom>
+        </p:spPr>
+      </p:pic>
+      <p:pic>
+        <p:nvPicPr>
+          <p:cNvPr id="4" name="Picture 4" descr="Hex logo for Quarto - a white circle segmented into quarters next to the text Quarto on a blue background.">
+            <a:extLst>
+              <a:ext uri="{FF2B5EF4-FFF2-40B4-BE49-F238E27FC236}">
+                <a16:creationId xmlns:a16="http://schemas.microsoft.com/office/drawing/2014/main" id="{F48376A8-14A7-4AB1-8772-A72E51D292E9}"/>
               </a:ext>
             </a:extLst>
           </p:cNvPr>
@@ -5023,7 +6201,7 @@
           <p:nvPr/>
         </p:nvPicPr>
         <p:blipFill>
-          <a:blip r:embed="rId4">
+          <a:blip r:embed="rId5">
             <a:extLst>
               <a:ext uri="{28A0092B-C50C-407E-A947-70E740481C1C}">
                 <a14:useLocalDpi xmlns:a14="http://schemas.microsoft.com/office/drawing/2010/main" val="0"/>
@@ -5037,8 +6215,8 @@
         </p:blipFill>
         <p:spPr bwMode="auto">
           <a:xfrm>
-            <a:off x="168165" y="3815272"/>
-            <a:ext cx="2743200" cy="2743200"/>
+            <a:off x="925997" y="1364786"/>
+            <a:ext cx="1675397" cy="1933687"/>
           </a:xfrm>
           <a:prstGeom prst="rect">
             <a:avLst/>
@@ -5055,10 +6233,866 @@
           </a:extLst>
         </p:spPr>
       </p:pic>
+      <p:sp>
+        <p:nvSpPr>
+          <p:cNvPr id="5" name="TextBox 4">
+            <a:extLst>
+              <a:ext uri="{FF2B5EF4-FFF2-40B4-BE49-F238E27FC236}">
+                <a16:creationId xmlns:a16="http://schemas.microsoft.com/office/drawing/2014/main" id="{45D958CD-E7CF-8476-5D46-DD1E1B732EC2}"/>
+              </a:ext>
+            </a:extLst>
+          </p:cNvPr>
+          <p:cNvSpPr txBox="1"/>
+          <p:nvPr/>
+        </p:nvSpPr>
+        <p:spPr>
+          <a:xfrm>
+            <a:off x="2840343" y="1618306"/>
+            <a:ext cx="504188" cy="1446550"/>
+          </a:xfrm>
+          <a:prstGeom prst="rect">
+            <a:avLst/>
+          </a:prstGeom>
+          <a:noFill/>
+        </p:spPr>
+        <p:txBody>
+          <a:bodyPr wrap="square" rtlCol="0">
+            <a:spAutoFit/>
+          </a:bodyPr>
+          <a:lstStyle/>
+          <a:p>
+            <a:r>
+              <a:rPr lang="en-US" sz="8800" dirty="0">
+                <a:latin typeface="Fira Sans Condensed Medium" panose="020B0603050000020004" pitchFamily="34" charset="0"/>
+              </a:rPr>
+              <a:t>+</a:t>
+            </a:r>
+          </a:p>
+        </p:txBody>
+      </p:sp>
+      <p:sp>
+        <p:nvSpPr>
+          <p:cNvPr id="6" name="TextBox 5">
+            <a:extLst>
+              <a:ext uri="{FF2B5EF4-FFF2-40B4-BE49-F238E27FC236}">
+                <a16:creationId xmlns:a16="http://schemas.microsoft.com/office/drawing/2014/main" id="{07727F68-CC7C-2272-1902-BF775310FC66}"/>
+              </a:ext>
+            </a:extLst>
+          </p:cNvPr>
+          <p:cNvSpPr txBox="1"/>
+          <p:nvPr/>
+        </p:nvSpPr>
+        <p:spPr>
+          <a:xfrm>
+            <a:off x="6195807" y="3071485"/>
+            <a:ext cx="705642" cy="1446550"/>
+          </a:xfrm>
+          <a:prstGeom prst="rect">
+            <a:avLst/>
+          </a:prstGeom>
+          <a:noFill/>
+        </p:spPr>
+        <p:txBody>
+          <a:bodyPr wrap="none" rtlCol="0">
+            <a:spAutoFit/>
+          </a:bodyPr>
+          <a:lstStyle/>
+          <a:p>
+            <a:r>
+              <a:rPr lang="en-US" sz="8800" dirty="0">
+                <a:latin typeface="Fira Sans Condensed Medium" panose="020B0603050000020004" pitchFamily="34" charset="0"/>
+              </a:rPr>
+              <a:t>=</a:t>
+            </a:r>
+          </a:p>
+        </p:txBody>
+      </p:sp>
+      <p:sp>
+        <p:nvSpPr>
+          <p:cNvPr id="2" name="Rounded Rectangle 1">
+            <a:extLst>
+              <a:ext uri="{FF2B5EF4-FFF2-40B4-BE49-F238E27FC236}">
+                <a16:creationId xmlns:a16="http://schemas.microsoft.com/office/drawing/2014/main" id="{FB521354-026B-F292-B356-C0B62F998E76}"/>
+              </a:ext>
+            </a:extLst>
+          </p:cNvPr>
+          <p:cNvSpPr/>
+          <p:nvPr/>
+        </p:nvSpPr>
+        <p:spPr>
+          <a:xfrm>
+            <a:off x="304799" y="450929"/>
+            <a:ext cx="5791201" cy="5956142"/>
+          </a:xfrm>
+          <a:prstGeom prst="roundRect">
+            <a:avLst>
+              <a:gd name="adj" fmla="val 7170"/>
+            </a:avLst>
+          </a:prstGeom>
+          <a:noFill/>
+          <a:ln w="38100">
+            <a:solidFill>
+              <a:srgbClr val="FF0000"/>
+            </a:solidFill>
+          </a:ln>
+        </p:spPr>
+        <p:style>
+          <a:lnRef idx="2">
+            <a:schemeClr val="accent1">
+              <a:shade val="15000"/>
+            </a:schemeClr>
+          </a:lnRef>
+          <a:fillRef idx="1">
+            <a:schemeClr val="accent1"/>
+          </a:fillRef>
+          <a:effectRef idx="0">
+            <a:schemeClr val="accent1"/>
+          </a:effectRef>
+          <a:fontRef idx="minor">
+            <a:schemeClr val="lt1"/>
+          </a:fontRef>
+        </p:style>
+        <p:txBody>
+          <a:bodyPr rtlCol="0" anchor="t"/>
+          <a:lstStyle/>
+          <a:p>
+            <a:pPr algn="ctr"/>
+            <a:r>
+              <a:rPr lang="en-US" sz="2200" dirty="0">
+                <a:solidFill>
+                  <a:srgbClr val="FF0000"/>
+                </a:solidFill>
+                <a:latin typeface="Fira Sans Condensed Medium" panose="020B0603050000020004" pitchFamily="34" charset="0"/>
+                <a:ea typeface="Roboto" panose="02000000000000000000" pitchFamily="2" charset="0"/>
+              </a:rPr>
+              <a:t>Shiny App</a:t>
+            </a:r>
+          </a:p>
+        </p:txBody>
+      </p:sp>
+      <p:sp>
+        <p:nvSpPr>
+          <p:cNvPr id="10" name="Rounded Rectangle 9">
+            <a:extLst>
+              <a:ext uri="{FF2B5EF4-FFF2-40B4-BE49-F238E27FC236}">
+                <a16:creationId xmlns:a16="http://schemas.microsoft.com/office/drawing/2014/main" id="{D82461BA-1D89-58B3-F299-47D567AC9AFC}"/>
+              </a:ext>
+            </a:extLst>
+          </p:cNvPr>
+          <p:cNvSpPr/>
+          <p:nvPr/>
+        </p:nvSpPr>
+        <p:spPr>
+          <a:xfrm>
+            <a:off x="623988" y="1198581"/>
+            <a:ext cx="5152822" cy="2286000"/>
+          </a:xfrm>
+          <a:prstGeom prst="roundRect">
+            <a:avLst>
+              <a:gd name="adj" fmla="val 7170"/>
+            </a:avLst>
+          </a:prstGeom>
+          <a:noFill/>
+          <a:ln w="38100">
+            <a:solidFill>
+              <a:schemeClr val="accent3">
+                <a:lumMod val="60000"/>
+                <a:lumOff val="40000"/>
+              </a:schemeClr>
+            </a:solidFill>
+          </a:ln>
+        </p:spPr>
+        <p:style>
+          <a:lnRef idx="2">
+            <a:schemeClr val="accent1">
+              <a:shade val="15000"/>
+            </a:schemeClr>
+          </a:lnRef>
+          <a:fillRef idx="1">
+            <a:schemeClr val="accent1"/>
+          </a:fillRef>
+          <a:effectRef idx="0">
+            <a:schemeClr val="accent1"/>
+          </a:effectRef>
+          <a:fontRef idx="minor">
+            <a:schemeClr val="lt1"/>
+          </a:fontRef>
+        </p:style>
+        <p:txBody>
+          <a:bodyPr rtlCol="0" anchor="t"/>
+          <a:lstStyle/>
+          <a:p>
+            <a:pPr algn="ctr"/>
+            <a:r>
+              <a:rPr lang="en-US" sz="2200" dirty="0">
+                <a:solidFill>
+                  <a:schemeClr val="accent3">
+                    <a:lumMod val="60000"/>
+                    <a:lumOff val="40000"/>
+                  </a:schemeClr>
+                </a:solidFill>
+                <a:latin typeface="Fira Sans Condensed Medium" panose="020B0603050000020004" pitchFamily="34" charset="0"/>
+                <a:ea typeface="Roboto" panose="02000000000000000000" pitchFamily="2" charset="0"/>
+              </a:rPr>
+              <a:t>UI</a:t>
+            </a:r>
+          </a:p>
+        </p:txBody>
+      </p:sp>
+      <p:sp>
+        <p:nvSpPr>
+          <p:cNvPr id="11" name="Rounded Rectangle 10">
+            <a:extLst>
+              <a:ext uri="{FF2B5EF4-FFF2-40B4-BE49-F238E27FC236}">
+                <a16:creationId xmlns:a16="http://schemas.microsoft.com/office/drawing/2014/main" id="{40052733-5A8A-847F-7A2A-78BB70004BC4}"/>
+              </a:ext>
+            </a:extLst>
+          </p:cNvPr>
+          <p:cNvSpPr/>
+          <p:nvPr/>
+        </p:nvSpPr>
+        <p:spPr>
+          <a:xfrm>
+            <a:off x="623988" y="3804210"/>
+            <a:ext cx="5152822" cy="2286000"/>
+          </a:xfrm>
+          <a:prstGeom prst="roundRect">
+            <a:avLst>
+              <a:gd name="adj" fmla="val 7170"/>
+            </a:avLst>
+          </a:prstGeom>
+          <a:noFill/>
+          <a:ln w="38100">
+            <a:solidFill>
+              <a:schemeClr val="accent1">
+                <a:lumMod val="60000"/>
+                <a:lumOff val="40000"/>
+              </a:schemeClr>
+            </a:solidFill>
+          </a:ln>
+        </p:spPr>
+        <p:style>
+          <a:lnRef idx="2">
+            <a:schemeClr val="accent1">
+              <a:shade val="15000"/>
+            </a:schemeClr>
+          </a:lnRef>
+          <a:fillRef idx="1">
+            <a:schemeClr val="accent1"/>
+          </a:fillRef>
+          <a:effectRef idx="0">
+            <a:schemeClr val="accent1"/>
+          </a:effectRef>
+          <a:fontRef idx="minor">
+            <a:schemeClr val="lt1"/>
+          </a:fontRef>
+        </p:style>
+        <p:txBody>
+          <a:bodyPr rtlCol="0" anchor="t"/>
+          <a:lstStyle/>
+          <a:p>
+            <a:pPr algn="ctr"/>
+            <a:r>
+              <a:rPr lang="en-US" sz="2200" dirty="0">
+                <a:solidFill>
+                  <a:schemeClr val="accent1">
+                    <a:lumMod val="60000"/>
+                    <a:lumOff val="40000"/>
+                  </a:schemeClr>
+                </a:solidFill>
+                <a:latin typeface="Fira Sans Condensed Medium" panose="020B0603050000020004" pitchFamily="34" charset="0"/>
+                <a:ea typeface="Roboto" panose="02000000000000000000" pitchFamily="2" charset="0"/>
+              </a:rPr>
+              <a:t>Server</a:t>
+            </a:r>
+          </a:p>
+        </p:txBody>
+      </p:sp>
+      <p:pic>
+        <p:nvPicPr>
+          <p:cNvPr id="12" name="Picture 11" descr="A hexagon with a sign and a arrow&#10;&#10;Description automatically generated">
+            <a:extLst>
+              <a:ext uri="{FF2B5EF4-FFF2-40B4-BE49-F238E27FC236}">
+                <a16:creationId xmlns:a16="http://schemas.microsoft.com/office/drawing/2014/main" id="{4C066B4D-4BB2-1C00-0093-0C0166E921DA}"/>
+              </a:ext>
+            </a:extLst>
+          </p:cNvPr>
+          <p:cNvPicPr>
+            <a:picLocks noChangeAspect="1"/>
+          </p:cNvPicPr>
+          <p:nvPr/>
+        </p:nvPicPr>
+        <p:blipFill>
+          <a:blip r:embed="rId4"/>
+          <a:stretch>
+            <a:fillRect/>
+          </a:stretch>
+        </p:blipFill>
+        <p:spPr>
+          <a:xfrm>
+            <a:off x="3720160" y="3980366"/>
+            <a:ext cx="1681019" cy="1933687"/>
+          </a:xfrm>
+          <a:prstGeom prst="rect">
+            <a:avLst/>
+          </a:prstGeom>
+        </p:spPr>
+      </p:pic>
+      <p:pic>
+        <p:nvPicPr>
+          <p:cNvPr id="14" name="Picture 13" descr="A blue hexagon with white text&#10;&#10;Description automatically generated">
+            <a:extLst>
+              <a:ext uri="{FF2B5EF4-FFF2-40B4-BE49-F238E27FC236}">
+                <a16:creationId xmlns:a16="http://schemas.microsoft.com/office/drawing/2014/main" id="{657DD70C-2907-E108-7380-F0A15E2ACD6F}"/>
+              </a:ext>
+            </a:extLst>
+          </p:cNvPr>
+          <p:cNvPicPr>
+            <a:picLocks noChangeAspect="1"/>
+          </p:cNvPicPr>
+          <p:nvPr/>
+        </p:nvPicPr>
+        <p:blipFill>
+          <a:blip r:embed="rId6"/>
+          <a:stretch>
+            <a:fillRect/>
+          </a:stretch>
+        </p:blipFill>
+        <p:spPr>
+          <a:xfrm>
+            <a:off x="929073" y="3980366"/>
+            <a:ext cx="1672321" cy="1938528"/>
+          </a:xfrm>
+          <a:prstGeom prst="rect">
+            <a:avLst/>
+          </a:prstGeom>
+        </p:spPr>
+      </p:pic>
+      <p:sp>
+        <p:nvSpPr>
+          <p:cNvPr id="15" name="TextBox 14">
+            <a:extLst>
+              <a:ext uri="{FF2B5EF4-FFF2-40B4-BE49-F238E27FC236}">
+                <a16:creationId xmlns:a16="http://schemas.microsoft.com/office/drawing/2014/main" id="{C895A0D9-2302-7304-3D0B-CCDB95C10242}"/>
+              </a:ext>
+            </a:extLst>
+          </p:cNvPr>
+          <p:cNvSpPr txBox="1"/>
+          <p:nvPr/>
+        </p:nvSpPr>
+        <p:spPr>
+          <a:xfrm>
+            <a:off x="2812612" y="4232233"/>
+            <a:ext cx="504188" cy="1446550"/>
+          </a:xfrm>
+          <a:prstGeom prst="rect">
+            <a:avLst/>
+          </a:prstGeom>
+          <a:noFill/>
+        </p:spPr>
+        <p:txBody>
+          <a:bodyPr wrap="square" rtlCol="0">
+            <a:spAutoFit/>
+          </a:bodyPr>
+          <a:lstStyle/>
+          <a:p>
+            <a:r>
+              <a:rPr lang="en-US" sz="8800" dirty="0">
+                <a:latin typeface="Fira Sans Condensed Medium" panose="020B0603050000020004" pitchFamily="34" charset="0"/>
+              </a:rPr>
+              <a:t>+</a:t>
+            </a:r>
+          </a:p>
+        </p:txBody>
+      </p:sp>
     </p:spTree>
     <p:extLst>
       <p:ext uri="{BB962C8B-B14F-4D97-AF65-F5344CB8AC3E}">
-        <p14:creationId xmlns:p14="http://schemas.microsoft.com/office/powerpoint/2010/main" val="2850970145"/>
+        <p14:creationId xmlns:p14="http://schemas.microsoft.com/office/powerpoint/2010/main" val="3579784992"/>
+      </p:ext>
+    </p:extLst>
+  </p:cSld>
+  <p:clrMapOvr>
+    <a:masterClrMapping/>
+  </p:clrMapOvr>
+</p:sld>
+</file>
+
+<file path=ppt/slides/slide14.xml><?xml version="1.0" encoding="utf-8"?>
+<p:sld xmlns:a="http://schemas.openxmlformats.org/drawingml/2006/main" xmlns:r="http://schemas.openxmlformats.org/officeDocument/2006/relationships" xmlns:p="http://schemas.openxmlformats.org/presentationml/2006/main">
+  <p:cSld>
+    <p:bg>
+      <p:bgPr>
+        <a:solidFill>
+          <a:srgbClr val="EAEAEB"/>
+        </a:solidFill>
+        <a:effectLst/>
+      </p:bgPr>
+    </p:bg>
+    <p:spTree>
+      <p:nvGrpSpPr>
+        <p:cNvPr id="1" name="">
+          <a:extLst>
+            <a:ext uri="{FF2B5EF4-FFF2-40B4-BE49-F238E27FC236}">
+              <a16:creationId xmlns:a16="http://schemas.microsoft.com/office/drawing/2014/main" id="{F44ABA3B-B34B-AC7C-DC58-2DBE6EE0B61E}"/>
+            </a:ext>
+          </a:extLst>
+        </p:cNvPr>
+        <p:cNvGrpSpPr/>
+        <p:nvPr/>
+      </p:nvGrpSpPr>
+      <p:grpSpPr>
+        <a:xfrm>
+          <a:off x="0" y="0"/>
+          <a:ext cx="0" cy="0"/>
+          <a:chOff x="0" y="0"/>
+          <a:chExt cx="0" cy="0"/>
+        </a:xfrm>
+      </p:grpSpPr>
+      <p:pic>
+        <p:nvPicPr>
+          <p:cNvPr id="8" name="Picture 7" descr="A screenshot of a computer&#10;&#10;Description automatically generated">
+            <a:extLst>
+              <a:ext uri="{FF2B5EF4-FFF2-40B4-BE49-F238E27FC236}">
+                <a16:creationId xmlns:a16="http://schemas.microsoft.com/office/drawing/2014/main" id="{A6872ADC-FD48-F8C1-3C7A-9892BF44ABC0}"/>
+              </a:ext>
+            </a:extLst>
+          </p:cNvPr>
+          <p:cNvPicPr>
+            <a:picLocks noChangeAspect="1"/>
+          </p:cNvPicPr>
+          <p:nvPr/>
+        </p:nvPicPr>
+        <p:blipFill>
+          <a:blip r:embed="rId3"/>
+          <a:stretch>
+            <a:fillRect/>
+          </a:stretch>
+        </p:blipFill>
+        <p:spPr>
+          <a:xfrm>
+            <a:off x="6882083" y="955146"/>
+            <a:ext cx="5291667" cy="4947708"/>
+          </a:xfrm>
+          <a:prstGeom prst="rect">
+            <a:avLst/>
+          </a:prstGeom>
+          <a:solidFill>
+            <a:srgbClr val="EAEAEB">
+              <a:alpha val="99000"/>
+            </a:srgbClr>
+          </a:solidFill>
+        </p:spPr>
+      </p:pic>
+      <p:grpSp>
+        <p:nvGrpSpPr>
+          <p:cNvPr id="2" name="Group 1">
+            <a:extLst>
+              <a:ext uri="{FF2B5EF4-FFF2-40B4-BE49-F238E27FC236}">
+                <a16:creationId xmlns:a16="http://schemas.microsoft.com/office/drawing/2014/main" id="{4109CDF5-A2CA-88C8-D167-245DC06C894A}"/>
+              </a:ext>
+            </a:extLst>
+          </p:cNvPr>
+          <p:cNvGrpSpPr/>
+          <p:nvPr/>
+        </p:nvGrpSpPr>
+        <p:grpSpPr>
+          <a:xfrm>
+            <a:off x="604126" y="91827"/>
+            <a:ext cx="4138739" cy="6674346"/>
+            <a:chOff x="233564" y="285582"/>
+            <a:chExt cx="4138739" cy="6674346"/>
+          </a:xfrm>
+          <a:effectLst>
+            <a:outerShdw blurRad="317500" dist="38100" dir="2700000" sx="102000" sy="102000" algn="tl" rotWithShape="0">
+              <a:prstClr val="black">
+                <a:alpha val="40000"/>
+              </a:prstClr>
+            </a:outerShdw>
+          </a:effectLst>
+        </p:grpSpPr>
+        <p:sp>
+          <p:nvSpPr>
+            <p:cNvPr id="15" name="TextBox 14">
+              <a:extLst>
+                <a:ext uri="{FF2B5EF4-FFF2-40B4-BE49-F238E27FC236}">
+                  <a16:creationId xmlns:a16="http://schemas.microsoft.com/office/drawing/2014/main" id="{55E42451-4717-88FC-975F-A126B907A2AD}"/>
+                </a:ext>
+              </a:extLst>
+            </p:cNvPr>
+            <p:cNvSpPr txBox="1"/>
+            <p:nvPr/>
+          </p:nvSpPr>
+          <p:spPr>
+            <a:xfrm>
+              <a:off x="233564" y="285582"/>
+              <a:ext cx="4138739" cy="732115"/>
+            </a:xfrm>
+            <a:prstGeom prst="roundRect">
+              <a:avLst/>
+            </a:prstGeom>
+            <a:solidFill>
+              <a:schemeClr val="tx1">
+                <a:lumMod val="75000"/>
+                <a:lumOff val="25000"/>
+              </a:schemeClr>
+            </a:solidFill>
+            <a:ln>
+              <a:solidFill>
+                <a:schemeClr val="tx1">
+                  <a:lumMod val="75000"/>
+                  <a:lumOff val="25000"/>
+                </a:schemeClr>
+              </a:solidFill>
+            </a:ln>
+          </p:spPr>
+          <p:txBody>
+            <a:bodyPr wrap="square" tIns="0" rtlCol="0">
+              <a:spAutoFit/>
+            </a:bodyPr>
+            <a:lstStyle/>
+            <a:p>
+              <a:pPr algn="r"/>
+              <a:r>
+                <a:rPr lang="en-US" sz="2000" dirty="0" err="1">
+                  <a:solidFill>
+                    <a:schemeClr val="bg1"/>
+                  </a:solidFill>
+                  <a:latin typeface="Fira Sans Condensed Medium" panose="020B0603050000020004" pitchFamily="34" charset="0"/>
+                </a:rPr>
+                <a:t>survey.qmd</a:t>
+              </a:r>
+              <a:endParaRPr lang="en-US" sz="2000" dirty="0">
+                <a:solidFill>
+                  <a:schemeClr val="bg1"/>
+                </a:solidFill>
+                <a:latin typeface="Fira Sans Condensed Medium" panose="020B0603050000020004" pitchFamily="34" charset="0"/>
+              </a:endParaRPr>
+            </a:p>
+            <a:p>
+              <a:pPr algn="r"/>
+              <a:endParaRPr lang="en-US" sz="2000" dirty="0">
+                <a:solidFill>
+                  <a:schemeClr val="bg1"/>
+                </a:solidFill>
+                <a:latin typeface="Fira Sans Condensed Medium" panose="020B0603050000020004" pitchFamily="34" charset="0"/>
+              </a:endParaRPr>
+            </a:p>
+          </p:txBody>
+        </p:sp>
+        <p:sp>
+          <p:nvSpPr>
+            <p:cNvPr id="14" name="TextBox 13">
+              <a:extLst>
+                <a:ext uri="{FF2B5EF4-FFF2-40B4-BE49-F238E27FC236}">
+                  <a16:creationId xmlns:a16="http://schemas.microsoft.com/office/drawing/2014/main" id="{24A128A2-5242-55F6-3CFF-D4147CD390D0}"/>
+                </a:ext>
+              </a:extLst>
+            </p:cNvPr>
+            <p:cNvSpPr txBox="1"/>
+            <p:nvPr/>
+          </p:nvSpPr>
+          <p:spPr>
+            <a:xfrm>
+              <a:off x="233565" y="651640"/>
+              <a:ext cx="4138738" cy="6308288"/>
+            </a:xfrm>
+            <a:prstGeom prst="roundRect">
+              <a:avLst>
+                <a:gd name="adj" fmla="val 2772"/>
+              </a:avLst>
+            </a:prstGeom>
+            <a:solidFill>
+              <a:schemeClr val="bg1"/>
+            </a:solidFill>
+            <a:ln>
+              <a:solidFill>
+                <a:schemeClr val="tx1"/>
+              </a:solidFill>
+            </a:ln>
+            <a:effectLst/>
+          </p:spPr>
+          <p:txBody>
+            <a:bodyPr wrap="square" rtlCol="0">
+              <a:spAutoFit/>
+            </a:bodyPr>
+            <a:lstStyle/>
+            <a:p>
+              <a:r>
+                <a:rPr lang="en-US" sz="1600" dirty="0">
+                  <a:latin typeface="Monaco" pitchFamily="2" charset="77"/>
+                </a:rPr>
+                <a:t>---</a:t>
+              </a:r>
+            </a:p>
+            <a:p>
+              <a:r>
+                <a:rPr lang="en-US" sz="1600" dirty="0">
+                  <a:latin typeface="Monaco" pitchFamily="2" charset="77"/>
+                </a:rPr>
+                <a:t>format: html</a:t>
+              </a:r>
+            </a:p>
+            <a:p>
+              <a:r>
+                <a:rPr lang="en-US" sz="1600" dirty="0">
+                  <a:latin typeface="Monaco" pitchFamily="2" charset="77"/>
+                </a:rPr>
+                <a:t>echo: false</a:t>
+              </a:r>
+            </a:p>
+            <a:p>
+              <a:r>
+                <a:rPr lang="en-US" sz="1600" dirty="0">
+                  <a:latin typeface="Monaco" pitchFamily="2" charset="77"/>
+                </a:rPr>
+                <a:t>warning: false</a:t>
+              </a:r>
+            </a:p>
+            <a:p>
+              <a:r>
+                <a:rPr lang="en-US" sz="1600" dirty="0">
+                  <a:latin typeface="Monaco" pitchFamily="2" charset="77"/>
+                </a:rPr>
+                <a:t>---</a:t>
+              </a:r>
+            </a:p>
+            <a:p>
+              <a:endParaRPr lang="en-US" sz="1600" dirty="0">
+                <a:latin typeface="Monaco" pitchFamily="2" charset="77"/>
+              </a:endParaRPr>
+            </a:p>
+            <a:p>
+              <a:r>
+                <a:rPr lang="en-US" sz="1600" dirty="0">
+                  <a:latin typeface="Monaco" pitchFamily="2" charset="77"/>
+                </a:rPr>
+                <a:t>```{r}</a:t>
+              </a:r>
+            </a:p>
+            <a:p>
+              <a:r>
+                <a:rPr lang="en-US" sz="1600" dirty="0">
+                  <a:latin typeface="Monaco" pitchFamily="2" charset="77"/>
+                </a:rPr>
+                <a:t>library(</a:t>
+              </a:r>
+              <a:r>
+                <a:rPr lang="en-US" sz="1600" dirty="0" err="1">
+                  <a:latin typeface="Monaco" pitchFamily="2" charset="77"/>
+                </a:rPr>
+                <a:t>surveydown</a:t>
+              </a:r>
+              <a:r>
+                <a:rPr lang="en-US" sz="1600" dirty="0">
+                  <a:latin typeface="Monaco" pitchFamily="2" charset="77"/>
+                </a:rPr>
+                <a:t>)</a:t>
+              </a:r>
+            </a:p>
+            <a:p>
+              <a:r>
+                <a:rPr lang="en-US" sz="1600" dirty="0">
+                  <a:latin typeface="Monaco" pitchFamily="2" charset="77"/>
+                </a:rPr>
+                <a:t>```</a:t>
+              </a:r>
+            </a:p>
+            <a:p>
+              <a:endParaRPr lang="en-US" sz="1600" dirty="0">
+                <a:latin typeface="Monaco" pitchFamily="2" charset="77"/>
+              </a:endParaRPr>
+            </a:p>
+            <a:p>
+              <a:r>
+                <a:rPr lang="en-US" sz="1600" dirty="0">
+                  <a:latin typeface="Monaco" pitchFamily="2" charset="77"/>
+                </a:rPr>
+                <a:t>::: {.</a:t>
+              </a:r>
+              <a:r>
+                <a:rPr lang="en-US" sz="1600" dirty="0" err="1">
+                  <a:latin typeface="Monaco" pitchFamily="2" charset="77"/>
+                </a:rPr>
+                <a:t>sd_page</a:t>
+              </a:r>
+              <a:r>
+                <a:rPr lang="en-US" sz="1600" dirty="0">
+                  <a:latin typeface="Monaco" pitchFamily="2" charset="77"/>
+                </a:rPr>
+                <a:t> id=welcome}</a:t>
+              </a:r>
+            </a:p>
+            <a:p>
+              <a:endParaRPr lang="en-US" sz="1600" dirty="0">
+                <a:latin typeface="Monaco" pitchFamily="2" charset="77"/>
+              </a:endParaRPr>
+            </a:p>
+            <a:p>
+              <a:r>
+                <a:rPr lang="en-US" sz="1600" dirty="0">
+                  <a:latin typeface="Monaco" pitchFamily="2" charset="77"/>
+                </a:rPr>
+                <a:t># Welcome to our survey!</a:t>
+              </a:r>
+            </a:p>
+            <a:p>
+              <a:endParaRPr lang="en-US" sz="1600" dirty="0">
+                <a:latin typeface="Monaco" pitchFamily="2" charset="77"/>
+              </a:endParaRPr>
+            </a:p>
+            <a:p>
+              <a:r>
+                <a:rPr lang="en-US" sz="1600" dirty="0">
+                  <a:latin typeface="Monaco" pitchFamily="2" charset="77"/>
+                </a:rPr>
+                <a:t>```{r}</a:t>
+              </a:r>
+            </a:p>
+            <a:p>
+              <a:r>
+                <a:rPr lang="en-US" sz="1600" dirty="0" err="1">
+                  <a:latin typeface="Monaco" pitchFamily="2" charset="77"/>
+                </a:rPr>
+                <a:t>sd_question</a:t>
+              </a:r>
+              <a:r>
+                <a:rPr lang="en-US" sz="1600" dirty="0">
+                  <a:latin typeface="Monaco" pitchFamily="2" charset="77"/>
+                </a:rPr>
+                <a:t>(</a:t>
+              </a:r>
+            </a:p>
+            <a:p>
+              <a:r>
+                <a:rPr lang="en-US" sz="1600" dirty="0">
+                  <a:latin typeface="Monaco" pitchFamily="2" charset="77"/>
+                </a:rPr>
+                <a:t>  type  = "text",</a:t>
+              </a:r>
+            </a:p>
+            <a:p>
+              <a:r>
+                <a:rPr lang="en-US" sz="1600" dirty="0">
+                  <a:latin typeface="Monaco" pitchFamily="2" charset="77"/>
+                </a:rPr>
+                <a:t>  id    = "name",</a:t>
+              </a:r>
+            </a:p>
+            <a:p>
+              <a:r>
+                <a:rPr lang="en-US" sz="1600" dirty="0">
+                  <a:latin typeface="Monaco" pitchFamily="2" charset="77"/>
+                </a:rPr>
+                <a:t>  label = "What's your name?"</a:t>
+              </a:r>
+            </a:p>
+            <a:p>
+              <a:r>
+                <a:rPr lang="en-US" sz="1600" dirty="0">
+                  <a:latin typeface="Monaco" pitchFamily="2" charset="77"/>
+                </a:rPr>
+                <a:t>)</a:t>
+              </a:r>
+            </a:p>
+            <a:p>
+              <a:endParaRPr lang="en-US" sz="1600" dirty="0">
+                <a:latin typeface="Monaco" pitchFamily="2" charset="77"/>
+              </a:endParaRPr>
+            </a:p>
+            <a:p>
+              <a:r>
+                <a:rPr lang="en-US" sz="1600" dirty="0" err="1">
+                  <a:latin typeface="Monaco" pitchFamily="2" charset="77"/>
+                </a:rPr>
+                <a:t>sd_next</a:t>
+              </a:r>
+              <a:r>
+                <a:rPr lang="en-US" sz="1600" dirty="0">
+                  <a:latin typeface="Monaco" pitchFamily="2" charset="77"/>
+                </a:rPr>
+                <a:t>()</a:t>
+              </a:r>
+            </a:p>
+            <a:p>
+              <a:r>
+                <a:rPr lang="en-US" sz="1600" dirty="0">
+                  <a:latin typeface="Monaco" pitchFamily="2" charset="77"/>
+                </a:rPr>
+                <a:t>```</a:t>
+              </a:r>
+            </a:p>
+            <a:p>
+              <a:endParaRPr lang="en-US" sz="1600" dirty="0">
+                <a:latin typeface="Monaco" pitchFamily="2" charset="77"/>
+              </a:endParaRPr>
+            </a:p>
+            <a:p>
+              <a:r>
+                <a:rPr lang="en-US" sz="1600" dirty="0">
+                  <a:latin typeface="Monaco" pitchFamily="2" charset="77"/>
+                </a:rPr>
+                <a:t>:::</a:t>
+              </a:r>
+            </a:p>
+          </p:txBody>
+        </p:sp>
+      </p:grpSp>
+      <p:sp>
+        <p:nvSpPr>
+          <p:cNvPr id="16" name="Right Arrow 15">
+            <a:extLst>
+              <a:ext uri="{FF2B5EF4-FFF2-40B4-BE49-F238E27FC236}">
+                <a16:creationId xmlns:a16="http://schemas.microsoft.com/office/drawing/2014/main" id="{CD6E9ACB-610F-33F6-A8AF-ACA718C7F372}"/>
+              </a:ext>
+            </a:extLst>
+          </p:cNvPr>
+          <p:cNvSpPr/>
+          <p:nvPr/>
+        </p:nvSpPr>
+        <p:spPr>
+          <a:xfrm>
+            <a:off x="5449614" y="3097924"/>
+            <a:ext cx="1292772" cy="662152"/>
+          </a:xfrm>
+          <a:prstGeom prst="rightArrow">
+            <a:avLst/>
+          </a:prstGeom>
+          <a:solidFill>
+            <a:schemeClr val="bg1">
+              <a:lumMod val="75000"/>
+            </a:schemeClr>
+          </a:solidFill>
+        </p:spPr>
+        <p:style>
+          <a:lnRef idx="2">
+            <a:schemeClr val="accent1">
+              <a:shade val="15000"/>
+            </a:schemeClr>
+          </a:lnRef>
+          <a:fillRef idx="1">
+            <a:schemeClr val="accent1"/>
+          </a:fillRef>
+          <a:effectRef idx="0">
+            <a:schemeClr val="accent1"/>
+          </a:effectRef>
+          <a:fontRef idx="minor">
+            <a:schemeClr val="lt1"/>
+          </a:fontRef>
+        </p:style>
+        <p:txBody>
+          <a:bodyPr rtlCol="0" anchor="ctr"/>
+          <a:lstStyle/>
+          <a:p>
+            <a:pPr algn="ctr"/>
+            <a:endParaRPr lang="en-US"/>
+          </a:p>
+        </p:txBody>
+      </p:sp>
+    </p:spTree>
+    <p:extLst>
+      <p:ext uri="{BB962C8B-B14F-4D97-AF65-F5344CB8AC3E}">
+        <p14:creationId xmlns:p14="http://schemas.microsoft.com/office/powerpoint/2010/main" val="233175349"/>
       </p:ext>
     </p:extLst>
   </p:cSld>

--- a/images/images.pptx
+++ b/images/images.pptx
@@ -8,9 +8,9 @@
     <p:notesMasterId r:id="rId16"/>
   </p:notesMasterIdLst>
   <p:sldIdLst>
-    <p:sldId id="256" r:id="rId2"/>
-    <p:sldId id="259" r:id="rId3"/>
-    <p:sldId id="265" r:id="rId4"/>
+    <p:sldId id="259" r:id="rId2"/>
+    <p:sldId id="265" r:id="rId3"/>
+    <p:sldId id="279" r:id="rId4"/>
     <p:sldId id="264" r:id="rId5"/>
     <p:sldId id="266" r:id="rId6"/>
     <p:sldId id="267" r:id="rId7"/>
@@ -210,7 +210,7 @@
           <a:p>
             <a:fld id="{4CBED549-0FC6-D64B-978C-ED18C73516F8}" type="datetimeFigureOut">
               <a:rPr lang="en-US" smtClean="0"/>
-              <a:t>7/20/25</a:t>
+              <a:t>7/21/25</a:t>
             </a:fld>
             <a:endParaRPr lang="en-US"/>
           </a:p>
@@ -482,7 +482,13 @@
   <p:cSld>
     <p:spTree>
       <p:nvGrpSpPr>
-        <p:cNvPr id="1" name=""/>
+        <p:cNvPr id="1" name="">
+          <a:extLst>
+            <a:ext uri="{FF2B5EF4-FFF2-40B4-BE49-F238E27FC236}">
+              <a16:creationId xmlns:a16="http://schemas.microsoft.com/office/drawing/2014/main" id="{5907D80A-A8FE-DFF0-F07F-0ACF753A0794}"/>
+            </a:ext>
+          </a:extLst>
+        </p:cNvPr>
         <p:cNvGrpSpPr/>
         <p:nvPr/>
       </p:nvGrpSpPr>
@@ -496,7 +502,13 @@
       </p:grpSpPr>
       <p:sp>
         <p:nvSpPr>
-          <p:cNvPr id="2" name="Slide Image Placeholder 1"/>
+          <p:cNvPr id="2" name="Slide Image Placeholder 1">
+            <a:extLst>
+              <a:ext uri="{FF2B5EF4-FFF2-40B4-BE49-F238E27FC236}">
+                <a16:creationId xmlns:a16="http://schemas.microsoft.com/office/drawing/2014/main" id="{49EB4529-831E-71FE-B785-BE181DA6108B}"/>
+              </a:ext>
+            </a:extLst>
+          </p:cNvPr>
           <p:cNvSpPr>
             <a:spLocks noGrp="1" noRot="1" noChangeAspect="1"/>
           </p:cNvSpPr>
@@ -508,7 +520,13 @@
       </p:sp>
       <p:sp>
         <p:nvSpPr>
-          <p:cNvPr id="3" name="Notes Placeholder 2"/>
+          <p:cNvPr id="3" name="Notes Placeholder 2">
+            <a:extLst>
+              <a:ext uri="{FF2B5EF4-FFF2-40B4-BE49-F238E27FC236}">
+                <a16:creationId xmlns:a16="http://schemas.microsoft.com/office/drawing/2014/main" id="{8A62C066-46AB-028F-3C8B-219ECB1A811D}"/>
+              </a:ext>
+            </a:extLst>
+          </p:cNvPr>
           <p:cNvSpPr>
             <a:spLocks noGrp="1"/>
           </p:cNvSpPr>
@@ -527,7 +545,13 @@
       </p:sp>
       <p:sp>
         <p:nvSpPr>
-          <p:cNvPr id="4" name="Slide Number Placeholder 3"/>
+          <p:cNvPr id="4" name="Slide Number Placeholder 3">
+            <a:extLst>
+              <a:ext uri="{FF2B5EF4-FFF2-40B4-BE49-F238E27FC236}">
+                <a16:creationId xmlns:a16="http://schemas.microsoft.com/office/drawing/2014/main" id="{8E4AB996-DD86-C36F-4EEF-1ECB8E0222FD}"/>
+              </a:ext>
+            </a:extLst>
+          </p:cNvPr>
           <p:cNvSpPr>
             <a:spLocks noGrp="1"/>
           </p:cNvSpPr>
@@ -551,7 +575,7 @@
     </p:spTree>
     <p:extLst>
       <p:ext uri="{BB962C8B-B14F-4D97-AF65-F5344CB8AC3E}">
-        <p14:creationId xmlns:p14="http://schemas.microsoft.com/office/powerpoint/2010/main" val="1181549949"/>
+        <p14:creationId xmlns:p14="http://schemas.microsoft.com/office/powerpoint/2010/main" val="1200045256"/>
       </p:ext>
     </p:extLst>
   </p:cSld>
@@ -1109,7 +1133,7 @@
         <p:cNvPr id="1" name="">
           <a:extLst>
             <a:ext uri="{FF2B5EF4-FFF2-40B4-BE49-F238E27FC236}">
-              <a16:creationId xmlns:a16="http://schemas.microsoft.com/office/drawing/2014/main" id="{5907D80A-A8FE-DFF0-F07F-0ACF753A0794}"/>
+              <a16:creationId xmlns:a16="http://schemas.microsoft.com/office/drawing/2014/main" id="{6CEE88F8-BC38-AB45-623B-CBF52FD23CD4}"/>
             </a:ext>
           </a:extLst>
         </p:cNvPr>
@@ -1129,7 +1153,7 @@
           <p:cNvPr id="2" name="Slide Image Placeholder 1">
             <a:extLst>
               <a:ext uri="{FF2B5EF4-FFF2-40B4-BE49-F238E27FC236}">
-                <a16:creationId xmlns:a16="http://schemas.microsoft.com/office/drawing/2014/main" id="{49EB4529-831E-71FE-B785-BE181DA6108B}"/>
+                <a16:creationId xmlns:a16="http://schemas.microsoft.com/office/drawing/2014/main" id="{D23094A6-0018-65D3-ADC5-6EB8C99B758D}"/>
               </a:ext>
             </a:extLst>
           </p:cNvPr>
@@ -1147,7 +1171,7 @@
           <p:cNvPr id="3" name="Notes Placeholder 2">
             <a:extLst>
               <a:ext uri="{FF2B5EF4-FFF2-40B4-BE49-F238E27FC236}">
-                <a16:creationId xmlns:a16="http://schemas.microsoft.com/office/drawing/2014/main" id="{8A62C066-46AB-028F-3C8B-219ECB1A811D}"/>
+                <a16:creationId xmlns:a16="http://schemas.microsoft.com/office/drawing/2014/main" id="{677ADC41-2D64-AAD7-3FAA-45ACA5D8359A}"/>
               </a:ext>
             </a:extLst>
           </p:cNvPr>
@@ -1172,7 +1196,7 @@
           <p:cNvPr id="4" name="Slide Number Placeholder 3">
             <a:extLst>
               <a:ext uri="{FF2B5EF4-FFF2-40B4-BE49-F238E27FC236}">
-                <a16:creationId xmlns:a16="http://schemas.microsoft.com/office/drawing/2014/main" id="{8E4AB996-DD86-C36F-4EEF-1ECB8E0222FD}"/>
+                <a16:creationId xmlns:a16="http://schemas.microsoft.com/office/drawing/2014/main" id="{EE247A90-4EF7-CA13-0810-C59ECCA0538C}"/>
               </a:ext>
             </a:extLst>
           </p:cNvPr>
@@ -1199,7 +1223,7 @@
     </p:spTree>
     <p:extLst>
       <p:ext uri="{BB962C8B-B14F-4D97-AF65-F5344CB8AC3E}">
-        <p14:creationId xmlns:p14="http://schemas.microsoft.com/office/powerpoint/2010/main" val="1200045256"/>
+        <p14:creationId xmlns:p14="http://schemas.microsoft.com/office/powerpoint/2010/main" val="2519272138"/>
       </p:ext>
     </p:extLst>
   </p:cSld>
@@ -1217,7 +1241,7 @@
         <p:cNvPr id="1" name="">
           <a:extLst>
             <a:ext uri="{FF2B5EF4-FFF2-40B4-BE49-F238E27FC236}">
-              <a16:creationId xmlns:a16="http://schemas.microsoft.com/office/drawing/2014/main" id="{6CEE88F8-BC38-AB45-623B-CBF52FD23CD4}"/>
+              <a16:creationId xmlns:a16="http://schemas.microsoft.com/office/drawing/2014/main" id="{B16E22D9-BD09-D6A7-3D90-9660412BD54F}"/>
             </a:ext>
           </a:extLst>
         </p:cNvPr>
@@ -1237,7 +1261,7 @@
           <p:cNvPr id="2" name="Slide Image Placeholder 1">
             <a:extLst>
               <a:ext uri="{FF2B5EF4-FFF2-40B4-BE49-F238E27FC236}">
-                <a16:creationId xmlns:a16="http://schemas.microsoft.com/office/drawing/2014/main" id="{D23094A6-0018-65D3-ADC5-6EB8C99B758D}"/>
+                <a16:creationId xmlns:a16="http://schemas.microsoft.com/office/drawing/2014/main" id="{CC612F8C-9F05-CFF3-BB0C-E8536D4584CB}"/>
               </a:ext>
             </a:extLst>
           </p:cNvPr>
@@ -1255,7 +1279,7 @@
           <p:cNvPr id="3" name="Notes Placeholder 2">
             <a:extLst>
               <a:ext uri="{FF2B5EF4-FFF2-40B4-BE49-F238E27FC236}">
-                <a16:creationId xmlns:a16="http://schemas.microsoft.com/office/drawing/2014/main" id="{677ADC41-2D64-AAD7-3FAA-45ACA5D8359A}"/>
+                <a16:creationId xmlns:a16="http://schemas.microsoft.com/office/drawing/2014/main" id="{840C5487-69D2-51F7-A979-7E3FB5A7DE8D}"/>
               </a:ext>
             </a:extLst>
           </p:cNvPr>
@@ -1280,7 +1304,7 @@
           <p:cNvPr id="4" name="Slide Number Placeholder 3">
             <a:extLst>
               <a:ext uri="{FF2B5EF4-FFF2-40B4-BE49-F238E27FC236}">
-                <a16:creationId xmlns:a16="http://schemas.microsoft.com/office/drawing/2014/main" id="{EE247A90-4EF7-CA13-0810-C59ECCA0538C}"/>
+                <a16:creationId xmlns:a16="http://schemas.microsoft.com/office/drawing/2014/main" id="{74D04FEC-B1DB-9782-99BC-88BB1F494C36}"/>
               </a:ext>
             </a:extLst>
           </p:cNvPr>
@@ -1307,7 +1331,7 @@
     </p:spTree>
     <p:extLst>
       <p:ext uri="{BB962C8B-B14F-4D97-AF65-F5344CB8AC3E}">
-        <p14:creationId xmlns:p14="http://schemas.microsoft.com/office/powerpoint/2010/main" val="2519272138"/>
+        <p14:creationId xmlns:p14="http://schemas.microsoft.com/office/powerpoint/2010/main" val="476731569"/>
       </p:ext>
     </p:extLst>
   </p:cSld>
@@ -2112,7 +2136,7 @@
           <a:p>
             <a:fld id="{BF7D8EBE-1699-E345-8270-758E129D34E6}" type="datetimeFigureOut">
               <a:rPr lang="en-US" smtClean="0"/>
-              <a:t>7/20/25</a:t>
+              <a:t>7/21/25</a:t>
             </a:fld>
             <a:endParaRPr lang="en-US"/>
           </a:p>
@@ -2310,7 +2334,7 @@
           <a:p>
             <a:fld id="{BF7D8EBE-1699-E345-8270-758E129D34E6}" type="datetimeFigureOut">
               <a:rPr lang="en-US" smtClean="0"/>
-              <a:t>7/20/25</a:t>
+              <a:t>7/21/25</a:t>
             </a:fld>
             <a:endParaRPr lang="en-US"/>
           </a:p>
@@ -2518,7 +2542,7 @@
           <a:p>
             <a:fld id="{BF7D8EBE-1699-E345-8270-758E129D34E6}" type="datetimeFigureOut">
               <a:rPr lang="en-US" smtClean="0"/>
-              <a:t>7/20/25</a:t>
+              <a:t>7/21/25</a:t>
             </a:fld>
             <a:endParaRPr lang="en-US"/>
           </a:p>
@@ -2716,7 +2740,7 @@
           <a:p>
             <a:fld id="{BF7D8EBE-1699-E345-8270-758E129D34E6}" type="datetimeFigureOut">
               <a:rPr lang="en-US" smtClean="0"/>
-              <a:t>7/20/25</a:t>
+              <a:t>7/21/25</a:t>
             </a:fld>
             <a:endParaRPr lang="en-US"/>
           </a:p>
@@ -2991,7 +3015,7 @@
           <a:p>
             <a:fld id="{BF7D8EBE-1699-E345-8270-758E129D34E6}" type="datetimeFigureOut">
               <a:rPr lang="en-US" smtClean="0"/>
-              <a:t>7/20/25</a:t>
+              <a:t>7/21/25</a:t>
             </a:fld>
             <a:endParaRPr lang="en-US"/>
           </a:p>
@@ -3256,7 +3280,7 @@
           <a:p>
             <a:fld id="{BF7D8EBE-1699-E345-8270-758E129D34E6}" type="datetimeFigureOut">
               <a:rPr lang="en-US" smtClean="0"/>
-              <a:t>7/20/25</a:t>
+              <a:t>7/21/25</a:t>
             </a:fld>
             <a:endParaRPr lang="en-US"/>
           </a:p>
@@ -3668,7 +3692,7 @@
           <a:p>
             <a:fld id="{BF7D8EBE-1699-E345-8270-758E129D34E6}" type="datetimeFigureOut">
               <a:rPr lang="en-US" smtClean="0"/>
-              <a:t>7/20/25</a:t>
+              <a:t>7/21/25</a:t>
             </a:fld>
             <a:endParaRPr lang="en-US"/>
           </a:p>
@@ -3809,7 +3833,7 @@
           <a:p>
             <a:fld id="{BF7D8EBE-1699-E345-8270-758E129D34E6}" type="datetimeFigureOut">
               <a:rPr lang="en-US" smtClean="0"/>
-              <a:t>7/20/25</a:t>
+              <a:t>7/21/25</a:t>
             </a:fld>
             <a:endParaRPr lang="en-US"/>
           </a:p>
@@ -3922,7 +3946,7 @@
           <a:p>
             <a:fld id="{BF7D8EBE-1699-E345-8270-758E129D34E6}" type="datetimeFigureOut">
               <a:rPr lang="en-US" smtClean="0"/>
-              <a:t>7/20/25</a:t>
+              <a:t>7/21/25</a:t>
             </a:fld>
             <a:endParaRPr lang="en-US"/>
           </a:p>
@@ -4233,7 +4257,7 @@
           <a:p>
             <a:fld id="{BF7D8EBE-1699-E345-8270-758E129D34E6}" type="datetimeFigureOut">
               <a:rPr lang="en-US" smtClean="0"/>
-              <a:t>7/20/25</a:t>
+              <a:t>7/21/25</a:t>
             </a:fld>
             <a:endParaRPr lang="en-US"/>
           </a:p>
@@ -4521,7 +4545,7 @@
           <a:p>
             <a:fld id="{BF7D8EBE-1699-E345-8270-758E129D34E6}" type="datetimeFigureOut">
               <a:rPr lang="en-US" smtClean="0"/>
-              <a:t>7/20/25</a:t>
+              <a:t>7/21/25</a:t>
             </a:fld>
             <a:endParaRPr lang="en-US"/>
           </a:p>
@@ -4762,7 +4786,7 @@
           <a:p>
             <a:fld id="{BF7D8EBE-1699-E345-8270-758E129D34E6}" type="datetimeFigureOut">
               <a:rPr lang="en-US" smtClean="0"/>
-              <a:t>7/20/25</a:t>
+              <a:t>7/21/25</a:t>
             </a:fld>
             <a:endParaRPr lang="en-US"/>
           </a:p>
@@ -5165,17 +5189,15 @@
 <file path=ppt/slides/slide1.xml><?xml version="1.0" encoding="utf-8"?>
 <p:sld xmlns:a="http://schemas.openxmlformats.org/drawingml/2006/main" xmlns:r="http://schemas.openxmlformats.org/officeDocument/2006/relationships" xmlns:p="http://schemas.openxmlformats.org/presentationml/2006/main">
   <p:cSld>
-    <p:bg>
-      <p:bgPr>
-        <a:solidFill>
-          <a:schemeClr val="bg1"/>
-        </a:solidFill>
-        <a:effectLst/>
-      </p:bgPr>
-    </p:bg>
     <p:spTree>
       <p:nvGrpSpPr>
-        <p:cNvPr id="1" name=""/>
+        <p:cNvPr id="1" name="">
+          <a:extLst>
+            <a:ext uri="{FF2B5EF4-FFF2-40B4-BE49-F238E27FC236}">
+              <a16:creationId xmlns:a16="http://schemas.microsoft.com/office/drawing/2014/main" id="{2ACA5108-D457-92F9-18F6-F5E85056E1A2}"/>
+            </a:ext>
+          </a:extLst>
+        </p:cNvPr>
         <p:cNvGrpSpPr/>
         <p:nvPr/>
       </p:nvGrpSpPr>
@@ -5189,10 +5211,10 @@
       </p:grpSpPr>
       <p:pic>
         <p:nvPicPr>
-          <p:cNvPr id="3" name="Picture 2" descr="A diagram of a model&#10;&#10;Description automatically generated">
-            <a:extLst>
-              <a:ext uri="{FF2B5EF4-FFF2-40B4-BE49-F238E27FC236}">
-                <a16:creationId xmlns:a16="http://schemas.microsoft.com/office/drawing/2014/main" id="{97D9D70D-28E9-CC18-F8AE-F7EF65470118}"/>
+          <p:cNvPr id="2" name="Picture 1" descr="A diagram of a model&#10;&#10;Description automatically generated">
+            <a:extLst>
+              <a:ext uri="{FF2B5EF4-FFF2-40B4-BE49-F238E27FC236}">
+                <a16:creationId xmlns:a16="http://schemas.microsoft.com/office/drawing/2014/main" id="{0A2240B0-86C2-59F1-4AEA-0FDBF975C29E}"/>
               </a:ext>
             </a:extLst>
           </p:cNvPr>
@@ -5220,13 +5242,83 @@
     </p:spTree>
     <p:extLst>
       <p:ext uri="{BB962C8B-B14F-4D97-AF65-F5344CB8AC3E}">
-        <p14:creationId xmlns:p14="http://schemas.microsoft.com/office/powerpoint/2010/main" val="454187162"/>
+        <p14:creationId xmlns:p14="http://schemas.microsoft.com/office/powerpoint/2010/main" val="1050744130"/>
       </p:ext>
     </p:extLst>
   </p:cSld>
   <p:clrMapOvr>
     <a:masterClrMapping/>
   </p:clrMapOvr>
+  <p:timing>
+    <p:tnLst>
+      <p:par>
+        <p:cTn id="1" dur="indefinite" restart="never" nodeType="tmRoot">
+          <p:childTnLst>
+            <p:seq concurrent="1" nextAc="seek">
+              <p:cTn id="2" dur="indefinite" nodeType="mainSeq">
+                <p:childTnLst>
+                  <p:par>
+                    <p:cTn id="3" fill="hold">
+                      <p:stCondLst>
+                        <p:cond delay="indefinite"/>
+                      </p:stCondLst>
+                      <p:childTnLst>
+                        <p:par>
+                          <p:cTn id="4" fill="hold">
+                            <p:stCondLst>
+                              <p:cond delay="0"/>
+                            </p:stCondLst>
+                            <p:childTnLst>
+                              <p:par>
+                                <p:cTn id="5" presetID="42" presetClass="path" presetSubtype="0" accel="50000" decel="50000" fill="hold" nodeType="clickEffect">
+                                  <p:stCondLst>
+                                    <p:cond delay="0"/>
+                                  </p:stCondLst>
+                                  <p:childTnLst>
+                                    <p:animMotion origin="layout" path="M 0 0 L 0.08932 -0.23356 " pathEditMode="relative" rAng="0" ptsTypes="AA">
+                                      <p:cBhvr>
+                                        <p:cTn id="6" dur="2000" fill="hold"/>
+                                        <p:tgtEl>
+                                          <p:spTgt spid="2"/>
+                                        </p:tgtEl>
+                                        <p:attrNameLst>
+                                          <p:attrName>ppt_x</p:attrName>
+                                          <p:attrName>ppt_y</p:attrName>
+                                        </p:attrNameLst>
+                                      </p:cBhvr>
+                                      <p:rCtr x="4466" y="-11690"/>
+                                    </p:animMotion>
+                                  </p:childTnLst>
+                                </p:cTn>
+                              </p:par>
+                            </p:childTnLst>
+                          </p:cTn>
+                        </p:par>
+                      </p:childTnLst>
+                    </p:cTn>
+                  </p:par>
+                </p:childTnLst>
+              </p:cTn>
+              <p:prevCondLst>
+                <p:cond evt="onPrev" delay="0">
+                  <p:tgtEl>
+                    <p:sldTgt/>
+                  </p:tgtEl>
+                </p:cond>
+              </p:prevCondLst>
+              <p:nextCondLst>
+                <p:cond evt="onNext" delay="0">
+                  <p:tgtEl>
+                    <p:sldTgt/>
+                  </p:tgtEl>
+                </p:cond>
+              </p:nextCondLst>
+            </p:seq>
+          </p:childTnLst>
+        </p:cTn>
+      </p:par>
+    </p:tnLst>
+  </p:timing>
 </p:sld>
 </file>
 
@@ -7110,7 +7202,7 @@
         <p:cNvPr id="1" name="">
           <a:extLst>
             <a:ext uri="{FF2B5EF4-FFF2-40B4-BE49-F238E27FC236}">
-              <a16:creationId xmlns:a16="http://schemas.microsoft.com/office/drawing/2014/main" id="{2ACA5108-D457-92F9-18F6-F5E85056E1A2}"/>
+              <a16:creationId xmlns:a16="http://schemas.microsoft.com/office/drawing/2014/main" id="{D2BFE4B4-6AE9-EAD3-12F9-80E442F3C027}"/>
             </a:ext>
           </a:extLst>
         </p:cNvPr>
@@ -7130,7 +7222,7 @@
           <p:cNvPr id="3" name="Picture 2" descr="A diagram of a model&#10;&#10;Description automatically generated">
             <a:extLst>
               <a:ext uri="{FF2B5EF4-FFF2-40B4-BE49-F238E27FC236}">
-                <a16:creationId xmlns:a16="http://schemas.microsoft.com/office/drawing/2014/main" id="{F34B7E21-F390-A7AA-912E-4195C3953B4C}"/>
+                <a16:creationId xmlns:a16="http://schemas.microsoft.com/office/drawing/2014/main" id="{CC114647-BEA1-42A8-A007-255B58889CC9}"/>
               </a:ext>
             </a:extLst>
           </p:cNvPr>
@@ -7158,13 +7250,25 @@
     </p:spTree>
     <p:extLst>
       <p:ext uri="{BB962C8B-B14F-4D97-AF65-F5344CB8AC3E}">
-        <p14:creationId xmlns:p14="http://schemas.microsoft.com/office/powerpoint/2010/main" val="1050744130"/>
+        <p14:creationId xmlns:p14="http://schemas.microsoft.com/office/powerpoint/2010/main" val="159865887"/>
       </p:ext>
     </p:extLst>
   </p:cSld>
   <p:clrMapOvr>
     <a:masterClrMapping/>
   </p:clrMapOvr>
+  <mc:AlternateContent xmlns:mc="http://schemas.openxmlformats.org/markup-compatibility/2006" xmlns:p14="http://schemas.microsoft.com/office/powerpoint/2010/main">
+    <mc:Choice Requires="p14">
+      <p:transition spd="med" p14:dur="700">
+        <p:fade/>
+      </p:transition>
+    </mc:Choice>
+    <mc:Fallback xmlns="">
+      <p:transition spd="med">
+        <p:fade/>
+      </p:transition>
+    </mc:Fallback>
+  </mc:AlternateContent>
 </p:sld>
 </file>
 
@@ -7176,7 +7280,7 @@
         <p:cNvPr id="1" name="">
           <a:extLst>
             <a:ext uri="{FF2B5EF4-FFF2-40B4-BE49-F238E27FC236}">
-              <a16:creationId xmlns:a16="http://schemas.microsoft.com/office/drawing/2014/main" id="{D2BFE4B4-6AE9-EAD3-12F9-80E442F3C027}"/>
+              <a16:creationId xmlns:a16="http://schemas.microsoft.com/office/drawing/2014/main" id="{9AC218AA-B94D-D9A0-0224-BBC208A03723}"/>
             </a:ext>
           </a:extLst>
         </p:cNvPr>
@@ -7196,7 +7300,7 @@
           <p:cNvPr id="3" name="Picture 2" descr="A diagram of a model&#10;&#10;Description automatically generated">
             <a:extLst>
               <a:ext uri="{FF2B5EF4-FFF2-40B4-BE49-F238E27FC236}">
-                <a16:creationId xmlns:a16="http://schemas.microsoft.com/office/drawing/2014/main" id="{CC114647-BEA1-42A8-A007-255B58889CC9}"/>
+                <a16:creationId xmlns:a16="http://schemas.microsoft.com/office/drawing/2014/main" id="{DA164FAE-EDB1-1386-36D4-484868913E6C}"/>
               </a:ext>
             </a:extLst>
           </p:cNvPr>
@@ -7226,7 +7330,7 @@
           <p:cNvPr id="4" name="Picture 2">
             <a:extLst>
               <a:ext uri="{FF2B5EF4-FFF2-40B4-BE49-F238E27FC236}">
-                <a16:creationId xmlns:a16="http://schemas.microsoft.com/office/drawing/2014/main" id="{A1A8EC43-9C8D-F27F-A9E7-B77FAC5D0903}"/>
+                <a16:creationId xmlns:a16="http://schemas.microsoft.com/office/drawing/2014/main" id="{0DCFDB9C-2077-8EFA-79FC-64E8B4DAA932}"/>
               </a:ext>
             </a:extLst>
           </p:cNvPr>
@@ -7271,7 +7375,7 @@
           <p:cNvPr id="12" name="Rounded Rectangle 11">
             <a:extLst>
               <a:ext uri="{FF2B5EF4-FFF2-40B4-BE49-F238E27FC236}">
-                <a16:creationId xmlns:a16="http://schemas.microsoft.com/office/drawing/2014/main" id="{C51BCC2B-3653-F998-4346-5DDE553603F6}"/>
+                <a16:creationId xmlns:a16="http://schemas.microsoft.com/office/drawing/2014/main" id="{D7D05BC1-10DC-74AE-9404-3266511526AF}"/>
               </a:ext>
             </a:extLst>
           </p:cNvPr>
@@ -7332,13 +7436,25 @@
     </p:spTree>
     <p:extLst>
       <p:ext uri="{BB962C8B-B14F-4D97-AF65-F5344CB8AC3E}">
-        <p14:creationId xmlns:p14="http://schemas.microsoft.com/office/powerpoint/2010/main" val="159865887"/>
+        <p14:creationId xmlns:p14="http://schemas.microsoft.com/office/powerpoint/2010/main" val="1934766032"/>
       </p:ext>
     </p:extLst>
   </p:cSld>
   <p:clrMapOvr>
     <a:masterClrMapping/>
   </p:clrMapOvr>
+  <mc:AlternateContent xmlns:mc="http://schemas.openxmlformats.org/markup-compatibility/2006" xmlns:p14="http://schemas.microsoft.com/office/powerpoint/2010/main">
+    <mc:Choice Requires="p14">
+      <p:transition spd="med" p14:dur="700">
+        <p:fade/>
+      </p:transition>
+    </mc:Choice>
+    <mc:Fallback xmlns="">
+      <p:transition spd="med">
+        <p:fade/>
+      </p:transition>
+    </mc:Fallback>
+  </mc:AlternateContent>
 </p:sld>
 </file>
 
@@ -7505,6 +7621,108 @@
           </a:extLst>
         </p:spPr>
       </p:pic>
+      <p:sp>
+        <p:nvSpPr>
+          <p:cNvPr id="4" name="TextBox 3">
+            <a:extLst>
+              <a:ext uri="{FF2B5EF4-FFF2-40B4-BE49-F238E27FC236}">
+                <a16:creationId xmlns:a16="http://schemas.microsoft.com/office/drawing/2014/main" id="{164ADA2E-E258-79D2-B37F-9B19B3AA001A}"/>
+              </a:ext>
+            </a:extLst>
+          </p:cNvPr>
+          <p:cNvSpPr txBox="1"/>
+          <p:nvPr/>
+        </p:nvSpPr>
+        <p:spPr>
+          <a:xfrm>
+            <a:off x="294289" y="4464211"/>
+            <a:ext cx="3679212" cy="1077218"/>
+          </a:xfrm>
+          <a:prstGeom prst="rect">
+            <a:avLst/>
+          </a:prstGeom>
+          <a:noFill/>
+        </p:spPr>
+        <p:txBody>
+          <a:bodyPr wrap="none" rtlCol="0">
+            <a:spAutoFit/>
+          </a:bodyPr>
+          <a:lstStyle/>
+          <a:p>
+            <a:pPr marL="457200" indent="-457200">
+              <a:buFont typeface="Wingdings" pitchFamily="2" charset="2"/>
+              <a:buChar char="ü"/>
+            </a:pPr>
+            <a:r>
+              <a:rPr lang="en-US" sz="3200" dirty="0">
+                <a:latin typeface="Roboto" panose="02000000000000000000" pitchFamily="2" charset="0"/>
+                <a:ea typeface="Roboto" panose="02000000000000000000" pitchFamily="2" charset="0"/>
+              </a:rPr>
+              <a:t>Reproducibility</a:t>
+            </a:r>
+          </a:p>
+          <a:p>
+            <a:pPr marL="457200" indent="-457200">
+              <a:buFont typeface="Wingdings" pitchFamily="2" charset="2"/>
+              <a:buChar char="ü"/>
+            </a:pPr>
+            <a:r>
+              <a:rPr lang="en-US" sz="3200" dirty="0">
+                <a:latin typeface="Roboto" panose="02000000000000000000" pitchFamily="2" charset="0"/>
+                <a:ea typeface="Roboto" panose="02000000000000000000" pitchFamily="2" charset="0"/>
+              </a:rPr>
+              <a:t>Version Control </a:t>
+            </a:r>
+          </a:p>
+        </p:txBody>
+      </p:sp>
+      <p:pic>
+        <p:nvPicPr>
+          <p:cNvPr id="1028" name="Picture 4" descr="Github">
+            <a:extLst>
+              <a:ext uri="{FF2B5EF4-FFF2-40B4-BE49-F238E27FC236}">
+                <a16:creationId xmlns:a16="http://schemas.microsoft.com/office/drawing/2014/main" id="{D9F8A91B-3171-B82C-7EDD-B0FC239EA95A}"/>
+              </a:ext>
+            </a:extLst>
+          </p:cNvPr>
+          <p:cNvPicPr>
+            <a:picLocks noChangeAspect="1" noChangeArrowheads="1"/>
+          </p:cNvPicPr>
+          <p:nvPr/>
+        </p:nvPicPr>
+        <p:blipFill>
+          <a:blip r:embed="rId5">
+            <a:extLst>
+              <a:ext uri="{28A0092B-C50C-407E-A947-70E740481C1C}">
+                <a14:useLocalDpi xmlns:a14="http://schemas.microsoft.com/office/drawing/2010/main" val="0"/>
+              </a:ext>
+            </a:extLst>
+          </a:blip>
+          <a:srcRect/>
+          <a:stretch>
+            <a:fillRect/>
+          </a:stretch>
+        </p:blipFill>
+        <p:spPr bwMode="auto">
+          <a:xfrm>
+            <a:off x="3693412" y="4945777"/>
+            <a:ext cx="560178" cy="560178"/>
+          </a:xfrm>
+          <a:prstGeom prst="rect">
+            <a:avLst/>
+          </a:prstGeom>
+          <a:noFill/>
+          <a:extLst>
+            <a:ext uri="{909E8E84-426E-40DD-AFC4-6F175D3DCCD1}">
+              <a14:hiddenFill xmlns:a14="http://schemas.microsoft.com/office/drawing/2010/main">
+                <a:solidFill>
+                  <a:srgbClr val="FFFFFF"/>
+                </a:solidFill>
+              </a14:hiddenFill>
+            </a:ext>
+          </a:extLst>
+        </p:spPr>
+      </p:pic>
     </p:spTree>
     <p:extLst>
       <p:ext uri="{BB962C8B-B14F-4D97-AF65-F5344CB8AC3E}">
@@ -7515,6 +7733,18 @@
   <p:clrMapOvr>
     <a:masterClrMapping/>
   </p:clrMapOvr>
+  <mc:AlternateContent xmlns:mc="http://schemas.openxmlformats.org/markup-compatibility/2006" xmlns:p14="http://schemas.microsoft.com/office/powerpoint/2010/main">
+    <mc:Choice Requires="p14">
+      <p:transition spd="med" p14:dur="700">
+        <p:fade/>
+      </p:transition>
+    </mc:Choice>
+    <mc:Fallback xmlns="">
+      <p:transition spd="med">
+        <p:fade/>
+      </p:transition>
+    </mc:Fallback>
+  </mc:AlternateContent>
 </p:sld>
 </file>
 
@@ -7734,6 +7964,18 @@
   <p:clrMapOvr>
     <a:masterClrMapping/>
   </p:clrMapOvr>
+  <mc:AlternateContent xmlns:mc="http://schemas.openxmlformats.org/markup-compatibility/2006" xmlns:p14="http://schemas.microsoft.com/office/powerpoint/2010/main">
+    <mc:Choice Requires="p14">
+      <p:transition spd="med" p14:dur="700">
+        <p:fade/>
+      </p:transition>
+    </mc:Choice>
+    <mc:Fallback xmlns="">
+      <p:transition spd="med">
+        <p:fade/>
+      </p:transition>
+    </mc:Fallback>
+  </mc:AlternateContent>
 </p:sld>
 </file>
 
@@ -7900,6 +8142,108 @@
           </a:extLst>
         </p:spPr>
       </p:pic>
+      <p:sp>
+        <p:nvSpPr>
+          <p:cNvPr id="2" name="TextBox 1">
+            <a:extLst>
+              <a:ext uri="{FF2B5EF4-FFF2-40B4-BE49-F238E27FC236}">
+                <a16:creationId xmlns:a16="http://schemas.microsoft.com/office/drawing/2014/main" id="{F3991539-0040-2FEA-0C9A-97C676B933B1}"/>
+              </a:ext>
+            </a:extLst>
+          </p:cNvPr>
+          <p:cNvSpPr txBox="1"/>
+          <p:nvPr/>
+        </p:nvSpPr>
+        <p:spPr>
+          <a:xfrm>
+            <a:off x="4750675" y="4579825"/>
+            <a:ext cx="3679212" cy="1077218"/>
+          </a:xfrm>
+          <a:prstGeom prst="rect">
+            <a:avLst/>
+          </a:prstGeom>
+          <a:noFill/>
+        </p:spPr>
+        <p:txBody>
+          <a:bodyPr wrap="none" rtlCol="0">
+            <a:spAutoFit/>
+          </a:bodyPr>
+          <a:lstStyle/>
+          <a:p>
+            <a:pPr marL="457200" indent="-457200">
+              <a:buFont typeface="Wingdings" pitchFamily="2" charset="2"/>
+              <a:buChar char="ü"/>
+            </a:pPr>
+            <a:r>
+              <a:rPr lang="en-US" sz="3200" dirty="0">
+                <a:latin typeface="Roboto" panose="02000000000000000000" pitchFamily="2" charset="0"/>
+                <a:ea typeface="Roboto" panose="02000000000000000000" pitchFamily="2" charset="0"/>
+              </a:rPr>
+              <a:t>Reproducibility</a:t>
+            </a:r>
+          </a:p>
+          <a:p>
+            <a:pPr marL="457200" indent="-457200">
+              <a:buFont typeface="Wingdings" pitchFamily="2" charset="2"/>
+              <a:buChar char="ü"/>
+            </a:pPr>
+            <a:r>
+              <a:rPr lang="en-US" sz="3200" dirty="0">
+                <a:latin typeface="Roboto" panose="02000000000000000000" pitchFamily="2" charset="0"/>
+                <a:ea typeface="Roboto" panose="02000000000000000000" pitchFamily="2" charset="0"/>
+              </a:rPr>
+              <a:t>Version Control </a:t>
+            </a:r>
+          </a:p>
+        </p:txBody>
+      </p:sp>
+      <p:pic>
+        <p:nvPicPr>
+          <p:cNvPr id="5" name="Picture 4" descr="Github">
+            <a:extLst>
+              <a:ext uri="{FF2B5EF4-FFF2-40B4-BE49-F238E27FC236}">
+                <a16:creationId xmlns:a16="http://schemas.microsoft.com/office/drawing/2014/main" id="{69138367-5F7B-A5A8-4908-125761A52632}"/>
+              </a:ext>
+            </a:extLst>
+          </p:cNvPr>
+          <p:cNvPicPr>
+            <a:picLocks noChangeAspect="1" noChangeArrowheads="1"/>
+          </p:cNvPicPr>
+          <p:nvPr/>
+        </p:nvPicPr>
+        <p:blipFill>
+          <a:blip r:embed="rId5">
+            <a:extLst>
+              <a:ext uri="{28A0092B-C50C-407E-A947-70E740481C1C}">
+                <a14:useLocalDpi xmlns:a14="http://schemas.microsoft.com/office/drawing/2010/main" val="0"/>
+              </a:ext>
+            </a:extLst>
+          </a:blip>
+          <a:srcRect/>
+          <a:stretch>
+            <a:fillRect/>
+          </a:stretch>
+        </p:blipFill>
+        <p:spPr bwMode="auto">
+          <a:xfrm>
+            <a:off x="8149798" y="5061391"/>
+            <a:ext cx="560178" cy="560178"/>
+          </a:xfrm>
+          <a:prstGeom prst="rect">
+            <a:avLst/>
+          </a:prstGeom>
+          <a:noFill/>
+          <a:extLst>
+            <a:ext uri="{909E8E84-426E-40DD-AFC4-6F175D3DCCD1}">
+              <a14:hiddenFill xmlns:a14="http://schemas.microsoft.com/office/drawing/2010/main">
+                <a:solidFill>
+                  <a:srgbClr val="FFFFFF"/>
+                </a:solidFill>
+              </a14:hiddenFill>
+            </a:ext>
+          </a:extLst>
+        </p:spPr>
+      </p:pic>
     </p:spTree>
     <p:extLst>
       <p:ext uri="{BB962C8B-B14F-4D97-AF65-F5344CB8AC3E}">
@@ -7910,6 +8254,18 @@
   <p:clrMapOvr>
     <a:masterClrMapping/>
   </p:clrMapOvr>
+  <mc:AlternateContent xmlns:mc="http://schemas.openxmlformats.org/markup-compatibility/2006" xmlns:p14="http://schemas.microsoft.com/office/powerpoint/2010/main">
+    <mc:Choice Requires="p14">
+      <p:transition spd="med" p14:dur="700">
+        <p:fade/>
+      </p:transition>
+    </mc:Choice>
+    <mc:Fallback xmlns="">
+      <p:transition spd="med">
+        <p:fade/>
+      </p:transition>
+    </mc:Fallback>
+  </mc:AlternateContent>
 </p:sld>
 </file>
 
@@ -7976,6 +8332,18 @@
   <p:clrMapOvr>
     <a:masterClrMapping/>
   </p:clrMapOvr>
+  <mc:AlternateContent xmlns:mc="http://schemas.openxmlformats.org/markup-compatibility/2006" xmlns:p14="http://schemas.microsoft.com/office/powerpoint/2010/main">
+    <mc:Choice Requires="p14">
+      <p:transition spd="med" p14:dur="700">
+        <p:fade/>
+      </p:transition>
+    </mc:Choice>
+    <mc:Fallback xmlns="">
+      <p:transition spd="med">
+        <p:fade/>
+      </p:transition>
+    </mc:Fallback>
+  </mc:AlternateContent>
 </p:sld>
 </file>
 
@@ -8203,6 +8571,18 @@
   <p:clrMapOvr>
     <a:masterClrMapping/>
   </p:clrMapOvr>
+  <mc:AlternateContent xmlns:mc="http://schemas.openxmlformats.org/markup-compatibility/2006" xmlns:p14="http://schemas.microsoft.com/office/powerpoint/2010/main">
+    <mc:Choice Requires="p14">
+      <p:transition spd="med" p14:dur="700">
+        <p:fade/>
+      </p:transition>
+    </mc:Choice>
+    <mc:Fallback xmlns="">
+      <p:transition spd="med">
+        <p:fade/>
+      </p:transition>
+    </mc:Fallback>
+  </mc:AlternateContent>
 </p:sld>
 </file>
 
@@ -8514,6 +8894,110 @@
           </a:extLst>
         </p:spPr>
       </p:pic>
+      <p:sp>
+        <p:nvSpPr>
+          <p:cNvPr id="7" name="TextBox 6">
+            <a:extLst>
+              <a:ext uri="{FF2B5EF4-FFF2-40B4-BE49-F238E27FC236}">
+                <a16:creationId xmlns:a16="http://schemas.microsoft.com/office/drawing/2014/main" id="{2206E1F6-B114-B9E4-B5A9-5DBD013409D4}"/>
+              </a:ext>
+            </a:extLst>
+          </p:cNvPr>
+          <p:cNvSpPr txBox="1"/>
+          <p:nvPr/>
+        </p:nvSpPr>
+        <p:spPr>
+          <a:xfrm>
+            <a:off x="4067503" y="4632825"/>
+            <a:ext cx="3573414" cy="1077218"/>
+          </a:xfrm>
+          <a:prstGeom prst="rect">
+            <a:avLst/>
+          </a:prstGeom>
+          <a:noFill/>
+        </p:spPr>
+        <p:txBody>
+          <a:bodyPr wrap="none" rtlCol="0">
+            <a:spAutoFit/>
+          </a:bodyPr>
+          <a:lstStyle/>
+          <a:p>
+            <a:pPr marL="457200" indent="-457200">
+              <a:buSzPct val="80000"/>
+              <a:buFont typeface=".Apple Color Emoji UI"/>
+              <a:buChar char="❌"/>
+            </a:pPr>
+            <a:r>
+              <a:rPr lang="en-US" sz="3200" dirty="0">
+                <a:latin typeface="Roboto" panose="02000000000000000000" pitchFamily="2" charset="0"/>
+                <a:ea typeface="Roboto" panose="02000000000000000000" pitchFamily="2" charset="0"/>
+              </a:rPr>
+              <a:t>Reproducibility</a:t>
+            </a:r>
+          </a:p>
+          <a:p>
+            <a:pPr marL="457200" indent="-457200">
+              <a:buSzPct val="80000"/>
+              <a:buFont typeface=".Apple Color Emoji UI"/>
+              <a:buChar char="❌"/>
+            </a:pPr>
+            <a:r>
+              <a:rPr lang="en-US" sz="3200" dirty="0">
+                <a:latin typeface="Roboto" panose="02000000000000000000" pitchFamily="2" charset="0"/>
+                <a:ea typeface="Roboto" panose="02000000000000000000" pitchFamily="2" charset="0"/>
+              </a:rPr>
+              <a:t>Version Control </a:t>
+            </a:r>
+          </a:p>
+        </p:txBody>
+      </p:sp>
+      <p:pic>
+        <p:nvPicPr>
+          <p:cNvPr id="10" name="Picture 9" descr="Github">
+            <a:extLst>
+              <a:ext uri="{FF2B5EF4-FFF2-40B4-BE49-F238E27FC236}">
+                <a16:creationId xmlns:a16="http://schemas.microsoft.com/office/drawing/2014/main" id="{21ECCE1D-1B75-FBBE-FADF-130EFA81EFCF}"/>
+              </a:ext>
+            </a:extLst>
+          </p:cNvPr>
+          <p:cNvPicPr>
+            <a:picLocks noChangeAspect="1" noChangeArrowheads="1"/>
+          </p:cNvPicPr>
+          <p:nvPr/>
+        </p:nvPicPr>
+        <p:blipFill>
+          <a:blip r:embed="rId6">
+            <a:extLst>
+              <a:ext uri="{28A0092B-C50C-407E-A947-70E740481C1C}">
+                <a14:useLocalDpi xmlns:a14="http://schemas.microsoft.com/office/drawing/2010/main" val="0"/>
+              </a:ext>
+            </a:extLst>
+          </a:blip>
+          <a:srcRect/>
+          <a:stretch>
+            <a:fillRect/>
+          </a:stretch>
+        </p:blipFill>
+        <p:spPr bwMode="auto">
+          <a:xfrm>
+            <a:off x="7466626" y="5114391"/>
+            <a:ext cx="560178" cy="560178"/>
+          </a:xfrm>
+          <a:prstGeom prst="rect">
+            <a:avLst/>
+          </a:prstGeom>
+          <a:noFill/>
+          <a:extLst>
+            <a:ext uri="{909E8E84-426E-40DD-AFC4-6F175D3DCCD1}">
+              <a14:hiddenFill xmlns:a14="http://schemas.microsoft.com/office/drawing/2010/main">
+                <a:solidFill>
+                  <a:srgbClr val="FFFFFF"/>
+                </a:solidFill>
+              </a14:hiddenFill>
+            </a:ext>
+          </a:extLst>
+        </p:spPr>
+      </p:pic>
     </p:spTree>
     <p:extLst>
       <p:ext uri="{BB962C8B-B14F-4D97-AF65-F5344CB8AC3E}">
@@ -8524,6 +9008,18 @@
   <p:clrMapOvr>
     <a:masterClrMapping/>
   </p:clrMapOvr>
+  <mc:AlternateContent xmlns:mc="http://schemas.openxmlformats.org/markup-compatibility/2006" xmlns:p14="http://schemas.microsoft.com/office/powerpoint/2010/main">
+    <mc:Choice Requires="p14">
+      <p:transition spd="med" p14:dur="700">
+        <p:fade/>
+      </p:transition>
+    </mc:Choice>
+    <mc:Fallback xmlns="">
+      <p:transition spd="med">
+        <p:fade/>
+      </p:transition>
+    </mc:Fallback>
+  </mc:AlternateContent>
 </p:sld>
 </file>
 

--- a/images/images.pptx
+++ b/images/images.pptx
@@ -9,14 +9,14 @@
   </p:notesMasterIdLst>
   <p:sldIdLst>
     <p:sldId id="259" r:id="rId2"/>
-    <p:sldId id="265" r:id="rId3"/>
-    <p:sldId id="279" r:id="rId4"/>
-    <p:sldId id="264" r:id="rId5"/>
-    <p:sldId id="266" r:id="rId6"/>
-    <p:sldId id="267" r:id="rId7"/>
-    <p:sldId id="261" r:id="rId8"/>
-    <p:sldId id="269" r:id="rId9"/>
-    <p:sldId id="270" r:id="rId10"/>
+    <p:sldId id="281" r:id="rId3"/>
+    <p:sldId id="288" r:id="rId4"/>
+    <p:sldId id="289" r:id="rId5"/>
+    <p:sldId id="290" r:id="rId6"/>
+    <p:sldId id="285" r:id="rId7"/>
+    <p:sldId id="286" r:id="rId8"/>
+    <p:sldId id="291" r:id="rId9"/>
+    <p:sldId id="292" r:id="rId10"/>
     <p:sldId id="275" r:id="rId11"/>
     <p:sldId id="278" r:id="rId12"/>
     <p:sldId id="276" r:id="rId13"/>
@@ -210,7 +210,7 @@
           <a:p>
             <a:fld id="{4CBED549-0FC6-D64B-978C-ED18C73516F8}" type="datetimeFigureOut">
               <a:rPr lang="en-US" smtClean="0"/>
-              <a:t>7/21/25</a:t>
+              <a:t>8/14/25</a:t>
             </a:fld>
             <a:endParaRPr lang="en-US"/>
           </a:p>
@@ -1133,7 +1133,7 @@
         <p:cNvPr id="1" name="">
           <a:extLst>
             <a:ext uri="{FF2B5EF4-FFF2-40B4-BE49-F238E27FC236}">
-              <a16:creationId xmlns:a16="http://schemas.microsoft.com/office/drawing/2014/main" id="{6CEE88F8-BC38-AB45-623B-CBF52FD23CD4}"/>
+              <a16:creationId xmlns:a16="http://schemas.microsoft.com/office/drawing/2014/main" id="{056D3091-8EC6-8E52-0F87-B4BC316A30D7}"/>
             </a:ext>
           </a:extLst>
         </p:cNvPr>
@@ -1153,7 +1153,7 @@
           <p:cNvPr id="2" name="Slide Image Placeholder 1">
             <a:extLst>
               <a:ext uri="{FF2B5EF4-FFF2-40B4-BE49-F238E27FC236}">
-                <a16:creationId xmlns:a16="http://schemas.microsoft.com/office/drawing/2014/main" id="{D23094A6-0018-65D3-ADC5-6EB8C99B758D}"/>
+                <a16:creationId xmlns:a16="http://schemas.microsoft.com/office/drawing/2014/main" id="{7455A0A0-9C53-F366-5946-3583C9C71271}"/>
               </a:ext>
             </a:extLst>
           </p:cNvPr>
@@ -1171,7 +1171,7 @@
           <p:cNvPr id="3" name="Notes Placeholder 2">
             <a:extLst>
               <a:ext uri="{FF2B5EF4-FFF2-40B4-BE49-F238E27FC236}">
-                <a16:creationId xmlns:a16="http://schemas.microsoft.com/office/drawing/2014/main" id="{677ADC41-2D64-AAD7-3FAA-45ACA5D8359A}"/>
+                <a16:creationId xmlns:a16="http://schemas.microsoft.com/office/drawing/2014/main" id="{766B6DB5-6026-9A60-865E-309E60D2FB8C}"/>
               </a:ext>
             </a:extLst>
           </p:cNvPr>
@@ -1196,7 +1196,7 @@
           <p:cNvPr id="4" name="Slide Number Placeholder 3">
             <a:extLst>
               <a:ext uri="{FF2B5EF4-FFF2-40B4-BE49-F238E27FC236}">
-                <a16:creationId xmlns:a16="http://schemas.microsoft.com/office/drawing/2014/main" id="{EE247A90-4EF7-CA13-0810-C59ECCA0538C}"/>
+                <a16:creationId xmlns:a16="http://schemas.microsoft.com/office/drawing/2014/main" id="{EC587D72-4BE1-397A-9715-A2C3B3A1DCED}"/>
               </a:ext>
             </a:extLst>
           </p:cNvPr>
@@ -1223,7 +1223,7 @@
     </p:spTree>
     <p:extLst>
       <p:ext uri="{BB962C8B-B14F-4D97-AF65-F5344CB8AC3E}">
-        <p14:creationId xmlns:p14="http://schemas.microsoft.com/office/powerpoint/2010/main" val="2519272138"/>
+        <p14:creationId xmlns:p14="http://schemas.microsoft.com/office/powerpoint/2010/main" val="1511674264"/>
       </p:ext>
     </p:extLst>
   </p:cSld>
@@ -1241,7 +1241,7 @@
         <p:cNvPr id="1" name="">
           <a:extLst>
             <a:ext uri="{FF2B5EF4-FFF2-40B4-BE49-F238E27FC236}">
-              <a16:creationId xmlns:a16="http://schemas.microsoft.com/office/drawing/2014/main" id="{B16E22D9-BD09-D6A7-3D90-9660412BD54F}"/>
+              <a16:creationId xmlns:a16="http://schemas.microsoft.com/office/drawing/2014/main" id="{6665CF20-94C0-931A-2DBD-C66D7985F71D}"/>
             </a:ext>
           </a:extLst>
         </p:cNvPr>
@@ -1261,7 +1261,7 @@
           <p:cNvPr id="2" name="Slide Image Placeholder 1">
             <a:extLst>
               <a:ext uri="{FF2B5EF4-FFF2-40B4-BE49-F238E27FC236}">
-                <a16:creationId xmlns:a16="http://schemas.microsoft.com/office/drawing/2014/main" id="{CC612F8C-9F05-CFF3-BB0C-E8536D4584CB}"/>
+                <a16:creationId xmlns:a16="http://schemas.microsoft.com/office/drawing/2014/main" id="{799F063B-764F-55D9-5181-DAADBDEA427D}"/>
               </a:ext>
             </a:extLst>
           </p:cNvPr>
@@ -1279,7 +1279,7 @@
           <p:cNvPr id="3" name="Notes Placeholder 2">
             <a:extLst>
               <a:ext uri="{FF2B5EF4-FFF2-40B4-BE49-F238E27FC236}">
-                <a16:creationId xmlns:a16="http://schemas.microsoft.com/office/drawing/2014/main" id="{840C5487-69D2-51F7-A979-7E3FB5A7DE8D}"/>
+                <a16:creationId xmlns:a16="http://schemas.microsoft.com/office/drawing/2014/main" id="{C62695CF-505C-5762-237F-5065CDC554CE}"/>
               </a:ext>
             </a:extLst>
           </p:cNvPr>
@@ -1304,7 +1304,7 @@
           <p:cNvPr id="4" name="Slide Number Placeholder 3">
             <a:extLst>
               <a:ext uri="{FF2B5EF4-FFF2-40B4-BE49-F238E27FC236}">
-                <a16:creationId xmlns:a16="http://schemas.microsoft.com/office/drawing/2014/main" id="{74D04FEC-B1DB-9782-99BC-88BB1F494C36}"/>
+                <a16:creationId xmlns:a16="http://schemas.microsoft.com/office/drawing/2014/main" id="{F2FBA1CC-1778-AA17-54A4-1E558ED3E1BB}"/>
               </a:ext>
             </a:extLst>
           </p:cNvPr>
@@ -1331,7 +1331,7 @@
     </p:spTree>
     <p:extLst>
       <p:ext uri="{BB962C8B-B14F-4D97-AF65-F5344CB8AC3E}">
-        <p14:creationId xmlns:p14="http://schemas.microsoft.com/office/powerpoint/2010/main" val="476731569"/>
+        <p14:creationId xmlns:p14="http://schemas.microsoft.com/office/powerpoint/2010/main" val="1651712237"/>
       </p:ext>
     </p:extLst>
   </p:cSld>
@@ -1349,7 +1349,7 @@
         <p:cNvPr id="1" name="">
           <a:extLst>
             <a:ext uri="{FF2B5EF4-FFF2-40B4-BE49-F238E27FC236}">
-              <a16:creationId xmlns:a16="http://schemas.microsoft.com/office/drawing/2014/main" id="{A55E017A-3E4A-44D1-896F-ABCC377F4EEF}"/>
+              <a16:creationId xmlns:a16="http://schemas.microsoft.com/office/drawing/2014/main" id="{B838FB5C-0B2A-2DDD-318D-6DBFA5AACE32}"/>
             </a:ext>
           </a:extLst>
         </p:cNvPr>
@@ -1369,7 +1369,7 @@
           <p:cNvPr id="2" name="Slide Image Placeholder 1">
             <a:extLst>
               <a:ext uri="{FF2B5EF4-FFF2-40B4-BE49-F238E27FC236}">
-                <a16:creationId xmlns:a16="http://schemas.microsoft.com/office/drawing/2014/main" id="{EDF642D4-4C1B-4C58-24D4-70444CF01035}"/>
+                <a16:creationId xmlns:a16="http://schemas.microsoft.com/office/drawing/2014/main" id="{C0A6DC94-D58F-CB23-C1A4-9AEA477AF431}"/>
               </a:ext>
             </a:extLst>
           </p:cNvPr>
@@ -1387,7 +1387,7 @@
           <p:cNvPr id="3" name="Notes Placeholder 2">
             <a:extLst>
               <a:ext uri="{FF2B5EF4-FFF2-40B4-BE49-F238E27FC236}">
-                <a16:creationId xmlns:a16="http://schemas.microsoft.com/office/drawing/2014/main" id="{8958D0BD-7E4C-C809-DDCB-9196F70E22BB}"/>
+                <a16:creationId xmlns:a16="http://schemas.microsoft.com/office/drawing/2014/main" id="{7DD89A44-D25A-A327-A1C7-2CD19F269FE5}"/>
               </a:ext>
             </a:extLst>
           </p:cNvPr>
@@ -1412,7 +1412,7 @@
           <p:cNvPr id="4" name="Slide Number Placeholder 3">
             <a:extLst>
               <a:ext uri="{FF2B5EF4-FFF2-40B4-BE49-F238E27FC236}">
-                <a16:creationId xmlns:a16="http://schemas.microsoft.com/office/drawing/2014/main" id="{C9C70823-6DD9-2B23-8F09-C9427A999853}"/>
+                <a16:creationId xmlns:a16="http://schemas.microsoft.com/office/drawing/2014/main" id="{CEF4B0DD-9E6E-44B5-9F91-0729434FDB16}"/>
               </a:ext>
             </a:extLst>
           </p:cNvPr>
@@ -1439,7 +1439,7 @@
     </p:spTree>
     <p:extLst>
       <p:ext uri="{BB962C8B-B14F-4D97-AF65-F5344CB8AC3E}">
-        <p14:creationId xmlns:p14="http://schemas.microsoft.com/office/powerpoint/2010/main" val="4103746654"/>
+        <p14:creationId xmlns:p14="http://schemas.microsoft.com/office/powerpoint/2010/main" val="1029594499"/>
       </p:ext>
     </p:extLst>
   </p:cSld>
@@ -1457,7 +1457,7 @@
         <p:cNvPr id="1" name="">
           <a:extLst>
             <a:ext uri="{FF2B5EF4-FFF2-40B4-BE49-F238E27FC236}">
-              <a16:creationId xmlns:a16="http://schemas.microsoft.com/office/drawing/2014/main" id="{F870A0F3-9C68-4317-4FB3-31FA9DBBE757}"/>
+              <a16:creationId xmlns:a16="http://schemas.microsoft.com/office/drawing/2014/main" id="{BD293398-4541-0E2D-C669-B4BB7FF0E5D2}"/>
             </a:ext>
           </a:extLst>
         </p:cNvPr>
@@ -1477,7 +1477,7 @@
           <p:cNvPr id="2" name="Slide Image Placeholder 1">
             <a:extLst>
               <a:ext uri="{FF2B5EF4-FFF2-40B4-BE49-F238E27FC236}">
-                <a16:creationId xmlns:a16="http://schemas.microsoft.com/office/drawing/2014/main" id="{14E2F466-B444-A0C8-20F8-5C3D41F1E0D0}"/>
+                <a16:creationId xmlns:a16="http://schemas.microsoft.com/office/drawing/2014/main" id="{F0C837FE-6A29-B86B-3F93-8974426DFE70}"/>
               </a:ext>
             </a:extLst>
           </p:cNvPr>
@@ -1495,7 +1495,7 @@
           <p:cNvPr id="3" name="Notes Placeholder 2">
             <a:extLst>
               <a:ext uri="{FF2B5EF4-FFF2-40B4-BE49-F238E27FC236}">
-                <a16:creationId xmlns:a16="http://schemas.microsoft.com/office/drawing/2014/main" id="{46B9FAFD-ED68-BAB7-4AA5-0E918DA0F928}"/>
+                <a16:creationId xmlns:a16="http://schemas.microsoft.com/office/drawing/2014/main" id="{A2EA18E4-E4AB-025A-E2C6-DE0D32BB240D}"/>
               </a:ext>
             </a:extLst>
           </p:cNvPr>
@@ -1520,7 +1520,7 @@
           <p:cNvPr id="4" name="Slide Number Placeholder 3">
             <a:extLst>
               <a:ext uri="{FF2B5EF4-FFF2-40B4-BE49-F238E27FC236}">
-                <a16:creationId xmlns:a16="http://schemas.microsoft.com/office/drawing/2014/main" id="{7343FE78-2E26-B1A7-39FF-8CC6A10FEDC8}"/>
+                <a16:creationId xmlns:a16="http://schemas.microsoft.com/office/drawing/2014/main" id="{0B216AC4-6718-A2DF-D608-EA8EEACC14BF}"/>
               </a:ext>
             </a:extLst>
           </p:cNvPr>
@@ -1547,7 +1547,7 @@
     </p:spTree>
     <p:extLst>
       <p:ext uri="{BB962C8B-B14F-4D97-AF65-F5344CB8AC3E}">
-        <p14:creationId xmlns:p14="http://schemas.microsoft.com/office/powerpoint/2010/main" val="2609763191"/>
+        <p14:creationId xmlns:p14="http://schemas.microsoft.com/office/powerpoint/2010/main" val="1325719531"/>
       </p:ext>
     </p:extLst>
   </p:cSld>
@@ -1565,7 +1565,7 @@
         <p:cNvPr id="1" name="">
           <a:extLst>
             <a:ext uri="{FF2B5EF4-FFF2-40B4-BE49-F238E27FC236}">
-              <a16:creationId xmlns:a16="http://schemas.microsoft.com/office/drawing/2014/main" id="{FDA4DCC1-8E6F-B69F-9E7D-9F1BBE12354B}"/>
+              <a16:creationId xmlns:a16="http://schemas.microsoft.com/office/drawing/2014/main" id="{EC372582-DBDC-A5F4-E1C1-E9FE861A83FF}"/>
             </a:ext>
           </a:extLst>
         </p:cNvPr>
@@ -1585,7 +1585,7 @@
           <p:cNvPr id="2" name="Slide Image Placeholder 1">
             <a:extLst>
               <a:ext uri="{FF2B5EF4-FFF2-40B4-BE49-F238E27FC236}">
-                <a16:creationId xmlns:a16="http://schemas.microsoft.com/office/drawing/2014/main" id="{11F0F437-694C-9C64-C476-583A72DCF1FA}"/>
+                <a16:creationId xmlns:a16="http://schemas.microsoft.com/office/drawing/2014/main" id="{809AD666-6497-E360-19EB-5B245186AB01}"/>
               </a:ext>
             </a:extLst>
           </p:cNvPr>
@@ -1603,7 +1603,7 @@
           <p:cNvPr id="3" name="Notes Placeholder 2">
             <a:extLst>
               <a:ext uri="{FF2B5EF4-FFF2-40B4-BE49-F238E27FC236}">
-                <a16:creationId xmlns:a16="http://schemas.microsoft.com/office/drawing/2014/main" id="{9B876B5D-727F-4F86-B4CC-F7D676016FEB}"/>
+                <a16:creationId xmlns:a16="http://schemas.microsoft.com/office/drawing/2014/main" id="{5D41F1D7-06C0-47C2-E0D0-C508B6E86CCC}"/>
               </a:ext>
             </a:extLst>
           </p:cNvPr>
@@ -1628,7 +1628,7 @@
           <p:cNvPr id="4" name="Slide Number Placeholder 3">
             <a:extLst>
               <a:ext uri="{FF2B5EF4-FFF2-40B4-BE49-F238E27FC236}">
-                <a16:creationId xmlns:a16="http://schemas.microsoft.com/office/drawing/2014/main" id="{833ECA27-E4F2-DB91-7F28-222659971239}"/>
+                <a16:creationId xmlns:a16="http://schemas.microsoft.com/office/drawing/2014/main" id="{B0981201-8D45-A721-A794-A1F05733B7E7}"/>
               </a:ext>
             </a:extLst>
           </p:cNvPr>
@@ -1655,7 +1655,7 @@
     </p:spTree>
     <p:extLst>
       <p:ext uri="{BB962C8B-B14F-4D97-AF65-F5344CB8AC3E}">
-        <p14:creationId xmlns:p14="http://schemas.microsoft.com/office/powerpoint/2010/main" val="2082614854"/>
+        <p14:creationId xmlns:p14="http://schemas.microsoft.com/office/powerpoint/2010/main" val="2829227072"/>
       </p:ext>
     </p:extLst>
   </p:cSld>
@@ -1673,7 +1673,7 @@
         <p:cNvPr id="1" name="">
           <a:extLst>
             <a:ext uri="{FF2B5EF4-FFF2-40B4-BE49-F238E27FC236}">
-              <a16:creationId xmlns:a16="http://schemas.microsoft.com/office/drawing/2014/main" id="{44264B3E-F296-8853-AAE2-765C012F5776}"/>
+              <a16:creationId xmlns:a16="http://schemas.microsoft.com/office/drawing/2014/main" id="{D81DECDB-0EBB-9BF1-8FC9-86224231DB34}"/>
             </a:ext>
           </a:extLst>
         </p:cNvPr>
@@ -1693,7 +1693,7 @@
           <p:cNvPr id="2" name="Slide Image Placeholder 1">
             <a:extLst>
               <a:ext uri="{FF2B5EF4-FFF2-40B4-BE49-F238E27FC236}">
-                <a16:creationId xmlns:a16="http://schemas.microsoft.com/office/drawing/2014/main" id="{79021356-B51D-0B28-ABDD-C8BE7B729D4B}"/>
+                <a16:creationId xmlns:a16="http://schemas.microsoft.com/office/drawing/2014/main" id="{C5E27985-BF10-AB7D-71FF-7F5F8D2C5D9B}"/>
               </a:ext>
             </a:extLst>
           </p:cNvPr>
@@ -1711,7 +1711,7 @@
           <p:cNvPr id="3" name="Notes Placeholder 2">
             <a:extLst>
               <a:ext uri="{FF2B5EF4-FFF2-40B4-BE49-F238E27FC236}">
-                <a16:creationId xmlns:a16="http://schemas.microsoft.com/office/drawing/2014/main" id="{0FE5C53C-0718-C961-A693-5BFC9493FDC8}"/>
+                <a16:creationId xmlns:a16="http://schemas.microsoft.com/office/drawing/2014/main" id="{8ED91A13-93CE-7793-0C09-2B9201EE84F8}"/>
               </a:ext>
             </a:extLst>
           </p:cNvPr>
@@ -1736,7 +1736,7 @@
           <p:cNvPr id="4" name="Slide Number Placeholder 3">
             <a:extLst>
               <a:ext uri="{FF2B5EF4-FFF2-40B4-BE49-F238E27FC236}">
-                <a16:creationId xmlns:a16="http://schemas.microsoft.com/office/drawing/2014/main" id="{01945530-6539-2D4D-3479-8B4DBDAF8E58}"/>
+                <a16:creationId xmlns:a16="http://schemas.microsoft.com/office/drawing/2014/main" id="{A2D87542-95AA-043E-A637-283468BA37EC}"/>
               </a:ext>
             </a:extLst>
           </p:cNvPr>
@@ -1763,7 +1763,7 @@
     </p:spTree>
     <p:extLst>
       <p:ext uri="{BB962C8B-B14F-4D97-AF65-F5344CB8AC3E}">
-        <p14:creationId xmlns:p14="http://schemas.microsoft.com/office/powerpoint/2010/main" val="2454228979"/>
+        <p14:creationId xmlns:p14="http://schemas.microsoft.com/office/powerpoint/2010/main" val="794896307"/>
       </p:ext>
     </p:extLst>
   </p:cSld>
@@ -1781,7 +1781,7 @@
         <p:cNvPr id="1" name="">
           <a:extLst>
             <a:ext uri="{FF2B5EF4-FFF2-40B4-BE49-F238E27FC236}">
-              <a16:creationId xmlns:a16="http://schemas.microsoft.com/office/drawing/2014/main" id="{BADD3C62-DECE-3E56-2AFE-646CB5A070BF}"/>
+              <a16:creationId xmlns:a16="http://schemas.microsoft.com/office/drawing/2014/main" id="{3D19D5EA-EECD-7BBE-F3AE-6CD354E709CE}"/>
             </a:ext>
           </a:extLst>
         </p:cNvPr>
@@ -1801,7 +1801,7 @@
           <p:cNvPr id="2" name="Slide Image Placeholder 1">
             <a:extLst>
               <a:ext uri="{FF2B5EF4-FFF2-40B4-BE49-F238E27FC236}">
-                <a16:creationId xmlns:a16="http://schemas.microsoft.com/office/drawing/2014/main" id="{BC2A6401-FC75-F7E4-F96A-EC2BA0E9E69A}"/>
+                <a16:creationId xmlns:a16="http://schemas.microsoft.com/office/drawing/2014/main" id="{22E53D2F-8709-63F5-692E-F207F6FA3D16}"/>
               </a:ext>
             </a:extLst>
           </p:cNvPr>
@@ -1819,7 +1819,7 @@
           <p:cNvPr id="3" name="Notes Placeholder 2">
             <a:extLst>
               <a:ext uri="{FF2B5EF4-FFF2-40B4-BE49-F238E27FC236}">
-                <a16:creationId xmlns:a16="http://schemas.microsoft.com/office/drawing/2014/main" id="{85571BC3-4405-0E16-7F92-63C2A0D89730}"/>
+                <a16:creationId xmlns:a16="http://schemas.microsoft.com/office/drawing/2014/main" id="{0E17B8E7-8C99-C07E-47C3-8A4111309478}"/>
               </a:ext>
             </a:extLst>
           </p:cNvPr>
@@ -1844,7 +1844,7 @@
           <p:cNvPr id="4" name="Slide Number Placeholder 3">
             <a:extLst>
               <a:ext uri="{FF2B5EF4-FFF2-40B4-BE49-F238E27FC236}">
-                <a16:creationId xmlns:a16="http://schemas.microsoft.com/office/drawing/2014/main" id="{9E1D8DB3-E47D-E3CB-0140-B8CE393CF78F}"/>
+                <a16:creationId xmlns:a16="http://schemas.microsoft.com/office/drawing/2014/main" id="{5B049532-7C3E-4420-73BD-21FFE58F08E1}"/>
               </a:ext>
             </a:extLst>
           </p:cNvPr>
@@ -1871,7 +1871,7 @@
     </p:spTree>
     <p:extLst>
       <p:ext uri="{BB962C8B-B14F-4D97-AF65-F5344CB8AC3E}">
-        <p14:creationId xmlns:p14="http://schemas.microsoft.com/office/powerpoint/2010/main" val="3359511317"/>
+        <p14:creationId xmlns:p14="http://schemas.microsoft.com/office/powerpoint/2010/main" val="3434973260"/>
       </p:ext>
     </p:extLst>
   </p:cSld>
@@ -1889,7 +1889,7 @@
         <p:cNvPr id="1" name="">
           <a:extLst>
             <a:ext uri="{FF2B5EF4-FFF2-40B4-BE49-F238E27FC236}">
-              <a16:creationId xmlns:a16="http://schemas.microsoft.com/office/drawing/2014/main" id="{77FFBDD5-A2C4-9FBE-170F-E70755CB6928}"/>
+              <a16:creationId xmlns:a16="http://schemas.microsoft.com/office/drawing/2014/main" id="{21A23606-A0D3-F628-4A14-BB2B1D83286A}"/>
             </a:ext>
           </a:extLst>
         </p:cNvPr>
@@ -1909,7 +1909,7 @@
           <p:cNvPr id="2" name="Slide Image Placeholder 1">
             <a:extLst>
               <a:ext uri="{FF2B5EF4-FFF2-40B4-BE49-F238E27FC236}">
-                <a16:creationId xmlns:a16="http://schemas.microsoft.com/office/drawing/2014/main" id="{D0EFF999-6F8F-F078-7FE2-645ECC49955E}"/>
+                <a16:creationId xmlns:a16="http://schemas.microsoft.com/office/drawing/2014/main" id="{85FB3E7F-7C48-AAE4-0767-8857241F0DEC}"/>
               </a:ext>
             </a:extLst>
           </p:cNvPr>
@@ -1927,7 +1927,7 @@
           <p:cNvPr id="3" name="Notes Placeholder 2">
             <a:extLst>
               <a:ext uri="{FF2B5EF4-FFF2-40B4-BE49-F238E27FC236}">
-                <a16:creationId xmlns:a16="http://schemas.microsoft.com/office/drawing/2014/main" id="{F9EA9736-BDB9-058A-DD01-CC0E3883BDC3}"/>
+                <a16:creationId xmlns:a16="http://schemas.microsoft.com/office/drawing/2014/main" id="{A311033D-2A91-1C09-160D-49F9D8DFA066}"/>
               </a:ext>
             </a:extLst>
           </p:cNvPr>
@@ -1952,7 +1952,7 @@
           <p:cNvPr id="4" name="Slide Number Placeholder 3">
             <a:extLst>
               <a:ext uri="{FF2B5EF4-FFF2-40B4-BE49-F238E27FC236}">
-                <a16:creationId xmlns:a16="http://schemas.microsoft.com/office/drawing/2014/main" id="{C0E2B8D5-B52C-CC0C-DAA5-88CBAE971D1B}"/>
+                <a16:creationId xmlns:a16="http://schemas.microsoft.com/office/drawing/2014/main" id="{54EEB19B-C8EF-568F-CAA5-69435BA76E13}"/>
               </a:ext>
             </a:extLst>
           </p:cNvPr>
@@ -1979,7 +1979,7 @@
     </p:spTree>
     <p:extLst>
       <p:ext uri="{BB962C8B-B14F-4D97-AF65-F5344CB8AC3E}">
-        <p14:creationId xmlns:p14="http://schemas.microsoft.com/office/powerpoint/2010/main" val="1632072661"/>
+        <p14:creationId xmlns:p14="http://schemas.microsoft.com/office/powerpoint/2010/main" val="1582280585"/>
       </p:ext>
     </p:extLst>
   </p:cSld>
@@ -2136,7 +2136,7 @@
           <a:p>
             <a:fld id="{BF7D8EBE-1699-E345-8270-758E129D34E6}" type="datetimeFigureOut">
               <a:rPr lang="en-US" smtClean="0"/>
-              <a:t>7/21/25</a:t>
+              <a:t>8/14/25</a:t>
             </a:fld>
             <a:endParaRPr lang="en-US"/>
           </a:p>
@@ -2334,7 +2334,7 @@
           <a:p>
             <a:fld id="{BF7D8EBE-1699-E345-8270-758E129D34E6}" type="datetimeFigureOut">
               <a:rPr lang="en-US" smtClean="0"/>
-              <a:t>7/21/25</a:t>
+              <a:t>8/14/25</a:t>
             </a:fld>
             <a:endParaRPr lang="en-US"/>
           </a:p>
@@ -2542,7 +2542,7 @@
           <a:p>
             <a:fld id="{BF7D8EBE-1699-E345-8270-758E129D34E6}" type="datetimeFigureOut">
               <a:rPr lang="en-US" smtClean="0"/>
-              <a:t>7/21/25</a:t>
+              <a:t>8/14/25</a:t>
             </a:fld>
             <a:endParaRPr lang="en-US"/>
           </a:p>
@@ -2740,7 +2740,7 @@
           <a:p>
             <a:fld id="{BF7D8EBE-1699-E345-8270-758E129D34E6}" type="datetimeFigureOut">
               <a:rPr lang="en-US" smtClean="0"/>
-              <a:t>7/21/25</a:t>
+              <a:t>8/14/25</a:t>
             </a:fld>
             <a:endParaRPr lang="en-US"/>
           </a:p>
@@ -3015,7 +3015,7 @@
           <a:p>
             <a:fld id="{BF7D8EBE-1699-E345-8270-758E129D34E6}" type="datetimeFigureOut">
               <a:rPr lang="en-US" smtClean="0"/>
-              <a:t>7/21/25</a:t>
+              <a:t>8/14/25</a:t>
             </a:fld>
             <a:endParaRPr lang="en-US"/>
           </a:p>
@@ -3280,7 +3280,7 @@
           <a:p>
             <a:fld id="{BF7D8EBE-1699-E345-8270-758E129D34E6}" type="datetimeFigureOut">
               <a:rPr lang="en-US" smtClean="0"/>
-              <a:t>7/21/25</a:t>
+              <a:t>8/14/25</a:t>
             </a:fld>
             <a:endParaRPr lang="en-US"/>
           </a:p>
@@ -3692,7 +3692,7 @@
           <a:p>
             <a:fld id="{BF7D8EBE-1699-E345-8270-758E129D34E6}" type="datetimeFigureOut">
               <a:rPr lang="en-US" smtClean="0"/>
-              <a:t>7/21/25</a:t>
+              <a:t>8/14/25</a:t>
             </a:fld>
             <a:endParaRPr lang="en-US"/>
           </a:p>
@@ -3833,7 +3833,7 @@
           <a:p>
             <a:fld id="{BF7D8EBE-1699-E345-8270-758E129D34E6}" type="datetimeFigureOut">
               <a:rPr lang="en-US" smtClean="0"/>
-              <a:t>7/21/25</a:t>
+              <a:t>8/14/25</a:t>
             </a:fld>
             <a:endParaRPr lang="en-US"/>
           </a:p>
@@ -3946,7 +3946,7 @@
           <a:p>
             <a:fld id="{BF7D8EBE-1699-E345-8270-758E129D34E6}" type="datetimeFigureOut">
               <a:rPr lang="en-US" smtClean="0"/>
-              <a:t>7/21/25</a:t>
+              <a:t>8/14/25</a:t>
             </a:fld>
             <a:endParaRPr lang="en-US"/>
           </a:p>
@@ -4257,7 +4257,7 @@
           <a:p>
             <a:fld id="{BF7D8EBE-1699-E345-8270-758E129D34E6}" type="datetimeFigureOut">
               <a:rPr lang="en-US" smtClean="0"/>
-              <a:t>7/21/25</a:t>
+              <a:t>8/14/25</a:t>
             </a:fld>
             <a:endParaRPr lang="en-US"/>
           </a:p>
@@ -4545,7 +4545,7 @@
           <a:p>
             <a:fld id="{BF7D8EBE-1699-E345-8270-758E129D34E6}" type="datetimeFigureOut">
               <a:rPr lang="en-US" smtClean="0"/>
-              <a:t>7/21/25</a:t>
+              <a:t>8/14/25</a:t>
             </a:fld>
             <a:endParaRPr lang="en-US"/>
           </a:p>
@@ -4786,7 +4786,7 @@
           <a:p>
             <a:fld id="{BF7D8EBE-1699-E345-8270-758E129D34E6}" type="datetimeFigureOut">
               <a:rPr lang="en-US" smtClean="0"/>
-              <a:t>7/21/25</a:t>
+              <a:t>8/14/25</a:t>
             </a:fld>
             <a:endParaRPr lang="en-US"/>
           </a:p>
@@ -5211,10 +5211,10 @@
       </p:grpSpPr>
       <p:pic>
         <p:nvPicPr>
-          <p:cNvPr id="2" name="Picture 1" descr="A diagram of a model&#10;&#10;Description automatically generated">
-            <a:extLst>
-              <a:ext uri="{FF2B5EF4-FFF2-40B4-BE49-F238E27FC236}">
-                <a16:creationId xmlns:a16="http://schemas.microsoft.com/office/drawing/2014/main" id="{0A2240B0-86C2-59F1-4AEA-0FDBF975C29E}"/>
+          <p:cNvPr id="3" name="Picture 2">
+            <a:extLst>
+              <a:ext uri="{FF2B5EF4-FFF2-40B4-BE49-F238E27FC236}">
+                <a16:creationId xmlns:a16="http://schemas.microsoft.com/office/drawing/2014/main" id="{6376DB87-8210-3AEF-2B84-C91B58DC97DA}"/>
               </a:ext>
             </a:extLst>
           </p:cNvPr>
@@ -5225,14 +5225,13 @@
         </p:nvPicPr>
         <p:blipFill>
           <a:blip r:embed="rId3"/>
-          <a:stretch>
-            <a:fillRect/>
-          </a:stretch>
+          <a:srcRect/>
+          <a:stretch/>
         </p:blipFill>
         <p:spPr>
           <a:xfrm>
-            <a:off x="1735375" y="1826470"/>
-            <a:ext cx="8721250" cy="3205059"/>
+            <a:off x="1735375" y="1784973"/>
+            <a:ext cx="8721250" cy="2945741"/>
           </a:xfrm>
           <a:prstGeom prst="rect">
             <a:avLst/>
@@ -5279,7 +5278,7 @@
                                       <p:cBhvr>
                                         <p:cTn id="6" dur="2000" fill="hold"/>
                                         <p:tgtEl>
-                                          <p:spTgt spid="2"/>
+                                          <p:spTgt spid="3"/>
                                         </p:tgtEl>
                                         <p:attrNameLst>
                                           <p:attrName>ppt_x</p:attrName>
@@ -6062,7 +6061,7 @@
           <a:noFill/>
           <a:ln w="38100">
             <a:solidFill>
-              <a:srgbClr val="FF0000"/>
+              <a:schemeClr val="tx1"/>
             </a:solidFill>
           </a:ln>
         </p:spPr>
@@ -6090,7 +6089,7 @@
             <a:r>
               <a:rPr lang="en-US" sz="2200" dirty="0">
                 <a:solidFill>
-                  <a:srgbClr val="FF0000"/>
+                  <a:schemeClr val="tx1"/>
                 </a:solidFill>
                 <a:latin typeface="Fira Sans Condensed Medium" panose="020B0603050000020004" pitchFamily="34" charset="0"/>
                 <a:ea typeface="Roboto" panose="02000000000000000000" pitchFamily="2" charset="0"/>
@@ -6424,7 +6423,7 @@
           <a:noFill/>
           <a:ln w="38100">
             <a:solidFill>
-              <a:srgbClr val="FF0000"/>
+              <a:schemeClr val="tx1"/>
             </a:solidFill>
           </a:ln>
         </p:spPr>
@@ -6452,7 +6451,7 @@
             <a:r>
               <a:rPr lang="en-US" sz="2200" dirty="0">
                 <a:solidFill>
-                  <a:srgbClr val="FF0000"/>
+                  <a:schemeClr val="tx1"/>
                 </a:solidFill>
                 <a:latin typeface="Fira Sans Condensed Medium" panose="020B0603050000020004" pitchFamily="34" charset="0"/>
                 <a:ea typeface="Roboto" panose="02000000000000000000" pitchFamily="2" charset="0"/>
@@ -7202,7 +7201,7 @@
         <p:cNvPr id="1" name="">
           <a:extLst>
             <a:ext uri="{FF2B5EF4-FFF2-40B4-BE49-F238E27FC236}">
-              <a16:creationId xmlns:a16="http://schemas.microsoft.com/office/drawing/2014/main" id="{D2BFE4B4-6AE9-EAD3-12F9-80E442F3C027}"/>
+              <a16:creationId xmlns:a16="http://schemas.microsoft.com/office/drawing/2014/main" id="{86E239F1-06FD-2F0C-B3C2-25B3E4BD5987}"/>
             </a:ext>
           </a:extLst>
         </p:cNvPr>
@@ -7219,118 +7218,10 @@
       </p:grpSpPr>
       <p:pic>
         <p:nvPicPr>
-          <p:cNvPr id="3" name="Picture 2" descr="A diagram of a model&#10;&#10;Description automatically generated">
-            <a:extLst>
-              <a:ext uri="{FF2B5EF4-FFF2-40B4-BE49-F238E27FC236}">
-                <a16:creationId xmlns:a16="http://schemas.microsoft.com/office/drawing/2014/main" id="{CC114647-BEA1-42A8-A007-255B58889CC9}"/>
-              </a:ext>
-            </a:extLst>
-          </p:cNvPr>
-          <p:cNvPicPr>
-            <a:picLocks noChangeAspect="1"/>
-          </p:cNvPicPr>
-          <p:nvPr/>
-        </p:nvPicPr>
-        <p:blipFill>
-          <a:blip r:embed="rId3"/>
-          <a:stretch>
-            <a:fillRect/>
-          </a:stretch>
-        </p:blipFill>
-        <p:spPr>
-          <a:xfrm>
-            <a:off x="2829618" y="223941"/>
-            <a:ext cx="8721250" cy="3205059"/>
-          </a:xfrm>
-          <a:prstGeom prst="rect">
-            <a:avLst/>
-          </a:prstGeom>
-        </p:spPr>
-      </p:pic>
-    </p:spTree>
-    <p:extLst>
-      <p:ext uri="{BB962C8B-B14F-4D97-AF65-F5344CB8AC3E}">
-        <p14:creationId xmlns:p14="http://schemas.microsoft.com/office/powerpoint/2010/main" val="159865887"/>
-      </p:ext>
-    </p:extLst>
-  </p:cSld>
-  <p:clrMapOvr>
-    <a:masterClrMapping/>
-  </p:clrMapOvr>
-  <mc:AlternateContent xmlns:mc="http://schemas.openxmlformats.org/markup-compatibility/2006" xmlns:p14="http://schemas.microsoft.com/office/powerpoint/2010/main">
-    <mc:Choice Requires="p14">
-      <p:transition spd="med" p14:dur="700">
-        <p:fade/>
-      </p:transition>
-    </mc:Choice>
-    <mc:Fallback xmlns="">
-      <p:transition spd="med">
-        <p:fade/>
-      </p:transition>
-    </mc:Fallback>
-  </mc:AlternateContent>
-</p:sld>
-</file>
-
-<file path=ppt/slides/slide3.xml><?xml version="1.0" encoding="utf-8"?>
-<p:sld xmlns:a="http://schemas.openxmlformats.org/drawingml/2006/main" xmlns:r="http://schemas.openxmlformats.org/officeDocument/2006/relationships" xmlns:p="http://schemas.openxmlformats.org/presentationml/2006/main">
-  <p:cSld>
-    <p:spTree>
-      <p:nvGrpSpPr>
-        <p:cNvPr id="1" name="">
-          <a:extLst>
-            <a:ext uri="{FF2B5EF4-FFF2-40B4-BE49-F238E27FC236}">
-              <a16:creationId xmlns:a16="http://schemas.microsoft.com/office/drawing/2014/main" id="{9AC218AA-B94D-D9A0-0224-BBC208A03723}"/>
-            </a:ext>
-          </a:extLst>
-        </p:cNvPr>
-        <p:cNvGrpSpPr/>
-        <p:nvPr/>
-      </p:nvGrpSpPr>
-      <p:grpSpPr>
-        <a:xfrm>
-          <a:off x="0" y="0"/>
-          <a:ext cx="0" cy="0"/>
-          <a:chOff x="0" y="0"/>
-          <a:chExt cx="0" cy="0"/>
-        </a:xfrm>
-      </p:grpSpPr>
-      <p:pic>
-        <p:nvPicPr>
-          <p:cNvPr id="3" name="Picture 2" descr="A diagram of a model&#10;&#10;Description automatically generated">
-            <a:extLst>
-              <a:ext uri="{FF2B5EF4-FFF2-40B4-BE49-F238E27FC236}">
-                <a16:creationId xmlns:a16="http://schemas.microsoft.com/office/drawing/2014/main" id="{DA164FAE-EDB1-1386-36D4-484868913E6C}"/>
-              </a:ext>
-            </a:extLst>
-          </p:cNvPr>
-          <p:cNvPicPr>
-            <a:picLocks noChangeAspect="1"/>
-          </p:cNvPicPr>
-          <p:nvPr/>
-        </p:nvPicPr>
-        <p:blipFill>
-          <a:blip r:embed="rId3"/>
-          <a:stretch>
-            <a:fillRect/>
-          </a:stretch>
-        </p:blipFill>
-        <p:spPr>
-          <a:xfrm>
-            <a:off x="2829618" y="223941"/>
-            <a:ext cx="8721250" cy="3205059"/>
-          </a:xfrm>
-          <a:prstGeom prst="rect">
-            <a:avLst/>
-          </a:prstGeom>
-        </p:spPr>
-      </p:pic>
-      <p:pic>
-        <p:nvPicPr>
-          <p:cNvPr id="4" name="Picture 2">
-            <a:extLst>
-              <a:ext uri="{FF2B5EF4-FFF2-40B4-BE49-F238E27FC236}">
-                <a16:creationId xmlns:a16="http://schemas.microsoft.com/office/drawing/2014/main" id="{0DCFDB9C-2077-8EFA-79FC-64E8B4DAA932}"/>
+          <p:cNvPr id="2" name="Picture 1">
+            <a:extLst>
+              <a:ext uri="{FF2B5EF4-FFF2-40B4-BE49-F238E27FC236}">
+                <a16:creationId xmlns:a16="http://schemas.microsoft.com/office/drawing/2014/main" id="{EAA10AC5-20A1-DE75-6691-2170D4C88AF4}"/>
               </a:ext>
             </a:extLst>
           </p:cNvPr>
@@ -7340,7 +7231,7 @@
           <p:nvPr/>
         </p:nvPicPr>
         <p:blipFill rotWithShape="1">
-          <a:blip r:embed="rId4">
+          <a:blip r:embed="rId3">
             <a:extLst>
               <a:ext uri="{28A0092B-C50C-407E-A947-70E740481C1C}">
                 <a14:useLocalDpi xmlns:a14="http://schemas.microsoft.com/office/drawing/2010/main" val="0"/>
@@ -7352,8 +7243,8 @@
         </p:blipFill>
         <p:spPr bwMode="auto">
           <a:xfrm>
-            <a:off x="4391873" y="4047079"/>
-            <a:ext cx="2924775" cy="2286000"/>
+            <a:off x="99191" y="349878"/>
+            <a:ext cx="2283041" cy="1784422"/>
           </a:xfrm>
           <a:prstGeom prst="rect">
             <a:avLst/>
@@ -7372,10 +7263,110 @@
       </p:pic>
       <p:sp>
         <p:nvSpPr>
-          <p:cNvPr id="12" name="Rounded Rectangle 11">
-            <a:extLst>
-              <a:ext uri="{FF2B5EF4-FFF2-40B4-BE49-F238E27FC236}">
-                <a16:creationId xmlns:a16="http://schemas.microsoft.com/office/drawing/2014/main" id="{D7D05BC1-10DC-74AE-9404-3266511526AF}"/>
+          <p:cNvPr id="3" name="TextBox 2">
+            <a:extLst>
+              <a:ext uri="{FF2B5EF4-FFF2-40B4-BE49-F238E27FC236}">
+                <a16:creationId xmlns:a16="http://schemas.microsoft.com/office/drawing/2014/main" id="{101C6604-7965-D4DB-A9E9-51F83472D15F}"/>
+              </a:ext>
+            </a:extLst>
+          </p:cNvPr>
+          <p:cNvSpPr txBox="1"/>
+          <p:nvPr/>
+        </p:nvSpPr>
+        <p:spPr>
+          <a:xfrm>
+            <a:off x="4309293" y="438516"/>
+            <a:ext cx="3573414" cy="1569660"/>
+          </a:xfrm>
+          <a:prstGeom prst="rect">
+            <a:avLst/>
+          </a:prstGeom>
+          <a:noFill/>
+        </p:spPr>
+        <p:txBody>
+          <a:bodyPr wrap="none" rtlCol="0">
+            <a:spAutoFit/>
+          </a:bodyPr>
+          <a:lstStyle/>
+          <a:p>
+            <a:pPr marL="457200" indent="-457200">
+              <a:buSzPct val="80000"/>
+              <a:buFont typeface=".Apple Color Emoji UI"/>
+              <a:buChar char="❌"/>
+            </a:pPr>
+            <a:r>
+              <a:rPr lang="en-US" sz="3200" dirty="0">
+                <a:latin typeface="Roboto" panose="02000000000000000000" pitchFamily="2" charset="0"/>
+                <a:ea typeface="Roboto" panose="02000000000000000000" pitchFamily="2" charset="0"/>
+              </a:rPr>
+              <a:t>Reproducibility</a:t>
+            </a:r>
+          </a:p>
+          <a:p>
+            <a:pPr marL="457200" indent="-457200">
+              <a:buSzPct val="80000"/>
+              <a:buFont typeface=".Apple Color Emoji UI"/>
+              <a:buChar char="❌"/>
+            </a:pPr>
+            <a:r>
+              <a:rPr lang="en-US" sz="3200" dirty="0">
+                <a:latin typeface="Roboto" panose="02000000000000000000" pitchFamily="2" charset="0"/>
+                <a:ea typeface="Roboto" panose="02000000000000000000" pitchFamily="2" charset="0"/>
+              </a:rPr>
+              <a:t>Version Control </a:t>
+            </a:r>
+          </a:p>
+          <a:p>
+            <a:pPr marL="457200" indent="-457200">
+              <a:buSzPct val="80000"/>
+              <a:buFont typeface=".Apple Color Emoji UI"/>
+              <a:buChar char="❌"/>
+            </a:pPr>
+            <a:r>
+              <a:rPr lang="en-US" sz="3200" dirty="0">
+                <a:latin typeface="Roboto" panose="02000000000000000000" pitchFamily="2" charset="0"/>
+                <a:ea typeface="Roboto" panose="02000000000000000000" pitchFamily="2" charset="0"/>
+              </a:rPr>
+              <a:t>Open Source</a:t>
+            </a:r>
+          </a:p>
+        </p:txBody>
+      </p:sp>
+      <p:pic>
+        <p:nvPicPr>
+          <p:cNvPr id="10" name="Picture 9">
+            <a:extLst>
+              <a:ext uri="{FF2B5EF4-FFF2-40B4-BE49-F238E27FC236}">
+                <a16:creationId xmlns:a16="http://schemas.microsoft.com/office/drawing/2014/main" id="{50CB02DC-B67D-DA0D-9D00-79DF0F2EC8F7}"/>
+              </a:ext>
+            </a:extLst>
+          </p:cNvPr>
+          <p:cNvPicPr>
+            <a:picLocks noChangeAspect="1"/>
+          </p:cNvPicPr>
+          <p:nvPr/>
+        </p:nvPicPr>
+        <p:blipFill>
+          <a:blip r:embed="rId4"/>
+          <a:srcRect/>
+          <a:stretch/>
+        </p:blipFill>
+        <p:spPr>
+          <a:xfrm>
+            <a:off x="1735375" y="2560687"/>
+            <a:ext cx="8721250" cy="2945741"/>
+          </a:xfrm>
+          <a:prstGeom prst="rect">
+            <a:avLst/>
+          </a:prstGeom>
+        </p:spPr>
+      </p:pic>
+      <p:sp>
+        <p:nvSpPr>
+          <p:cNvPr id="11" name="Rounded Rectangle 10">
+            <a:extLst>
+              <a:ext uri="{FF2B5EF4-FFF2-40B4-BE49-F238E27FC236}">
+                <a16:creationId xmlns:a16="http://schemas.microsoft.com/office/drawing/2014/main" id="{5C8F328E-36D3-A3C2-EC00-AEEE4B8B35B9}"/>
               </a:ext>
             </a:extLst>
           </p:cNvPr>
@@ -7384,8 +7375,8 @@
         </p:nvSpPr>
         <p:spPr>
           <a:xfrm>
-            <a:off x="2669627" y="126124"/>
-            <a:ext cx="6369269" cy="3302877"/>
+            <a:off x="1654794" y="2474984"/>
+            <a:ext cx="6722053" cy="3031444"/>
           </a:xfrm>
           <a:prstGeom prst="roundRect">
             <a:avLst>
@@ -7393,7 +7384,7 @@
             </a:avLst>
           </a:prstGeom>
           <a:noFill/>
-          <a:ln w="28575">
+          <a:ln w="38100">
             <a:solidFill>
               <a:schemeClr val="accent6">
                 <a:lumMod val="60000"/>
@@ -7436,29 +7427,87 @@
     </p:spTree>
     <p:extLst>
       <p:ext uri="{BB962C8B-B14F-4D97-AF65-F5344CB8AC3E}">
-        <p14:creationId xmlns:p14="http://schemas.microsoft.com/office/powerpoint/2010/main" val="1934766032"/>
+        <p14:creationId xmlns:p14="http://schemas.microsoft.com/office/powerpoint/2010/main" val="3403087920"/>
       </p:ext>
     </p:extLst>
   </p:cSld>
   <p:clrMapOvr>
     <a:masterClrMapping/>
   </p:clrMapOvr>
-  <mc:AlternateContent xmlns:mc="http://schemas.openxmlformats.org/markup-compatibility/2006" xmlns:p14="http://schemas.microsoft.com/office/powerpoint/2010/main">
-    <mc:Choice Requires="p14">
-      <p:transition spd="med" p14:dur="700">
-        <p:fade/>
-      </p:transition>
-    </mc:Choice>
-    <mc:Fallback xmlns="">
-      <p:transition spd="med">
-        <p:fade/>
-      </p:transition>
-    </mc:Fallback>
-  </mc:AlternateContent>
+  <p:timing>
+    <p:tnLst>
+      <p:par>
+        <p:cTn id="1" dur="indefinite" restart="never" nodeType="tmRoot">
+          <p:childTnLst>
+            <p:seq concurrent="1" nextAc="seek">
+              <p:cTn id="2" dur="indefinite" nodeType="mainSeq">
+                <p:childTnLst>
+                  <p:par>
+                    <p:cTn id="3" fill="hold">
+                      <p:stCondLst>
+                        <p:cond delay="indefinite"/>
+                      </p:stCondLst>
+                      <p:childTnLst>
+                        <p:par>
+                          <p:cTn id="4" fill="hold">
+                            <p:stCondLst>
+                              <p:cond delay="0"/>
+                            </p:stCondLst>
+                            <p:childTnLst>
+                              <p:par>
+                                <p:cTn id="5" presetID="42" presetClass="path" presetSubtype="0" accel="50000" decel="50000" fill="hold" nodeType="clickEffect">
+                                  <p:stCondLst>
+                                    <p:cond delay="0"/>
+                                  </p:stCondLst>
+                                  <p:childTnLst>
+                                    <p:animMotion origin="layout" path="M 0 0 L 0.08932 -0.23356 " pathEditMode="relative" rAng="0" ptsTypes="AA">
+                                      <p:cBhvr>
+                                        <p:cTn id="6" dur="2000" fill="hold"/>
+                                        <p:tgtEl>
+                                          <p:spTgt spid="10"/>
+                                        </p:tgtEl>
+                                        <p:attrNameLst>
+                                          <p:attrName>ppt_x</p:attrName>
+                                          <p:attrName>ppt_y</p:attrName>
+                                        </p:attrNameLst>
+                                      </p:cBhvr>
+                                      <p:rCtr x="4466" y="-11690"/>
+                                    </p:animMotion>
+                                  </p:childTnLst>
+                                </p:cTn>
+                              </p:par>
+                            </p:childTnLst>
+                          </p:cTn>
+                        </p:par>
+                      </p:childTnLst>
+                    </p:cTn>
+                  </p:par>
+                </p:childTnLst>
+              </p:cTn>
+              <p:prevCondLst>
+                <p:cond evt="onPrev" delay="0">
+                  <p:tgtEl>
+                    <p:sldTgt/>
+                  </p:tgtEl>
+                </p:cond>
+              </p:prevCondLst>
+              <p:nextCondLst>
+                <p:cond evt="onNext" delay="0">
+                  <p:tgtEl>
+                    <p:sldTgt/>
+                  </p:tgtEl>
+                </p:cond>
+              </p:nextCondLst>
+            </p:seq>
+          </p:childTnLst>
+        </p:cTn>
+      </p:par>
+    </p:tnLst>
+  </p:timing>
 </p:sld>
 </file>
 
-<file path=ppt/slides/slide4.xml><?xml version="1.0" encoding="utf-8"?>
+<file path=ppt/slides/slide3.xml><?xml version="1.0" encoding="utf-8"?>
 <p:sld xmlns:a="http://schemas.openxmlformats.org/drawingml/2006/main" xmlns:r="http://schemas.openxmlformats.org/officeDocument/2006/relationships" xmlns:p="http://schemas.openxmlformats.org/presentationml/2006/main">
   <p:cSld>
     <p:spTree>
@@ -7466,7 +7515,7 @@
         <p:cNvPr id="1" name="">
           <a:extLst>
             <a:ext uri="{FF2B5EF4-FFF2-40B4-BE49-F238E27FC236}">
-              <a16:creationId xmlns:a16="http://schemas.microsoft.com/office/drawing/2014/main" id="{51EDD887-1628-276E-2246-F759BB4E9BC7}"/>
+              <a16:creationId xmlns:a16="http://schemas.microsoft.com/office/drawing/2014/main" id="{DCE9BCCC-898C-A497-EA89-704F0DCC54FC}"/>
             </a:ext>
           </a:extLst>
         </p:cNvPr>
@@ -7481,12 +7530,127 @@
           <a:chExt cx="0" cy="0"/>
         </a:xfrm>
       </p:grpSpPr>
+      <p:sp>
+        <p:nvSpPr>
+          <p:cNvPr id="7" name="TextBox 6">
+            <a:extLst>
+              <a:ext uri="{FF2B5EF4-FFF2-40B4-BE49-F238E27FC236}">
+                <a16:creationId xmlns:a16="http://schemas.microsoft.com/office/drawing/2014/main" id="{00572415-EC19-105F-EAE6-0BDF017B595E}"/>
+              </a:ext>
+            </a:extLst>
+          </p:cNvPr>
+          <p:cNvSpPr txBox="1"/>
+          <p:nvPr/>
+        </p:nvSpPr>
+        <p:spPr>
+          <a:xfrm>
+            <a:off x="4309293" y="438516"/>
+            <a:ext cx="3573414" cy="1569660"/>
+          </a:xfrm>
+          <a:prstGeom prst="rect">
+            <a:avLst/>
+          </a:prstGeom>
+          <a:noFill/>
+        </p:spPr>
+        <p:txBody>
+          <a:bodyPr wrap="none" rtlCol="0">
+            <a:spAutoFit/>
+          </a:bodyPr>
+          <a:lstStyle/>
+          <a:p>
+            <a:pPr marL="457200" indent="-457200">
+              <a:buFont typeface="Wingdings" pitchFamily="2" charset="2"/>
+              <a:buChar char="ü"/>
+            </a:pPr>
+            <a:r>
+              <a:rPr lang="en-US" sz="3200" dirty="0">
+                <a:latin typeface="Roboto" panose="02000000000000000000" pitchFamily="2" charset="0"/>
+                <a:ea typeface="Roboto" panose="02000000000000000000" pitchFamily="2" charset="0"/>
+              </a:rPr>
+              <a:t>Reproducibility</a:t>
+            </a:r>
+          </a:p>
+          <a:p>
+            <a:pPr marL="457200" indent="-457200">
+              <a:buFont typeface="Wingdings" pitchFamily="2" charset="2"/>
+              <a:buChar char="ü"/>
+            </a:pPr>
+            <a:r>
+              <a:rPr lang="en-US" sz="3200" dirty="0">
+                <a:latin typeface="Roboto" panose="02000000000000000000" pitchFamily="2" charset="0"/>
+                <a:ea typeface="Roboto" panose="02000000000000000000" pitchFamily="2" charset="0"/>
+              </a:rPr>
+              <a:t>Version Control </a:t>
+            </a:r>
+          </a:p>
+          <a:p>
+            <a:pPr marL="457200" indent="-457200">
+              <a:buFont typeface="Wingdings" pitchFamily="2" charset="2"/>
+              <a:buChar char="ü"/>
+            </a:pPr>
+            <a:r>
+              <a:rPr lang="en-US" sz="3200" dirty="0">
+                <a:latin typeface="Roboto" panose="02000000000000000000" pitchFamily="2" charset="0"/>
+                <a:ea typeface="Roboto" panose="02000000000000000000" pitchFamily="2" charset="0"/>
+              </a:rPr>
+              <a:t>Open Source</a:t>
+            </a:r>
+          </a:p>
+        </p:txBody>
+      </p:sp>
       <p:pic>
         <p:nvPicPr>
-          <p:cNvPr id="3" name="Picture 2" descr="A diagram of a model&#10;&#10;Description automatically generated">
-            <a:extLst>
-              <a:ext uri="{FF2B5EF4-FFF2-40B4-BE49-F238E27FC236}">
-                <a16:creationId xmlns:a16="http://schemas.microsoft.com/office/drawing/2014/main" id="{2DC44FDC-BA5E-3374-0100-A943428D4AF5}"/>
+          <p:cNvPr id="6" name="Picture 6" descr="Tidyverse - Wikipedia">
+            <a:extLst>
+              <a:ext uri="{FF2B5EF4-FFF2-40B4-BE49-F238E27FC236}">
+                <a16:creationId xmlns:a16="http://schemas.microsoft.com/office/drawing/2014/main" id="{E96B78FD-4514-0269-55FD-95536D5423C6}"/>
+              </a:ext>
+            </a:extLst>
+          </p:cNvPr>
+          <p:cNvPicPr>
+            <a:picLocks noChangeAspect="1" noChangeArrowheads="1"/>
+          </p:cNvPicPr>
+          <p:nvPr/>
+        </p:nvPicPr>
+        <p:blipFill>
+          <a:blip r:embed="rId3">
+            <a:extLst>
+              <a:ext uri="{28A0092B-C50C-407E-A947-70E740481C1C}">
+                <a14:useLocalDpi xmlns:a14="http://schemas.microsoft.com/office/drawing/2010/main" val="0"/>
+              </a:ext>
+            </a:extLst>
+          </a:blip>
+          <a:srcRect/>
+          <a:stretch>
+            <a:fillRect/>
+          </a:stretch>
+        </p:blipFill>
+        <p:spPr bwMode="auto">
+          <a:xfrm>
+            <a:off x="387682" y="176457"/>
+            <a:ext cx="1812669" cy="2093778"/>
+          </a:xfrm>
+          <a:prstGeom prst="rect">
+            <a:avLst/>
+          </a:prstGeom>
+          <a:noFill/>
+          <a:extLst>
+            <a:ext uri="{909E8E84-426E-40DD-AFC4-6F175D3DCCD1}">
+              <a14:hiddenFill xmlns:a14="http://schemas.microsoft.com/office/drawing/2010/main">
+                <a:solidFill>
+                  <a:srgbClr val="FFFFFF"/>
+                </a:solidFill>
+              </a14:hiddenFill>
+            </a:ext>
+          </a:extLst>
+        </p:spPr>
+      </p:pic>
+      <p:pic>
+        <p:nvPicPr>
+          <p:cNvPr id="10" name="Picture 9">
+            <a:extLst>
+              <a:ext uri="{FF2B5EF4-FFF2-40B4-BE49-F238E27FC236}">
+                <a16:creationId xmlns:a16="http://schemas.microsoft.com/office/drawing/2014/main" id="{BD5BA943-6693-234A-955D-1E20B14BD84B}"/>
               </a:ext>
             </a:extLst>
           </p:cNvPr>
@@ -7496,15 +7660,14 @@
           <p:nvPr/>
         </p:nvPicPr>
         <p:blipFill>
-          <a:blip r:embed="rId3"/>
-          <a:stretch>
-            <a:fillRect/>
-          </a:stretch>
+          <a:blip r:embed="rId4"/>
+          <a:srcRect/>
+          <a:stretch/>
         </p:blipFill>
         <p:spPr>
           <a:xfrm>
-            <a:off x="2829618" y="223941"/>
-            <a:ext cx="8721250" cy="3205059"/>
+            <a:off x="1735375" y="2560687"/>
+            <a:ext cx="8721250" cy="2945741"/>
           </a:xfrm>
           <a:prstGeom prst="rect">
             <a:avLst/>
@@ -7513,10 +7676,10 @@
       </p:pic>
       <p:sp>
         <p:nvSpPr>
-          <p:cNvPr id="12" name="Rounded Rectangle 11">
-            <a:extLst>
-              <a:ext uri="{FF2B5EF4-FFF2-40B4-BE49-F238E27FC236}">
-                <a16:creationId xmlns:a16="http://schemas.microsoft.com/office/drawing/2014/main" id="{EC50E9BB-5C0A-A5CE-F58E-6E991F549AF0}"/>
+          <p:cNvPr id="11" name="Rounded Rectangle 10">
+            <a:extLst>
+              <a:ext uri="{FF2B5EF4-FFF2-40B4-BE49-F238E27FC236}">
+                <a16:creationId xmlns:a16="http://schemas.microsoft.com/office/drawing/2014/main" id="{DACFAA0D-56B2-DB97-28CF-1A4FE8B66A46}"/>
               </a:ext>
             </a:extLst>
           </p:cNvPr>
@@ -7525,8 +7688,8 @@
         </p:nvSpPr>
         <p:spPr>
           <a:xfrm>
-            <a:off x="2669627" y="126124"/>
-            <a:ext cx="6369269" cy="3302877"/>
+            <a:off x="1654794" y="2474984"/>
+            <a:ext cx="6722053" cy="3031444"/>
           </a:xfrm>
           <a:prstGeom prst="roundRect">
             <a:avLst>
@@ -7534,7 +7697,7 @@
             </a:avLst>
           </a:prstGeom>
           <a:noFill/>
-          <a:ln w="28575">
+          <a:ln w="38100">
             <a:solidFill>
               <a:schemeClr val="accent6">
                 <a:lumMod val="60000"/>
@@ -7574,181 +7737,90 @@
           </a:p>
         </p:txBody>
       </p:sp>
-      <p:pic>
-        <p:nvPicPr>
-          <p:cNvPr id="2" name="Picture 6" descr="Tidyverse - Wikipedia">
-            <a:extLst>
-              <a:ext uri="{FF2B5EF4-FFF2-40B4-BE49-F238E27FC236}">
-                <a16:creationId xmlns:a16="http://schemas.microsoft.com/office/drawing/2014/main" id="{5A192CDE-C006-88E3-72E7-1EEBD0DF9876}"/>
-              </a:ext>
-            </a:extLst>
-          </p:cNvPr>
-          <p:cNvPicPr>
-            <a:picLocks noChangeAspect="1" noChangeArrowheads="1"/>
-          </p:cNvPicPr>
-          <p:nvPr/>
-        </p:nvPicPr>
-        <p:blipFill>
-          <a:blip r:embed="rId4">
-            <a:extLst>
-              <a:ext uri="{28A0092B-C50C-407E-A947-70E740481C1C}">
-                <a14:useLocalDpi xmlns:a14="http://schemas.microsoft.com/office/drawing/2010/main" val="0"/>
-              </a:ext>
-            </a:extLst>
-          </a:blip>
-          <a:srcRect/>
-          <a:stretch>
-            <a:fillRect/>
-          </a:stretch>
-        </p:blipFill>
-        <p:spPr bwMode="auto">
-          <a:xfrm>
-            <a:off x="4684351" y="3753506"/>
-            <a:ext cx="2374901" cy="2743200"/>
-          </a:xfrm>
-          <a:prstGeom prst="rect">
-            <a:avLst/>
-          </a:prstGeom>
-          <a:noFill/>
-          <a:extLst>
-            <a:ext uri="{909E8E84-426E-40DD-AFC4-6F175D3DCCD1}">
-              <a14:hiddenFill xmlns:a14="http://schemas.microsoft.com/office/drawing/2010/main">
-                <a:solidFill>
-                  <a:srgbClr val="FFFFFF"/>
-                </a:solidFill>
-              </a14:hiddenFill>
-            </a:ext>
-          </a:extLst>
-        </p:spPr>
-      </p:pic>
-      <p:sp>
-        <p:nvSpPr>
-          <p:cNvPr id="4" name="TextBox 3">
-            <a:extLst>
-              <a:ext uri="{FF2B5EF4-FFF2-40B4-BE49-F238E27FC236}">
-                <a16:creationId xmlns:a16="http://schemas.microsoft.com/office/drawing/2014/main" id="{164ADA2E-E258-79D2-B37F-9B19B3AA001A}"/>
-              </a:ext>
-            </a:extLst>
-          </p:cNvPr>
-          <p:cNvSpPr txBox="1"/>
-          <p:nvPr/>
-        </p:nvSpPr>
-        <p:spPr>
-          <a:xfrm>
-            <a:off x="294289" y="4464211"/>
-            <a:ext cx="3679212" cy="1077218"/>
-          </a:xfrm>
-          <a:prstGeom prst="rect">
-            <a:avLst/>
-          </a:prstGeom>
-          <a:noFill/>
-        </p:spPr>
-        <p:txBody>
-          <a:bodyPr wrap="none" rtlCol="0">
-            <a:spAutoFit/>
-          </a:bodyPr>
-          <a:lstStyle/>
-          <a:p>
-            <a:pPr marL="457200" indent="-457200">
-              <a:buFont typeface="Wingdings" pitchFamily="2" charset="2"/>
-              <a:buChar char="ü"/>
-            </a:pPr>
-            <a:r>
-              <a:rPr lang="en-US" sz="3200" dirty="0">
-                <a:latin typeface="Roboto" panose="02000000000000000000" pitchFamily="2" charset="0"/>
-                <a:ea typeface="Roboto" panose="02000000000000000000" pitchFamily="2" charset="0"/>
-              </a:rPr>
-              <a:t>Reproducibility</a:t>
-            </a:r>
-          </a:p>
-          <a:p>
-            <a:pPr marL="457200" indent="-457200">
-              <a:buFont typeface="Wingdings" pitchFamily="2" charset="2"/>
-              <a:buChar char="ü"/>
-            </a:pPr>
-            <a:r>
-              <a:rPr lang="en-US" sz="3200" dirty="0">
-                <a:latin typeface="Roboto" panose="02000000000000000000" pitchFamily="2" charset="0"/>
-                <a:ea typeface="Roboto" panose="02000000000000000000" pitchFamily="2" charset="0"/>
-              </a:rPr>
-              <a:t>Version Control </a:t>
-            </a:r>
-          </a:p>
-        </p:txBody>
-      </p:sp>
-      <p:pic>
-        <p:nvPicPr>
-          <p:cNvPr id="1028" name="Picture 4" descr="Github">
-            <a:extLst>
-              <a:ext uri="{FF2B5EF4-FFF2-40B4-BE49-F238E27FC236}">
-                <a16:creationId xmlns:a16="http://schemas.microsoft.com/office/drawing/2014/main" id="{D9F8A91B-3171-B82C-7EDD-B0FC239EA95A}"/>
-              </a:ext>
-            </a:extLst>
-          </p:cNvPr>
-          <p:cNvPicPr>
-            <a:picLocks noChangeAspect="1" noChangeArrowheads="1"/>
-          </p:cNvPicPr>
-          <p:nvPr/>
-        </p:nvPicPr>
-        <p:blipFill>
-          <a:blip r:embed="rId5">
-            <a:extLst>
-              <a:ext uri="{28A0092B-C50C-407E-A947-70E740481C1C}">
-                <a14:useLocalDpi xmlns:a14="http://schemas.microsoft.com/office/drawing/2010/main" val="0"/>
-              </a:ext>
-            </a:extLst>
-          </a:blip>
-          <a:srcRect/>
-          <a:stretch>
-            <a:fillRect/>
-          </a:stretch>
-        </p:blipFill>
-        <p:spPr bwMode="auto">
-          <a:xfrm>
-            <a:off x="3693412" y="4945777"/>
-            <a:ext cx="560178" cy="560178"/>
-          </a:xfrm>
-          <a:prstGeom prst="rect">
-            <a:avLst/>
-          </a:prstGeom>
-          <a:noFill/>
-          <a:extLst>
-            <a:ext uri="{909E8E84-426E-40DD-AFC4-6F175D3DCCD1}">
-              <a14:hiddenFill xmlns:a14="http://schemas.microsoft.com/office/drawing/2010/main">
-                <a:solidFill>
-                  <a:srgbClr val="FFFFFF"/>
-                </a:solidFill>
-              </a14:hiddenFill>
-            </a:ext>
-          </a:extLst>
-        </p:spPr>
-      </p:pic>
     </p:spTree>
     <p:extLst>
       <p:ext uri="{BB962C8B-B14F-4D97-AF65-F5344CB8AC3E}">
-        <p14:creationId xmlns:p14="http://schemas.microsoft.com/office/powerpoint/2010/main" val="991876997"/>
+        <p14:creationId xmlns:p14="http://schemas.microsoft.com/office/powerpoint/2010/main" val="3452890697"/>
       </p:ext>
     </p:extLst>
   </p:cSld>
   <p:clrMapOvr>
     <a:masterClrMapping/>
   </p:clrMapOvr>
-  <mc:AlternateContent xmlns:mc="http://schemas.openxmlformats.org/markup-compatibility/2006" xmlns:p14="http://schemas.microsoft.com/office/powerpoint/2010/main">
-    <mc:Choice Requires="p14">
-      <p:transition spd="med" p14:dur="700">
-        <p:fade/>
-      </p:transition>
-    </mc:Choice>
-    <mc:Fallback xmlns="">
-      <p:transition spd="med">
-        <p:fade/>
-      </p:transition>
-    </mc:Fallback>
-  </mc:AlternateContent>
+  <p:timing>
+    <p:tnLst>
+      <p:par>
+        <p:cTn id="1" dur="indefinite" restart="never" nodeType="tmRoot">
+          <p:childTnLst>
+            <p:seq concurrent="1" nextAc="seek">
+              <p:cTn id="2" dur="indefinite" nodeType="mainSeq">
+                <p:childTnLst>
+                  <p:par>
+                    <p:cTn id="3" fill="hold">
+                      <p:stCondLst>
+                        <p:cond delay="indefinite"/>
+                      </p:stCondLst>
+                      <p:childTnLst>
+                        <p:par>
+                          <p:cTn id="4" fill="hold">
+                            <p:stCondLst>
+                              <p:cond delay="0"/>
+                            </p:stCondLst>
+                            <p:childTnLst>
+                              <p:par>
+                                <p:cTn id="5" presetID="42" presetClass="path" presetSubtype="0" accel="50000" decel="50000" fill="hold" nodeType="clickEffect">
+                                  <p:stCondLst>
+                                    <p:cond delay="0"/>
+                                  </p:stCondLst>
+                                  <p:childTnLst>
+                                    <p:animMotion origin="layout" path="M 0 0 L 0.08932 -0.23356 " pathEditMode="relative" rAng="0" ptsTypes="AA">
+                                      <p:cBhvr>
+                                        <p:cTn id="6" dur="2000" fill="hold"/>
+                                        <p:tgtEl>
+                                          <p:spTgt spid="10"/>
+                                        </p:tgtEl>
+                                        <p:attrNameLst>
+                                          <p:attrName>ppt_x</p:attrName>
+                                          <p:attrName>ppt_y</p:attrName>
+                                        </p:attrNameLst>
+                                      </p:cBhvr>
+                                      <p:rCtr x="4466" y="-11690"/>
+                                    </p:animMotion>
+                                  </p:childTnLst>
+                                </p:cTn>
+                              </p:par>
+                            </p:childTnLst>
+                          </p:cTn>
+                        </p:par>
+                      </p:childTnLst>
+                    </p:cTn>
+                  </p:par>
+                </p:childTnLst>
+              </p:cTn>
+              <p:prevCondLst>
+                <p:cond evt="onPrev" delay="0">
+                  <p:tgtEl>
+                    <p:sldTgt/>
+                  </p:tgtEl>
+                </p:cond>
+              </p:prevCondLst>
+              <p:nextCondLst>
+                <p:cond evt="onNext" delay="0">
+                  <p:tgtEl>
+                    <p:sldTgt/>
+                  </p:tgtEl>
+                </p:cond>
+              </p:nextCondLst>
+            </p:seq>
+          </p:childTnLst>
+        </p:cTn>
+      </p:par>
+    </p:tnLst>
+  </p:timing>
 </p:sld>
 </file>
 
-<file path=ppt/slides/slide5.xml><?xml version="1.0" encoding="utf-8"?>
+<file path=ppt/slides/slide4.xml><?xml version="1.0" encoding="utf-8"?>
 <p:sld xmlns:a="http://schemas.openxmlformats.org/drawingml/2006/main" xmlns:r="http://schemas.openxmlformats.org/officeDocument/2006/relationships" xmlns:p="http://schemas.openxmlformats.org/presentationml/2006/main">
   <p:cSld>
     <p:spTree>
@@ -7756,7 +7828,7 @@
         <p:cNvPr id="1" name="">
           <a:extLst>
             <a:ext uri="{FF2B5EF4-FFF2-40B4-BE49-F238E27FC236}">
-              <a16:creationId xmlns:a16="http://schemas.microsoft.com/office/drawing/2014/main" id="{9ABB8E0F-4E92-6CD4-288A-3DF896F18FE9}"/>
+              <a16:creationId xmlns:a16="http://schemas.microsoft.com/office/drawing/2014/main" id="{9B3F05B1-0FE0-EF13-2486-B5B0A95FD59F}"/>
             </a:ext>
           </a:extLst>
         </p:cNvPr>
@@ -7771,12 +7843,83 @@
           <a:chExt cx="0" cy="0"/>
         </a:xfrm>
       </p:grpSpPr>
+      <p:sp>
+        <p:nvSpPr>
+          <p:cNvPr id="3" name="TextBox 2">
+            <a:extLst>
+              <a:ext uri="{FF2B5EF4-FFF2-40B4-BE49-F238E27FC236}">
+                <a16:creationId xmlns:a16="http://schemas.microsoft.com/office/drawing/2014/main" id="{7340EBED-EC48-FFCA-EB5A-78123C949122}"/>
+              </a:ext>
+            </a:extLst>
+          </p:cNvPr>
+          <p:cNvSpPr txBox="1"/>
+          <p:nvPr/>
+        </p:nvSpPr>
+        <p:spPr>
+          <a:xfrm>
+            <a:off x="4309293" y="438516"/>
+            <a:ext cx="3573414" cy="1569660"/>
+          </a:xfrm>
+          <a:prstGeom prst="rect">
+            <a:avLst/>
+          </a:prstGeom>
+          <a:noFill/>
+        </p:spPr>
+        <p:txBody>
+          <a:bodyPr wrap="none" rtlCol="0">
+            <a:spAutoFit/>
+          </a:bodyPr>
+          <a:lstStyle/>
+          <a:p>
+            <a:pPr marL="457200" indent="-457200">
+              <a:buSzPct val="80000"/>
+              <a:buFont typeface=".Apple Color Emoji UI"/>
+              <a:buChar char="❌"/>
+            </a:pPr>
+            <a:r>
+              <a:rPr lang="en-US" sz="3200" dirty="0">
+                <a:latin typeface="Roboto" panose="02000000000000000000" pitchFamily="2" charset="0"/>
+                <a:ea typeface="Roboto" panose="02000000000000000000" pitchFamily="2" charset="0"/>
+              </a:rPr>
+              <a:t>Reproducibility</a:t>
+            </a:r>
+          </a:p>
+          <a:p>
+            <a:pPr marL="457200" indent="-457200">
+              <a:buSzPct val="80000"/>
+              <a:buFont typeface=".Apple Color Emoji UI"/>
+              <a:buChar char="❌"/>
+            </a:pPr>
+            <a:r>
+              <a:rPr lang="en-US" sz="3200" dirty="0">
+                <a:latin typeface="Roboto" panose="02000000000000000000" pitchFamily="2" charset="0"/>
+                <a:ea typeface="Roboto" panose="02000000000000000000" pitchFamily="2" charset="0"/>
+              </a:rPr>
+              <a:t>Version Control </a:t>
+            </a:r>
+          </a:p>
+          <a:p>
+            <a:pPr marL="457200" indent="-457200">
+              <a:buSzPct val="80000"/>
+              <a:buFont typeface=".Apple Color Emoji UI"/>
+              <a:buChar char="❌"/>
+            </a:pPr>
+            <a:r>
+              <a:rPr lang="en-US" sz="3200" dirty="0">
+                <a:latin typeface="Roboto" panose="02000000000000000000" pitchFamily="2" charset="0"/>
+                <a:ea typeface="Roboto" panose="02000000000000000000" pitchFamily="2" charset="0"/>
+              </a:rPr>
+              <a:t>Open Source</a:t>
+            </a:r>
+          </a:p>
+        </p:txBody>
+      </p:sp>
       <p:pic>
         <p:nvPicPr>
-          <p:cNvPr id="3" name="Picture 2" descr="A diagram of a model&#10;&#10;Description automatically generated">
-            <a:extLst>
-              <a:ext uri="{FF2B5EF4-FFF2-40B4-BE49-F238E27FC236}">
-                <a16:creationId xmlns:a16="http://schemas.microsoft.com/office/drawing/2014/main" id="{53AA2B7F-0A50-69F3-F84B-413A7884F162}"/>
+          <p:cNvPr id="10" name="Picture 9">
+            <a:extLst>
+              <a:ext uri="{FF2B5EF4-FFF2-40B4-BE49-F238E27FC236}">
+                <a16:creationId xmlns:a16="http://schemas.microsoft.com/office/drawing/2014/main" id="{D5BA2FC6-A379-5E43-FB54-F3697D206E56}"/>
               </a:ext>
             </a:extLst>
           </p:cNvPr>
@@ -7787,14 +7930,13 @@
         </p:nvPicPr>
         <p:blipFill>
           <a:blip r:embed="rId3"/>
-          <a:stretch>
-            <a:fillRect/>
-          </a:stretch>
+          <a:srcRect/>
+          <a:stretch/>
         </p:blipFill>
         <p:spPr>
           <a:xfrm>
-            <a:off x="2829618" y="223941"/>
-            <a:ext cx="8721250" cy="3205059"/>
+            <a:off x="1735375" y="2560687"/>
+            <a:ext cx="8721250" cy="2945741"/>
           </a:xfrm>
           <a:prstGeom prst="rect">
             <a:avLst/>
@@ -7803,10 +7945,10 @@
       </p:pic>
       <p:sp>
         <p:nvSpPr>
-          <p:cNvPr id="12" name="Rounded Rectangle 11">
-            <a:extLst>
-              <a:ext uri="{FF2B5EF4-FFF2-40B4-BE49-F238E27FC236}">
-                <a16:creationId xmlns:a16="http://schemas.microsoft.com/office/drawing/2014/main" id="{7B3CA457-412D-8975-FF93-07069E136745}"/>
+          <p:cNvPr id="4" name="Rounded Rectangle 3">
+            <a:extLst>
+              <a:ext uri="{FF2B5EF4-FFF2-40B4-BE49-F238E27FC236}">
+                <a16:creationId xmlns:a16="http://schemas.microsoft.com/office/drawing/2014/main" id="{7D2DDE60-FBFE-CBCA-2915-E8996B881C96}"/>
               </a:ext>
             </a:extLst>
           </p:cNvPr>
@@ -7815,8 +7957,8 @@
         </p:nvSpPr>
         <p:spPr>
           <a:xfrm>
-            <a:off x="8912771" y="126124"/>
-            <a:ext cx="2753711" cy="3302877"/>
+            <a:off x="8376847" y="2474984"/>
+            <a:ext cx="2141672" cy="3031444"/>
           </a:xfrm>
           <a:prstGeom prst="roundRect">
             <a:avLst>
@@ -7866,10 +8008,10 @@
       </p:sp>
       <p:pic>
         <p:nvPicPr>
-          <p:cNvPr id="2" name="Picture 2">
-            <a:extLst>
-              <a:ext uri="{FF2B5EF4-FFF2-40B4-BE49-F238E27FC236}">
-                <a16:creationId xmlns:a16="http://schemas.microsoft.com/office/drawing/2014/main" id="{7D585771-4A4A-D8C4-BF92-49E6027DA1C2}"/>
+          <p:cNvPr id="5" name="Picture 4">
+            <a:extLst>
+              <a:ext uri="{FF2B5EF4-FFF2-40B4-BE49-F238E27FC236}">
+                <a16:creationId xmlns:a16="http://schemas.microsoft.com/office/drawing/2014/main" id="{45A5FBA9-8F3D-3FF6-F550-13F55BD20832}"/>
               </a:ext>
             </a:extLst>
           </p:cNvPr>
@@ -7891,8 +8033,8 @@
         </p:blipFill>
         <p:spPr bwMode="auto">
           <a:xfrm>
-            <a:off x="9355736" y="3905190"/>
-            <a:ext cx="2730776" cy="2286000"/>
+            <a:off x="1872221" y="342849"/>
+            <a:ext cx="1801009" cy="1507669"/>
           </a:xfrm>
           <a:prstGeom prst="rect">
             <a:avLst/>
@@ -7911,10 +8053,10 @@
       </p:pic>
       <p:pic>
         <p:nvPicPr>
-          <p:cNvPr id="5" name="Picture 2">
-            <a:extLst>
-              <a:ext uri="{FF2B5EF4-FFF2-40B4-BE49-F238E27FC236}">
-                <a16:creationId xmlns:a16="http://schemas.microsoft.com/office/drawing/2014/main" id="{B7811E1A-FBDE-0677-63CD-DC2E366BDB2C}"/>
+          <p:cNvPr id="6" name="Picture 2">
+            <a:extLst>
+              <a:ext uri="{FF2B5EF4-FFF2-40B4-BE49-F238E27FC236}">
+                <a16:creationId xmlns:a16="http://schemas.microsoft.com/office/drawing/2014/main" id="{74C94071-7854-C8E8-ABC3-1B97E1104EC0}"/>
               </a:ext>
             </a:extLst>
           </p:cNvPr>
@@ -7931,13 +8073,13 @@
               </a:ext>
             </a:extLst>
           </a:blip>
-          <a:srcRect t="16290" r="65282" b="16277"/>
+          <a:srcRect l="4205" t="16290" r="65282" b="16277"/>
           <a:stretch/>
         </p:blipFill>
         <p:spPr bwMode="auto">
           <a:xfrm>
-            <a:off x="6485010" y="3905190"/>
-            <a:ext cx="3107125" cy="2286000"/>
+            <a:off x="71212" y="342850"/>
+            <a:ext cx="1801009" cy="1507669"/>
           </a:xfrm>
           <a:prstGeom prst="rect">
             <a:avLst/>
@@ -7957,29 +8099,87 @@
     </p:spTree>
     <p:extLst>
       <p:ext uri="{BB962C8B-B14F-4D97-AF65-F5344CB8AC3E}">
-        <p14:creationId xmlns:p14="http://schemas.microsoft.com/office/powerpoint/2010/main" val="3430866735"/>
+        <p14:creationId xmlns:p14="http://schemas.microsoft.com/office/powerpoint/2010/main" val="444553157"/>
       </p:ext>
     </p:extLst>
   </p:cSld>
   <p:clrMapOvr>
     <a:masterClrMapping/>
   </p:clrMapOvr>
-  <mc:AlternateContent xmlns:mc="http://schemas.openxmlformats.org/markup-compatibility/2006" xmlns:p14="http://schemas.microsoft.com/office/powerpoint/2010/main">
-    <mc:Choice Requires="p14">
-      <p:transition spd="med" p14:dur="700">
-        <p:fade/>
-      </p:transition>
-    </mc:Choice>
-    <mc:Fallback xmlns="">
-      <p:transition spd="med">
-        <p:fade/>
-      </p:transition>
-    </mc:Fallback>
-  </mc:AlternateContent>
+  <p:timing>
+    <p:tnLst>
+      <p:par>
+        <p:cTn id="1" dur="indefinite" restart="never" nodeType="tmRoot">
+          <p:childTnLst>
+            <p:seq concurrent="1" nextAc="seek">
+              <p:cTn id="2" dur="indefinite" nodeType="mainSeq">
+                <p:childTnLst>
+                  <p:par>
+                    <p:cTn id="3" fill="hold">
+                      <p:stCondLst>
+                        <p:cond delay="indefinite"/>
+                      </p:stCondLst>
+                      <p:childTnLst>
+                        <p:par>
+                          <p:cTn id="4" fill="hold">
+                            <p:stCondLst>
+                              <p:cond delay="0"/>
+                            </p:stCondLst>
+                            <p:childTnLst>
+                              <p:par>
+                                <p:cTn id="5" presetID="42" presetClass="path" presetSubtype="0" accel="50000" decel="50000" fill="hold" nodeType="clickEffect">
+                                  <p:stCondLst>
+                                    <p:cond delay="0"/>
+                                  </p:stCondLst>
+                                  <p:childTnLst>
+                                    <p:animMotion origin="layout" path="M 0 0 L 0.08932 -0.23356 " pathEditMode="relative" rAng="0" ptsTypes="AA">
+                                      <p:cBhvr>
+                                        <p:cTn id="6" dur="2000" fill="hold"/>
+                                        <p:tgtEl>
+                                          <p:spTgt spid="10"/>
+                                        </p:tgtEl>
+                                        <p:attrNameLst>
+                                          <p:attrName>ppt_x</p:attrName>
+                                          <p:attrName>ppt_y</p:attrName>
+                                        </p:attrNameLst>
+                                      </p:cBhvr>
+                                      <p:rCtr x="4466" y="-11690"/>
+                                    </p:animMotion>
+                                  </p:childTnLst>
+                                </p:cTn>
+                              </p:par>
+                            </p:childTnLst>
+                          </p:cTn>
+                        </p:par>
+                      </p:childTnLst>
+                    </p:cTn>
+                  </p:par>
+                </p:childTnLst>
+              </p:cTn>
+              <p:prevCondLst>
+                <p:cond evt="onPrev" delay="0">
+                  <p:tgtEl>
+                    <p:sldTgt/>
+                  </p:tgtEl>
+                </p:cond>
+              </p:prevCondLst>
+              <p:nextCondLst>
+                <p:cond evt="onNext" delay="0">
+                  <p:tgtEl>
+                    <p:sldTgt/>
+                  </p:tgtEl>
+                </p:cond>
+              </p:nextCondLst>
+            </p:seq>
+          </p:childTnLst>
+        </p:cTn>
+      </p:par>
+    </p:tnLst>
+  </p:timing>
 </p:sld>
 </file>
 
-<file path=ppt/slides/slide6.xml><?xml version="1.0" encoding="utf-8"?>
+<file path=ppt/slides/slide5.xml><?xml version="1.0" encoding="utf-8"?>
 <p:sld xmlns:a="http://schemas.openxmlformats.org/drawingml/2006/main" xmlns:r="http://schemas.openxmlformats.org/officeDocument/2006/relationships" xmlns:p="http://schemas.openxmlformats.org/presentationml/2006/main">
   <p:cSld>
     <p:spTree>
@@ -7987,7 +8187,7 @@
         <p:cNvPr id="1" name="">
           <a:extLst>
             <a:ext uri="{FF2B5EF4-FFF2-40B4-BE49-F238E27FC236}">
-              <a16:creationId xmlns:a16="http://schemas.microsoft.com/office/drawing/2014/main" id="{BB6CAF10-FFB2-5C7B-C08F-4670C46C58B2}"/>
+              <a16:creationId xmlns:a16="http://schemas.microsoft.com/office/drawing/2014/main" id="{AD17C86A-35FA-EB66-A05B-D4ECAEA02E6B}"/>
             </a:ext>
           </a:extLst>
         </p:cNvPr>
@@ -8004,10 +8204,57 @@
       </p:grpSpPr>
       <p:pic>
         <p:nvPicPr>
-          <p:cNvPr id="3" name="Picture 2" descr="A diagram of a model&#10;&#10;Description automatically generated">
-            <a:extLst>
-              <a:ext uri="{FF2B5EF4-FFF2-40B4-BE49-F238E27FC236}">
-                <a16:creationId xmlns:a16="http://schemas.microsoft.com/office/drawing/2014/main" id="{5A6F23A6-E720-024B-4A5D-C9EAE0F07F29}"/>
+          <p:cNvPr id="8" name="Picture 4" descr="Hex logo for Quarto - a white circle segmented into quarters next to the text Quarto on a blue background.">
+            <a:extLst>
+              <a:ext uri="{FF2B5EF4-FFF2-40B4-BE49-F238E27FC236}">
+                <a16:creationId xmlns:a16="http://schemas.microsoft.com/office/drawing/2014/main" id="{34FBB79A-420A-2A94-8174-EC804BA7D79C}"/>
+              </a:ext>
+            </a:extLst>
+          </p:cNvPr>
+          <p:cNvPicPr>
+            <a:picLocks noChangeAspect="1" noChangeArrowheads="1"/>
+          </p:cNvPicPr>
+          <p:nvPr/>
+        </p:nvPicPr>
+        <p:blipFill>
+          <a:blip r:embed="rId3">
+            <a:extLst>
+              <a:ext uri="{28A0092B-C50C-407E-A947-70E740481C1C}">
+                <a14:useLocalDpi xmlns:a14="http://schemas.microsoft.com/office/drawing/2010/main" val="0"/>
+              </a:ext>
+            </a:extLst>
+          </a:blip>
+          <a:srcRect/>
+          <a:stretch>
+            <a:fillRect/>
+          </a:stretch>
+        </p:blipFill>
+        <p:spPr bwMode="auto">
+          <a:xfrm>
+            <a:off x="386248" y="176457"/>
+            <a:ext cx="1814103" cy="2093777"/>
+          </a:xfrm>
+          <a:prstGeom prst="rect">
+            <a:avLst/>
+          </a:prstGeom>
+          <a:noFill/>
+          <a:extLst>
+            <a:ext uri="{909E8E84-426E-40DD-AFC4-6F175D3DCCD1}">
+              <a14:hiddenFill xmlns:a14="http://schemas.microsoft.com/office/drawing/2010/main">
+                <a:solidFill>
+                  <a:srgbClr val="FFFFFF"/>
+                </a:solidFill>
+              </a14:hiddenFill>
+            </a:ext>
+          </a:extLst>
+        </p:spPr>
+      </p:pic>
+      <p:pic>
+        <p:nvPicPr>
+          <p:cNvPr id="10" name="Picture 9">
+            <a:extLst>
+              <a:ext uri="{FF2B5EF4-FFF2-40B4-BE49-F238E27FC236}">
+                <a16:creationId xmlns:a16="http://schemas.microsoft.com/office/drawing/2014/main" id="{4F059445-FBE4-B005-E17F-EE4E6176853A}"/>
               </a:ext>
             </a:extLst>
           </p:cNvPr>
@@ -8017,15 +8264,14 @@
           <p:nvPr/>
         </p:nvPicPr>
         <p:blipFill>
-          <a:blip r:embed="rId3"/>
-          <a:stretch>
-            <a:fillRect/>
-          </a:stretch>
+          <a:blip r:embed="rId4"/>
+          <a:srcRect/>
+          <a:stretch/>
         </p:blipFill>
         <p:spPr>
           <a:xfrm>
-            <a:off x="2829618" y="223941"/>
-            <a:ext cx="8721250" cy="3205059"/>
+            <a:off x="1735375" y="2560687"/>
+            <a:ext cx="8721250" cy="2945741"/>
           </a:xfrm>
           <a:prstGeom prst="rect">
             <a:avLst/>
@@ -8034,10 +8280,10 @@
       </p:pic>
       <p:sp>
         <p:nvSpPr>
-          <p:cNvPr id="12" name="Rounded Rectangle 11">
-            <a:extLst>
-              <a:ext uri="{FF2B5EF4-FFF2-40B4-BE49-F238E27FC236}">
-                <a16:creationId xmlns:a16="http://schemas.microsoft.com/office/drawing/2014/main" id="{0A53DF4E-030B-E39C-9BC1-AC3482D0F059}"/>
+          <p:cNvPr id="4" name="Rounded Rectangle 3">
+            <a:extLst>
+              <a:ext uri="{FF2B5EF4-FFF2-40B4-BE49-F238E27FC236}">
+                <a16:creationId xmlns:a16="http://schemas.microsoft.com/office/drawing/2014/main" id="{3BD3173F-6012-586B-9210-C9E3259A68C8}"/>
               </a:ext>
             </a:extLst>
           </p:cNvPr>
@@ -8046,8 +8292,8 @@
         </p:nvSpPr>
         <p:spPr>
           <a:xfrm>
-            <a:off x="8912771" y="126124"/>
-            <a:ext cx="2753711" cy="3302877"/>
+            <a:off x="8376847" y="2474984"/>
+            <a:ext cx="2141672" cy="3031444"/>
           </a:xfrm>
           <a:prstGeom prst="roundRect">
             <a:avLst>
@@ -8095,12 +8341,920 @@
           </a:p>
         </p:txBody>
       </p:sp>
+      <p:sp>
+        <p:nvSpPr>
+          <p:cNvPr id="2" name="TextBox 1">
+            <a:extLst>
+              <a:ext uri="{FF2B5EF4-FFF2-40B4-BE49-F238E27FC236}">
+                <a16:creationId xmlns:a16="http://schemas.microsoft.com/office/drawing/2014/main" id="{75C59203-C39A-09D8-1DA6-9EDDBAE593E2}"/>
+              </a:ext>
+            </a:extLst>
+          </p:cNvPr>
+          <p:cNvSpPr txBox="1"/>
+          <p:nvPr/>
+        </p:nvSpPr>
+        <p:spPr>
+          <a:xfrm>
+            <a:off x="4309293" y="438516"/>
+            <a:ext cx="3573414" cy="1569660"/>
+          </a:xfrm>
+          <a:prstGeom prst="rect">
+            <a:avLst/>
+          </a:prstGeom>
+          <a:noFill/>
+        </p:spPr>
+        <p:txBody>
+          <a:bodyPr wrap="none" rtlCol="0">
+            <a:spAutoFit/>
+          </a:bodyPr>
+          <a:lstStyle/>
+          <a:p>
+            <a:pPr marL="457200" indent="-457200">
+              <a:buFont typeface="Wingdings" pitchFamily="2" charset="2"/>
+              <a:buChar char="ü"/>
+            </a:pPr>
+            <a:r>
+              <a:rPr lang="en-US" sz="3200" dirty="0">
+                <a:latin typeface="Roboto" panose="02000000000000000000" pitchFamily="2" charset="0"/>
+                <a:ea typeface="Roboto" panose="02000000000000000000" pitchFamily="2" charset="0"/>
+              </a:rPr>
+              <a:t>Reproducibility</a:t>
+            </a:r>
+          </a:p>
+          <a:p>
+            <a:pPr marL="457200" indent="-457200">
+              <a:buFont typeface="Wingdings" pitchFamily="2" charset="2"/>
+              <a:buChar char="ü"/>
+            </a:pPr>
+            <a:r>
+              <a:rPr lang="en-US" sz="3200" dirty="0">
+                <a:latin typeface="Roboto" panose="02000000000000000000" pitchFamily="2" charset="0"/>
+                <a:ea typeface="Roboto" panose="02000000000000000000" pitchFamily="2" charset="0"/>
+              </a:rPr>
+              <a:t>Version Control </a:t>
+            </a:r>
+          </a:p>
+          <a:p>
+            <a:pPr marL="457200" indent="-457200">
+              <a:buFont typeface="Wingdings" pitchFamily="2" charset="2"/>
+              <a:buChar char="ü"/>
+            </a:pPr>
+            <a:r>
+              <a:rPr lang="en-US" sz="3200" dirty="0">
+                <a:latin typeface="Roboto" panose="02000000000000000000" pitchFamily="2" charset="0"/>
+                <a:ea typeface="Roboto" panose="02000000000000000000" pitchFamily="2" charset="0"/>
+              </a:rPr>
+              <a:t>Open Source</a:t>
+            </a:r>
+          </a:p>
+        </p:txBody>
+      </p:sp>
+    </p:spTree>
+    <p:extLst>
+      <p:ext uri="{BB962C8B-B14F-4D97-AF65-F5344CB8AC3E}">
+        <p14:creationId xmlns:p14="http://schemas.microsoft.com/office/powerpoint/2010/main" val="1448058566"/>
+      </p:ext>
+    </p:extLst>
+  </p:cSld>
+  <p:clrMapOvr>
+    <a:masterClrMapping/>
+  </p:clrMapOvr>
+  <p:timing>
+    <p:tnLst>
+      <p:par>
+        <p:cTn id="1" dur="indefinite" restart="never" nodeType="tmRoot">
+          <p:childTnLst>
+            <p:seq concurrent="1" nextAc="seek">
+              <p:cTn id="2" dur="indefinite" nodeType="mainSeq">
+                <p:childTnLst>
+                  <p:par>
+                    <p:cTn id="3" fill="hold">
+                      <p:stCondLst>
+                        <p:cond delay="indefinite"/>
+                      </p:stCondLst>
+                      <p:childTnLst>
+                        <p:par>
+                          <p:cTn id="4" fill="hold">
+                            <p:stCondLst>
+                              <p:cond delay="0"/>
+                            </p:stCondLst>
+                            <p:childTnLst>
+                              <p:par>
+                                <p:cTn id="5" presetID="42" presetClass="path" presetSubtype="0" accel="50000" decel="50000" fill="hold" nodeType="clickEffect">
+                                  <p:stCondLst>
+                                    <p:cond delay="0"/>
+                                  </p:stCondLst>
+                                  <p:childTnLst>
+                                    <p:animMotion origin="layout" path="M 0 0 L 0.08932 -0.23356 " pathEditMode="relative" rAng="0" ptsTypes="AA">
+                                      <p:cBhvr>
+                                        <p:cTn id="6" dur="2000" fill="hold"/>
+                                        <p:tgtEl>
+                                          <p:spTgt spid="10"/>
+                                        </p:tgtEl>
+                                        <p:attrNameLst>
+                                          <p:attrName>ppt_x</p:attrName>
+                                          <p:attrName>ppt_y</p:attrName>
+                                        </p:attrNameLst>
+                                      </p:cBhvr>
+                                      <p:rCtr x="4466" y="-11690"/>
+                                    </p:animMotion>
+                                  </p:childTnLst>
+                                </p:cTn>
+                              </p:par>
+                            </p:childTnLst>
+                          </p:cTn>
+                        </p:par>
+                      </p:childTnLst>
+                    </p:cTn>
+                  </p:par>
+                </p:childTnLst>
+              </p:cTn>
+              <p:prevCondLst>
+                <p:cond evt="onPrev" delay="0">
+                  <p:tgtEl>
+                    <p:sldTgt/>
+                  </p:tgtEl>
+                </p:cond>
+              </p:prevCondLst>
+              <p:nextCondLst>
+                <p:cond evt="onNext" delay="0">
+                  <p:tgtEl>
+                    <p:sldTgt/>
+                  </p:tgtEl>
+                </p:cond>
+              </p:nextCondLst>
+            </p:seq>
+          </p:childTnLst>
+        </p:cTn>
+      </p:par>
+    </p:tnLst>
+  </p:timing>
+</p:sld>
+</file>
+
+<file path=ppt/slides/slide6.xml><?xml version="1.0" encoding="utf-8"?>
+<p:sld xmlns:a="http://schemas.openxmlformats.org/drawingml/2006/main" xmlns:r="http://schemas.openxmlformats.org/officeDocument/2006/relationships" xmlns:p="http://schemas.openxmlformats.org/presentationml/2006/main">
+  <p:cSld>
+    <p:spTree>
+      <p:nvGrpSpPr>
+        <p:cNvPr id="1" name="">
+          <a:extLst>
+            <a:ext uri="{FF2B5EF4-FFF2-40B4-BE49-F238E27FC236}">
+              <a16:creationId xmlns:a16="http://schemas.microsoft.com/office/drawing/2014/main" id="{0A5729EE-0EEC-B0FE-E66A-5D882FFF0C3D}"/>
+            </a:ext>
+          </a:extLst>
+        </p:cNvPr>
+        <p:cNvGrpSpPr/>
+        <p:nvPr/>
+      </p:nvGrpSpPr>
+      <p:grpSpPr>
+        <a:xfrm>
+          <a:off x="0" y="0"/>
+          <a:ext cx="0" cy="0"/>
+          <a:chOff x="0" y="0"/>
+          <a:chExt cx="0" cy="0"/>
+        </a:xfrm>
+      </p:grpSpPr>
       <p:pic>
         <p:nvPicPr>
-          <p:cNvPr id="4" name="Picture 4" descr="Hex logo for Quarto - a white circle segmented into quarters next to the text Quarto on a blue background.">
-            <a:extLst>
-              <a:ext uri="{FF2B5EF4-FFF2-40B4-BE49-F238E27FC236}">
-                <a16:creationId xmlns:a16="http://schemas.microsoft.com/office/drawing/2014/main" id="{563CE127-0AB8-1B25-C224-4B4CD1DD0282}"/>
+          <p:cNvPr id="10" name="Picture 9">
+            <a:extLst>
+              <a:ext uri="{FF2B5EF4-FFF2-40B4-BE49-F238E27FC236}">
+                <a16:creationId xmlns:a16="http://schemas.microsoft.com/office/drawing/2014/main" id="{CFDA00A3-CA17-CCDD-7C48-B8FDAC589F28}"/>
+              </a:ext>
+            </a:extLst>
+          </p:cNvPr>
+          <p:cNvPicPr>
+            <a:picLocks noChangeAspect="1"/>
+          </p:cNvPicPr>
+          <p:nvPr/>
+        </p:nvPicPr>
+        <p:blipFill>
+          <a:blip r:embed="rId3"/>
+          <a:srcRect/>
+          <a:stretch/>
+        </p:blipFill>
+        <p:spPr>
+          <a:xfrm>
+            <a:off x="1735375" y="1784973"/>
+            <a:ext cx="8721250" cy="2945741"/>
+          </a:xfrm>
+          <a:prstGeom prst="rect">
+            <a:avLst/>
+          </a:prstGeom>
+        </p:spPr>
+      </p:pic>
+    </p:spTree>
+    <p:extLst>
+      <p:ext uri="{BB962C8B-B14F-4D97-AF65-F5344CB8AC3E}">
+        <p14:creationId xmlns:p14="http://schemas.microsoft.com/office/powerpoint/2010/main" val="3489012568"/>
+      </p:ext>
+    </p:extLst>
+  </p:cSld>
+  <p:clrMapOvr>
+    <a:masterClrMapping/>
+  </p:clrMapOvr>
+  <p:timing>
+    <p:tnLst>
+      <p:par>
+        <p:cTn id="1" dur="indefinite" restart="never" nodeType="tmRoot">
+          <p:childTnLst>
+            <p:seq concurrent="1" nextAc="seek">
+              <p:cTn id="2" dur="indefinite" nodeType="mainSeq">
+                <p:childTnLst>
+                  <p:par>
+                    <p:cTn id="3" fill="hold">
+                      <p:stCondLst>
+                        <p:cond delay="indefinite"/>
+                      </p:stCondLst>
+                      <p:childTnLst>
+                        <p:par>
+                          <p:cTn id="4" fill="hold">
+                            <p:stCondLst>
+                              <p:cond delay="0"/>
+                            </p:stCondLst>
+                            <p:childTnLst>
+                              <p:par>
+                                <p:cTn id="5" presetID="42" presetClass="path" presetSubtype="0" accel="50000" decel="50000" fill="hold" nodeType="clickEffect">
+                                  <p:stCondLst>
+                                    <p:cond delay="0"/>
+                                  </p:stCondLst>
+                                  <p:childTnLst>
+                                    <p:animMotion origin="layout" path="M 0 0 L 0.08932 -0.23356 " pathEditMode="relative" rAng="0" ptsTypes="AA">
+                                      <p:cBhvr>
+                                        <p:cTn id="6" dur="2000" fill="hold"/>
+                                        <p:tgtEl>
+                                          <p:spTgt spid="10"/>
+                                        </p:tgtEl>
+                                        <p:attrNameLst>
+                                          <p:attrName>ppt_x</p:attrName>
+                                          <p:attrName>ppt_y</p:attrName>
+                                        </p:attrNameLst>
+                                      </p:cBhvr>
+                                      <p:rCtr x="4466" y="-11690"/>
+                                    </p:animMotion>
+                                  </p:childTnLst>
+                                </p:cTn>
+                              </p:par>
+                            </p:childTnLst>
+                          </p:cTn>
+                        </p:par>
+                      </p:childTnLst>
+                    </p:cTn>
+                  </p:par>
+                </p:childTnLst>
+              </p:cTn>
+              <p:prevCondLst>
+                <p:cond evt="onPrev" delay="0">
+                  <p:tgtEl>
+                    <p:sldTgt/>
+                  </p:tgtEl>
+                </p:cond>
+              </p:prevCondLst>
+              <p:nextCondLst>
+                <p:cond evt="onNext" delay="0">
+                  <p:tgtEl>
+                    <p:sldTgt/>
+                  </p:tgtEl>
+                </p:cond>
+              </p:nextCondLst>
+            </p:seq>
+          </p:childTnLst>
+        </p:cTn>
+      </p:par>
+    </p:tnLst>
+  </p:timing>
+</p:sld>
+</file>
+
+<file path=ppt/slides/slide7.xml><?xml version="1.0" encoding="utf-8"?>
+<p:sld xmlns:a="http://schemas.openxmlformats.org/drawingml/2006/main" xmlns:r="http://schemas.openxmlformats.org/officeDocument/2006/relationships" xmlns:p="http://schemas.openxmlformats.org/presentationml/2006/main">
+  <p:cSld>
+    <p:spTree>
+      <p:nvGrpSpPr>
+        <p:cNvPr id="1" name="">
+          <a:extLst>
+            <a:ext uri="{FF2B5EF4-FFF2-40B4-BE49-F238E27FC236}">
+              <a16:creationId xmlns:a16="http://schemas.microsoft.com/office/drawing/2014/main" id="{A888BD14-0D06-8720-08FC-873038FFB523}"/>
+            </a:ext>
+          </a:extLst>
+        </p:cNvPr>
+        <p:cNvGrpSpPr/>
+        <p:nvPr/>
+      </p:nvGrpSpPr>
+      <p:grpSpPr>
+        <a:xfrm>
+          <a:off x="0" y="0"/>
+          <a:ext cx="0" cy="0"/>
+          <a:chOff x="0" y="0"/>
+          <a:chExt cx="0" cy="0"/>
+        </a:xfrm>
+      </p:grpSpPr>
+      <p:grpSp>
+        <p:nvGrpSpPr>
+          <p:cNvPr id="6" name="Group 5">
+            <a:extLst>
+              <a:ext uri="{FF2B5EF4-FFF2-40B4-BE49-F238E27FC236}">
+                <a16:creationId xmlns:a16="http://schemas.microsoft.com/office/drawing/2014/main" id="{C407445C-06E2-D98B-B1E3-A10EF213FF86}"/>
+              </a:ext>
+            </a:extLst>
+          </p:cNvPr>
+          <p:cNvGrpSpPr/>
+          <p:nvPr/>
+        </p:nvGrpSpPr>
+        <p:grpSpPr>
+          <a:xfrm>
+            <a:off x="547832" y="2623747"/>
+            <a:ext cx="2347036" cy="2831890"/>
+            <a:chOff x="789569" y="1860698"/>
+            <a:chExt cx="2347036" cy="2831890"/>
+          </a:xfrm>
+        </p:grpSpPr>
+        <p:cxnSp>
+          <p:nvCxnSpPr>
+            <p:cNvPr id="2" name="Straight Arrow Connector 1">
+              <a:extLst>
+                <a:ext uri="{FF2B5EF4-FFF2-40B4-BE49-F238E27FC236}">
+                  <a16:creationId xmlns:a16="http://schemas.microsoft.com/office/drawing/2014/main" id="{05155851-1BF7-8D93-89A4-B4B05CF966CD}"/>
+                </a:ext>
+              </a:extLst>
+            </p:cNvPr>
+            <p:cNvCxnSpPr>
+              <a:cxnSpLocks/>
+            </p:cNvCxnSpPr>
+            <p:nvPr/>
+          </p:nvCxnSpPr>
+          <p:spPr>
+            <a:xfrm>
+              <a:off x="2742033" y="2975183"/>
+              <a:ext cx="394572" cy="0"/>
+            </a:xfrm>
+            <a:prstGeom prst="straightConnector1">
+              <a:avLst/>
+            </a:prstGeom>
+            <a:ln w="31750">
+              <a:solidFill>
+                <a:srgbClr val="FF0000"/>
+              </a:solidFill>
+              <a:tailEnd type="triangle" w="lg" len="lg"/>
+            </a:ln>
+          </p:spPr>
+          <p:style>
+            <a:lnRef idx="2">
+              <a:schemeClr val="accent1"/>
+            </a:lnRef>
+            <a:fillRef idx="0">
+              <a:schemeClr val="accent1"/>
+            </a:fillRef>
+            <a:effectRef idx="1">
+              <a:schemeClr val="accent1"/>
+            </a:effectRef>
+            <a:fontRef idx="minor">
+              <a:schemeClr val="tx1"/>
+            </a:fontRef>
+          </p:style>
+        </p:cxnSp>
+        <p:sp>
+          <p:nvSpPr>
+            <p:cNvPr id="3" name="TextBox 2">
+              <a:extLst>
+                <a:ext uri="{FF2B5EF4-FFF2-40B4-BE49-F238E27FC236}">
+                  <a16:creationId xmlns:a16="http://schemas.microsoft.com/office/drawing/2014/main" id="{0E975A06-DFA9-45DD-ABFE-444861E998B8}"/>
+                </a:ext>
+              </a:extLst>
+            </p:cNvPr>
+            <p:cNvSpPr txBox="1"/>
+            <p:nvPr/>
+          </p:nvSpPr>
+          <p:spPr>
+            <a:xfrm>
+              <a:off x="789569" y="4354034"/>
+              <a:ext cx="763351" cy="338554"/>
+            </a:xfrm>
+            <a:prstGeom prst="rect">
+              <a:avLst/>
+            </a:prstGeom>
+            <a:noFill/>
+          </p:spPr>
+          <p:txBody>
+            <a:bodyPr wrap="none" rtlCol="0">
+              <a:spAutoFit/>
+            </a:bodyPr>
+            <a:lstStyle/>
+            <a:p>
+              <a:r>
+                <a:rPr lang="en-US" sz="1600" dirty="0">
+                  <a:solidFill>
+                    <a:srgbClr val="FF0000"/>
+                  </a:solidFill>
+                  <a:latin typeface="Fira Sans Condensed Medium" panose="020B0603050000020004" pitchFamily="34" charset="0"/>
+                  <a:ea typeface="Roboto" panose="02000000000000000000" pitchFamily="2" charset="0"/>
+                </a:rPr>
+                <a:t>Survey</a:t>
+              </a:r>
+            </a:p>
+          </p:txBody>
+        </p:sp>
+        <p:sp>
+          <p:nvSpPr>
+            <p:cNvPr id="4" name="Rounded Rectangle 3">
+              <a:extLst>
+                <a:ext uri="{FF2B5EF4-FFF2-40B4-BE49-F238E27FC236}">
+                  <a16:creationId xmlns:a16="http://schemas.microsoft.com/office/drawing/2014/main" id="{7F6D83DB-B20C-56B0-86CC-0ABA929E77DF}"/>
+                </a:ext>
+              </a:extLst>
+            </p:cNvPr>
+            <p:cNvSpPr/>
+            <p:nvPr/>
+          </p:nvSpPr>
+          <p:spPr>
+            <a:xfrm>
+              <a:off x="860681" y="1860698"/>
+              <a:ext cx="1881352" cy="2530549"/>
+            </a:xfrm>
+            <a:prstGeom prst="roundRect">
+              <a:avLst>
+                <a:gd name="adj" fmla="val 7170"/>
+              </a:avLst>
+            </a:prstGeom>
+            <a:noFill/>
+            <a:ln>
+              <a:solidFill>
+                <a:srgbClr val="FF0000"/>
+              </a:solidFill>
+            </a:ln>
+          </p:spPr>
+          <p:style>
+            <a:lnRef idx="2">
+              <a:schemeClr val="accent1">
+                <a:shade val="15000"/>
+              </a:schemeClr>
+            </a:lnRef>
+            <a:fillRef idx="1">
+              <a:schemeClr val="accent1"/>
+            </a:fillRef>
+            <a:effectRef idx="0">
+              <a:schemeClr val="accent1"/>
+            </a:effectRef>
+            <a:fontRef idx="minor">
+              <a:schemeClr val="lt1"/>
+            </a:fontRef>
+          </p:style>
+          <p:txBody>
+            <a:bodyPr rtlCol="0" anchor="ctr"/>
+            <a:lstStyle/>
+            <a:p>
+              <a:pPr algn="ctr"/>
+              <a:r>
+                <a:rPr lang="en-US" sz="2200" dirty="0">
+                  <a:solidFill>
+                    <a:srgbClr val="FF0000"/>
+                  </a:solidFill>
+                  <a:latin typeface="Roboto" panose="02000000000000000000" pitchFamily="2" charset="0"/>
+                  <a:ea typeface="Roboto" panose="02000000000000000000" pitchFamily="2" charset="0"/>
+                </a:rPr>
+                <a:t>Collect</a:t>
+              </a:r>
+            </a:p>
+            <a:p>
+              <a:pPr algn="ctr"/>
+              <a:r>
+                <a:rPr lang="en-US" sz="2200" dirty="0">
+                  <a:solidFill>
+                    <a:srgbClr val="FF0000"/>
+                  </a:solidFill>
+                  <a:latin typeface="Roboto" panose="02000000000000000000" pitchFamily="2" charset="0"/>
+                  <a:ea typeface="Roboto" panose="02000000000000000000" pitchFamily="2" charset="0"/>
+                </a:rPr>
+                <a:t>Data</a:t>
+              </a:r>
+            </a:p>
+          </p:txBody>
+        </p:sp>
+      </p:grpSp>
+      <p:pic>
+        <p:nvPicPr>
+          <p:cNvPr id="5" name="Picture 4">
+            <a:extLst>
+              <a:ext uri="{FF2B5EF4-FFF2-40B4-BE49-F238E27FC236}">
+                <a16:creationId xmlns:a16="http://schemas.microsoft.com/office/drawing/2014/main" id="{5F2D3133-674A-C25C-0A78-F0184B9D38F3}"/>
+              </a:ext>
+            </a:extLst>
+          </p:cNvPr>
+          <p:cNvPicPr>
+            <a:picLocks noChangeAspect="1"/>
+          </p:cNvPicPr>
+          <p:nvPr/>
+        </p:nvPicPr>
+        <p:blipFill>
+          <a:blip r:embed="rId3"/>
+          <a:srcRect/>
+          <a:stretch/>
+        </p:blipFill>
+        <p:spPr>
+          <a:xfrm>
+            <a:off x="2894868" y="2560687"/>
+            <a:ext cx="8721250" cy="2945741"/>
+          </a:xfrm>
+          <a:prstGeom prst="rect">
+            <a:avLst/>
+          </a:prstGeom>
+        </p:spPr>
+      </p:pic>
+    </p:spTree>
+    <p:extLst>
+      <p:ext uri="{BB962C8B-B14F-4D97-AF65-F5344CB8AC3E}">
+        <p14:creationId xmlns:p14="http://schemas.microsoft.com/office/powerpoint/2010/main" val="2650725681"/>
+      </p:ext>
+    </p:extLst>
+  </p:cSld>
+  <p:clrMapOvr>
+    <a:masterClrMapping/>
+  </p:clrMapOvr>
+  <p:timing>
+    <p:tnLst>
+      <p:par>
+        <p:cTn id="1" dur="indefinite" restart="never" nodeType="tmRoot">
+          <p:childTnLst>
+            <p:seq concurrent="1" nextAc="seek">
+              <p:cTn id="2" dur="indefinite" nodeType="mainSeq">
+                <p:childTnLst>
+                  <p:par>
+                    <p:cTn id="3" fill="hold">
+                      <p:stCondLst>
+                        <p:cond delay="indefinite"/>
+                      </p:stCondLst>
+                      <p:childTnLst>
+                        <p:par>
+                          <p:cTn id="4" fill="hold">
+                            <p:stCondLst>
+                              <p:cond delay="0"/>
+                            </p:stCondLst>
+                            <p:childTnLst>
+                              <p:par>
+                                <p:cTn id="5" presetID="42" presetClass="path" presetSubtype="0" accel="50000" decel="50000" fill="hold" nodeType="clickEffect">
+                                  <p:stCondLst>
+                                    <p:cond delay="0"/>
+                                  </p:stCondLst>
+                                  <p:childTnLst>
+                                    <p:animMotion origin="layout" path="M 0 0 L 0.08932 -0.23356 " pathEditMode="relative" rAng="0" ptsTypes="AA">
+                                      <p:cBhvr>
+                                        <p:cTn id="6" dur="2000" fill="hold"/>
+                                        <p:tgtEl>
+                                          <p:spTgt spid="5"/>
+                                        </p:tgtEl>
+                                        <p:attrNameLst>
+                                          <p:attrName>ppt_x</p:attrName>
+                                          <p:attrName>ppt_y</p:attrName>
+                                        </p:attrNameLst>
+                                      </p:cBhvr>
+                                      <p:rCtr x="4466" y="-11690"/>
+                                    </p:animMotion>
+                                  </p:childTnLst>
+                                </p:cTn>
+                              </p:par>
+                            </p:childTnLst>
+                          </p:cTn>
+                        </p:par>
+                      </p:childTnLst>
+                    </p:cTn>
+                  </p:par>
+                </p:childTnLst>
+              </p:cTn>
+              <p:prevCondLst>
+                <p:cond evt="onPrev" delay="0">
+                  <p:tgtEl>
+                    <p:sldTgt/>
+                  </p:tgtEl>
+                </p:cond>
+              </p:prevCondLst>
+              <p:nextCondLst>
+                <p:cond evt="onNext" delay="0">
+                  <p:tgtEl>
+                    <p:sldTgt/>
+                  </p:tgtEl>
+                </p:cond>
+              </p:nextCondLst>
+            </p:seq>
+          </p:childTnLst>
+        </p:cTn>
+      </p:par>
+    </p:tnLst>
+  </p:timing>
+</p:sld>
+</file>
+
+<file path=ppt/slides/slide8.xml><?xml version="1.0" encoding="utf-8"?>
+<p:sld xmlns:a="http://schemas.openxmlformats.org/drawingml/2006/main" xmlns:r="http://schemas.openxmlformats.org/officeDocument/2006/relationships" xmlns:p="http://schemas.openxmlformats.org/presentationml/2006/main">
+  <p:cSld>
+    <p:spTree>
+      <p:nvGrpSpPr>
+        <p:cNvPr id="1" name="">
+          <a:extLst>
+            <a:ext uri="{FF2B5EF4-FFF2-40B4-BE49-F238E27FC236}">
+              <a16:creationId xmlns:a16="http://schemas.microsoft.com/office/drawing/2014/main" id="{2E87F590-1FF1-A155-B324-C7C655933D0A}"/>
+            </a:ext>
+          </a:extLst>
+        </p:cNvPr>
+        <p:cNvGrpSpPr/>
+        <p:nvPr/>
+      </p:nvGrpSpPr>
+      <p:grpSpPr>
+        <a:xfrm>
+          <a:off x="0" y="0"/>
+          <a:ext cx="0" cy="0"/>
+          <a:chOff x="0" y="0"/>
+          <a:chExt cx="0" cy="0"/>
+        </a:xfrm>
+      </p:grpSpPr>
+      <p:grpSp>
+        <p:nvGrpSpPr>
+          <p:cNvPr id="6" name="Group 5">
+            <a:extLst>
+              <a:ext uri="{FF2B5EF4-FFF2-40B4-BE49-F238E27FC236}">
+                <a16:creationId xmlns:a16="http://schemas.microsoft.com/office/drawing/2014/main" id="{B0F8B04A-8F1C-4489-CE83-98AD1C1E7C17}"/>
+              </a:ext>
+            </a:extLst>
+          </p:cNvPr>
+          <p:cNvGrpSpPr/>
+          <p:nvPr/>
+        </p:nvGrpSpPr>
+        <p:grpSpPr>
+          <a:xfrm>
+            <a:off x="547832" y="2623747"/>
+            <a:ext cx="2347036" cy="2831890"/>
+            <a:chOff x="789569" y="1860698"/>
+            <a:chExt cx="2347036" cy="2831890"/>
+          </a:xfrm>
+        </p:grpSpPr>
+        <p:cxnSp>
+          <p:nvCxnSpPr>
+            <p:cNvPr id="2" name="Straight Arrow Connector 1">
+              <a:extLst>
+                <a:ext uri="{FF2B5EF4-FFF2-40B4-BE49-F238E27FC236}">
+                  <a16:creationId xmlns:a16="http://schemas.microsoft.com/office/drawing/2014/main" id="{3F8ACA1F-4F44-9B7E-FA6A-CF8714F00F88}"/>
+                </a:ext>
+              </a:extLst>
+            </p:cNvPr>
+            <p:cNvCxnSpPr>
+              <a:cxnSpLocks/>
+            </p:cNvCxnSpPr>
+            <p:nvPr/>
+          </p:nvCxnSpPr>
+          <p:spPr>
+            <a:xfrm>
+              <a:off x="2742033" y="2975183"/>
+              <a:ext cx="394572" cy="0"/>
+            </a:xfrm>
+            <a:prstGeom prst="straightConnector1">
+              <a:avLst/>
+            </a:prstGeom>
+            <a:ln w="31750">
+              <a:solidFill>
+                <a:srgbClr val="FF0000"/>
+              </a:solidFill>
+              <a:tailEnd type="triangle" w="lg" len="lg"/>
+            </a:ln>
+          </p:spPr>
+          <p:style>
+            <a:lnRef idx="2">
+              <a:schemeClr val="accent1"/>
+            </a:lnRef>
+            <a:fillRef idx="0">
+              <a:schemeClr val="accent1"/>
+            </a:fillRef>
+            <a:effectRef idx="1">
+              <a:schemeClr val="accent1"/>
+            </a:effectRef>
+            <a:fontRef idx="minor">
+              <a:schemeClr val="tx1"/>
+            </a:fontRef>
+          </p:style>
+        </p:cxnSp>
+        <p:sp>
+          <p:nvSpPr>
+            <p:cNvPr id="3" name="TextBox 2">
+              <a:extLst>
+                <a:ext uri="{FF2B5EF4-FFF2-40B4-BE49-F238E27FC236}">
+                  <a16:creationId xmlns:a16="http://schemas.microsoft.com/office/drawing/2014/main" id="{2CE7AFE8-E5F2-B93E-A0E4-D0098FAB9F35}"/>
+                </a:ext>
+              </a:extLst>
+            </p:cNvPr>
+            <p:cNvSpPr txBox="1"/>
+            <p:nvPr/>
+          </p:nvSpPr>
+          <p:spPr>
+            <a:xfrm>
+              <a:off x="789569" y="4354034"/>
+              <a:ext cx="763351" cy="338554"/>
+            </a:xfrm>
+            <a:prstGeom prst="rect">
+              <a:avLst/>
+            </a:prstGeom>
+            <a:noFill/>
+          </p:spPr>
+          <p:txBody>
+            <a:bodyPr wrap="none" rtlCol="0">
+              <a:spAutoFit/>
+            </a:bodyPr>
+            <a:lstStyle/>
+            <a:p>
+              <a:r>
+                <a:rPr lang="en-US" sz="1600" dirty="0">
+                  <a:solidFill>
+                    <a:srgbClr val="FF0000"/>
+                  </a:solidFill>
+                  <a:latin typeface="Fira Sans Condensed Medium" panose="020B0603050000020004" pitchFamily="34" charset="0"/>
+                  <a:ea typeface="Roboto" panose="02000000000000000000" pitchFamily="2" charset="0"/>
+                </a:rPr>
+                <a:t>Survey</a:t>
+              </a:r>
+            </a:p>
+          </p:txBody>
+        </p:sp>
+        <p:sp>
+          <p:nvSpPr>
+            <p:cNvPr id="4" name="Rounded Rectangle 3">
+              <a:extLst>
+                <a:ext uri="{FF2B5EF4-FFF2-40B4-BE49-F238E27FC236}">
+                  <a16:creationId xmlns:a16="http://schemas.microsoft.com/office/drawing/2014/main" id="{4BD58C55-67DD-41E5-24E9-DE0E717DB25B}"/>
+                </a:ext>
+              </a:extLst>
+            </p:cNvPr>
+            <p:cNvSpPr/>
+            <p:nvPr/>
+          </p:nvSpPr>
+          <p:spPr>
+            <a:xfrm>
+              <a:off x="860681" y="1860698"/>
+              <a:ext cx="1881352" cy="2530549"/>
+            </a:xfrm>
+            <a:prstGeom prst="roundRect">
+              <a:avLst>
+                <a:gd name="adj" fmla="val 7170"/>
+              </a:avLst>
+            </a:prstGeom>
+            <a:noFill/>
+            <a:ln>
+              <a:solidFill>
+                <a:srgbClr val="FF0000"/>
+              </a:solidFill>
+            </a:ln>
+          </p:spPr>
+          <p:style>
+            <a:lnRef idx="2">
+              <a:schemeClr val="accent1">
+                <a:shade val="15000"/>
+              </a:schemeClr>
+            </a:lnRef>
+            <a:fillRef idx="1">
+              <a:schemeClr val="accent1"/>
+            </a:fillRef>
+            <a:effectRef idx="0">
+              <a:schemeClr val="accent1"/>
+            </a:effectRef>
+            <a:fontRef idx="minor">
+              <a:schemeClr val="lt1"/>
+            </a:fontRef>
+          </p:style>
+          <p:txBody>
+            <a:bodyPr rtlCol="0" anchor="ctr"/>
+            <a:lstStyle/>
+            <a:p>
+              <a:pPr algn="ctr"/>
+              <a:r>
+                <a:rPr lang="en-US" sz="2200" dirty="0">
+                  <a:solidFill>
+                    <a:srgbClr val="FF0000"/>
+                  </a:solidFill>
+                  <a:latin typeface="Roboto" panose="02000000000000000000" pitchFamily="2" charset="0"/>
+                  <a:ea typeface="Roboto" panose="02000000000000000000" pitchFamily="2" charset="0"/>
+                </a:rPr>
+                <a:t>Collect</a:t>
+              </a:r>
+            </a:p>
+            <a:p>
+              <a:pPr algn="ctr"/>
+              <a:r>
+                <a:rPr lang="en-US" sz="2200" dirty="0">
+                  <a:solidFill>
+                    <a:srgbClr val="FF0000"/>
+                  </a:solidFill>
+                  <a:latin typeface="Roboto" panose="02000000000000000000" pitchFamily="2" charset="0"/>
+                  <a:ea typeface="Roboto" panose="02000000000000000000" pitchFamily="2" charset="0"/>
+                </a:rPr>
+                <a:t>Data</a:t>
+              </a:r>
+            </a:p>
+          </p:txBody>
+        </p:sp>
+      </p:grpSp>
+      <p:pic>
+        <p:nvPicPr>
+          <p:cNvPr id="5" name="Picture 4">
+            <a:extLst>
+              <a:ext uri="{FF2B5EF4-FFF2-40B4-BE49-F238E27FC236}">
+                <a16:creationId xmlns:a16="http://schemas.microsoft.com/office/drawing/2014/main" id="{E8EC09B8-518B-F6DB-5CF9-41146DAFF76F}"/>
+              </a:ext>
+            </a:extLst>
+          </p:cNvPr>
+          <p:cNvPicPr>
+            <a:picLocks noChangeAspect="1"/>
+          </p:cNvPicPr>
+          <p:nvPr/>
+        </p:nvPicPr>
+        <p:blipFill>
+          <a:blip r:embed="rId3"/>
+          <a:srcRect/>
+          <a:stretch/>
+        </p:blipFill>
+        <p:spPr>
+          <a:xfrm>
+            <a:off x="2894868" y="2560687"/>
+            <a:ext cx="8721250" cy="2945741"/>
+          </a:xfrm>
+          <a:prstGeom prst="rect">
+            <a:avLst/>
+          </a:prstGeom>
+        </p:spPr>
+      </p:pic>
+      <p:sp>
+        <p:nvSpPr>
+          <p:cNvPr id="7" name="TextBox 6">
+            <a:extLst>
+              <a:ext uri="{FF2B5EF4-FFF2-40B4-BE49-F238E27FC236}">
+                <a16:creationId xmlns:a16="http://schemas.microsoft.com/office/drawing/2014/main" id="{C92E8201-485E-7FB6-B16B-89809EF7AE7E}"/>
+              </a:ext>
+            </a:extLst>
+          </p:cNvPr>
+          <p:cNvSpPr txBox="1"/>
+          <p:nvPr/>
+        </p:nvSpPr>
+        <p:spPr>
+          <a:xfrm>
+            <a:off x="4309293" y="438516"/>
+            <a:ext cx="3573414" cy="1569660"/>
+          </a:xfrm>
+          <a:prstGeom prst="rect">
+            <a:avLst/>
+          </a:prstGeom>
+          <a:noFill/>
+        </p:spPr>
+        <p:txBody>
+          <a:bodyPr wrap="none" rtlCol="0">
+            <a:spAutoFit/>
+          </a:bodyPr>
+          <a:lstStyle/>
+          <a:p>
+            <a:pPr marL="457200" indent="-457200">
+              <a:buSzPct val="80000"/>
+              <a:buFont typeface=".Apple Color Emoji UI"/>
+              <a:buChar char="❌"/>
+            </a:pPr>
+            <a:r>
+              <a:rPr lang="en-US" sz="3200" dirty="0">
+                <a:latin typeface="Roboto" panose="02000000000000000000" pitchFamily="2" charset="0"/>
+                <a:ea typeface="Roboto" panose="02000000000000000000" pitchFamily="2" charset="0"/>
+              </a:rPr>
+              <a:t>Reproducibility</a:t>
+            </a:r>
+          </a:p>
+          <a:p>
+            <a:pPr marL="457200" indent="-457200">
+              <a:buSzPct val="80000"/>
+              <a:buFont typeface=".Apple Color Emoji UI"/>
+              <a:buChar char="❌"/>
+            </a:pPr>
+            <a:r>
+              <a:rPr lang="en-US" sz="3200" dirty="0">
+                <a:latin typeface="Roboto" panose="02000000000000000000" pitchFamily="2" charset="0"/>
+                <a:ea typeface="Roboto" panose="02000000000000000000" pitchFamily="2" charset="0"/>
+              </a:rPr>
+              <a:t>Version Control </a:t>
+            </a:r>
+          </a:p>
+          <a:p>
+            <a:pPr marL="457200" indent="-457200">
+              <a:buSzPct val="80000"/>
+              <a:buFont typeface=".Apple Color Emoji UI"/>
+              <a:buChar char="❌"/>
+            </a:pPr>
+            <a:r>
+              <a:rPr lang="en-US" sz="3200" dirty="0">
+                <a:latin typeface="Roboto" panose="02000000000000000000" pitchFamily="2" charset="0"/>
+                <a:ea typeface="Roboto" panose="02000000000000000000" pitchFamily="2" charset="0"/>
+              </a:rPr>
+              <a:t>Open Source</a:t>
+            </a:r>
+          </a:p>
+        </p:txBody>
+      </p:sp>
+      <p:pic>
+        <p:nvPicPr>
+          <p:cNvPr id="8" name="Picture 4" descr="Google Forms - Workforce EdTech">
+            <a:extLst>
+              <a:ext uri="{FF2B5EF4-FFF2-40B4-BE49-F238E27FC236}">
+                <a16:creationId xmlns:a16="http://schemas.microsoft.com/office/drawing/2014/main" id="{44A39429-2FA9-28C0-093B-EE0431FBDE5F}"/>
               </a:ext>
             </a:extLst>
           </p:cNvPr>
@@ -8124,8 +9278,8 @@
         </p:blipFill>
         <p:spPr bwMode="auto">
           <a:xfrm>
-            <a:off x="9101236" y="3785756"/>
-            <a:ext cx="2376780" cy="2743200"/>
+            <a:off x="176073" y="568478"/>
+            <a:ext cx="1411257" cy="1411257"/>
           </a:xfrm>
           <a:prstGeom prst="rect">
             <a:avLst/>
@@ -8142,67 +9296,12 @@
           </a:extLst>
         </p:spPr>
       </p:pic>
-      <p:sp>
-        <p:nvSpPr>
-          <p:cNvPr id="2" name="TextBox 1">
-            <a:extLst>
-              <a:ext uri="{FF2B5EF4-FFF2-40B4-BE49-F238E27FC236}">
-                <a16:creationId xmlns:a16="http://schemas.microsoft.com/office/drawing/2014/main" id="{F3991539-0040-2FEA-0C9A-97C676B933B1}"/>
-              </a:ext>
-            </a:extLst>
-          </p:cNvPr>
-          <p:cNvSpPr txBox="1"/>
-          <p:nvPr/>
-        </p:nvSpPr>
-        <p:spPr>
-          <a:xfrm>
-            <a:off x="4750675" y="4579825"/>
-            <a:ext cx="3679212" cy="1077218"/>
-          </a:xfrm>
-          <a:prstGeom prst="rect">
-            <a:avLst/>
-          </a:prstGeom>
-          <a:noFill/>
-        </p:spPr>
-        <p:txBody>
-          <a:bodyPr wrap="none" rtlCol="0">
-            <a:spAutoFit/>
-          </a:bodyPr>
-          <a:lstStyle/>
-          <a:p>
-            <a:pPr marL="457200" indent="-457200">
-              <a:buFont typeface="Wingdings" pitchFamily="2" charset="2"/>
-              <a:buChar char="ü"/>
-            </a:pPr>
-            <a:r>
-              <a:rPr lang="en-US" sz="3200" dirty="0">
-                <a:latin typeface="Roboto" panose="02000000000000000000" pitchFamily="2" charset="0"/>
-                <a:ea typeface="Roboto" panose="02000000000000000000" pitchFamily="2" charset="0"/>
-              </a:rPr>
-              <a:t>Reproducibility</a:t>
-            </a:r>
-          </a:p>
-          <a:p>
-            <a:pPr marL="457200" indent="-457200">
-              <a:buFont typeface="Wingdings" pitchFamily="2" charset="2"/>
-              <a:buChar char="ü"/>
-            </a:pPr>
-            <a:r>
-              <a:rPr lang="en-US" sz="3200" dirty="0">
-                <a:latin typeface="Roboto" panose="02000000000000000000" pitchFamily="2" charset="0"/>
-                <a:ea typeface="Roboto" panose="02000000000000000000" pitchFamily="2" charset="0"/>
-              </a:rPr>
-              <a:t>Version Control </a:t>
-            </a:r>
-          </a:p>
-        </p:txBody>
-      </p:sp>
       <p:pic>
         <p:nvPicPr>
-          <p:cNvPr id="5" name="Picture 4" descr="Github">
-            <a:extLst>
-              <a:ext uri="{FF2B5EF4-FFF2-40B4-BE49-F238E27FC236}">
-                <a16:creationId xmlns:a16="http://schemas.microsoft.com/office/drawing/2014/main" id="{69138367-5F7B-A5A8-4908-125761A52632}"/>
+          <p:cNvPr id="9" name="Picture 2" descr="Qualtrics, a pioneer in Experience Management (XM) | SOM">
+            <a:extLst>
+              <a:ext uri="{FF2B5EF4-FFF2-40B4-BE49-F238E27FC236}">
+                <a16:creationId xmlns:a16="http://schemas.microsoft.com/office/drawing/2014/main" id="{4A1F7D68-4875-70A2-6E91-97026FCA5228}"/>
               </a:ext>
             </a:extLst>
           </p:cNvPr>
@@ -8226,8 +9325,8 @@
         </p:blipFill>
         <p:spPr bwMode="auto">
           <a:xfrm>
-            <a:off x="8149798" y="5061391"/>
-            <a:ext cx="560178" cy="560178"/>
+            <a:off x="1573941" y="907945"/>
+            <a:ext cx="2110834" cy="599477"/>
           </a:xfrm>
           <a:prstGeom prst="rect">
             <a:avLst/>
@@ -8247,29 +9346,87 @@
     </p:spTree>
     <p:extLst>
       <p:ext uri="{BB962C8B-B14F-4D97-AF65-F5344CB8AC3E}">
-        <p14:creationId xmlns:p14="http://schemas.microsoft.com/office/powerpoint/2010/main" val="2733506970"/>
+        <p14:creationId xmlns:p14="http://schemas.microsoft.com/office/powerpoint/2010/main" val="3413541852"/>
       </p:ext>
     </p:extLst>
   </p:cSld>
   <p:clrMapOvr>
     <a:masterClrMapping/>
   </p:clrMapOvr>
-  <mc:AlternateContent xmlns:mc="http://schemas.openxmlformats.org/markup-compatibility/2006" xmlns:p14="http://schemas.microsoft.com/office/powerpoint/2010/main">
-    <mc:Choice Requires="p14">
-      <p:transition spd="med" p14:dur="700">
-        <p:fade/>
-      </p:transition>
-    </mc:Choice>
-    <mc:Fallback xmlns="">
-      <p:transition spd="med">
-        <p:fade/>
-      </p:transition>
-    </mc:Fallback>
-  </mc:AlternateContent>
+  <p:timing>
+    <p:tnLst>
+      <p:par>
+        <p:cTn id="1" dur="indefinite" restart="never" nodeType="tmRoot">
+          <p:childTnLst>
+            <p:seq concurrent="1" nextAc="seek">
+              <p:cTn id="2" dur="indefinite" nodeType="mainSeq">
+                <p:childTnLst>
+                  <p:par>
+                    <p:cTn id="3" fill="hold">
+                      <p:stCondLst>
+                        <p:cond delay="indefinite"/>
+                      </p:stCondLst>
+                      <p:childTnLst>
+                        <p:par>
+                          <p:cTn id="4" fill="hold">
+                            <p:stCondLst>
+                              <p:cond delay="0"/>
+                            </p:stCondLst>
+                            <p:childTnLst>
+                              <p:par>
+                                <p:cTn id="5" presetID="42" presetClass="path" presetSubtype="0" accel="50000" decel="50000" fill="hold" nodeType="clickEffect">
+                                  <p:stCondLst>
+                                    <p:cond delay="0"/>
+                                  </p:stCondLst>
+                                  <p:childTnLst>
+                                    <p:animMotion origin="layout" path="M 0 0 L 0.08932 -0.23356 " pathEditMode="relative" rAng="0" ptsTypes="AA">
+                                      <p:cBhvr>
+                                        <p:cTn id="6" dur="2000" fill="hold"/>
+                                        <p:tgtEl>
+                                          <p:spTgt spid="5"/>
+                                        </p:tgtEl>
+                                        <p:attrNameLst>
+                                          <p:attrName>ppt_x</p:attrName>
+                                          <p:attrName>ppt_y</p:attrName>
+                                        </p:attrNameLst>
+                                      </p:cBhvr>
+                                      <p:rCtr x="4466" y="-11690"/>
+                                    </p:animMotion>
+                                  </p:childTnLst>
+                                </p:cTn>
+                              </p:par>
+                            </p:childTnLst>
+                          </p:cTn>
+                        </p:par>
+                      </p:childTnLst>
+                    </p:cTn>
+                  </p:par>
+                </p:childTnLst>
+              </p:cTn>
+              <p:prevCondLst>
+                <p:cond evt="onPrev" delay="0">
+                  <p:tgtEl>
+                    <p:sldTgt/>
+                  </p:tgtEl>
+                </p:cond>
+              </p:prevCondLst>
+              <p:nextCondLst>
+                <p:cond evt="onNext" delay="0">
+                  <p:tgtEl>
+                    <p:sldTgt/>
+                  </p:tgtEl>
+                </p:cond>
+              </p:nextCondLst>
+            </p:seq>
+          </p:childTnLst>
+        </p:cTn>
+      </p:par>
+    </p:tnLst>
+  </p:timing>
 </p:sld>
 </file>
 
-<file path=ppt/slides/slide7.xml><?xml version="1.0" encoding="utf-8"?>
+<file path=ppt/slides/slide9.xml><?xml version="1.0" encoding="utf-8"?>
 <p:sld xmlns:a="http://schemas.openxmlformats.org/drawingml/2006/main" xmlns:r="http://schemas.openxmlformats.org/officeDocument/2006/relationships" xmlns:p="http://schemas.openxmlformats.org/presentationml/2006/main">
   <p:cSld>
     <p:spTree>
@@ -8277,7 +9434,7 @@
         <p:cNvPr id="1" name="">
           <a:extLst>
             <a:ext uri="{FF2B5EF4-FFF2-40B4-BE49-F238E27FC236}">
-              <a16:creationId xmlns:a16="http://schemas.microsoft.com/office/drawing/2014/main" id="{B13A4EFA-21A3-0823-CBAF-C3917C77ED66}"/>
+              <a16:creationId xmlns:a16="http://schemas.microsoft.com/office/drawing/2014/main" id="{D60EE6B0-7E5C-C103-1657-6C09DB0B48BD}"/>
             </a:ext>
           </a:extLst>
         </p:cNvPr>
@@ -8294,10 +9451,10 @@
       </p:grpSpPr>
       <p:pic>
         <p:nvPicPr>
-          <p:cNvPr id="3" name="Picture 2" descr="A diagram of a model&#10;&#10;Description automatically generated">
-            <a:extLst>
-              <a:ext uri="{FF2B5EF4-FFF2-40B4-BE49-F238E27FC236}">
-                <a16:creationId xmlns:a16="http://schemas.microsoft.com/office/drawing/2014/main" id="{3680D1C4-5FB8-2723-1107-9D7A649800DD}"/>
+          <p:cNvPr id="12" name="Picture 11" descr="A hexagon with a sign and a arrow&#10;&#10;Description automatically generated">
+            <a:extLst>
+              <a:ext uri="{FF2B5EF4-FFF2-40B4-BE49-F238E27FC236}">
+                <a16:creationId xmlns:a16="http://schemas.microsoft.com/office/drawing/2014/main" id="{8DEB7923-2C20-1CF0-BA92-0479B51A890F}"/>
               </a:ext>
             </a:extLst>
           </p:cNvPr>
@@ -8314,68 +9471,202 @@
         </p:blipFill>
         <p:spPr>
           <a:xfrm>
-            <a:off x="2829618" y="223941"/>
-            <a:ext cx="8721250" cy="3205059"/>
+            <a:off x="386247" y="169456"/>
+            <a:ext cx="1814104" cy="2086776"/>
           </a:xfrm>
           <a:prstGeom prst="rect">
             <a:avLst/>
           </a:prstGeom>
         </p:spPr>
       </p:pic>
-    </p:spTree>
-    <p:extLst>
-      <p:ext uri="{BB962C8B-B14F-4D97-AF65-F5344CB8AC3E}">
-        <p14:creationId xmlns:p14="http://schemas.microsoft.com/office/powerpoint/2010/main" val="1834132455"/>
-      </p:ext>
-    </p:extLst>
-  </p:cSld>
-  <p:clrMapOvr>
-    <a:masterClrMapping/>
-  </p:clrMapOvr>
-  <mc:AlternateContent xmlns:mc="http://schemas.openxmlformats.org/markup-compatibility/2006" xmlns:p14="http://schemas.microsoft.com/office/powerpoint/2010/main">
-    <mc:Choice Requires="p14">
-      <p:transition spd="med" p14:dur="700">
-        <p:fade/>
-      </p:transition>
-    </mc:Choice>
-    <mc:Fallback xmlns="">
-      <p:transition spd="med">
-        <p:fade/>
-      </p:transition>
-    </mc:Fallback>
-  </mc:AlternateContent>
-</p:sld>
-</file>
-
-<file path=ppt/slides/slide8.xml><?xml version="1.0" encoding="utf-8"?>
-<p:sld xmlns:a="http://schemas.openxmlformats.org/drawingml/2006/main" xmlns:r="http://schemas.openxmlformats.org/officeDocument/2006/relationships" xmlns:p="http://schemas.openxmlformats.org/presentationml/2006/main">
-  <p:cSld>
-    <p:spTree>
-      <p:nvGrpSpPr>
-        <p:cNvPr id="1" name="">
-          <a:extLst>
-            <a:ext uri="{FF2B5EF4-FFF2-40B4-BE49-F238E27FC236}">
-              <a16:creationId xmlns:a16="http://schemas.microsoft.com/office/drawing/2014/main" id="{4CB225F6-8941-323B-7D5E-C5BFCC43A990}"/>
-            </a:ext>
-          </a:extLst>
-        </p:cNvPr>
-        <p:cNvGrpSpPr/>
-        <p:nvPr/>
-      </p:nvGrpSpPr>
-      <p:grpSpPr>
-        <a:xfrm>
-          <a:off x="0" y="0"/>
-          <a:ext cx="0" cy="0"/>
-          <a:chOff x="0" y="0"/>
-          <a:chExt cx="0" cy="0"/>
-        </a:xfrm>
-      </p:grpSpPr>
+      <p:grpSp>
+        <p:nvGrpSpPr>
+          <p:cNvPr id="6" name="Group 5">
+            <a:extLst>
+              <a:ext uri="{FF2B5EF4-FFF2-40B4-BE49-F238E27FC236}">
+                <a16:creationId xmlns:a16="http://schemas.microsoft.com/office/drawing/2014/main" id="{FF019A77-D354-8A8B-AB60-53476A065311}"/>
+              </a:ext>
+            </a:extLst>
+          </p:cNvPr>
+          <p:cNvGrpSpPr/>
+          <p:nvPr/>
+        </p:nvGrpSpPr>
+        <p:grpSpPr>
+          <a:xfrm>
+            <a:off x="547832" y="2623747"/>
+            <a:ext cx="2347036" cy="2831890"/>
+            <a:chOff x="789569" y="1860698"/>
+            <a:chExt cx="2347036" cy="2831890"/>
+          </a:xfrm>
+        </p:grpSpPr>
+        <p:cxnSp>
+          <p:nvCxnSpPr>
+            <p:cNvPr id="2" name="Straight Arrow Connector 1">
+              <a:extLst>
+                <a:ext uri="{FF2B5EF4-FFF2-40B4-BE49-F238E27FC236}">
+                  <a16:creationId xmlns:a16="http://schemas.microsoft.com/office/drawing/2014/main" id="{29167F0C-FFA7-1ABA-E288-2F438E85D921}"/>
+                </a:ext>
+              </a:extLst>
+            </p:cNvPr>
+            <p:cNvCxnSpPr>
+              <a:cxnSpLocks/>
+            </p:cNvCxnSpPr>
+            <p:nvPr/>
+          </p:nvCxnSpPr>
+          <p:spPr>
+            <a:xfrm>
+              <a:off x="2742033" y="2975183"/>
+              <a:ext cx="394572" cy="0"/>
+            </a:xfrm>
+            <a:prstGeom prst="straightConnector1">
+              <a:avLst/>
+            </a:prstGeom>
+            <a:ln w="31750">
+              <a:solidFill>
+                <a:srgbClr val="FF0000"/>
+              </a:solidFill>
+              <a:tailEnd type="triangle" w="lg" len="lg"/>
+            </a:ln>
+          </p:spPr>
+          <p:style>
+            <a:lnRef idx="2">
+              <a:schemeClr val="accent1"/>
+            </a:lnRef>
+            <a:fillRef idx="0">
+              <a:schemeClr val="accent1"/>
+            </a:fillRef>
+            <a:effectRef idx="1">
+              <a:schemeClr val="accent1"/>
+            </a:effectRef>
+            <a:fontRef idx="minor">
+              <a:schemeClr val="tx1"/>
+            </a:fontRef>
+          </p:style>
+        </p:cxnSp>
+        <p:sp>
+          <p:nvSpPr>
+            <p:cNvPr id="3" name="TextBox 2">
+              <a:extLst>
+                <a:ext uri="{FF2B5EF4-FFF2-40B4-BE49-F238E27FC236}">
+                  <a16:creationId xmlns:a16="http://schemas.microsoft.com/office/drawing/2014/main" id="{A90F7D2F-CA32-FC71-C7D3-FDEDCF76EA9C}"/>
+                </a:ext>
+              </a:extLst>
+            </p:cNvPr>
+            <p:cNvSpPr txBox="1"/>
+            <p:nvPr/>
+          </p:nvSpPr>
+          <p:spPr>
+            <a:xfrm>
+              <a:off x="789569" y="4354034"/>
+              <a:ext cx="763351" cy="338554"/>
+            </a:xfrm>
+            <a:prstGeom prst="rect">
+              <a:avLst/>
+            </a:prstGeom>
+            <a:noFill/>
+          </p:spPr>
+          <p:txBody>
+            <a:bodyPr wrap="none" rtlCol="0">
+              <a:spAutoFit/>
+            </a:bodyPr>
+            <a:lstStyle/>
+            <a:p>
+              <a:r>
+                <a:rPr lang="en-US" sz="1600" dirty="0">
+                  <a:solidFill>
+                    <a:srgbClr val="FF0000"/>
+                  </a:solidFill>
+                  <a:latin typeface="Fira Sans Condensed Medium" panose="020B0603050000020004" pitchFamily="34" charset="0"/>
+                  <a:ea typeface="Roboto" panose="02000000000000000000" pitchFamily="2" charset="0"/>
+                </a:rPr>
+                <a:t>Survey</a:t>
+              </a:r>
+            </a:p>
+          </p:txBody>
+        </p:sp>
+        <p:sp>
+          <p:nvSpPr>
+            <p:cNvPr id="4" name="Rounded Rectangle 3">
+              <a:extLst>
+                <a:ext uri="{FF2B5EF4-FFF2-40B4-BE49-F238E27FC236}">
+                  <a16:creationId xmlns:a16="http://schemas.microsoft.com/office/drawing/2014/main" id="{97FEECE6-ABC3-51AB-0C11-5CA1E4BC99F9}"/>
+                </a:ext>
+              </a:extLst>
+            </p:cNvPr>
+            <p:cNvSpPr/>
+            <p:nvPr/>
+          </p:nvSpPr>
+          <p:spPr>
+            <a:xfrm>
+              <a:off x="860681" y="1860698"/>
+              <a:ext cx="1881352" cy="2530549"/>
+            </a:xfrm>
+            <a:prstGeom prst="roundRect">
+              <a:avLst>
+                <a:gd name="adj" fmla="val 7170"/>
+              </a:avLst>
+            </a:prstGeom>
+            <a:noFill/>
+            <a:ln>
+              <a:solidFill>
+                <a:srgbClr val="FF0000"/>
+              </a:solidFill>
+            </a:ln>
+          </p:spPr>
+          <p:style>
+            <a:lnRef idx="2">
+              <a:schemeClr val="accent1">
+                <a:shade val="15000"/>
+              </a:schemeClr>
+            </a:lnRef>
+            <a:fillRef idx="1">
+              <a:schemeClr val="accent1"/>
+            </a:fillRef>
+            <a:effectRef idx="0">
+              <a:schemeClr val="accent1"/>
+            </a:effectRef>
+            <a:fontRef idx="minor">
+              <a:schemeClr val="lt1"/>
+            </a:fontRef>
+          </p:style>
+          <p:txBody>
+            <a:bodyPr rtlCol="0" anchor="ctr"/>
+            <a:lstStyle/>
+            <a:p>
+              <a:pPr algn="ctr"/>
+              <a:r>
+                <a:rPr lang="en-US" sz="2200" dirty="0">
+                  <a:solidFill>
+                    <a:srgbClr val="FF0000"/>
+                  </a:solidFill>
+                  <a:latin typeface="Roboto" panose="02000000000000000000" pitchFamily="2" charset="0"/>
+                  <a:ea typeface="Roboto" panose="02000000000000000000" pitchFamily="2" charset="0"/>
+                </a:rPr>
+                <a:t>Collect</a:t>
+              </a:r>
+            </a:p>
+            <a:p>
+              <a:pPr algn="ctr"/>
+              <a:r>
+                <a:rPr lang="en-US" sz="2200" dirty="0">
+                  <a:solidFill>
+                    <a:srgbClr val="FF0000"/>
+                  </a:solidFill>
+                  <a:latin typeface="Roboto" panose="02000000000000000000" pitchFamily="2" charset="0"/>
+                  <a:ea typeface="Roboto" panose="02000000000000000000" pitchFamily="2" charset="0"/>
+                </a:rPr>
+                <a:t>Data</a:t>
+              </a:r>
+            </a:p>
+          </p:txBody>
+        </p:sp>
+      </p:grpSp>
       <p:pic>
         <p:nvPicPr>
-          <p:cNvPr id="3" name="Picture 2" descr="A diagram of a model&#10;&#10;Description automatically generated">
-            <a:extLst>
-              <a:ext uri="{FF2B5EF4-FFF2-40B4-BE49-F238E27FC236}">
-                <a16:creationId xmlns:a16="http://schemas.microsoft.com/office/drawing/2014/main" id="{9CCC40D1-DEC1-9839-4219-2165F23317E4}"/>
+          <p:cNvPr id="5" name="Picture 4">
+            <a:extLst>
+              <a:ext uri="{FF2B5EF4-FFF2-40B4-BE49-F238E27FC236}">
+                <a16:creationId xmlns:a16="http://schemas.microsoft.com/office/drawing/2014/main" id="{0AEB48B6-6282-35CD-8E52-4DDAC180F2BB}"/>
               </a:ext>
             </a:extLst>
           </p:cNvPr>
@@ -8385,15 +9676,14 @@
           <p:nvPr/>
         </p:nvPicPr>
         <p:blipFill>
-          <a:blip r:embed="rId3"/>
-          <a:stretch>
-            <a:fillRect/>
-          </a:stretch>
+          <a:blip r:embed="rId4"/>
+          <a:srcRect/>
+          <a:stretch/>
         </p:blipFill>
         <p:spPr>
           <a:xfrm>
-            <a:off x="2829618" y="223941"/>
-            <a:ext cx="8721250" cy="3205059"/>
+            <a:off x="2894868" y="2560687"/>
+            <a:ext cx="8721250" cy="2945741"/>
           </a:xfrm>
           <a:prstGeom prst="rect">
             <a:avLst/>
@@ -8402,140 +9692,20 @@
       </p:pic>
       <p:sp>
         <p:nvSpPr>
-          <p:cNvPr id="5" name="Rounded Rectangle 4">
-            <a:extLst>
-              <a:ext uri="{FF2B5EF4-FFF2-40B4-BE49-F238E27FC236}">
-                <a16:creationId xmlns:a16="http://schemas.microsoft.com/office/drawing/2014/main" id="{CFBA4CA2-6851-57A1-07AF-16602F27EC2D}"/>
-              </a:ext>
-            </a:extLst>
-          </p:cNvPr>
-          <p:cNvSpPr/>
+          <p:cNvPr id="11" name="TextBox 10">
+            <a:extLst>
+              <a:ext uri="{FF2B5EF4-FFF2-40B4-BE49-F238E27FC236}">
+                <a16:creationId xmlns:a16="http://schemas.microsoft.com/office/drawing/2014/main" id="{DB65E3EB-94F4-59D9-5CA6-3E0F59C0E569}"/>
+              </a:ext>
+            </a:extLst>
+          </p:cNvPr>
+          <p:cNvSpPr txBox="1"/>
           <p:nvPr/>
         </p:nvSpPr>
         <p:spPr>
           <a:xfrm>
-            <a:off x="599089" y="223941"/>
-            <a:ext cx="1881352" cy="2894375"/>
-          </a:xfrm>
-          <a:prstGeom prst="roundRect">
-            <a:avLst>
-              <a:gd name="adj" fmla="val 7170"/>
-            </a:avLst>
-          </a:prstGeom>
-          <a:noFill/>
-          <a:ln>
-            <a:solidFill>
-              <a:srgbClr val="FF0000"/>
-            </a:solidFill>
-          </a:ln>
-        </p:spPr>
-        <p:style>
-          <a:lnRef idx="2">
-            <a:schemeClr val="accent1">
-              <a:shade val="15000"/>
-            </a:schemeClr>
-          </a:lnRef>
-          <a:fillRef idx="1">
-            <a:schemeClr val="accent1"/>
-          </a:fillRef>
-          <a:effectRef idx="0">
-            <a:schemeClr val="accent1"/>
-          </a:effectRef>
-          <a:fontRef idx="minor">
-            <a:schemeClr val="lt1"/>
-          </a:fontRef>
-        </p:style>
-        <p:txBody>
-          <a:bodyPr rtlCol="0" anchor="ctr"/>
-          <a:lstStyle/>
-          <a:p>
-            <a:pPr algn="ctr"/>
-            <a:r>
-              <a:rPr lang="en-US" sz="2200" dirty="0">
-                <a:solidFill>
-                  <a:srgbClr val="FF0000"/>
-                </a:solidFill>
-                <a:latin typeface="Roboto" panose="02000000000000000000" pitchFamily="2" charset="0"/>
-                <a:ea typeface="Roboto" panose="02000000000000000000" pitchFamily="2" charset="0"/>
-              </a:rPr>
-              <a:t>Collect</a:t>
-            </a:r>
-          </a:p>
-          <a:p>
-            <a:pPr algn="ctr"/>
-            <a:r>
-              <a:rPr lang="en-US" sz="2200" dirty="0">
-                <a:solidFill>
-                  <a:srgbClr val="FF0000"/>
-                </a:solidFill>
-                <a:latin typeface="Roboto" panose="02000000000000000000" pitchFamily="2" charset="0"/>
-                <a:ea typeface="Roboto" panose="02000000000000000000" pitchFamily="2" charset="0"/>
-              </a:rPr>
-              <a:t>Data</a:t>
-            </a:r>
-          </a:p>
-        </p:txBody>
-      </p:sp>
-      <p:cxnSp>
-        <p:nvCxnSpPr>
-          <p:cNvPr id="8" name="Straight Arrow Connector 7">
-            <a:extLst>
-              <a:ext uri="{FF2B5EF4-FFF2-40B4-BE49-F238E27FC236}">
-                <a16:creationId xmlns:a16="http://schemas.microsoft.com/office/drawing/2014/main" id="{579F3D89-1B46-2335-1937-70289117F97E}"/>
-              </a:ext>
-            </a:extLst>
-          </p:cNvPr>
-          <p:cNvCxnSpPr>
-            <a:stCxn id="5" idx="3"/>
-          </p:cNvCxnSpPr>
-          <p:nvPr/>
-        </p:nvCxnSpPr>
-        <p:spPr>
-          <a:xfrm flipV="1">
-            <a:off x="2480441" y="1671128"/>
-            <a:ext cx="349177" cy="1"/>
-          </a:xfrm>
-          <a:prstGeom prst="straightConnector1">
-            <a:avLst/>
-          </a:prstGeom>
-          <a:ln>
-            <a:solidFill>
-              <a:srgbClr val="FF0000"/>
-            </a:solidFill>
-            <a:tailEnd type="triangle" w="lg" len="lg"/>
-          </a:ln>
-        </p:spPr>
-        <p:style>
-          <a:lnRef idx="2">
-            <a:schemeClr val="accent1"/>
-          </a:lnRef>
-          <a:fillRef idx="0">
-            <a:schemeClr val="accent1"/>
-          </a:fillRef>
-          <a:effectRef idx="1">
-            <a:schemeClr val="accent1"/>
-          </a:effectRef>
-          <a:fontRef idx="minor">
-            <a:schemeClr val="tx1"/>
-          </a:fontRef>
-        </p:style>
-      </p:cxnSp>
-      <p:sp>
-        <p:nvSpPr>
-          <p:cNvPr id="9" name="TextBox 8">
-            <a:extLst>
-              <a:ext uri="{FF2B5EF4-FFF2-40B4-BE49-F238E27FC236}">
-                <a16:creationId xmlns:a16="http://schemas.microsoft.com/office/drawing/2014/main" id="{730DB322-63AD-A817-A730-C0AC2D5046DE}"/>
-              </a:ext>
-            </a:extLst>
-          </p:cNvPr>
-          <p:cNvSpPr txBox="1"/>
-          <p:nvPr/>
-        </p:nvSpPr>
-        <p:spPr>
-          <a:xfrm>
-            <a:off x="607721" y="3090446"/>
-            <a:ext cx="795411" cy="338554"/>
+            <a:off x="4309293" y="438516"/>
+            <a:ext cx="3573414" cy="1569660"/>
           </a:xfrm>
           <a:prstGeom prst="rect">
             <a:avLst/>
@@ -8548,384 +9718,9 @@
           </a:bodyPr>
           <a:lstStyle/>
           <a:p>
-            <a:r>
-              <a:rPr lang="en-US" sz="1600" dirty="0">
-                <a:solidFill>
-                  <a:srgbClr val="FF0000"/>
-                </a:solidFill>
-                <a:latin typeface="Roboto" panose="02000000000000000000" pitchFamily="2" charset="0"/>
-                <a:ea typeface="Roboto" panose="02000000000000000000" pitchFamily="2" charset="0"/>
-              </a:rPr>
-              <a:t>Survey</a:t>
-            </a:r>
-          </a:p>
-        </p:txBody>
-      </p:sp>
-    </p:spTree>
-    <p:extLst>
-      <p:ext uri="{BB962C8B-B14F-4D97-AF65-F5344CB8AC3E}">
-        <p14:creationId xmlns:p14="http://schemas.microsoft.com/office/powerpoint/2010/main" val="2521803350"/>
-      </p:ext>
-    </p:extLst>
-  </p:cSld>
-  <p:clrMapOvr>
-    <a:masterClrMapping/>
-  </p:clrMapOvr>
-  <mc:AlternateContent xmlns:mc="http://schemas.openxmlformats.org/markup-compatibility/2006" xmlns:p14="http://schemas.microsoft.com/office/powerpoint/2010/main">
-    <mc:Choice Requires="p14">
-      <p:transition spd="med" p14:dur="700">
-        <p:fade/>
-      </p:transition>
-    </mc:Choice>
-    <mc:Fallback xmlns="">
-      <p:transition spd="med">
-        <p:fade/>
-      </p:transition>
-    </mc:Fallback>
-  </mc:AlternateContent>
-</p:sld>
-</file>
-
-<file path=ppt/slides/slide9.xml><?xml version="1.0" encoding="utf-8"?>
-<p:sld xmlns:a="http://schemas.openxmlformats.org/drawingml/2006/main" xmlns:r="http://schemas.openxmlformats.org/officeDocument/2006/relationships" xmlns:p="http://schemas.openxmlformats.org/presentationml/2006/main">
-  <p:cSld>
-    <p:spTree>
-      <p:nvGrpSpPr>
-        <p:cNvPr id="1" name="">
-          <a:extLst>
-            <a:ext uri="{FF2B5EF4-FFF2-40B4-BE49-F238E27FC236}">
-              <a16:creationId xmlns:a16="http://schemas.microsoft.com/office/drawing/2014/main" id="{5CCA3174-F55E-42C7-9214-843019DBE536}"/>
-            </a:ext>
-          </a:extLst>
-        </p:cNvPr>
-        <p:cNvGrpSpPr/>
-        <p:nvPr/>
-      </p:nvGrpSpPr>
-      <p:grpSpPr>
-        <a:xfrm>
-          <a:off x="0" y="0"/>
-          <a:ext cx="0" cy="0"/>
-          <a:chOff x="0" y="0"/>
-          <a:chExt cx="0" cy="0"/>
-        </a:xfrm>
-      </p:grpSpPr>
-      <p:pic>
-        <p:nvPicPr>
-          <p:cNvPr id="3" name="Picture 2" descr="A diagram of a model&#10;&#10;Description automatically generated">
-            <a:extLst>
-              <a:ext uri="{FF2B5EF4-FFF2-40B4-BE49-F238E27FC236}">
-                <a16:creationId xmlns:a16="http://schemas.microsoft.com/office/drawing/2014/main" id="{063D0DEE-7A55-0EB6-5C9E-4A0EA67E8A69}"/>
-              </a:ext>
-            </a:extLst>
-          </p:cNvPr>
-          <p:cNvPicPr>
-            <a:picLocks noChangeAspect="1"/>
-          </p:cNvPicPr>
-          <p:nvPr/>
-        </p:nvPicPr>
-        <p:blipFill>
-          <a:blip r:embed="rId3"/>
-          <a:stretch>
-            <a:fillRect/>
-          </a:stretch>
-        </p:blipFill>
-        <p:spPr>
-          <a:xfrm>
-            <a:off x="2829618" y="223941"/>
-            <a:ext cx="8721250" cy="3205059"/>
-          </a:xfrm>
-          <a:prstGeom prst="rect">
-            <a:avLst/>
-          </a:prstGeom>
-        </p:spPr>
-      </p:pic>
-      <p:sp>
-        <p:nvSpPr>
-          <p:cNvPr id="5" name="Rounded Rectangle 4">
-            <a:extLst>
-              <a:ext uri="{FF2B5EF4-FFF2-40B4-BE49-F238E27FC236}">
-                <a16:creationId xmlns:a16="http://schemas.microsoft.com/office/drawing/2014/main" id="{761093E3-4223-228F-E122-C03B0BF447B2}"/>
-              </a:ext>
-            </a:extLst>
-          </p:cNvPr>
-          <p:cNvSpPr/>
-          <p:nvPr/>
-        </p:nvSpPr>
-        <p:spPr>
-          <a:xfrm>
-            <a:off x="599089" y="223941"/>
-            <a:ext cx="1881352" cy="2894375"/>
-          </a:xfrm>
-          <a:prstGeom prst="roundRect">
-            <a:avLst>
-              <a:gd name="adj" fmla="val 7170"/>
-            </a:avLst>
-          </a:prstGeom>
-          <a:noFill/>
-          <a:ln>
-            <a:solidFill>
-              <a:srgbClr val="FF0000"/>
-            </a:solidFill>
-          </a:ln>
-        </p:spPr>
-        <p:style>
-          <a:lnRef idx="2">
-            <a:schemeClr val="accent1">
-              <a:shade val="15000"/>
-            </a:schemeClr>
-          </a:lnRef>
-          <a:fillRef idx="1">
-            <a:schemeClr val="accent1"/>
-          </a:fillRef>
-          <a:effectRef idx="0">
-            <a:schemeClr val="accent1"/>
-          </a:effectRef>
-          <a:fontRef idx="minor">
-            <a:schemeClr val="lt1"/>
-          </a:fontRef>
-        </p:style>
-        <p:txBody>
-          <a:bodyPr rtlCol="0" anchor="ctr"/>
-          <a:lstStyle/>
-          <a:p>
-            <a:pPr algn="ctr"/>
-            <a:r>
-              <a:rPr lang="en-US" sz="2200" dirty="0">
-                <a:solidFill>
-                  <a:srgbClr val="FF0000"/>
-                </a:solidFill>
-                <a:latin typeface="Roboto" panose="02000000000000000000" pitchFamily="2" charset="0"/>
-                <a:ea typeface="Roboto" panose="02000000000000000000" pitchFamily="2" charset="0"/>
-              </a:rPr>
-              <a:t>Collect</a:t>
-            </a:r>
-          </a:p>
-          <a:p>
-            <a:pPr algn="ctr"/>
-            <a:r>
-              <a:rPr lang="en-US" sz="2200" dirty="0">
-                <a:solidFill>
-                  <a:srgbClr val="FF0000"/>
-                </a:solidFill>
-                <a:latin typeface="Roboto" panose="02000000000000000000" pitchFamily="2" charset="0"/>
-                <a:ea typeface="Roboto" panose="02000000000000000000" pitchFamily="2" charset="0"/>
-              </a:rPr>
-              <a:t>Data</a:t>
-            </a:r>
-          </a:p>
-        </p:txBody>
-      </p:sp>
-      <p:cxnSp>
-        <p:nvCxnSpPr>
-          <p:cNvPr id="8" name="Straight Arrow Connector 7">
-            <a:extLst>
-              <a:ext uri="{FF2B5EF4-FFF2-40B4-BE49-F238E27FC236}">
-                <a16:creationId xmlns:a16="http://schemas.microsoft.com/office/drawing/2014/main" id="{291689CE-394B-AD81-BF7D-1CAE6D2E7E27}"/>
-              </a:ext>
-            </a:extLst>
-          </p:cNvPr>
-          <p:cNvCxnSpPr>
-            <a:stCxn id="5" idx="3"/>
-          </p:cNvCxnSpPr>
-          <p:nvPr/>
-        </p:nvCxnSpPr>
-        <p:spPr>
-          <a:xfrm flipV="1">
-            <a:off x="2480441" y="1671128"/>
-            <a:ext cx="349177" cy="1"/>
-          </a:xfrm>
-          <a:prstGeom prst="straightConnector1">
-            <a:avLst/>
-          </a:prstGeom>
-          <a:ln>
-            <a:solidFill>
-              <a:srgbClr val="FF0000"/>
-            </a:solidFill>
-            <a:tailEnd type="triangle" w="lg" len="lg"/>
-          </a:ln>
-        </p:spPr>
-        <p:style>
-          <a:lnRef idx="2">
-            <a:schemeClr val="accent1"/>
-          </a:lnRef>
-          <a:fillRef idx="0">
-            <a:schemeClr val="accent1"/>
-          </a:fillRef>
-          <a:effectRef idx="1">
-            <a:schemeClr val="accent1"/>
-          </a:effectRef>
-          <a:fontRef idx="minor">
-            <a:schemeClr val="tx1"/>
-          </a:fontRef>
-        </p:style>
-      </p:cxnSp>
-      <p:sp>
-        <p:nvSpPr>
-          <p:cNvPr id="9" name="TextBox 8">
-            <a:extLst>
-              <a:ext uri="{FF2B5EF4-FFF2-40B4-BE49-F238E27FC236}">
-                <a16:creationId xmlns:a16="http://schemas.microsoft.com/office/drawing/2014/main" id="{3DB0DAAA-723D-B05A-4E5C-1C298CE2A53A}"/>
-              </a:ext>
-            </a:extLst>
-          </p:cNvPr>
-          <p:cNvSpPr txBox="1"/>
-          <p:nvPr/>
-        </p:nvSpPr>
-        <p:spPr>
-          <a:xfrm>
-            <a:off x="607721" y="3090446"/>
-            <a:ext cx="795411" cy="338554"/>
-          </a:xfrm>
-          <a:prstGeom prst="rect">
-            <a:avLst/>
-          </a:prstGeom>
-          <a:noFill/>
-        </p:spPr>
-        <p:txBody>
-          <a:bodyPr wrap="none" rtlCol="0">
-            <a:spAutoFit/>
-          </a:bodyPr>
-          <a:lstStyle/>
-          <a:p>
-            <a:r>
-              <a:rPr lang="en-US" sz="1600" dirty="0">
-                <a:solidFill>
-                  <a:srgbClr val="FF0000"/>
-                </a:solidFill>
-                <a:latin typeface="Roboto" panose="02000000000000000000" pitchFamily="2" charset="0"/>
-                <a:ea typeface="Roboto" panose="02000000000000000000" pitchFamily="2" charset="0"/>
-              </a:rPr>
-              <a:t>Survey</a:t>
-            </a:r>
-          </a:p>
-        </p:txBody>
-      </p:sp>
-      <p:pic>
-        <p:nvPicPr>
-          <p:cNvPr id="2" name="Picture 2" descr="Qualtrics, a pioneer in Experience Management (XM) | SOM">
-            <a:extLst>
-              <a:ext uri="{FF2B5EF4-FFF2-40B4-BE49-F238E27FC236}">
-                <a16:creationId xmlns:a16="http://schemas.microsoft.com/office/drawing/2014/main" id="{3885FCC8-6865-A9DC-14D5-D14482FE0D0E}"/>
-              </a:ext>
-            </a:extLst>
-          </p:cNvPr>
-          <p:cNvPicPr>
-            <a:picLocks noChangeAspect="1" noChangeArrowheads="1"/>
-          </p:cNvPicPr>
-          <p:nvPr/>
-        </p:nvPicPr>
-        <p:blipFill>
-          <a:blip r:embed="rId4">
-            <a:extLst>
-              <a:ext uri="{28A0092B-C50C-407E-A947-70E740481C1C}">
-                <a14:useLocalDpi xmlns:a14="http://schemas.microsoft.com/office/drawing/2010/main" val="0"/>
-              </a:ext>
-            </a:extLst>
-          </a:blip>
-          <a:srcRect/>
-          <a:stretch>
-            <a:fillRect/>
-          </a:stretch>
-        </p:blipFill>
-        <p:spPr bwMode="auto">
-          <a:xfrm>
-            <a:off x="278126" y="3868599"/>
-            <a:ext cx="2690936" cy="764226"/>
-          </a:xfrm>
-          <a:prstGeom prst="rect">
-            <a:avLst/>
-          </a:prstGeom>
-          <a:noFill/>
-          <a:extLst>
-            <a:ext uri="{909E8E84-426E-40DD-AFC4-6F175D3DCCD1}">
-              <a14:hiddenFill xmlns:a14="http://schemas.microsoft.com/office/drawing/2010/main">
-                <a:solidFill>
-                  <a:srgbClr val="FFFFFF"/>
-                </a:solidFill>
-              </a14:hiddenFill>
-            </a:ext>
-          </a:extLst>
-        </p:spPr>
-      </p:pic>
-      <p:pic>
-        <p:nvPicPr>
-          <p:cNvPr id="4" name="Picture 4" descr="Google Forms - Workforce EdTech">
-            <a:extLst>
-              <a:ext uri="{FF2B5EF4-FFF2-40B4-BE49-F238E27FC236}">
-                <a16:creationId xmlns:a16="http://schemas.microsoft.com/office/drawing/2014/main" id="{86B5192D-C2D5-8B63-01A4-77FCFE37539F}"/>
-              </a:ext>
-            </a:extLst>
-          </p:cNvPr>
-          <p:cNvPicPr>
-            <a:picLocks noChangeAspect="1" noChangeArrowheads="1"/>
-          </p:cNvPicPr>
-          <p:nvPr/>
-        </p:nvPicPr>
-        <p:blipFill>
-          <a:blip r:embed="rId5">
-            <a:extLst>
-              <a:ext uri="{28A0092B-C50C-407E-A947-70E740481C1C}">
-                <a14:useLocalDpi xmlns:a14="http://schemas.microsoft.com/office/drawing/2010/main" val="0"/>
-              </a:ext>
-            </a:extLst>
-          </a:blip>
-          <a:srcRect/>
-          <a:stretch>
-            <a:fillRect/>
-          </a:stretch>
-        </p:blipFill>
-        <p:spPr bwMode="auto">
-          <a:xfrm>
-            <a:off x="546537" y="4782762"/>
-            <a:ext cx="1933904" cy="1933904"/>
-          </a:xfrm>
-          <a:prstGeom prst="rect">
-            <a:avLst/>
-          </a:prstGeom>
-          <a:noFill/>
-          <a:extLst>
-            <a:ext uri="{909E8E84-426E-40DD-AFC4-6F175D3DCCD1}">
-              <a14:hiddenFill xmlns:a14="http://schemas.microsoft.com/office/drawing/2010/main">
-                <a:solidFill>
-                  <a:srgbClr val="FFFFFF"/>
-                </a:solidFill>
-              </a14:hiddenFill>
-            </a:ext>
-          </a:extLst>
-        </p:spPr>
-      </p:pic>
-      <p:sp>
-        <p:nvSpPr>
-          <p:cNvPr id="7" name="TextBox 6">
-            <a:extLst>
-              <a:ext uri="{FF2B5EF4-FFF2-40B4-BE49-F238E27FC236}">
-                <a16:creationId xmlns:a16="http://schemas.microsoft.com/office/drawing/2014/main" id="{2206E1F6-B114-B9E4-B5A9-5DBD013409D4}"/>
-              </a:ext>
-            </a:extLst>
-          </p:cNvPr>
-          <p:cNvSpPr txBox="1"/>
-          <p:nvPr/>
-        </p:nvSpPr>
-        <p:spPr>
-          <a:xfrm>
-            <a:off x="4067503" y="4632825"/>
-            <a:ext cx="3573414" cy="1077218"/>
-          </a:xfrm>
-          <a:prstGeom prst="rect">
-            <a:avLst/>
-          </a:prstGeom>
-          <a:noFill/>
-        </p:spPr>
-        <p:txBody>
-          <a:bodyPr wrap="none" rtlCol="0">
-            <a:spAutoFit/>
-          </a:bodyPr>
-          <a:lstStyle/>
-          <a:p>
             <a:pPr marL="457200" indent="-457200">
-              <a:buSzPct val="80000"/>
-              <a:buFont typeface=".Apple Color Emoji UI"/>
-              <a:buChar char="❌"/>
+              <a:buFont typeface="Wingdings" pitchFamily="2" charset="2"/>
+              <a:buChar char="ü"/>
             </a:pPr>
             <a:r>
               <a:rPr lang="en-US" sz="3200" dirty="0">
@@ -8937,9 +9732,8 @@
           </a:p>
           <a:p>
             <a:pPr marL="457200" indent="-457200">
-              <a:buSzPct val="80000"/>
-              <a:buFont typeface=".Apple Color Emoji UI"/>
-              <a:buChar char="❌"/>
+              <a:buFont typeface="Wingdings" pitchFamily="2" charset="2"/>
+              <a:buChar char="ü"/>
             </a:pPr>
             <a:r>
               <a:rPr lang="en-US" sz="3200" dirty="0">
@@ -8949,77 +9743,101 @@
               <a:t>Version Control </a:t>
             </a:r>
           </a:p>
-        </p:txBody>
-      </p:sp>
-      <p:pic>
-        <p:nvPicPr>
-          <p:cNvPr id="10" name="Picture 9" descr="Github">
-            <a:extLst>
-              <a:ext uri="{FF2B5EF4-FFF2-40B4-BE49-F238E27FC236}">
-                <a16:creationId xmlns:a16="http://schemas.microsoft.com/office/drawing/2014/main" id="{21ECCE1D-1B75-FBBE-FADF-130EFA81EFCF}"/>
-              </a:ext>
-            </a:extLst>
-          </p:cNvPr>
-          <p:cNvPicPr>
-            <a:picLocks noChangeAspect="1" noChangeArrowheads="1"/>
-          </p:cNvPicPr>
-          <p:nvPr/>
-        </p:nvPicPr>
-        <p:blipFill>
-          <a:blip r:embed="rId6">
-            <a:extLst>
-              <a:ext uri="{28A0092B-C50C-407E-A947-70E740481C1C}">
-                <a14:useLocalDpi xmlns:a14="http://schemas.microsoft.com/office/drawing/2010/main" val="0"/>
-              </a:ext>
-            </a:extLst>
-          </a:blip>
-          <a:srcRect/>
-          <a:stretch>
-            <a:fillRect/>
-          </a:stretch>
-        </p:blipFill>
-        <p:spPr bwMode="auto">
-          <a:xfrm>
-            <a:off x="7466626" y="5114391"/>
-            <a:ext cx="560178" cy="560178"/>
-          </a:xfrm>
-          <a:prstGeom prst="rect">
-            <a:avLst/>
-          </a:prstGeom>
-          <a:noFill/>
-          <a:extLst>
-            <a:ext uri="{909E8E84-426E-40DD-AFC4-6F175D3DCCD1}">
-              <a14:hiddenFill xmlns:a14="http://schemas.microsoft.com/office/drawing/2010/main">
-                <a:solidFill>
-                  <a:srgbClr val="FFFFFF"/>
-                </a:solidFill>
-              </a14:hiddenFill>
-            </a:ext>
-          </a:extLst>
-        </p:spPr>
-      </p:pic>
+          <a:p>
+            <a:pPr marL="457200" indent="-457200">
+              <a:buFont typeface="Wingdings" pitchFamily="2" charset="2"/>
+              <a:buChar char="ü"/>
+            </a:pPr>
+            <a:r>
+              <a:rPr lang="en-US" sz="3200" dirty="0">
+                <a:latin typeface="Roboto" panose="02000000000000000000" pitchFamily="2" charset="0"/>
+                <a:ea typeface="Roboto" panose="02000000000000000000" pitchFamily="2" charset="0"/>
+              </a:rPr>
+              <a:t>Open Source</a:t>
+            </a:r>
+          </a:p>
+        </p:txBody>
+      </p:sp>
     </p:spTree>
     <p:extLst>
       <p:ext uri="{BB962C8B-B14F-4D97-AF65-F5344CB8AC3E}">
-        <p14:creationId xmlns:p14="http://schemas.microsoft.com/office/powerpoint/2010/main" val="3157062411"/>
+        <p14:creationId xmlns:p14="http://schemas.microsoft.com/office/powerpoint/2010/main" val="3279913876"/>
       </p:ext>
     </p:extLst>
   </p:cSld>
   <p:clrMapOvr>
     <a:masterClrMapping/>
   </p:clrMapOvr>
-  <mc:AlternateContent xmlns:mc="http://schemas.openxmlformats.org/markup-compatibility/2006" xmlns:p14="http://schemas.microsoft.com/office/powerpoint/2010/main">
-    <mc:Choice Requires="p14">
-      <p:transition spd="med" p14:dur="700">
-        <p:fade/>
-      </p:transition>
-    </mc:Choice>
-    <mc:Fallback xmlns="">
-      <p:transition spd="med">
-        <p:fade/>
-      </p:transition>
-    </mc:Fallback>
-  </mc:AlternateContent>
+  <p:timing>
+    <p:tnLst>
+      <p:par>
+        <p:cTn id="1" dur="indefinite" restart="never" nodeType="tmRoot">
+          <p:childTnLst>
+            <p:seq concurrent="1" nextAc="seek">
+              <p:cTn id="2" dur="indefinite" nodeType="mainSeq">
+                <p:childTnLst>
+                  <p:par>
+                    <p:cTn id="3" fill="hold">
+                      <p:stCondLst>
+                        <p:cond delay="indefinite"/>
+                      </p:stCondLst>
+                      <p:childTnLst>
+                        <p:par>
+                          <p:cTn id="4" fill="hold">
+                            <p:stCondLst>
+                              <p:cond delay="0"/>
+                            </p:stCondLst>
+                            <p:childTnLst>
+                              <p:par>
+                                <p:cTn id="5" presetID="42" presetClass="path" presetSubtype="0" accel="50000" decel="50000" fill="hold" nodeType="clickEffect">
+                                  <p:stCondLst>
+                                    <p:cond delay="0"/>
+                                  </p:stCondLst>
+                                  <p:childTnLst>
+                                    <p:animMotion origin="layout" path="M 0 0 L 0.08932 -0.23356 " pathEditMode="relative" rAng="0" ptsTypes="AA">
+                                      <p:cBhvr>
+                                        <p:cTn id="6" dur="2000" fill="hold"/>
+                                        <p:tgtEl>
+                                          <p:spTgt spid="5"/>
+                                        </p:tgtEl>
+                                        <p:attrNameLst>
+                                          <p:attrName>ppt_x</p:attrName>
+                                          <p:attrName>ppt_y</p:attrName>
+                                        </p:attrNameLst>
+                                      </p:cBhvr>
+                                      <p:rCtr x="4466" y="-11690"/>
+                                    </p:animMotion>
+                                  </p:childTnLst>
+                                </p:cTn>
+                              </p:par>
+                            </p:childTnLst>
+                          </p:cTn>
+                        </p:par>
+                      </p:childTnLst>
+                    </p:cTn>
+                  </p:par>
+                </p:childTnLst>
+              </p:cTn>
+              <p:prevCondLst>
+                <p:cond evt="onPrev" delay="0">
+                  <p:tgtEl>
+                    <p:sldTgt/>
+                  </p:tgtEl>
+                </p:cond>
+              </p:prevCondLst>
+              <p:nextCondLst>
+                <p:cond evt="onNext" delay="0">
+                  <p:tgtEl>
+                    <p:sldTgt/>
+                  </p:tgtEl>
+                </p:cond>
+              </p:nextCondLst>
+            </p:seq>
+          </p:childTnLst>
+        </p:cTn>
+      </p:par>
+    </p:tnLst>
+  </p:timing>
 </p:sld>
 </file>
 

--- a/images/images.pptx
+++ b/images/images.pptx
@@ -5,7 +5,7 @@
     <p:sldMasterId id="2147483648" r:id="rId1"/>
   </p:sldMasterIdLst>
   <p:notesMasterIdLst>
-    <p:notesMasterId r:id="rId16"/>
+    <p:notesMasterId r:id="rId14"/>
   </p:notesMasterIdLst>
   <p:sldIdLst>
     <p:sldId id="259" r:id="rId2"/>
@@ -14,14 +14,12 @@
     <p:sldId id="289" r:id="rId5"/>
     <p:sldId id="290" r:id="rId6"/>
     <p:sldId id="285" r:id="rId7"/>
-    <p:sldId id="286" r:id="rId8"/>
+    <p:sldId id="293" r:id="rId8"/>
     <p:sldId id="291" r:id="rId9"/>
-    <p:sldId id="292" r:id="rId10"/>
-    <p:sldId id="275" r:id="rId11"/>
-    <p:sldId id="278" r:id="rId12"/>
-    <p:sldId id="276" r:id="rId13"/>
-    <p:sldId id="277" r:id="rId14"/>
-    <p:sldId id="273" r:id="rId15"/>
+    <p:sldId id="275" r:id="rId10"/>
+    <p:sldId id="278" r:id="rId11"/>
+    <p:sldId id="276" r:id="rId12"/>
+    <p:sldId id="277" r:id="rId13"/>
   </p:sldIdLst>
   <p:sldSz cx="12192000" cy="6858000"/>
   <p:notesSz cx="6858000" cy="9144000"/>
@@ -210,7 +208,7 @@
           <a:p>
             <a:fld id="{4CBED549-0FC6-D64B-978C-ED18C73516F8}" type="datetimeFigureOut">
               <a:rPr lang="en-US" smtClean="0"/>
-              <a:t>8/14/25</a:t>
+              <a:t>8/15/25</a:t>
             </a:fld>
             <a:endParaRPr lang="en-US"/>
           </a:p>
@@ -593,114 +591,6 @@
         <p:cNvPr id="1" name="">
           <a:extLst>
             <a:ext uri="{FF2B5EF4-FFF2-40B4-BE49-F238E27FC236}">
-              <a16:creationId xmlns:a16="http://schemas.microsoft.com/office/drawing/2014/main" id="{6F99D202-3B42-0520-EFE4-6015F8221A19}"/>
-            </a:ext>
-          </a:extLst>
-        </p:cNvPr>
-        <p:cNvGrpSpPr/>
-        <p:nvPr/>
-      </p:nvGrpSpPr>
-      <p:grpSpPr>
-        <a:xfrm>
-          <a:off x="0" y="0"/>
-          <a:ext cx="0" cy="0"/>
-          <a:chOff x="0" y="0"/>
-          <a:chExt cx="0" cy="0"/>
-        </a:xfrm>
-      </p:grpSpPr>
-      <p:sp>
-        <p:nvSpPr>
-          <p:cNvPr id="2" name="Slide Image Placeholder 1">
-            <a:extLst>
-              <a:ext uri="{FF2B5EF4-FFF2-40B4-BE49-F238E27FC236}">
-                <a16:creationId xmlns:a16="http://schemas.microsoft.com/office/drawing/2014/main" id="{0F9F0B2B-53FD-A809-DD52-F4994AA83E39}"/>
-              </a:ext>
-            </a:extLst>
-          </p:cNvPr>
-          <p:cNvSpPr>
-            <a:spLocks noGrp="1" noRot="1" noChangeAspect="1"/>
-          </p:cNvSpPr>
-          <p:nvPr>
-            <p:ph type="sldImg"/>
-          </p:nvPr>
-        </p:nvSpPr>
-        <p:spPr/>
-      </p:sp>
-      <p:sp>
-        <p:nvSpPr>
-          <p:cNvPr id="3" name="Notes Placeholder 2">
-            <a:extLst>
-              <a:ext uri="{FF2B5EF4-FFF2-40B4-BE49-F238E27FC236}">
-                <a16:creationId xmlns:a16="http://schemas.microsoft.com/office/drawing/2014/main" id="{CADE0E93-03F1-E62B-A1D9-A425EB4193D5}"/>
-              </a:ext>
-            </a:extLst>
-          </p:cNvPr>
-          <p:cNvSpPr>
-            <a:spLocks noGrp="1"/>
-          </p:cNvSpPr>
-          <p:nvPr>
-            <p:ph type="body" idx="1"/>
-          </p:nvPr>
-        </p:nvSpPr>
-        <p:spPr/>
-        <p:txBody>
-          <a:bodyPr/>
-          <a:lstStyle/>
-          <a:p>
-            <a:endParaRPr lang="en-US" dirty="0"/>
-          </a:p>
-        </p:txBody>
-      </p:sp>
-      <p:sp>
-        <p:nvSpPr>
-          <p:cNvPr id="4" name="Slide Number Placeholder 3">
-            <a:extLst>
-              <a:ext uri="{FF2B5EF4-FFF2-40B4-BE49-F238E27FC236}">
-                <a16:creationId xmlns:a16="http://schemas.microsoft.com/office/drawing/2014/main" id="{F22E6EDE-73A3-3AC5-1184-E43587973EAB}"/>
-              </a:ext>
-            </a:extLst>
-          </p:cNvPr>
-          <p:cNvSpPr>
-            <a:spLocks noGrp="1"/>
-          </p:cNvSpPr>
-          <p:nvPr>
-            <p:ph type="sldNum" sz="quarter" idx="5"/>
-          </p:nvPr>
-        </p:nvSpPr>
-        <p:spPr/>
-        <p:txBody>
-          <a:bodyPr/>
-          <a:lstStyle/>
-          <a:p>
-            <a:fld id="{A59EC0A6-2850-D147-9A65-4202BC918C7F}" type="slidenum">
-              <a:rPr lang="en-US" smtClean="0"/>
-              <a:t>10</a:t>
-            </a:fld>
-            <a:endParaRPr lang="en-US"/>
-          </a:p>
-        </p:txBody>
-      </p:sp>
-    </p:spTree>
-    <p:extLst>
-      <p:ext uri="{BB962C8B-B14F-4D97-AF65-F5344CB8AC3E}">
-        <p14:creationId xmlns:p14="http://schemas.microsoft.com/office/powerpoint/2010/main" val="871147315"/>
-      </p:ext>
-    </p:extLst>
-  </p:cSld>
-  <p:clrMapOvr>
-    <a:masterClrMapping/>
-  </p:clrMapOvr>
-</p:notes>
-</file>
-
-<file path=ppt/notesSlides/notesSlide11.xml><?xml version="1.0" encoding="utf-8"?>
-<p:notes xmlns:a="http://schemas.openxmlformats.org/drawingml/2006/main" xmlns:r="http://schemas.openxmlformats.org/officeDocument/2006/relationships" xmlns:p="http://schemas.openxmlformats.org/presentationml/2006/main">
-  <p:cSld>
-    <p:spTree>
-      <p:nvGrpSpPr>
-        <p:cNvPr id="1" name="">
-          <a:extLst>
-            <a:ext uri="{FF2B5EF4-FFF2-40B4-BE49-F238E27FC236}">
               <a16:creationId xmlns:a16="http://schemas.microsoft.com/office/drawing/2014/main" id="{A2FFA2E4-3B39-EF36-F6B3-8877F72CE2B0}"/>
             </a:ext>
           </a:extLst>
@@ -782,7 +672,7 @@
           <a:p>
             <a:fld id="{A59EC0A6-2850-D147-9A65-4202BC918C7F}" type="slidenum">
               <a:rPr lang="en-US" smtClean="0"/>
-              <a:t>11</a:t>
+              <a:t>10</a:t>
             </a:fld>
             <a:endParaRPr lang="en-US"/>
           </a:p>
@@ -801,7 +691,7 @@
 </p:notes>
 </file>
 
-<file path=ppt/notesSlides/notesSlide12.xml><?xml version="1.0" encoding="utf-8"?>
+<file path=ppt/notesSlides/notesSlide11.xml><?xml version="1.0" encoding="utf-8"?>
 <p:notes xmlns:a="http://schemas.openxmlformats.org/drawingml/2006/main" xmlns:r="http://schemas.openxmlformats.org/officeDocument/2006/relationships" xmlns:p="http://schemas.openxmlformats.org/presentationml/2006/main">
   <p:cSld>
     <p:spTree>
@@ -890,7 +780,7 @@
           <a:p>
             <a:fld id="{A59EC0A6-2850-D147-9A65-4202BC918C7F}" type="slidenum">
               <a:rPr lang="en-US" smtClean="0"/>
-              <a:t>12</a:t>
+              <a:t>11</a:t>
             </a:fld>
             <a:endParaRPr lang="en-US"/>
           </a:p>
@@ -909,7 +799,7 @@
 </p:notes>
 </file>
 
-<file path=ppt/notesSlides/notesSlide13.xml><?xml version="1.0" encoding="utf-8"?>
+<file path=ppt/notesSlides/notesSlide12.xml><?xml version="1.0" encoding="utf-8"?>
 <p:notes xmlns:a="http://schemas.openxmlformats.org/drawingml/2006/main" xmlns:r="http://schemas.openxmlformats.org/officeDocument/2006/relationships" xmlns:p="http://schemas.openxmlformats.org/presentationml/2006/main">
   <p:cSld>
     <p:spTree>
@@ -998,7 +888,7 @@
           <a:p>
             <a:fld id="{A59EC0A6-2850-D147-9A65-4202BC918C7F}" type="slidenum">
               <a:rPr lang="en-US" smtClean="0"/>
-              <a:t>13</a:t>
+              <a:t>12</a:t>
             </a:fld>
             <a:endParaRPr lang="en-US"/>
           </a:p>
@@ -1008,114 +898,6 @@
     <p:extLst>
       <p:ext uri="{BB962C8B-B14F-4D97-AF65-F5344CB8AC3E}">
         <p14:creationId xmlns:p14="http://schemas.microsoft.com/office/powerpoint/2010/main" val="481812022"/>
-      </p:ext>
-    </p:extLst>
-  </p:cSld>
-  <p:clrMapOvr>
-    <a:masterClrMapping/>
-  </p:clrMapOvr>
-</p:notes>
-</file>
-
-<file path=ppt/notesSlides/notesSlide14.xml><?xml version="1.0" encoding="utf-8"?>
-<p:notes xmlns:a="http://schemas.openxmlformats.org/drawingml/2006/main" xmlns:r="http://schemas.openxmlformats.org/officeDocument/2006/relationships" xmlns:p="http://schemas.openxmlformats.org/presentationml/2006/main">
-  <p:cSld>
-    <p:spTree>
-      <p:nvGrpSpPr>
-        <p:cNvPr id="1" name="">
-          <a:extLst>
-            <a:ext uri="{FF2B5EF4-FFF2-40B4-BE49-F238E27FC236}">
-              <a16:creationId xmlns:a16="http://schemas.microsoft.com/office/drawing/2014/main" id="{9B48BD26-B1C5-7003-2418-BA04DEAC2A9A}"/>
-            </a:ext>
-          </a:extLst>
-        </p:cNvPr>
-        <p:cNvGrpSpPr/>
-        <p:nvPr/>
-      </p:nvGrpSpPr>
-      <p:grpSpPr>
-        <a:xfrm>
-          <a:off x="0" y="0"/>
-          <a:ext cx="0" cy="0"/>
-          <a:chOff x="0" y="0"/>
-          <a:chExt cx="0" cy="0"/>
-        </a:xfrm>
-      </p:grpSpPr>
-      <p:sp>
-        <p:nvSpPr>
-          <p:cNvPr id="2" name="Slide Image Placeholder 1">
-            <a:extLst>
-              <a:ext uri="{FF2B5EF4-FFF2-40B4-BE49-F238E27FC236}">
-                <a16:creationId xmlns:a16="http://schemas.microsoft.com/office/drawing/2014/main" id="{B8840E17-4F8F-13C4-F4FB-F879048BCFC5}"/>
-              </a:ext>
-            </a:extLst>
-          </p:cNvPr>
-          <p:cNvSpPr>
-            <a:spLocks noGrp="1" noRot="1" noChangeAspect="1"/>
-          </p:cNvSpPr>
-          <p:nvPr>
-            <p:ph type="sldImg"/>
-          </p:nvPr>
-        </p:nvSpPr>
-        <p:spPr/>
-      </p:sp>
-      <p:sp>
-        <p:nvSpPr>
-          <p:cNvPr id="3" name="Notes Placeholder 2">
-            <a:extLst>
-              <a:ext uri="{FF2B5EF4-FFF2-40B4-BE49-F238E27FC236}">
-                <a16:creationId xmlns:a16="http://schemas.microsoft.com/office/drawing/2014/main" id="{59B77F58-81A2-5B40-ED2B-1104609E406E}"/>
-              </a:ext>
-            </a:extLst>
-          </p:cNvPr>
-          <p:cNvSpPr>
-            <a:spLocks noGrp="1"/>
-          </p:cNvSpPr>
-          <p:nvPr>
-            <p:ph type="body" idx="1"/>
-          </p:nvPr>
-        </p:nvSpPr>
-        <p:spPr/>
-        <p:txBody>
-          <a:bodyPr/>
-          <a:lstStyle/>
-          <a:p>
-            <a:endParaRPr lang="en-US" dirty="0"/>
-          </a:p>
-        </p:txBody>
-      </p:sp>
-      <p:sp>
-        <p:nvSpPr>
-          <p:cNvPr id="4" name="Slide Number Placeholder 3">
-            <a:extLst>
-              <a:ext uri="{FF2B5EF4-FFF2-40B4-BE49-F238E27FC236}">
-                <a16:creationId xmlns:a16="http://schemas.microsoft.com/office/drawing/2014/main" id="{180D8FC8-C259-3921-65A6-081C664086A6}"/>
-              </a:ext>
-            </a:extLst>
-          </p:cNvPr>
-          <p:cNvSpPr>
-            <a:spLocks noGrp="1"/>
-          </p:cNvSpPr>
-          <p:nvPr>
-            <p:ph type="sldNum" sz="quarter" idx="5"/>
-          </p:nvPr>
-        </p:nvSpPr>
-        <p:spPr/>
-        <p:txBody>
-          <a:bodyPr/>
-          <a:lstStyle/>
-          <a:p>
-            <a:fld id="{A59EC0A6-2850-D147-9A65-4202BC918C7F}" type="slidenum">
-              <a:rPr lang="en-US" smtClean="0"/>
-              <a:t>14</a:t>
-            </a:fld>
-            <a:endParaRPr lang="en-US"/>
-          </a:p>
-        </p:txBody>
-      </p:sp>
-    </p:spTree>
-    <p:extLst>
-      <p:ext uri="{BB962C8B-B14F-4D97-AF65-F5344CB8AC3E}">
-        <p14:creationId xmlns:p14="http://schemas.microsoft.com/office/powerpoint/2010/main" val="1597887606"/>
       </p:ext>
     </p:extLst>
   </p:cSld>
@@ -1673,7 +1455,7 @@
         <p:cNvPr id="1" name="">
           <a:extLst>
             <a:ext uri="{FF2B5EF4-FFF2-40B4-BE49-F238E27FC236}">
-              <a16:creationId xmlns:a16="http://schemas.microsoft.com/office/drawing/2014/main" id="{D81DECDB-0EBB-9BF1-8FC9-86224231DB34}"/>
+              <a16:creationId xmlns:a16="http://schemas.microsoft.com/office/drawing/2014/main" id="{A8B1FAB2-A0E4-F432-1CE3-30DC161F8511}"/>
             </a:ext>
           </a:extLst>
         </p:cNvPr>
@@ -1693,7 +1475,7 @@
           <p:cNvPr id="2" name="Slide Image Placeholder 1">
             <a:extLst>
               <a:ext uri="{FF2B5EF4-FFF2-40B4-BE49-F238E27FC236}">
-                <a16:creationId xmlns:a16="http://schemas.microsoft.com/office/drawing/2014/main" id="{C5E27985-BF10-AB7D-71FF-7F5F8D2C5D9B}"/>
+                <a16:creationId xmlns:a16="http://schemas.microsoft.com/office/drawing/2014/main" id="{77FDC1DE-35AA-DEDC-4871-196C1DED8A66}"/>
               </a:ext>
             </a:extLst>
           </p:cNvPr>
@@ -1711,7 +1493,7 @@
           <p:cNvPr id="3" name="Notes Placeholder 2">
             <a:extLst>
               <a:ext uri="{FF2B5EF4-FFF2-40B4-BE49-F238E27FC236}">
-                <a16:creationId xmlns:a16="http://schemas.microsoft.com/office/drawing/2014/main" id="{8ED91A13-93CE-7793-0C09-2B9201EE84F8}"/>
+                <a16:creationId xmlns:a16="http://schemas.microsoft.com/office/drawing/2014/main" id="{B770B1BC-9528-B44C-FD1E-A0B7AE228A75}"/>
               </a:ext>
             </a:extLst>
           </p:cNvPr>
@@ -1736,7 +1518,7 @@
           <p:cNvPr id="4" name="Slide Number Placeholder 3">
             <a:extLst>
               <a:ext uri="{FF2B5EF4-FFF2-40B4-BE49-F238E27FC236}">
-                <a16:creationId xmlns:a16="http://schemas.microsoft.com/office/drawing/2014/main" id="{A2D87542-95AA-043E-A637-283468BA37EC}"/>
+                <a16:creationId xmlns:a16="http://schemas.microsoft.com/office/drawing/2014/main" id="{404BE20D-A065-2762-341F-D563FA3B6B33}"/>
               </a:ext>
             </a:extLst>
           </p:cNvPr>
@@ -1763,7 +1545,7 @@
     </p:spTree>
     <p:extLst>
       <p:ext uri="{BB962C8B-B14F-4D97-AF65-F5344CB8AC3E}">
-        <p14:creationId xmlns:p14="http://schemas.microsoft.com/office/powerpoint/2010/main" val="794896307"/>
+        <p14:creationId xmlns:p14="http://schemas.microsoft.com/office/powerpoint/2010/main" val="2484609489"/>
       </p:ext>
     </p:extLst>
   </p:cSld>
@@ -1889,7 +1671,7 @@
         <p:cNvPr id="1" name="">
           <a:extLst>
             <a:ext uri="{FF2B5EF4-FFF2-40B4-BE49-F238E27FC236}">
-              <a16:creationId xmlns:a16="http://schemas.microsoft.com/office/drawing/2014/main" id="{21A23606-A0D3-F628-4A14-BB2B1D83286A}"/>
+              <a16:creationId xmlns:a16="http://schemas.microsoft.com/office/drawing/2014/main" id="{6F99D202-3B42-0520-EFE4-6015F8221A19}"/>
             </a:ext>
           </a:extLst>
         </p:cNvPr>
@@ -1909,7 +1691,7 @@
           <p:cNvPr id="2" name="Slide Image Placeholder 1">
             <a:extLst>
               <a:ext uri="{FF2B5EF4-FFF2-40B4-BE49-F238E27FC236}">
-                <a16:creationId xmlns:a16="http://schemas.microsoft.com/office/drawing/2014/main" id="{85FB3E7F-7C48-AAE4-0767-8857241F0DEC}"/>
+                <a16:creationId xmlns:a16="http://schemas.microsoft.com/office/drawing/2014/main" id="{0F9F0B2B-53FD-A809-DD52-F4994AA83E39}"/>
               </a:ext>
             </a:extLst>
           </p:cNvPr>
@@ -1927,7 +1709,7 @@
           <p:cNvPr id="3" name="Notes Placeholder 2">
             <a:extLst>
               <a:ext uri="{FF2B5EF4-FFF2-40B4-BE49-F238E27FC236}">
-                <a16:creationId xmlns:a16="http://schemas.microsoft.com/office/drawing/2014/main" id="{A311033D-2A91-1C09-160D-49F9D8DFA066}"/>
+                <a16:creationId xmlns:a16="http://schemas.microsoft.com/office/drawing/2014/main" id="{CADE0E93-03F1-E62B-A1D9-A425EB4193D5}"/>
               </a:ext>
             </a:extLst>
           </p:cNvPr>
@@ -1952,7 +1734,7 @@
           <p:cNvPr id="4" name="Slide Number Placeholder 3">
             <a:extLst>
               <a:ext uri="{FF2B5EF4-FFF2-40B4-BE49-F238E27FC236}">
-                <a16:creationId xmlns:a16="http://schemas.microsoft.com/office/drawing/2014/main" id="{54EEB19B-C8EF-568F-CAA5-69435BA76E13}"/>
+                <a16:creationId xmlns:a16="http://schemas.microsoft.com/office/drawing/2014/main" id="{F22E6EDE-73A3-3AC5-1184-E43587973EAB}"/>
               </a:ext>
             </a:extLst>
           </p:cNvPr>
@@ -1979,7 +1761,7 @@
     </p:spTree>
     <p:extLst>
       <p:ext uri="{BB962C8B-B14F-4D97-AF65-F5344CB8AC3E}">
-        <p14:creationId xmlns:p14="http://schemas.microsoft.com/office/powerpoint/2010/main" val="1582280585"/>
+        <p14:creationId xmlns:p14="http://schemas.microsoft.com/office/powerpoint/2010/main" val="871147315"/>
       </p:ext>
     </p:extLst>
   </p:cSld>
@@ -2136,7 +1918,7 @@
           <a:p>
             <a:fld id="{BF7D8EBE-1699-E345-8270-758E129D34E6}" type="datetimeFigureOut">
               <a:rPr lang="en-US" smtClean="0"/>
-              <a:t>8/14/25</a:t>
+              <a:t>8/15/25</a:t>
             </a:fld>
             <a:endParaRPr lang="en-US"/>
           </a:p>
@@ -2334,7 +2116,7 @@
           <a:p>
             <a:fld id="{BF7D8EBE-1699-E345-8270-758E129D34E6}" type="datetimeFigureOut">
               <a:rPr lang="en-US" smtClean="0"/>
-              <a:t>8/14/25</a:t>
+              <a:t>8/15/25</a:t>
             </a:fld>
             <a:endParaRPr lang="en-US"/>
           </a:p>
@@ -2542,7 +2324,7 @@
           <a:p>
             <a:fld id="{BF7D8EBE-1699-E345-8270-758E129D34E6}" type="datetimeFigureOut">
               <a:rPr lang="en-US" smtClean="0"/>
-              <a:t>8/14/25</a:t>
+              <a:t>8/15/25</a:t>
             </a:fld>
             <a:endParaRPr lang="en-US"/>
           </a:p>
@@ -2740,7 +2522,7 @@
           <a:p>
             <a:fld id="{BF7D8EBE-1699-E345-8270-758E129D34E6}" type="datetimeFigureOut">
               <a:rPr lang="en-US" smtClean="0"/>
-              <a:t>8/14/25</a:t>
+              <a:t>8/15/25</a:t>
             </a:fld>
             <a:endParaRPr lang="en-US"/>
           </a:p>
@@ -3015,7 +2797,7 @@
           <a:p>
             <a:fld id="{BF7D8EBE-1699-E345-8270-758E129D34E6}" type="datetimeFigureOut">
               <a:rPr lang="en-US" smtClean="0"/>
-              <a:t>8/14/25</a:t>
+              <a:t>8/15/25</a:t>
             </a:fld>
             <a:endParaRPr lang="en-US"/>
           </a:p>
@@ -3280,7 +3062,7 @@
           <a:p>
             <a:fld id="{BF7D8EBE-1699-E345-8270-758E129D34E6}" type="datetimeFigureOut">
               <a:rPr lang="en-US" smtClean="0"/>
-              <a:t>8/14/25</a:t>
+              <a:t>8/15/25</a:t>
             </a:fld>
             <a:endParaRPr lang="en-US"/>
           </a:p>
@@ -3692,7 +3474,7 @@
           <a:p>
             <a:fld id="{BF7D8EBE-1699-E345-8270-758E129D34E6}" type="datetimeFigureOut">
               <a:rPr lang="en-US" smtClean="0"/>
-              <a:t>8/14/25</a:t>
+              <a:t>8/15/25</a:t>
             </a:fld>
             <a:endParaRPr lang="en-US"/>
           </a:p>
@@ -3833,7 +3615,7 @@
           <a:p>
             <a:fld id="{BF7D8EBE-1699-E345-8270-758E129D34E6}" type="datetimeFigureOut">
               <a:rPr lang="en-US" smtClean="0"/>
-              <a:t>8/14/25</a:t>
+              <a:t>8/15/25</a:t>
             </a:fld>
             <a:endParaRPr lang="en-US"/>
           </a:p>
@@ -3946,7 +3728,7 @@
           <a:p>
             <a:fld id="{BF7D8EBE-1699-E345-8270-758E129D34E6}" type="datetimeFigureOut">
               <a:rPr lang="en-US" smtClean="0"/>
-              <a:t>8/14/25</a:t>
+              <a:t>8/15/25</a:t>
             </a:fld>
             <a:endParaRPr lang="en-US"/>
           </a:p>
@@ -4257,7 +4039,7 @@
           <a:p>
             <a:fld id="{BF7D8EBE-1699-E345-8270-758E129D34E6}" type="datetimeFigureOut">
               <a:rPr lang="en-US" smtClean="0"/>
-              <a:t>8/14/25</a:t>
+              <a:t>8/15/25</a:t>
             </a:fld>
             <a:endParaRPr lang="en-US"/>
           </a:p>
@@ -4545,7 +4327,7 @@
           <a:p>
             <a:fld id="{BF7D8EBE-1699-E345-8270-758E129D34E6}" type="datetimeFigureOut">
               <a:rPr lang="en-US" smtClean="0"/>
-              <a:t>8/14/25</a:t>
+              <a:t>8/15/25</a:t>
             </a:fld>
             <a:endParaRPr lang="en-US"/>
           </a:p>
@@ -4786,7 +4568,7 @@
           <a:p>
             <a:fld id="{BF7D8EBE-1699-E345-8270-758E129D34E6}" type="datetimeFigureOut">
               <a:rPr lang="en-US" smtClean="0"/>
-              <a:t>8/14/25</a:t>
+              <a:t>8/15/25</a:t>
             </a:fld>
             <a:endParaRPr lang="en-US"/>
           </a:p>
@@ -5337,7 +5119,7 @@
         <p:cNvPr id="1" name="">
           <a:extLst>
             <a:ext uri="{FF2B5EF4-FFF2-40B4-BE49-F238E27FC236}">
-              <a16:creationId xmlns:a16="http://schemas.microsoft.com/office/drawing/2014/main" id="{94328526-D41C-6530-33A1-C8DB170D6EC3}"/>
+              <a16:creationId xmlns:a16="http://schemas.microsoft.com/office/drawing/2014/main" id="{A24C025D-830B-0E30-2157-3AEA55088A0D}"/>
             </a:ext>
           </a:extLst>
         </p:cNvPr>
@@ -5354,10 +5136,10 @@
       </p:grpSpPr>
       <p:pic>
         <p:nvPicPr>
-          <p:cNvPr id="8" name="Picture 7" descr="A screenshot of a computer&#10;&#10;Description automatically generated">
-            <a:extLst>
-              <a:ext uri="{FF2B5EF4-FFF2-40B4-BE49-F238E27FC236}">
-                <a16:creationId xmlns:a16="http://schemas.microsoft.com/office/drawing/2014/main" id="{C82F4BCC-BD67-DC98-297E-E920A110FB34}"/>
+          <p:cNvPr id="8" name="Picture 7">
+            <a:extLst>
+              <a:ext uri="{FF2B5EF4-FFF2-40B4-BE49-F238E27FC236}">
+                <a16:creationId xmlns:a16="http://schemas.microsoft.com/office/drawing/2014/main" id="{8BCC3D4E-EB47-C5A9-56D9-A49E0DBA3ADF}"/>
               </a:ext>
             </a:extLst>
           </p:cNvPr>
@@ -5368,14 +5150,13 @@
         </p:nvPicPr>
         <p:blipFill>
           <a:blip r:embed="rId3"/>
-          <a:stretch>
-            <a:fillRect/>
-          </a:stretch>
+          <a:srcRect/>
+          <a:stretch/>
         </p:blipFill>
         <p:spPr>
           <a:xfrm>
-            <a:off x="6751454" y="1320906"/>
-            <a:ext cx="5291667" cy="4947708"/>
+            <a:off x="6814654" y="1320906"/>
+            <a:ext cx="5165266" cy="4947708"/>
           </a:xfrm>
           <a:prstGeom prst="rect">
             <a:avLst/>
@@ -5392,7 +5173,7 @@
           <p:cNvPr id="3" name="Picture 2" descr="A hexagon with a sign and a arrow&#10;&#10;Description automatically generated">
             <a:extLst>
               <a:ext uri="{FF2B5EF4-FFF2-40B4-BE49-F238E27FC236}">
-                <a16:creationId xmlns:a16="http://schemas.microsoft.com/office/drawing/2014/main" id="{48FF060C-23CF-09A1-A547-6484DA79CB64}"/>
+                <a16:creationId xmlns:a16="http://schemas.microsoft.com/office/drawing/2014/main" id="{9E08CEF3-96E8-A137-CB14-5268E857404E}"/>
               </a:ext>
             </a:extLst>
           </p:cNvPr>
@@ -5422,7 +5203,7 @@
           <p:cNvPr id="4" name="Picture 4" descr="Hex logo for Quarto - a white circle segmented into quarters next to the text Quarto on a blue background.">
             <a:extLst>
               <a:ext uri="{FF2B5EF4-FFF2-40B4-BE49-F238E27FC236}">
-                <a16:creationId xmlns:a16="http://schemas.microsoft.com/office/drawing/2014/main" id="{5C400ECE-1343-7989-1A9B-8AD11516ED74}"/>
+                <a16:creationId xmlns:a16="http://schemas.microsoft.com/office/drawing/2014/main" id="{3BC54550-CDB5-388F-D22C-A72E6A1A6A29}"/>
               </a:ext>
             </a:extLst>
           </p:cNvPr>
@@ -5469,274 +5250,6 @@
           <p:cNvPr id="5" name="TextBox 4">
             <a:extLst>
               <a:ext uri="{FF2B5EF4-FFF2-40B4-BE49-F238E27FC236}">
-                <a16:creationId xmlns:a16="http://schemas.microsoft.com/office/drawing/2014/main" id="{049242D9-D73D-4BB1-A0E3-95E1DF362804}"/>
-              </a:ext>
-            </a:extLst>
-          </p:cNvPr>
-          <p:cNvSpPr txBox="1"/>
-          <p:nvPr/>
-        </p:nvSpPr>
-        <p:spPr>
-          <a:xfrm>
-            <a:off x="2894953" y="3071485"/>
-            <a:ext cx="715260" cy="1446550"/>
-          </a:xfrm>
-          <a:prstGeom prst="rect">
-            <a:avLst/>
-          </a:prstGeom>
-          <a:noFill/>
-        </p:spPr>
-        <p:txBody>
-          <a:bodyPr wrap="none" rtlCol="0">
-            <a:spAutoFit/>
-          </a:bodyPr>
-          <a:lstStyle/>
-          <a:p>
-            <a:r>
-              <a:rPr lang="en-US" sz="8800" dirty="0">
-                <a:latin typeface="Fira Sans Condensed Medium" panose="020B0603050000020004" pitchFamily="34" charset="0"/>
-              </a:rPr>
-              <a:t>+</a:t>
-            </a:r>
-          </a:p>
-        </p:txBody>
-      </p:sp>
-      <p:sp>
-        <p:nvSpPr>
-          <p:cNvPr id="6" name="TextBox 5">
-            <a:extLst>
-              <a:ext uri="{FF2B5EF4-FFF2-40B4-BE49-F238E27FC236}">
-                <a16:creationId xmlns:a16="http://schemas.microsoft.com/office/drawing/2014/main" id="{E9AFB6F6-C224-8059-14D9-94A7F6B7AC70}"/>
-              </a:ext>
-            </a:extLst>
-          </p:cNvPr>
-          <p:cNvSpPr txBox="1"/>
-          <p:nvPr/>
-        </p:nvSpPr>
-        <p:spPr>
-          <a:xfrm>
-            <a:off x="6195807" y="3071485"/>
-            <a:ext cx="705642" cy="1446550"/>
-          </a:xfrm>
-          <a:prstGeom prst="rect">
-            <a:avLst/>
-          </a:prstGeom>
-          <a:noFill/>
-        </p:spPr>
-        <p:txBody>
-          <a:bodyPr wrap="none" rtlCol="0">
-            <a:spAutoFit/>
-          </a:bodyPr>
-          <a:lstStyle/>
-          <a:p>
-            <a:r>
-              <a:rPr lang="en-US" sz="8800" dirty="0">
-                <a:latin typeface="Fira Sans Condensed Medium" panose="020B0603050000020004" pitchFamily="34" charset="0"/>
-              </a:rPr>
-              <a:t>=</a:t>
-            </a:r>
-          </a:p>
-        </p:txBody>
-      </p:sp>
-      <p:sp>
-        <p:nvSpPr>
-          <p:cNvPr id="7" name="TextBox 6">
-            <a:extLst>
-              <a:ext uri="{FF2B5EF4-FFF2-40B4-BE49-F238E27FC236}">
-                <a16:creationId xmlns:a16="http://schemas.microsoft.com/office/drawing/2014/main" id="{7BC3136E-AB1F-69A6-017E-D4B2AB8969A7}"/>
-              </a:ext>
-            </a:extLst>
-          </p:cNvPr>
-          <p:cNvSpPr txBox="1"/>
-          <p:nvPr/>
-        </p:nvSpPr>
-        <p:spPr>
-          <a:xfrm>
-            <a:off x="0" y="185705"/>
-            <a:ext cx="12192000" cy="769441"/>
-          </a:xfrm>
-          <a:prstGeom prst="rect">
-            <a:avLst/>
-          </a:prstGeom>
-          <a:noFill/>
-        </p:spPr>
-        <p:txBody>
-          <a:bodyPr wrap="square" rtlCol="0">
-            <a:spAutoFit/>
-          </a:bodyPr>
-          <a:lstStyle/>
-          <a:p>
-            <a:pPr algn="ctr"/>
-            <a:r>
-              <a:rPr lang="en-US" sz="4400" dirty="0">
-                <a:latin typeface="Fira Sans Condensed Medium" panose="020B0603050000020004" pitchFamily="34" charset="0"/>
-              </a:rPr>
-              <a:t>R package that renders Quarto files into surveys</a:t>
-            </a:r>
-          </a:p>
-        </p:txBody>
-      </p:sp>
-    </p:spTree>
-    <p:extLst>
-      <p:ext uri="{BB962C8B-B14F-4D97-AF65-F5344CB8AC3E}">
-        <p14:creationId xmlns:p14="http://schemas.microsoft.com/office/powerpoint/2010/main" val="1215931787"/>
-      </p:ext>
-    </p:extLst>
-  </p:cSld>
-  <p:clrMapOvr>
-    <a:masterClrMapping/>
-  </p:clrMapOvr>
-</p:sld>
-</file>
-
-<file path=ppt/slides/slide11.xml><?xml version="1.0" encoding="utf-8"?>
-<p:sld xmlns:a="http://schemas.openxmlformats.org/drawingml/2006/main" xmlns:r="http://schemas.openxmlformats.org/officeDocument/2006/relationships" xmlns:p="http://schemas.openxmlformats.org/presentationml/2006/main">
-  <p:cSld>
-    <p:bg>
-      <p:bgPr>
-        <a:solidFill>
-          <a:srgbClr val="EAEAEB"/>
-        </a:solidFill>
-        <a:effectLst/>
-      </p:bgPr>
-    </p:bg>
-    <p:spTree>
-      <p:nvGrpSpPr>
-        <p:cNvPr id="1" name="">
-          <a:extLst>
-            <a:ext uri="{FF2B5EF4-FFF2-40B4-BE49-F238E27FC236}">
-              <a16:creationId xmlns:a16="http://schemas.microsoft.com/office/drawing/2014/main" id="{A24C025D-830B-0E30-2157-3AEA55088A0D}"/>
-            </a:ext>
-          </a:extLst>
-        </p:cNvPr>
-        <p:cNvGrpSpPr/>
-        <p:nvPr/>
-      </p:nvGrpSpPr>
-      <p:grpSpPr>
-        <a:xfrm>
-          <a:off x="0" y="0"/>
-          <a:ext cx="0" cy="0"/>
-          <a:chOff x="0" y="0"/>
-          <a:chExt cx="0" cy="0"/>
-        </a:xfrm>
-      </p:grpSpPr>
-      <p:pic>
-        <p:nvPicPr>
-          <p:cNvPr id="8" name="Picture 7" descr="A screenshot of a computer&#10;&#10;Description automatically generated">
-            <a:extLst>
-              <a:ext uri="{FF2B5EF4-FFF2-40B4-BE49-F238E27FC236}">
-                <a16:creationId xmlns:a16="http://schemas.microsoft.com/office/drawing/2014/main" id="{8BCC3D4E-EB47-C5A9-56D9-A49E0DBA3ADF}"/>
-              </a:ext>
-            </a:extLst>
-          </p:cNvPr>
-          <p:cNvPicPr>
-            <a:picLocks noChangeAspect="1"/>
-          </p:cNvPicPr>
-          <p:nvPr/>
-        </p:nvPicPr>
-        <p:blipFill>
-          <a:blip r:embed="rId3"/>
-          <a:stretch>
-            <a:fillRect/>
-          </a:stretch>
-        </p:blipFill>
-        <p:spPr>
-          <a:xfrm>
-            <a:off x="6751454" y="1320906"/>
-            <a:ext cx="5291667" cy="4947708"/>
-          </a:xfrm>
-          <a:prstGeom prst="rect">
-            <a:avLst/>
-          </a:prstGeom>
-          <a:solidFill>
-            <a:srgbClr val="EAEAEB">
-              <a:alpha val="99000"/>
-            </a:srgbClr>
-          </a:solidFill>
-        </p:spPr>
-      </p:pic>
-      <p:pic>
-        <p:nvPicPr>
-          <p:cNvPr id="3" name="Picture 2" descr="A hexagon with a sign and a arrow&#10;&#10;Description automatically generated">
-            <a:extLst>
-              <a:ext uri="{FF2B5EF4-FFF2-40B4-BE49-F238E27FC236}">
-                <a16:creationId xmlns:a16="http://schemas.microsoft.com/office/drawing/2014/main" id="{9E08CEF3-96E8-A137-CB14-5268E857404E}"/>
-              </a:ext>
-            </a:extLst>
-          </p:cNvPr>
-          <p:cNvPicPr>
-            <a:picLocks noChangeAspect="1"/>
-          </p:cNvPicPr>
-          <p:nvPr/>
-        </p:nvPicPr>
-        <p:blipFill>
-          <a:blip r:embed="rId4"/>
-          <a:stretch>
-            <a:fillRect/>
-          </a:stretch>
-        </p:blipFill>
-        <p:spPr>
-          <a:xfrm>
-            <a:off x="3710633" y="2423160"/>
-            <a:ext cx="2384755" cy="2743200"/>
-          </a:xfrm>
-          <a:prstGeom prst="rect">
-            <a:avLst/>
-          </a:prstGeom>
-        </p:spPr>
-      </p:pic>
-      <p:pic>
-        <p:nvPicPr>
-          <p:cNvPr id="4" name="Picture 4" descr="Hex logo for Quarto - a white circle segmented into quarters next to the text Quarto on a blue background.">
-            <a:extLst>
-              <a:ext uri="{FF2B5EF4-FFF2-40B4-BE49-F238E27FC236}">
-                <a16:creationId xmlns:a16="http://schemas.microsoft.com/office/drawing/2014/main" id="{3BC54550-CDB5-388F-D22C-A72E6A1A6A29}"/>
-              </a:ext>
-            </a:extLst>
-          </p:cNvPr>
-          <p:cNvPicPr>
-            <a:picLocks noChangeAspect="1" noChangeArrowheads="1"/>
-          </p:cNvPicPr>
-          <p:nvPr/>
-        </p:nvPicPr>
-        <p:blipFill>
-          <a:blip r:embed="rId5">
-            <a:extLst>
-              <a:ext uri="{28A0092B-C50C-407E-A947-70E740481C1C}">
-                <a14:useLocalDpi xmlns:a14="http://schemas.microsoft.com/office/drawing/2010/main" val="0"/>
-              </a:ext>
-            </a:extLst>
-          </a:blip>
-          <a:srcRect/>
-          <a:stretch>
-            <a:fillRect/>
-          </a:stretch>
-        </p:blipFill>
-        <p:spPr bwMode="auto">
-          <a:xfrm>
-            <a:off x="417753" y="2423160"/>
-            <a:ext cx="2376780" cy="2743200"/>
-          </a:xfrm>
-          <a:prstGeom prst="rect">
-            <a:avLst/>
-          </a:prstGeom>
-          <a:noFill/>
-          <a:extLst>
-            <a:ext uri="{909E8E84-426E-40DD-AFC4-6F175D3DCCD1}">
-              <a14:hiddenFill xmlns:a14="http://schemas.microsoft.com/office/drawing/2010/main">
-                <a:solidFill>
-                  <a:srgbClr val="FFFFFF"/>
-                </a:solidFill>
-              </a14:hiddenFill>
-            </a:ext>
-          </a:extLst>
-        </p:spPr>
-      </p:pic>
-      <p:sp>
-        <p:nvSpPr>
-          <p:cNvPr id="5" name="TextBox 4">
-            <a:extLst>
-              <a:ext uri="{FF2B5EF4-FFF2-40B4-BE49-F238E27FC236}">
                 <a16:creationId xmlns:a16="http://schemas.microsoft.com/office/drawing/2014/main" id="{6202F5C4-7056-7B90-1DFE-52D718234550}"/>
               </a:ext>
             </a:extLst>
@@ -5819,7 +5332,7 @@
 </p:sld>
 </file>
 
-<file path=ppt/slides/slide12.xml><?xml version="1.0" encoding="utf-8"?>
+<file path=ppt/slides/slide11.xml><?xml version="1.0" encoding="utf-8"?>
 <p:sld xmlns:a="http://schemas.openxmlformats.org/drawingml/2006/main" xmlns:r="http://schemas.openxmlformats.org/officeDocument/2006/relationships" xmlns:p="http://schemas.openxmlformats.org/presentationml/2006/main">
   <p:cSld>
     <p:bg>
@@ -5852,7 +5365,7 @@
       </p:grpSpPr>
       <p:pic>
         <p:nvPicPr>
-          <p:cNvPr id="8" name="Picture 7" descr="A screenshot of a computer&#10;&#10;Description automatically generated">
+          <p:cNvPr id="8" name="Picture 7">
             <a:extLst>
               <a:ext uri="{FF2B5EF4-FFF2-40B4-BE49-F238E27FC236}">
                 <a16:creationId xmlns:a16="http://schemas.microsoft.com/office/drawing/2014/main" id="{1041F572-CAE2-FD19-80B3-4522E5BE8437}"/>
@@ -5866,14 +5379,13 @@
         </p:nvPicPr>
         <p:blipFill>
           <a:blip r:embed="rId3"/>
-          <a:stretch>
-            <a:fillRect/>
-          </a:stretch>
+          <a:srcRect/>
+          <a:stretch/>
         </p:blipFill>
         <p:spPr>
           <a:xfrm>
-            <a:off x="6751454" y="1320906"/>
-            <a:ext cx="5291667" cy="4947708"/>
+            <a:off x="6814654" y="1320906"/>
+            <a:ext cx="5165266" cy="4947708"/>
           </a:xfrm>
           <a:prstGeom prst="rect">
             <a:avLst/>
@@ -6181,7 +5693,7 @@
 </p:sld>
 </file>
 
-<file path=ppt/slides/slide13.xml><?xml version="1.0" encoding="utf-8"?>
+<file path=ppt/slides/slide12.xml><?xml version="1.0" encoding="utf-8"?>
 <p:sld xmlns:a="http://schemas.openxmlformats.org/drawingml/2006/main" xmlns:r="http://schemas.openxmlformats.org/officeDocument/2006/relationships" xmlns:p="http://schemas.openxmlformats.org/presentationml/2006/main">
   <p:cSld>
     <p:bg>
@@ -6214,7 +5726,7 @@
       </p:grpSpPr>
       <p:pic>
         <p:nvPicPr>
-          <p:cNvPr id="8" name="Picture 7" descr="A screenshot of a computer&#10;&#10;Description automatically generated">
+          <p:cNvPr id="8" name="Picture 7">
             <a:extLst>
               <a:ext uri="{FF2B5EF4-FFF2-40B4-BE49-F238E27FC236}">
                 <a16:creationId xmlns:a16="http://schemas.microsoft.com/office/drawing/2014/main" id="{7BE279EC-6724-85F3-5F36-61642A4ACBB9}"/>
@@ -6228,14 +5740,13 @@
         </p:nvPicPr>
         <p:blipFill>
           <a:blip r:embed="rId3"/>
-          <a:stretch>
-            <a:fillRect/>
-          </a:stretch>
+          <a:srcRect/>
+          <a:stretch/>
         </p:blipFill>
         <p:spPr>
           <a:xfrm>
-            <a:off x="6751454" y="1320906"/>
-            <a:ext cx="5291667" cy="4947708"/>
+            <a:off x="6814654" y="1320906"/>
+            <a:ext cx="5165266" cy="4947708"/>
           </a:xfrm>
           <a:prstGeom prst="rect">
             <a:avLst/>
@@ -6709,490 +6220,6 @@
 </p:sld>
 </file>
 
-<file path=ppt/slides/slide14.xml><?xml version="1.0" encoding="utf-8"?>
-<p:sld xmlns:a="http://schemas.openxmlformats.org/drawingml/2006/main" xmlns:r="http://schemas.openxmlformats.org/officeDocument/2006/relationships" xmlns:p="http://schemas.openxmlformats.org/presentationml/2006/main">
-  <p:cSld>
-    <p:bg>
-      <p:bgPr>
-        <a:solidFill>
-          <a:srgbClr val="EAEAEB"/>
-        </a:solidFill>
-        <a:effectLst/>
-      </p:bgPr>
-    </p:bg>
-    <p:spTree>
-      <p:nvGrpSpPr>
-        <p:cNvPr id="1" name="">
-          <a:extLst>
-            <a:ext uri="{FF2B5EF4-FFF2-40B4-BE49-F238E27FC236}">
-              <a16:creationId xmlns:a16="http://schemas.microsoft.com/office/drawing/2014/main" id="{F44ABA3B-B34B-AC7C-DC58-2DBE6EE0B61E}"/>
-            </a:ext>
-          </a:extLst>
-        </p:cNvPr>
-        <p:cNvGrpSpPr/>
-        <p:nvPr/>
-      </p:nvGrpSpPr>
-      <p:grpSpPr>
-        <a:xfrm>
-          <a:off x="0" y="0"/>
-          <a:ext cx="0" cy="0"/>
-          <a:chOff x="0" y="0"/>
-          <a:chExt cx="0" cy="0"/>
-        </a:xfrm>
-      </p:grpSpPr>
-      <p:pic>
-        <p:nvPicPr>
-          <p:cNvPr id="8" name="Picture 7" descr="A screenshot of a computer&#10;&#10;Description automatically generated">
-            <a:extLst>
-              <a:ext uri="{FF2B5EF4-FFF2-40B4-BE49-F238E27FC236}">
-                <a16:creationId xmlns:a16="http://schemas.microsoft.com/office/drawing/2014/main" id="{A6872ADC-FD48-F8C1-3C7A-9892BF44ABC0}"/>
-              </a:ext>
-            </a:extLst>
-          </p:cNvPr>
-          <p:cNvPicPr>
-            <a:picLocks noChangeAspect="1"/>
-          </p:cNvPicPr>
-          <p:nvPr/>
-        </p:nvPicPr>
-        <p:blipFill>
-          <a:blip r:embed="rId3"/>
-          <a:stretch>
-            <a:fillRect/>
-          </a:stretch>
-        </p:blipFill>
-        <p:spPr>
-          <a:xfrm>
-            <a:off x="6882083" y="955146"/>
-            <a:ext cx="5291667" cy="4947708"/>
-          </a:xfrm>
-          <a:prstGeom prst="rect">
-            <a:avLst/>
-          </a:prstGeom>
-          <a:solidFill>
-            <a:srgbClr val="EAEAEB">
-              <a:alpha val="99000"/>
-            </a:srgbClr>
-          </a:solidFill>
-        </p:spPr>
-      </p:pic>
-      <p:grpSp>
-        <p:nvGrpSpPr>
-          <p:cNvPr id="2" name="Group 1">
-            <a:extLst>
-              <a:ext uri="{FF2B5EF4-FFF2-40B4-BE49-F238E27FC236}">
-                <a16:creationId xmlns:a16="http://schemas.microsoft.com/office/drawing/2014/main" id="{4109CDF5-A2CA-88C8-D167-245DC06C894A}"/>
-              </a:ext>
-            </a:extLst>
-          </p:cNvPr>
-          <p:cNvGrpSpPr/>
-          <p:nvPr/>
-        </p:nvGrpSpPr>
-        <p:grpSpPr>
-          <a:xfrm>
-            <a:off x="604126" y="91827"/>
-            <a:ext cx="4138739" cy="6674346"/>
-            <a:chOff x="233564" y="285582"/>
-            <a:chExt cx="4138739" cy="6674346"/>
-          </a:xfrm>
-          <a:effectLst>
-            <a:outerShdw blurRad="317500" dist="38100" dir="2700000" sx="102000" sy="102000" algn="tl" rotWithShape="0">
-              <a:prstClr val="black">
-                <a:alpha val="40000"/>
-              </a:prstClr>
-            </a:outerShdw>
-          </a:effectLst>
-        </p:grpSpPr>
-        <p:sp>
-          <p:nvSpPr>
-            <p:cNvPr id="15" name="TextBox 14">
-              <a:extLst>
-                <a:ext uri="{FF2B5EF4-FFF2-40B4-BE49-F238E27FC236}">
-                  <a16:creationId xmlns:a16="http://schemas.microsoft.com/office/drawing/2014/main" id="{55E42451-4717-88FC-975F-A126B907A2AD}"/>
-                </a:ext>
-              </a:extLst>
-            </p:cNvPr>
-            <p:cNvSpPr txBox="1"/>
-            <p:nvPr/>
-          </p:nvSpPr>
-          <p:spPr>
-            <a:xfrm>
-              <a:off x="233564" y="285582"/>
-              <a:ext cx="4138739" cy="732115"/>
-            </a:xfrm>
-            <a:prstGeom prst="roundRect">
-              <a:avLst/>
-            </a:prstGeom>
-            <a:solidFill>
-              <a:schemeClr val="tx1">
-                <a:lumMod val="75000"/>
-                <a:lumOff val="25000"/>
-              </a:schemeClr>
-            </a:solidFill>
-            <a:ln>
-              <a:solidFill>
-                <a:schemeClr val="tx1">
-                  <a:lumMod val="75000"/>
-                  <a:lumOff val="25000"/>
-                </a:schemeClr>
-              </a:solidFill>
-            </a:ln>
-          </p:spPr>
-          <p:txBody>
-            <a:bodyPr wrap="square" tIns="0" rtlCol="0">
-              <a:spAutoFit/>
-            </a:bodyPr>
-            <a:lstStyle/>
-            <a:p>
-              <a:pPr algn="r"/>
-              <a:r>
-                <a:rPr lang="en-US" sz="2000" dirty="0" err="1">
-                  <a:solidFill>
-                    <a:schemeClr val="bg1"/>
-                  </a:solidFill>
-                  <a:latin typeface="Fira Sans Condensed Medium" panose="020B0603050000020004" pitchFamily="34" charset="0"/>
-                </a:rPr>
-                <a:t>survey.qmd</a:t>
-              </a:r>
-              <a:endParaRPr lang="en-US" sz="2000" dirty="0">
-                <a:solidFill>
-                  <a:schemeClr val="bg1"/>
-                </a:solidFill>
-                <a:latin typeface="Fira Sans Condensed Medium" panose="020B0603050000020004" pitchFamily="34" charset="0"/>
-              </a:endParaRPr>
-            </a:p>
-            <a:p>
-              <a:pPr algn="r"/>
-              <a:endParaRPr lang="en-US" sz="2000" dirty="0">
-                <a:solidFill>
-                  <a:schemeClr val="bg1"/>
-                </a:solidFill>
-                <a:latin typeface="Fira Sans Condensed Medium" panose="020B0603050000020004" pitchFamily="34" charset="0"/>
-              </a:endParaRPr>
-            </a:p>
-          </p:txBody>
-        </p:sp>
-        <p:sp>
-          <p:nvSpPr>
-            <p:cNvPr id="14" name="TextBox 13">
-              <a:extLst>
-                <a:ext uri="{FF2B5EF4-FFF2-40B4-BE49-F238E27FC236}">
-                  <a16:creationId xmlns:a16="http://schemas.microsoft.com/office/drawing/2014/main" id="{24A128A2-5242-55F6-3CFF-D4147CD390D0}"/>
-                </a:ext>
-              </a:extLst>
-            </p:cNvPr>
-            <p:cNvSpPr txBox="1"/>
-            <p:nvPr/>
-          </p:nvSpPr>
-          <p:spPr>
-            <a:xfrm>
-              <a:off x="233565" y="651640"/>
-              <a:ext cx="4138738" cy="6308288"/>
-            </a:xfrm>
-            <a:prstGeom prst="roundRect">
-              <a:avLst>
-                <a:gd name="adj" fmla="val 2772"/>
-              </a:avLst>
-            </a:prstGeom>
-            <a:solidFill>
-              <a:schemeClr val="bg1"/>
-            </a:solidFill>
-            <a:ln>
-              <a:solidFill>
-                <a:schemeClr val="tx1"/>
-              </a:solidFill>
-            </a:ln>
-            <a:effectLst/>
-          </p:spPr>
-          <p:txBody>
-            <a:bodyPr wrap="square" rtlCol="0">
-              <a:spAutoFit/>
-            </a:bodyPr>
-            <a:lstStyle/>
-            <a:p>
-              <a:r>
-                <a:rPr lang="en-US" sz="1600" dirty="0">
-                  <a:latin typeface="Monaco" pitchFamily="2" charset="77"/>
-                </a:rPr>
-                <a:t>---</a:t>
-              </a:r>
-            </a:p>
-            <a:p>
-              <a:r>
-                <a:rPr lang="en-US" sz="1600" dirty="0">
-                  <a:latin typeface="Monaco" pitchFamily="2" charset="77"/>
-                </a:rPr>
-                <a:t>format: html</a:t>
-              </a:r>
-            </a:p>
-            <a:p>
-              <a:r>
-                <a:rPr lang="en-US" sz="1600" dirty="0">
-                  <a:latin typeface="Monaco" pitchFamily="2" charset="77"/>
-                </a:rPr>
-                <a:t>echo: false</a:t>
-              </a:r>
-            </a:p>
-            <a:p>
-              <a:r>
-                <a:rPr lang="en-US" sz="1600" dirty="0">
-                  <a:latin typeface="Monaco" pitchFamily="2" charset="77"/>
-                </a:rPr>
-                <a:t>warning: false</a:t>
-              </a:r>
-            </a:p>
-            <a:p>
-              <a:r>
-                <a:rPr lang="en-US" sz="1600" dirty="0">
-                  <a:latin typeface="Monaco" pitchFamily="2" charset="77"/>
-                </a:rPr>
-                <a:t>---</a:t>
-              </a:r>
-            </a:p>
-            <a:p>
-              <a:endParaRPr lang="en-US" sz="1600" dirty="0">
-                <a:latin typeface="Monaco" pitchFamily="2" charset="77"/>
-              </a:endParaRPr>
-            </a:p>
-            <a:p>
-              <a:r>
-                <a:rPr lang="en-US" sz="1600" dirty="0">
-                  <a:latin typeface="Monaco" pitchFamily="2" charset="77"/>
-                </a:rPr>
-                <a:t>```{r}</a:t>
-              </a:r>
-            </a:p>
-            <a:p>
-              <a:r>
-                <a:rPr lang="en-US" sz="1600" dirty="0">
-                  <a:latin typeface="Monaco" pitchFamily="2" charset="77"/>
-                </a:rPr>
-                <a:t>library(</a:t>
-              </a:r>
-              <a:r>
-                <a:rPr lang="en-US" sz="1600" dirty="0" err="1">
-                  <a:latin typeface="Monaco" pitchFamily="2" charset="77"/>
-                </a:rPr>
-                <a:t>surveydown</a:t>
-              </a:r>
-              <a:r>
-                <a:rPr lang="en-US" sz="1600" dirty="0">
-                  <a:latin typeface="Monaco" pitchFamily="2" charset="77"/>
-                </a:rPr>
-                <a:t>)</a:t>
-              </a:r>
-            </a:p>
-            <a:p>
-              <a:r>
-                <a:rPr lang="en-US" sz="1600" dirty="0">
-                  <a:latin typeface="Monaco" pitchFamily="2" charset="77"/>
-                </a:rPr>
-                <a:t>```</a:t>
-              </a:r>
-            </a:p>
-            <a:p>
-              <a:endParaRPr lang="en-US" sz="1600" dirty="0">
-                <a:latin typeface="Monaco" pitchFamily="2" charset="77"/>
-              </a:endParaRPr>
-            </a:p>
-            <a:p>
-              <a:r>
-                <a:rPr lang="en-US" sz="1600" dirty="0">
-                  <a:latin typeface="Monaco" pitchFamily="2" charset="77"/>
-                </a:rPr>
-                <a:t>::: {.</a:t>
-              </a:r>
-              <a:r>
-                <a:rPr lang="en-US" sz="1600" dirty="0" err="1">
-                  <a:latin typeface="Monaco" pitchFamily="2" charset="77"/>
-                </a:rPr>
-                <a:t>sd_page</a:t>
-              </a:r>
-              <a:r>
-                <a:rPr lang="en-US" sz="1600" dirty="0">
-                  <a:latin typeface="Monaco" pitchFamily="2" charset="77"/>
-                </a:rPr>
-                <a:t> id=welcome}</a:t>
-              </a:r>
-            </a:p>
-            <a:p>
-              <a:endParaRPr lang="en-US" sz="1600" dirty="0">
-                <a:latin typeface="Monaco" pitchFamily="2" charset="77"/>
-              </a:endParaRPr>
-            </a:p>
-            <a:p>
-              <a:r>
-                <a:rPr lang="en-US" sz="1600" dirty="0">
-                  <a:latin typeface="Monaco" pitchFamily="2" charset="77"/>
-                </a:rPr>
-                <a:t># Welcome to our survey!</a:t>
-              </a:r>
-            </a:p>
-            <a:p>
-              <a:endParaRPr lang="en-US" sz="1600" dirty="0">
-                <a:latin typeface="Monaco" pitchFamily="2" charset="77"/>
-              </a:endParaRPr>
-            </a:p>
-            <a:p>
-              <a:r>
-                <a:rPr lang="en-US" sz="1600" dirty="0">
-                  <a:latin typeface="Monaco" pitchFamily="2" charset="77"/>
-                </a:rPr>
-                <a:t>```{r}</a:t>
-              </a:r>
-            </a:p>
-            <a:p>
-              <a:r>
-                <a:rPr lang="en-US" sz="1600" dirty="0" err="1">
-                  <a:latin typeface="Monaco" pitchFamily="2" charset="77"/>
-                </a:rPr>
-                <a:t>sd_question</a:t>
-              </a:r>
-              <a:r>
-                <a:rPr lang="en-US" sz="1600" dirty="0">
-                  <a:latin typeface="Monaco" pitchFamily="2" charset="77"/>
-                </a:rPr>
-                <a:t>(</a:t>
-              </a:r>
-            </a:p>
-            <a:p>
-              <a:r>
-                <a:rPr lang="en-US" sz="1600" dirty="0">
-                  <a:latin typeface="Monaco" pitchFamily="2" charset="77"/>
-                </a:rPr>
-                <a:t>  type  = "text",</a:t>
-              </a:r>
-            </a:p>
-            <a:p>
-              <a:r>
-                <a:rPr lang="en-US" sz="1600" dirty="0">
-                  <a:latin typeface="Monaco" pitchFamily="2" charset="77"/>
-                </a:rPr>
-                <a:t>  id    = "name",</a:t>
-              </a:r>
-            </a:p>
-            <a:p>
-              <a:r>
-                <a:rPr lang="en-US" sz="1600" dirty="0">
-                  <a:latin typeface="Monaco" pitchFamily="2" charset="77"/>
-                </a:rPr>
-                <a:t>  label = "What's your name?"</a:t>
-              </a:r>
-            </a:p>
-            <a:p>
-              <a:r>
-                <a:rPr lang="en-US" sz="1600" dirty="0">
-                  <a:latin typeface="Monaco" pitchFamily="2" charset="77"/>
-                </a:rPr>
-                <a:t>)</a:t>
-              </a:r>
-            </a:p>
-            <a:p>
-              <a:endParaRPr lang="en-US" sz="1600" dirty="0">
-                <a:latin typeface="Monaco" pitchFamily="2" charset="77"/>
-              </a:endParaRPr>
-            </a:p>
-            <a:p>
-              <a:r>
-                <a:rPr lang="en-US" sz="1600" dirty="0" err="1">
-                  <a:latin typeface="Monaco" pitchFamily="2" charset="77"/>
-                </a:rPr>
-                <a:t>sd_next</a:t>
-              </a:r>
-              <a:r>
-                <a:rPr lang="en-US" sz="1600" dirty="0">
-                  <a:latin typeface="Monaco" pitchFamily="2" charset="77"/>
-                </a:rPr>
-                <a:t>()</a:t>
-              </a:r>
-            </a:p>
-            <a:p>
-              <a:r>
-                <a:rPr lang="en-US" sz="1600" dirty="0">
-                  <a:latin typeface="Monaco" pitchFamily="2" charset="77"/>
-                </a:rPr>
-                <a:t>```</a:t>
-              </a:r>
-            </a:p>
-            <a:p>
-              <a:endParaRPr lang="en-US" sz="1600" dirty="0">
-                <a:latin typeface="Monaco" pitchFamily="2" charset="77"/>
-              </a:endParaRPr>
-            </a:p>
-            <a:p>
-              <a:r>
-                <a:rPr lang="en-US" sz="1600" dirty="0">
-                  <a:latin typeface="Monaco" pitchFamily="2" charset="77"/>
-                </a:rPr>
-                <a:t>:::</a:t>
-              </a:r>
-            </a:p>
-          </p:txBody>
-        </p:sp>
-      </p:grpSp>
-      <p:sp>
-        <p:nvSpPr>
-          <p:cNvPr id="16" name="Right Arrow 15">
-            <a:extLst>
-              <a:ext uri="{FF2B5EF4-FFF2-40B4-BE49-F238E27FC236}">
-                <a16:creationId xmlns:a16="http://schemas.microsoft.com/office/drawing/2014/main" id="{CD6E9ACB-610F-33F6-A8AF-ACA718C7F372}"/>
-              </a:ext>
-            </a:extLst>
-          </p:cNvPr>
-          <p:cNvSpPr/>
-          <p:nvPr/>
-        </p:nvSpPr>
-        <p:spPr>
-          <a:xfrm>
-            <a:off x="5449614" y="3097924"/>
-            <a:ext cx="1292772" cy="662152"/>
-          </a:xfrm>
-          <a:prstGeom prst="rightArrow">
-            <a:avLst/>
-          </a:prstGeom>
-          <a:solidFill>
-            <a:schemeClr val="bg1">
-              <a:lumMod val="75000"/>
-            </a:schemeClr>
-          </a:solidFill>
-        </p:spPr>
-        <p:style>
-          <a:lnRef idx="2">
-            <a:schemeClr val="accent1">
-              <a:shade val="15000"/>
-            </a:schemeClr>
-          </a:lnRef>
-          <a:fillRef idx="1">
-            <a:schemeClr val="accent1"/>
-          </a:fillRef>
-          <a:effectRef idx="0">
-            <a:schemeClr val="accent1"/>
-          </a:effectRef>
-          <a:fontRef idx="minor">
-            <a:schemeClr val="lt1"/>
-          </a:fontRef>
-        </p:style>
-        <p:txBody>
-          <a:bodyPr rtlCol="0" anchor="ctr"/>
-          <a:lstStyle/>
-          <a:p>
-            <a:pPr algn="ctr"/>
-            <a:endParaRPr lang="en-US"/>
-          </a:p>
-        </p:txBody>
-      </p:sp>
-    </p:spTree>
-    <p:extLst>
-      <p:ext uri="{BB962C8B-B14F-4D97-AF65-F5344CB8AC3E}">
-        <p14:creationId xmlns:p14="http://schemas.microsoft.com/office/powerpoint/2010/main" val="233175349"/>
-      </p:ext>
-    </p:extLst>
-  </p:cSld>
-  <p:clrMapOvr>
-    <a:masterClrMapping/>
-  </p:clrMapOvr>
-</p:sld>
-</file>
-
 <file path=ppt/slides/slide2.xml><?xml version="1.0" encoding="utf-8"?>
 <p:sld xmlns:a="http://schemas.openxmlformats.org/drawingml/2006/main" xmlns:r="http://schemas.openxmlformats.org/officeDocument/2006/relationships" xmlns:p="http://schemas.openxmlformats.org/presentationml/2006/main">
   <p:cSld>
@@ -7243,7 +6270,7 @@
         </p:blipFill>
         <p:spPr bwMode="auto">
           <a:xfrm>
-            <a:off x="99191" y="349878"/>
+            <a:off x="1328902" y="349878"/>
             <a:ext cx="2283041" cy="1784422"/>
           </a:xfrm>
           <a:prstGeom prst="rect">
@@ -7275,7 +6302,7 @@
         </p:nvSpPr>
         <p:spPr>
           <a:xfrm>
-            <a:off x="4309293" y="438516"/>
+            <a:off x="5223693" y="438516"/>
             <a:ext cx="3573414" cy="1569660"/>
           </a:xfrm>
           <a:prstGeom prst="rect">
@@ -7530,74 +6557,6 @@
           <a:chExt cx="0" cy="0"/>
         </a:xfrm>
       </p:grpSpPr>
-      <p:sp>
-        <p:nvSpPr>
-          <p:cNvPr id="7" name="TextBox 6">
-            <a:extLst>
-              <a:ext uri="{FF2B5EF4-FFF2-40B4-BE49-F238E27FC236}">
-                <a16:creationId xmlns:a16="http://schemas.microsoft.com/office/drawing/2014/main" id="{00572415-EC19-105F-EAE6-0BDF017B595E}"/>
-              </a:ext>
-            </a:extLst>
-          </p:cNvPr>
-          <p:cNvSpPr txBox="1"/>
-          <p:nvPr/>
-        </p:nvSpPr>
-        <p:spPr>
-          <a:xfrm>
-            <a:off x="4309293" y="438516"/>
-            <a:ext cx="3573414" cy="1569660"/>
-          </a:xfrm>
-          <a:prstGeom prst="rect">
-            <a:avLst/>
-          </a:prstGeom>
-          <a:noFill/>
-        </p:spPr>
-        <p:txBody>
-          <a:bodyPr wrap="none" rtlCol="0">
-            <a:spAutoFit/>
-          </a:bodyPr>
-          <a:lstStyle/>
-          <a:p>
-            <a:pPr marL="457200" indent="-457200">
-              <a:buFont typeface="Wingdings" pitchFamily="2" charset="2"/>
-              <a:buChar char="ü"/>
-            </a:pPr>
-            <a:r>
-              <a:rPr lang="en-US" sz="3200" dirty="0">
-                <a:latin typeface="Roboto" panose="02000000000000000000" pitchFamily="2" charset="0"/>
-                <a:ea typeface="Roboto" panose="02000000000000000000" pitchFamily="2" charset="0"/>
-              </a:rPr>
-              <a:t>Reproducibility</a:t>
-            </a:r>
-          </a:p>
-          <a:p>
-            <a:pPr marL="457200" indent="-457200">
-              <a:buFont typeface="Wingdings" pitchFamily="2" charset="2"/>
-              <a:buChar char="ü"/>
-            </a:pPr>
-            <a:r>
-              <a:rPr lang="en-US" sz="3200" dirty="0">
-                <a:latin typeface="Roboto" panose="02000000000000000000" pitchFamily="2" charset="0"/>
-                <a:ea typeface="Roboto" panose="02000000000000000000" pitchFamily="2" charset="0"/>
-              </a:rPr>
-              <a:t>Version Control </a:t>
-            </a:r>
-          </a:p>
-          <a:p>
-            <a:pPr marL="457200" indent="-457200">
-              <a:buFont typeface="Wingdings" pitchFamily="2" charset="2"/>
-              <a:buChar char="ü"/>
-            </a:pPr>
-            <a:r>
-              <a:rPr lang="en-US" sz="3200" dirty="0">
-                <a:latin typeface="Roboto" panose="02000000000000000000" pitchFamily="2" charset="0"/>
-                <a:ea typeface="Roboto" panose="02000000000000000000" pitchFamily="2" charset="0"/>
-              </a:rPr>
-              <a:t>Open Source</a:t>
-            </a:r>
-          </a:p>
-        </p:txBody>
-      </p:sp>
       <p:pic>
         <p:nvPicPr>
           <p:cNvPr id="6" name="Picture 6" descr="Tidyverse - Wikipedia">
@@ -7627,7 +6586,7 @@
         </p:blipFill>
         <p:spPr bwMode="auto">
           <a:xfrm>
-            <a:off x="387682" y="176457"/>
+            <a:off x="1735375" y="176457"/>
             <a:ext cx="1812669" cy="2093778"/>
           </a:xfrm>
           <a:prstGeom prst="rect">
@@ -7734,6 +6693,74 @@
               <a:latin typeface="Roboto" panose="02000000000000000000" pitchFamily="2" charset="0"/>
               <a:ea typeface="Roboto" panose="02000000000000000000" pitchFamily="2" charset="0"/>
             </a:endParaRPr>
+          </a:p>
+        </p:txBody>
+      </p:sp>
+      <p:sp>
+        <p:nvSpPr>
+          <p:cNvPr id="2" name="TextBox 1">
+            <a:extLst>
+              <a:ext uri="{FF2B5EF4-FFF2-40B4-BE49-F238E27FC236}">
+                <a16:creationId xmlns:a16="http://schemas.microsoft.com/office/drawing/2014/main" id="{6A690090-94DF-3ACE-ACA6-0F3D6C2936FE}"/>
+              </a:ext>
+            </a:extLst>
+          </p:cNvPr>
+          <p:cNvSpPr txBox="1"/>
+          <p:nvPr/>
+        </p:nvSpPr>
+        <p:spPr>
+          <a:xfrm>
+            <a:off x="5223693" y="438516"/>
+            <a:ext cx="3573414" cy="1569660"/>
+          </a:xfrm>
+          <a:prstGeom prst="rect">
+            <a:avLst/>
+          </a:prstGeom>
+          <a:noFill/>
+        </p:spPr>
+        <p:txBody>
+          <a:bodyPr wrap="none" rtlCol="0">
+            <a:spAutoFit/>
+          </a:bodyPr>
+          <a:lstStyle/>
+          <a:p>
+            <a:pPr marL="457200" indent="-457200">
+              <a:buFont typeface="Wingdings" pitchFamily="2" charset="2"/>
+              <a:buChar char="ü"/>
+            </a:pPr>
+            <a:r>
+              <a:rPr lang="en-US" sz="3200" dirty="0">
+                <a:latin typeface="Roboto" panose="02000000000000000000" pitchFamily="2" charset="0"/>
+                <a:ea typeface="Roboto" panose="02000000000000000000" pitchFamily="2" charset="0"/>
+              </a:rPr>
+              <a:t>Reproducibility</a:t>
+            </a:r>
+          </a:p>
+          <a:p>
+            <a:pPr marL="457200" indent="-457200">
+              <a:buFont typeface="Wingdings" pitchFamily="2" charset="2"/>
+              <a:buChar char="ü"/>
+            </a:pPr>
+            <a:r>
+              <a:rPr lang="en-US" sz="3200" dirty="0">
+                <a:latin typeface="Roboto" panose="02000000000000000000" pitchFamily="2" charset="0"/>
+                <a:ea typeface="Roboto" panose="02000000000000000000" pitchFamily="2" charset="0"/>
+              </a:rPr>
+              <a:t>Version Control </a:t>
+            </a:r>
+          </a:p>
+          <a:p>
+            <a:pPr marL="457200" indent="-457200">
+              <a:buFont typeface="Wingdings" pitchFamily="2" charset="2"/>
+              <a:buChar char="ü"/>
+            </a:pPr>
+            <a:r>
+              <a:rPr lang="en-US" sz="3200" dirty="0">
+                <a:latin typeface="Roboto" panose="02000000000000000000" pitchFamily="2" charset="0"/>
+                <a:ea typeface="Roboto" panose="02000000000000000000" pitchFamily="2" charset="0"/>
+              </a:rPr>
+              <a:t>Open Source</a:t>
+            </a:r>
           </a:p>
         </p:txBody>
       </p:sp>
@@ -7843,77 +6870,6 @@
           <a:chExt cx="0" cy="0"/>
         </a:xfrm>
       </p:grpSpPr>
-      <p:sp>
-        <p:nvSpPr>
-          <p:cNvPr id="3" name="TextBox 2">
-            <a:extLst>
-              <a:ext uri="{FF2B5EF4-FFF2-40B4-BE49-F238E27FC236}">
-                <a16:creationId xmlns:a16="http://schemas.microsoft.com/office/drawing/2014/main" id="{7340EBED-EC48-FFCA-EB5A-78123C949122}"/>
-              </a:ext>
-            </a:extLst>
-          </p:cNvPr>
-          <p:cNvSpPr txBox="1"/>
-          <p:nvPr/>
-        </p:nvSpPr>
-        <p:spPr>
-          <a:xfrm>
-            <a:off x="4309293" y="438516"/>
-            <a:ext cx="3573414" cy="1569660"/>
-          </a:xfrm>
-          <a:prstGeom prst="rect">
-            <a:avLst/>
-          </a:prstGeom>
-          <a:noFill/>
-        </p:spPr>
-        <p:txBody>
-          <a:bodyPr wrap="none" rtlCol="0">
-            <a:spAutoFit/>
-          </a:bodyPr>
-          <a:lstStyle/>
-          <a:p>
-            <a:pPr marL="457200" indent="-457200">
-              <a:buSzPct val="80000"/>
-              <a:buFont typeface=".Apple Color Emoji UI"/>
-              <a:buChar char="❌"/>
-            </a:pPr>
-            <a:r>
-              <a:rPr lang="en-US" sz="3200" dirty="0">
-                <a:latin typeface="Roboto" panose="02000000000000000000" pitchFamily="2" charset="0"/>
-                <a:ea typeface="Roboto" panose="02000000000000000000" pitchFamily="2" charset="0"/>
-              </a:rPr>
-              <a:t>Reproducibility</a:t>
-            </a:r>
-          </a:p>
-          <a:p>
-            <a:pPr marL="457200" indent="-457200">
-              <a:buSzPct val="80000"/>
-              <a:buFont typeface=".Apple Color Emoji UI"/>
-              <a:buChar char="❌"/>
-            </a:pPr>
-            <a:r>
-              <a:rPr lang="en-US" sz="3200" dirty="0">
-                <a:latin typeface="Roboto" panose="02000000000000000000" pitchFamily="2" charset="0"/>
-                <a:ea typeface="Roboto" panose="02000000000000000000" pitchFamily="2" charset="0"/>
-              </a:rPr>
-              <a:t>Version Control </a:t>
-            </a:r>
-          </a:p>
-          <a:p>
-            <a:pPr marL="457200" indent="-457200">
-              <a:buSzPct val="80000"/>
-              <a:buFont typeface=".Apple Color Emoji UI"/>
-              <a:buChar char="❌"/>
-            </a:pPr>
-            <a:r>
-              <a:rPr lang="en-US" sz="3200" dirty="0">
-                <a:latin typeface="Roboto" panose="02000000000000000000" pitchFamily="2" charset="0"/>
-                <a:ea typeface="Roboto" panose="02000000000000000000" pitchFamily="2" charset="0"/>
-              </a:rPr>
-              <a:t>Open Source</a:t>
-            </a:r>
-          </a:p>
-        </p:txBody>
-      </p:sp>
       <p:pic>
         <p:nvPicPr>
           <p:cNvPr id="10" name="Picture 9">
@@ -8033,7 +6989,7 @@
         </p:blipFill>
         <p:spPr bwMode="auto">
           <a:xfrm>
-            <a:off x="1872221" y="342849"/>
+            <a:off x="3280607" y="597736"/>
             <a:ext cx="1801009" cy="1507669"/>
           </a:xfrm>
           <a:prstGeom prst="rect">
@@ -8078,7 +7034,7 @@
         </p:blipFill>
         <p:spPr bwMode="auto">
           <a:xfrm>
-            <a:off x="71212" y="342850"/>
+            <a:off x="1479598" y="597737"/>
             <a:ext cx="1801009" cy="1507669"/>
           </a:xfrm>
           <a:prstGeom prst="rect">
@@ -8096,6 +7052,77 @@
           </a:extLst>
         </p:spPr>
       </p:pic>
+      <p:sp>
+        <p:nvSpPr>
+          <p:cNvPr id="2" name="TextBox 1">
+            <a:extLst>
+              <a:ext uri="{FF2B5EF4-FFF2-40B4-BE49-F238E27FC236}">
+                <a16:creationId xmlns:a16="http://schemas.microsoft.com/office/drawing/2014/main" id="{16EF7E8A-98C2-CFFB-04D7-5D7F148A5BA4}"/>
+              </a:ext>
+            </a:extLst>
+          </p:cNvPr>
+          <p:cNvSpPr txBox="1"/>
+          <p:nvPr/>
+        </p:nvSpPr>
+        <p:spPr>
+          <a:xfrm>
+            <a:off x="5223693" y="438516"/>
+            <a:ext cx="3573414" cy="1569660"/>
+          </a:xfrm>
+          <a:prstGeom prst="rect">
+            <a:avLst/>
+          </a:prstGeom>
+          <a:noFill/>
+        </p:spPr>
+        <p:txBody>
+          <a:bodyPr wrap="none" rtlCol="0">
+            <a:spAutoFit/>
+          </a:bodyPr>
+          <a:lstStyle/>
+          <a:p>
+            <a:pPr marL="457200" indent="-457200">
+              <a:buSzPct val="80000"/>
+              <a:buFont typeface=".Apple Color Emoji UI"/>
+              <a:buChar char="❌"/>
+            </a:pPr>
+            <a:r>
+              <a:rPr lang="en-US" sz="3200" dirty="0">
+                <a:latin typeface="Roboto" panose="02000000000000000000" pitchFamily="2" charset="0"/>
+                <a:ea typeface="Roboto" panose="02000000000000000000" pitchFamily="2" charset="0"/>
+              </a:rPr>
+              <a:t>Reproducibility</a:t>
+            </a:r>
+          </a:p>
+          <a:p>
+            <a:pPr marL="457200" indent="-457200">
+              <a:buSzPct val="80000"/>
+              <a:buFont typeface=".Apple Color Emoji UI"/>
+              <a:buChar char="❌"/>
+            </a:pPr>
+            <a:r>
+              <a:rPr lang="en-US" sz="3200" dirty="0">
+                <a:latin typeface="Roboto" panose="02000000000000000000" pitchFamily="2" charset="0"/>
+                <a:ea typeface="Roboto" panose="02000000000000000000" pitchFamily="2" charset="0"/>
+              </a:rPr>
+              <a:t>Version Control </a:t>
+            </a:r>
+          </a:p>
+          <a:p>
+            <a:pPr marL="457200" indent="-457200">
+              <a:buSzPct val="80000"/>
+              <a:buFont typeface=".Apple Color Emoji UI"/>
+              <a:buChar char="❌"/>
+            </a:pPr>
+            <a:r>
+              <a:rPr lang="en-US" sz="3200" dirty="0">
+                <a:latin typeface="Roboto" panose="02000000000000000000" pitchFamily="2" charset="0"/>
+                <a:ea typeface="Roboto" panose="02000000000000000000" pitchFamily="2" charset="0"/>
+              </a:rPr>
+              <a:t>Open Source</a:t>
+            </a:r>
+          </a:p>
+        </p:txBody>
+      </p:sp>
     </p:spTree>
     <p:extLst>
       <p:ext uri="{BB962C8B-B14F-4D97-AF65-F5344CB8AC3E}">
@@ -8231,7 +7258,7 @@
         </p:blipFill>
         <p:spPr bwMode="auto">
           <a:xfrm>
-            <a:off x="386248" y="176457"/>
+            <a:off x="1836676" y="176457"/>
             <a:ext cx="1814103" cy="2093777"/>
           </a:xfrm>
           <a:prstGeom prst="rect">
@@ -8343,10 +7370,10 @@
       </p:sp>
       <p:sp>
         <p:nvSpPr>
-          <p:cNvPr id="2" name="TextBox 1">
-            <a:extLst>
-              <a:ext uri="{FF2B5EF4-FFF2-40B4-BE49-F238E27FC236}">
-                <a16:creationId xmlns:a16="http://schemas.microsoft.com/office/drawing/2014/main" id="{75C59203-C39A-09D8-1DA6-9EDDBAE593E2}"/>
+          <p:cNvPr id="3" name="TextBox 2">
+            <a:extLst>
+              <a:ext uri="{FF2B5EF4-FFF2-40B4-BE49-F238E27FC236}">
+                <a16:creationId xmlns:a16="http://schemas.microsoft.com/office/drawing/2014/main" id="{0A6371BD-963B-A690-FD71-E912D84FDA99}"/>
               </a:ext>
             </a:extLst>
           </p:cNvPr>
@@ -8355,7 +7382,7 @@
         </p:nvSpPr>
         <p:spPr>
           <a:xfrm>
-            <a:off x="4309293" y="438516"/>
+            <a:off x="5223693" y="438516"/>
             <a:ext cx="3573414" cy="1569660"/>
           </a:xfrm>
           <a:prstGeom prst="rect">
@@ -8635,7 +7662,7 @@
         <p:cNvPr id="1" name="">
           <a:extLst>
             <a:ext uri="{FF2B5EF4-FFF2-40B4-BE49-F238E27FC236}">
-              <a16:creationId xmlns:a16="http://schemas.microsoft.com/office/drawing/2014/main" id="{A888BD14-0D06-8720-08FC-873038FFB523}"/>
+              <a16:creationId xmlns:a16="http://schemas.microsoft.com/office/drawing/2014/main" id="{DD26B05A-2D0F-5ECD-7AD4-AFC6EE0780CE}"/>
             </a:ext>
           </a:extLst>
         </p:cNvPr>
@@ -8650,12 +7677,41 @@
           <a:chExt cx="0" cy="0"/>
         </a:xfrm>
       </p:grpSpPr>
+      <p:pic>
+        <p:nvPicPr>
+          <p:cNvPr id="10" name="Picture 9">
+            <a:extLst>
+              <a:ext uri="{FF2B5EF4-FFF2-40B4-BE49-F238E27FC236}">
+                <a16:creationId xmlns:a16="http://schemas.microsoft.com/office/drawing/2014/main" id="{DDA38E97-579D-32AC-18CA-F8DBA3EBBAA7}"/>
+              </a:ext>
+            </a:extLst>
+          </p:cNvPr>
+          <p:cNvPicPr>
+            <a:picLocks noChangeAspect="1"/>
+          </p:cNvPicPr>
+          <p:nvPr/>
+        </p:nvPicPr>
+        <p:blipFill>
+          <a:blip r:embed="rId3"/>
+          <a:srcRect/>
+          <a:stretch/>
+        </p:blipFill>
+        <p:spPr>
+          <a:xfrm>
+            <a:off x="2859981" y="1784973"/>
+            <a:ext cx="8721250" cy="2945741"/>
+          </a:xfrm>
+          <a:prstGeom prst="rect">
+            <a:avLst/>
+          </a:prstGeom>
+        </p:spPr>
+      </p:pic>
       <p:grpSp>
         <p:nvGrpSpPr>
-          <p:cNvPr id="6" name="Group 5">
-            <a:extLst>
-              <a:ext uri="{FF2B5EF4-FFF2-40B4-BE49-F238E27FC236}">
-                <a16:creationId xmlns:a16="http://schemas.microsoft.com/office/drawing/2014/main" id="{C407445C-06E2-D98B-B1E3-A10EF213FF86}"/>
+          <p:cNvPr id="2" name="Group 1">
+            <a:extLst>
+              <a:ext uri="{FF2B5EF4-FFF2-40B4-BE49-F238E27FC236}">
+                <a16:creationId xmlns:a16="http://schemas.microsoft.com/office/drawing/2014/main" id="{30DDA70D-ED9A-C87A-063C-60293C045139}"/>
               </a:ext>
             </a:extLst>
           </p:cNvPr>
@@ -8664,7 +7720,7 @@
         </p:nvGrpSpPr>
         <p:grpSpPr>
           <a:xfrm>
-            <a:off x="547832" y="2623747"/>
+            <a:off x="574841" y="1844819"/>
             <a:ext cx="2347036" cy="2831890"/>
             <a:chOff x="789569" y="1860698"/>
             <a:chExt cx="2347036" cy="2831890"/>
@@ -8672,10 +7728,10 @@
         </p:grpSpPr>
         <p:cxnSp>
           <p:nvCxnSpPr>
-            <p:cNvPr id="2" name="Straight Arrow Connector 1">
+            <p:cNvPr id="3" name="Straight Arrow Connector 2">
               <a:extLst>
                 <a:ext uri="{FF2B5EF4-FFF2-40B4-BE49-F238E27FC236}">
-                  <a16:creationId xmlns:a16="http://schemas.microsoft.com/office/drawing/2014/main" id="{05155851-1BF7-8D93-89A4-B4B05CF966CD}"/>
+                  <a16:creationId xmlns:a16="http://schemas.microsoft.com/office/drawing/2014/main" id="{6CC27CCA-A6E7-7362-2C8B-500C1D8BD45E}"/>
                 </a:ext>
               </a:extLst>
             </p:cNvPr>
@@ -8716,10 +7772,10 @@
         </p:cxnSp>
         <p:sp>
           <p:nvSpPr>
-            <p:cNvPr id="3" name="TextBox 2">
+            <p:cNvPr id="4" name="TextBox 3">
               <a:extLst>
                 <a:ext uri="{FF2B5EF4-FFF2-40B4-BE49-F238E27FC236}">
-                  <a16:creationId xmlns:a16="http://schemas.microsoft.com/office/drawing/2014/main" id="{0E975A06-DFA9-45DD-ABFE-444861E998B8}"/>
+                  <a16:creationId xmlns:a16="http://schemas.microsoft.com/office/drawing/2014/main" id="{E8FEB119-8034-B540-77C6-42F18DBCEFD3}"/>
                 </a:ext>
               </a:extLst>
             </p:cNvPr>
@@ -8757,10 +7813,10 @@
         </p:sp>
         <p:sp>
           <p:nvSpPr>
-            <p:cNvPr id="4" name="Rounded Rectangle 3">
+            <p:cNvPr id="5" name="Rounded Rectangle 4">
               <a:extLst>
                 <a:ext uri="{FF2B5EF4-FFF2-40B4-BE49-F238E27FC236}">
-                  <a16:creationId xmlns:a16="http://schemas.microsoft.com/office/drawing/2014/main" id="{7F6D83DB-B20C-56B0-86CC-0ABA929E77DF}"/>
+                  <a16:creationId xmlns:a16="http://schemas.microsoft.com/office/drawing/2014/main" id="{83BB4915-26F7-D72F-309E-5A7A1C48DB16}"/>
                 </a:ext>
               </a:extLst>
             </p:cNvPr>
@@ -8832,39 +7888,10 @@
           </p:txBody>
         </p:sp>
       </p:grpSp>
-      <p:pic>
-        <p:nvPicPr>
-          <p:cNvPr id="5" name="Picture 4">
-            <a:extLst>
-              <a:ext uri="{FF2B5EF4-FFF2-40B4-BE49-F238E27FC236}">
-                <a16:creationId xmlns:a16="http://schemas.microsoft.com/office/drawing/2014/main" id="{5F2D3133-674A-C25C-0A78-F0184B9D38F3}"/>
-              </a:ext>
-            </a:extLst>
-          </p:cNvPr>
-          <p:cNvPicPr>
-            <a:picLocks noChangeAspect="1"/>
-          </p:cNvPicPr>
-          <p:nvPr/>
-        </p:nvPicPr>
-        <p:blipFill>
-          <a:blip r:embed="rId3"/>
-          <a:srcRect/>
-          <a:stretch/>
-        </p:blipFill>
-        <p:spPr>
-          <a:xfrm>
-            <a:off x="2894868" y="2560687"/>
-            <a:ext cx="8721250" cy="2945741"/>
-          </a:xfrm>
-          <a:prstGeom prst="rect">
-            <a:avLst/>
-          </a:prstGeom>
-        </p:spPr>
-      </p:pic>
     </p:spTree>
     <p:extLst>
       <p:ext uri="{BB962C8B-B14F-4D97-AF65-F5344CB8AC3E}">
-        <p14:creationId xmlns:p14="http://schemas.microsoft.com/office/powerpoint/2010/main" val="2650725681"/>
+        <p14:creationId xmlns:p14="http://schemas.microsoft.com/office/powerpoint/2010/main" val="139461608"/>
       </p:ext>
     </p:extLst>
   </p:cSld>
@@ -8901,7 +7928,7 @@
                                       <p:cBhvr>
                                         <p:cTn id="6" dur="2000" fill="hold"/>
                                         <p:tgtEl>
-                                          <p:spTgt spid="5"/>
+                                          <p:spTgt spid="10"/>
                                         </p:tgtEl>
                                         <p:attrNameLst>
                                           <p:attrName>ppt_x</p:attrName>
@@ -9178,77 +8205,6 @@
           </a:prstGeom>
         </p:spPr>
       </p:pic>
-      <p:sp>
-        <p:nvSpPr>
-          <p:cNvPr id="7" name="TextBox 6">
-            <a:extLst>
-              <a:ext uri="{FF2B5EF4-FFF2-40B4-BE49-F238E27FC236}">
-                <a16:creationId xmlns:a16="http://schemas.microsoft.com/office/drawing/2014/main" id="{C92E8201-485E-7FB6-B16B-89809EF7AE7E}"/>
-              </a:ext>
-            </a:extLst>
-          </p:cNvPr>
-          <p:cNvSpPr txBox="1"/>
-          <p:nvPr/>
-        </p:nvSpPr>
-        <p:spPr>
-          <a:xfrm>
-            <a:off x="4309293" y="438516"/>
-            <a:ext cx="3573414" cy="1569660"/>
-          </a:xfrm>
-          <a:prstGeom prst="rect">
-            <a:avLst/>
-          </a:prstGeom>
-          <a:noFill/>
-        </p:spPr>
-        <p:txBody>
-          <a:bodyPr wrap="none" rtlCol="0">
-            <a:spAutoFit/>
-          </a:bodyPr>
-          <a:lstStyle/>
-          <a:p>
-            <a:pPr marL="457200" indent="-457200">
-              <a:buSzPct val="80000"/>
-              <a:buFont typeface=".Apple Color Emoji UI"/>
-              <a:buChar char="❌"/>
-            </a:pPr>
-            <a:r>
-              <a:rPr lang="en-US" sz="3200" dirty="0">
-                <a:latin typeface="Roboto" panose="02000000000000000000" pitchFamily="2" charset="0"/>
-                <a:ea typeface="Roboto" panose="02000000000000000000" pitchFamily="2" charset="0"/>
-              </a:rPr>
-              <a:t>Reproducibility</a:t>
-            </a:r>
-          </a:p>
-          <a:p>
-            <a:pPr marL="457200" indent="-457200">
-              <a:buSzPct val="80000"/>
-              <a:buFont typeface=".Apple Color Emoji UI"/>
-              <a:buChar char="❌"/>
-            </a:pPr>
-            <a:r>
-              <a:rPr lang="en-US" sz="3200" dirty="0">
-                <a:latin typeface="Roboto" panose="02000000000000000000" pitchFamily="2" charset="0"/>
-                <a:ea typeface="Roboto" panose="02000000000000000000" pitchFamily="2" charset="0"/>
-              </a:rPr>
-              <a:t>Version Control </a:t>
-            </a:r>
-          </a:p>
-          <a:p>
-            <a:pPr marL="457200" indent="-457200">
-              <a:buSzPct val="80000"/>
-              <a:buFont typeface=".Apple Color Emoji UI"/>
-              <a:buChar char="❌"/>
-            </a:pPr>
-            <a:r>
-              <a:rPr lang="en-US" sz="3200" dirty="0">
-                <a:latin typeface="Roboto" panose="02000000000000000000" pitchFamily="2" charset="0"/>
-                <a:ea typeface="Roboto" panose="02000000000000000000" pitchFamily="2" charset="0"/>
-              </a:rPr>
-              <a:t>Open Source</a:t>
-            </a:r>
-          </a:p>
-        </p:txBody>
-      </p:sp>
       <p:pic>
         <p:nvPicPr>
           <p:cNvPr id="8" name="Picture 4" descr="Google Forms - Workforce EdTech">
@@ -9278,7 +8234,7 @@
         </p:blipFill>
         <p:spPr bwMode="auto">
           <a:xfrm>
-            <a:off x="176073" y="568478"/>
+            <a:off x="691080" y="568478"/>
             <a:ext cx="1411257" cy="1411257"/>
           </a:xfrm>
           <a:prstGeom prst="rect">
@@ -9325,7 +8281,7 @@
         </p:blipFill>
         <p:spPr bwMode="auto">
           <a:xfrm>
-            <a:off x="1573941" y="907945"/>
+            <a:off x="2088948" y="907945"/>
             <a:ext cx="2110834" cy="599477"/>
           </a:xfrm>
           <a:prstGeom prst="rect">
@@ -9343,6 +8299,77 @@
           </a:extLst>
         </p:spPr>
       </p:pic>
+      <p:sp>
+        <p:nvSpPr>
+          <p:cNvPr id="11" name="TextBox 10">
+            <a:extLst>
+              <a:ext uri="{FF2B5EF4-FFF2-40B4-BE49-F238E27FC236}">
+                <a16:creationId xmlns:a16="http://schemas.microsoft.com/office/drawing/2014/main" id="{64B29524-5E26-565A-409C-4A7D6EFA1E06}"/>
+              </a:ext>
+            </a:extLst>
+          </p:cNvPr>
+          <p:cNvSpPr txBox="1"/>
+          <p:nvPr/>
+        </p:nvSpPr>
+        <p:spPr>
+          <a:xfrm>
+            <a:off x="5223693" y="438516"/>
+            <a:ext cx="3573414" cy="1569660"/>
+          </a:xfrm>
+          <a:prstGeom prst="rect">
+            <a:avLst/>
+          </a:prstGeom>
+          <a:noFill/>
+        </p:spPr>
+        <p:txBody>
+          <a:bodyPr wrap="none" rtlCol="0">
+            <a:spAutoFit/>
+          </a:bodyPr>
+          <a:lstStyle/>
+          <a:p>
+            <a:pPr marL="457200" indent="-457200">
+              <a:buSzPct val="80000"/>
+              <a:buFont typeface=".Apple Color Emoji UI"/>
+              <a:buChar char="❌"/>
+            </a:pPr>
+            <a:r>
+              <a:rPr lang="en-US" sz="3200" dirty="0">
+                <a:latin typeface="Roboto" panose="02000000000000000000" pitchFamily="2" charset="0"/>
+                <a:ea typeface="Roboto" panose="02000000000000000000" pitchFamily="2" charset="0"/>
+              </a:rPr>
+              <a:t>Reproducibility</a:t>
+            </a:r>
+          </a:p>
+          <a:p>
+            <a:pPr marL="457200" indent="-457200">
+              <a:buSzPct val="80000"/>
+              <a:buFont typeface=".Apple Color Emoji UI"/>
+              <a:buChar char="❌"/>
+            </a:pPr>
+            <a:r>
+              <a:rPr lang="en-US" sz="3200" dirty="0">
+                <a:latin typeface="Roboto" panose="02000000000000000000" pitchFamily="2" charset="0"/>
+                <a:ea typeface="Roboto" panose="02000000000000000000" pitchFamily="2" charset="0"/>
+              </a:rPr>
+              <a:t>Version Control </a:t>
+            </a:r>
+          </a:p>
+          <a:p>
+            <a:pPr marL="457200" indent="-457200">
+              <a:buSzPct val="80000"/>
+              <a:buFont typeface=".Apple Color Emoji UI"/>
+              <a:buChar char="❌"/>
+            </a:pPr>
+            <a:r>
+              <a:rPr lang="en-US" sz="3200" dirty="0">
+                <a:latin typeface="Roboto" panose="02000000000000000000" pitchFamily="2" charset="0"/>
+                <a:ea typeface="Roboto" panose="02000000000000000000" pitchFamily="2" charset="0"/>
+              </a:rPr>
+              <a:t>Open Source</a:t>
+            </a:r>
+          </a:p>
+        </p:txBody>
+      </p:sp>
     </p:spTree>
     <p:extLst>
       <p:ext uri="{BB962C8B-B14F-4D97-AF65-F5344CB8AC3E}">
@@ -9429,12 +8456,20 @@
 <file path=ppt/slides/slide9.xml><?xml version="1.0" encoding="utf-8"?>
 <p:sld xmlns:a="http://schemas.openxmlformats.org/drawingml/2006/main" xmlns:r="http://schemas.openxmlformats.org/officeDocument/2006/relationships" xmlns:p="http://schemas.openxmlformats.org/presentationml/2006/main">
   <p:cSld>
+    <p:bg>
+      <p:bgPr>
+        <a:solidFill>
+          <a:srgbClr val="EAEAEB"/>
+        </a:solidFill>
+        <a:effectLst/>
+      </p:bgPr>
+    </p:bg>
     <p:spTree>
       <p:nvGrpSpPr>
         <p:cNvPr id="1" name="">
           <a:extLst>
             <a:ext uri="{FF2B5EF4-FFF2-40B4-BE49-F238E27FC236}">
-              <a16:creationId xmlns:a16="http://schemas.microsoft.com/office/drawing/2014/main" id="{D60EE6B0-7E5C-C103-1657-6C09DB0B48BD}"/>
+              <a16:creationId xmlns:a16="http://schemas.microsoft.com/office/drawing/2014/main" id="{94328526-D41C-6530-33A1-C8DB170D6EC3}"/>
             </a:ext>
           </a:extLst>
         </p:cNvPr>
@@ -9451,10 +8486,10 @@
       </p:grpSpPr>
       <p:pic>
         <p:nvPicPr>
-          <p:cNvPr id="12" name="Picture 11" descr="A hexagon with a sign and a arrow&#10;&#10;Description automatically generated">
-            <a:extLst>
-              <a:ext uri="{FF2B5EF4-FFF2-40B4-BE49-F238E27FC236}">
-                <a16:creationId xmlns:a16="http://schemas.microsoft.com/office/drawing/2014/main" id="{8DEB7923-2C20-1CF0-BA92-0479B51A890F}"/>
+          <p:cNvPr id="8" name="Picture 7">
+            <a:extLst>
+              <a:ext uri="{FF2B5EF4-FFF2-40B4-BE49-F238E27FC236}">
+                <a16:creationId xmlns:a16="http://schemas.microsoft.com/office/drawing/2014/main" id="{C82F4BCC-BD67-DC98-297E-E920A110FB34}"/>
               </a:ext>
             </a:extLst>
           </p:cNvPr>
@@ -9465,208 +8500,30 @@
         </p:nvPicPr>
         <p:blipFill>
           <a:blip r:embed="rId3"/>
-          <a:stretch>
-            <a:fillRect/>
-          </a:stretch>
+          <a:srcRect/>
+          <a:stretch/>
         </p:blipFill>
         <p:spPr>
           <a:xfrm>
-            <a:off x="386247" y="169456"/>
-            <a:ext cx="1814104" cy="2086776"/>
+            <a:off x="6814654" y="1320906"/>
+            <a:ext cx="5165266" cy="4947708"/>
           </a:xfrm>
           <a:prstGeom prst="rect">
             <a:avLst/>
           </a:prstGeom>
+          <a:solidFill>
+            <a:srgbClr val="EAEAEB">
+              <a:alpha val="99000"/>
+            </a:srgbClr>
+          </a:solidFill>
         </p:spPr>
       </p:pic>
-      <p:grpSp>
-        <p:nvGrpSpPr>
-          <p:cNvPr id="6" name="Group 5">
-            <a:extLst>
-              <a:ext uri="{FF2B5EF4-FFF2-40B4-BE49-F238E27FC236}">
-                <a16:creationId xmlns:a16="http://schemas.microsoft.com/office/drawing/2014/main" id="{FF019A77-D354-8A8B-AB60-53476A065311}"/>
-              </a:ext>
-            </a:extLst>
-          </p:cNvPr>
-          <p:cNvGrpSpPr/>
-          <p:nvPr/>
-        </p:nvGrpSpPr>
-        <p:grpSpPr>
-          <a:xfrm>
-            <a:off x="547832" y="2623747"/>
-            <a:ext cx="2347036" cy="2831890"/>
-            <a:chOff x="789569" y="1860698"/>
-            <a:chExt cx="2347036" cy="2831890"/>
-          </a:xfrm>
-        </p:grpSpPr>
-        <p:cxnSp>
-          <p:nvCxnSpPr>
-            <p:cNvPr id="2" name="Straight Arrow Connector 1">
-              <a:extLst>
-                <a:ext uri="{FF2B5EF4-FFF2-40B4-BE49-F238E27FC236}">
-                  <a16:creationId xmlns:a16="http://schemas.microsoft.com/office/drawing/2014/main" id="{29167F0C-FFA7-1ABA-E288-2F438E85D921}"/>
-                </a:ext>
-              </a:extLst>
-            </p:cNvPr>
-            <p:cNvCxnSpPr>
-              <a:cxnSpLocks/>
-            </p:cNvCxnSpPr>
-            <p:nvPr/>
-          </p:nvCxnSpPr>
-          <p:spPr>
-            <a:xfrm>
-              <a:off x="2742033" y="2975183"/>
-              <a:ext cx="394572" cy="0"/>
-            </a:xfrm>
-            <a:prstGeom prst="straightConnector1">
-              <a:avLst/>
-            </a:prstGeom>
-            <a:ln w="31750">
-              <a:solidFill>
-                <a:srgbClr val="FF0000"/>
-              </a:solidFill>
-              <a:tailEnd type="triangle" w="lg" len="lg"/>
-            </a:ln>
-          </p:spPr>
-          <p:style>
-            <a:lnRef idx="2">
-              <a:schemeClr val="accent1"/>
-            </a:lnRef>
-            <a:fillRef idx="0">
-              <a:schemeClr val="accent1"/>
-            </a:fillRef>
-            <a:effectRef idx="1">
-              <a:schemeClr val="accent1"/>
-            </a:effectRef>
-            <a:fontRef idx="minor">
-              <a:schemeClr val="tx1"/>
-            </a:fontRef>
-          </p:style>
-        </p:cxnSp>
-        <p:sp>
-          <p:nvSpPr>
-            <p:cNvPr id="3" name="TextBox 2">
-              <a:extLst>
-                <a:ext uri="{FF2B5EF4-FFF2-40B4-BE49-F238E27FC236}">
-                  <a16:creationId xmlns:a16="http://schemas.microsoft.com/office/drawing/2014/main" id="{A90F7D2F-CA32-FC71-C7D3-FDEDCF76EA9C}"/>
-                </a:ext>
-              </a:extLst>
-            </p:cNvPr>
-            <p:cNvSpPr txBox="1"/>
-            <p:nvPr/>
-          </p:nvSpPr>
-          <p:spPr>
-            <a:xfrm>
-              <a:off x="789569" y="4354034"/>
-              <a:ext cx="763351" cy="338554"/>
-            </a:xfrm>
-            <a:prstGeom prst="rect">
-              <a:avLst/>
-            </a:prstGeom>
-            <a:noFill/>
-          </p:spPr>
-          <p:txBody>
-            <a:bodyPr wrap="none" rtlCol="0">
-              <a:spAutoFit/>
-            </a:bodyPr>
-            <a:lstStyle/>
-            <a:p>
-              <a:r>
-                <a:rPr lang="en-US" sz="1600" dirty="0">
-                  <a:solidFill>
-                    <a:srgbClr val="FF0000"/>
-                  </a:solidFill>
-                  <a:latin typeface="Fira Sans Condensed Medium" panose="020B0603050000020004" pitchFamily="34" charset="0"/>
-                  <a:ea typeface="Roboto" panose="02000000000000000000" pitchFamily="2" charset="0"/>
-                </a:rPr>
-                <a:t>Survey</a:t>
-              </a:r>
-            </a:p>
-          </p:txBody>
-        </p:sp>
-        <p:sp>
-          <p:nvSpPr>
-            <p:cNvPr id="4" name="Rounded Rectangle 3">
-              <a:extLst>
-                <a:ext uri="{FF2B5EF4-FFF2-40B4-BE49-F238E27FC236}">
-                  <a16:creationId xmlns:a16="http://schemas.microsoft.com/office/drawing/2014/main" id="{97FEECE6-ABC3-51AB-0C11-5CA1E4BC99F9}"/>
-                </a:ext>
-              </a:extLst>
-            </p:cNvPr>
-            <p:cNvSpPr/>
-            <p:nvPr/>
-          </p:nvSpPr>
-          <p:spPr>
-            <a:xfrm>
-              <a:off x="860681" y="1860698"/>
-              <a:ext cx="1881352" cy="2530549"/>
-            </a:xfrm>
-            <a:prstGeom prst="roundRect">
-              <a:avLst>
-                <a:gd name="adj" fmla="val 7170"/>
-              </a:avLst>
-            </a:prstGeom>
-            <a:noFill/>
-            <a:ln>
-              <a:solidFill>
-                <a:srgbClr val="FF0000"/>
-              </a:solidFill>
-            </a:ln>
-          </p:spPr>
-          <p:style>
-            <a:lnRef idx="2">
-              <a:schemeClr val="accent1">
-                <a:shade val="15000"/>
-              </a:schemeClr>
-            </a:lnRef>
-            <a:fillRef idx="1">
-              <a:schemeClr val="accent1"/>
-            </a:fillRef>
-            <a:effectRef idx="0">
-              <a:schemeClr val="accent1"/>
-            </a:effectRef>
-            <a:fontRef idx="minor">
-              <a:schemeClr val="lt1"/>
-            </a:fontRef>
-          </p:style>
-          <p:txBody>
-            <a:bodyPr rtlCol="0" anchor="ctr"/>
-            <a:lstStyle/>
-            <a:p>
-              <a:pPr algn="ctr"/>
-              <a:r>
-                <a:rPr lang="en-US" sz="2200" dirty="0">
-                  <a:solidFill>
-                    <a:srgbClr val="FF0000"/>
-                  </a:solidFill>
-                  <a:latin typeface="Roboto" panose="02000000000000000000" pitchFamily="2" charset="0"/>
-                  <a:ea typeface="Roboto" panose="02000000000000000000" pitchFamily="2" charset="0"/>
-                </a:rPr>
-                <a:t>Collect</a:t>
-              </a:r>
-            </a:p>
-            <a:p>
-              <a:pPr algn="ctr"/>
-              <a:r>
-                <a:rPr lang="en-US" sz="2200" dirty="0">
-                  <a:solidFill>
-                    <a:srgbClr val="FF0000"/>
-                  </a:solidFill>
-                  <a:latin typeface="Roboto" panose="02000000000000000000" pitchFamily="2" charset="0"/>
-                  <a:ea typeface="Roboto" panose="02000000000000000000" pitchFamily="2" charset="0"/>
-                </a:rPr>
-                <a:t>Data</a:t>
-              </a:r>
-            </a:p>
-          </p:txBody>
-        </p:sp>
-      </p:grpSp>
       <p:pic>
         <p:nvPicPr>
-          <p:cNvPr id="5" name="Picture 4">
-            <a:extLst>
-              <a:ext uri="{FF2B5EF4-FFF2-40B4-BE49-F238E27FC236}">
-                <a16:creationId xmlns:a16="http://schemas.microsoft.com/office/drawing/2014/main" id="{0AEB48B6-6282-35CD-8E52-4DDAC180F2BB}"/>
+          <p:cNvPr id="3" name="Picture 2" descr="A hexagon with a sign and a arrow&#10;&#10;Description automatically generated">
+            <a:extLst>
+              <a:ext uri="{FF2B5EF4-FFF2-40B4-BE49-F238E27FC236}">
+                <a16:creationId xmlns:a16="http://schemas.microsoft.com/office/drawing/2014/main" id="{48FF060C-23CF-09A1-A547-6484DA79CB64}"/>
               </a:ext>
             </a:extLst>
           </p:cNvPr>
@@ -9677,25 +8534,73 @@
         </p:nvPicPr>
         <p:blipFill>
           <a:blip r:embed="rId4"/>
-          <a:srcRect/>
-          <a:stretch/>
+          <a:stretch>
+            <a:fillRect/>
+          </a:stretch>
         </p:blipFill>
         <p:spPr>
           <a:xfrm>
-            <a:off x="2894868" y="2560687"/>
-            <a:ext cx="8721250" cy="2945741"/>
+            <a:off x="3710633" y="2423160"/>
+            <a:ext cx="2384755" cy="2743200"/>
           </a:xfrm>
           <a:prstGeom prst="rect">
             <a:avLst/>
           </a:prstGeom>
         </p:spPr>
       </p:pic>
-      <p:sp>
-        <p:nvSpPr>
-          <p:cNvPr id="11" name="TextBox 10">
-            <a:extLst>
-              <a:ext uri="{FF2B5EF4-FFF2-40B4-BE49-F238E27FC236}">
-                <a16:creationId xmlns:a16="http://schemas.microsoft.com/office/drawing/2014/main" id="{DB65E3EB-94F4-59D9-5CA6-3E0F59C0E569}"/>
+      <p:pic>
+        <p:nvPicPr>
+          <p:cNvPr id="4" name="Picture 4" descr="Hex logo for Quarto - a white circle segmented into quarters next to the text Quarto on a blue background.">
+            <a:extLst>
+              <a:ext uri="{FF2B5EF4-FFF2-40B4-BE49-F238E27FC236}">
+                <a16:creationId xmlns:a16="http://schemas.microsoft.com/office/drawing/2014/main" id="{5C400ECE-1343-7989-1A9B-8AD11516ED74}"/>
+              </a:ext>
+            </a:extLst>
+          </p:cNvPr>
+          <p:cNvPicPr>
+            <a:picLocks noChangeAspect="1" noChangeArrowheads="1"/>
+          </p:cNvPicPr>
+          <p:nvPr/>
+        </p:nvPicPr>
+        <p:blipFill>
+          <a:blip r:embed="rId5">
+            <a:extLst>
+              <a:ext uri="{28A0092B-C50C-407E-A947-70E740481C1C}">
+                <a14:useLocalDpi xmlns:a14="http://schemas.microsoft.com/office/drawing/2010/main" val="0"/>
+              </a:ext>
+            </a:extLst>
+          </a:blip>
+          <a:srcRect/>
+          <a:stretch>
+            <a:fillRect/>
+          </a:stretch>
+        </p:blipFill>
+        <p:spPr bwMode="auto">
+          <a:xfrm>
+            <a:off x="417753" y="2423160"/>
+            <a:ext cx="2376780" cy="2743200"/>
+          </a:xfrm>
+          <a:prstGeom prst="rect">
+            <a:avLst/>
+          </a:prstGeom>
+          <a:noFill/>
+          <a:extLst>
+            <a:ext uri="{909E8E84-426E-40DD-AFC4-6F175D3DCCD1}">
+              <a14:hiddenFill xmlns:a14="http://schemas.microsoft.com/office/drawing/2010/main">
+                <a:solidFill>
+                  <a:srgbClr val="FFFFFF"/>
+                </a:solidFill>
+              </a14:hiddenFill>
+            </a:ext>
+          </a:extLst>
+        </p:spPr>
+      </p:pic>
+      <p:sp>
+        <p:nvSpPr>
+          <p:cNvPr id="5" name="TextBox 4">
+            <a:extLst>
+              <a:ext uri="{FF2B5EF4-FFF2-40B4-BE49-F238E27FC236}">
+                <a16:creationId xmlns:a16="http://schemas.microsoft.com/office/drawing/2014/main" id="{049242D9-D73D-4BB1-A0E3-95E1DF362804}"/>
               </a:ext>
             </a:extLst>
           </p:cNvPr>
@@ -9704,8 +8609,8 @@
         </p:nvSpPr>
         <p:spPr>
           <a:xfrm>
-            <a:off x="4309293" y="438516"/>
-            <a:ext cx="3573414" cy="1569660"/>
+            <a:off x="2894953" y="3071485"/>
+            <a:ext cx="715260" cy="1446550"/>
           </a:xfrm>
           <a:prstGeom prst="rect">
             <a:avLst/>
@@ -9718,42 +8623,86 @@
           </a:bodyPr>
           <a:lstStyle/>
           <a:p>
-            <a:pPr marL="457200" indent="-457200">
-              <a:buFont typeface="Wingdings" pitchFamily="2" charset="2"/>
-              <a:buChar char="ü"/>
-            </a:pPr>
-            <a:r>
-              <a:rPr lang="en-US" sz="3200" dirty="0">
-                <a:latin typeface="Roboto" panose="02000000000000000000" pitchFamily="2" charset="0"/>
-                <a:ea typeface="Roboto" panose="02000000000000000000" pitchFamily="2" charset="0"/>
+            <a:r>
+              <a:rPr lang="en-US" sz="8800" dirty="0">
+                <a:latin typeface="Fira Sans Condensed Medium" panose="020B0603050000020004" pitchFamily="34" charset="0"/>
               </a:rPr>
-              <a:t>Reproducibility</a:t>
-            </a:r>
-          </a:p>
-          <a:p>
-            <a:pPr marL="457200" indent="-457200">
-              <a:buFont typeface="Wingdings" pitchFamily="2" charset="2"/>
-              <a:buChar char="ü"/>
-            </a:pPr>
-            <a:r>
-              <a:rPr lang="en-US" sz="3200" dirty="0">
-                <a:latin typeface="Roboto" panose="02000000000000000000" pitchFamily="2" charset="0"/>
-                <a:ea typeface="Roboto" panose="02000000000000000000" pitchFamily="2" charset="0"/>
+              <a:t>+</a:t>
+            </a:r>
+          </a:p>
+        </p:txBody>
+      </p:sp>
+      <p:sp>
+        <p:nvSpPr>
+          <p:cNvPr id="6" name="TextBox 5">
+            <a:extLst>
+              <a:ext uri="{FF2B5EF4-FFF2-40B4-BE49-F238E27FC236}">
+                <a16:creationId xmlns:a16="http://schemas.microsoft.com/office/drawing/2014/main" id="{E9AFB6F6-C224-8059-14D9-94A7F6B7AC70}"/>
+              </a:ext>
+            </a:extLst>
+          </p:cNvPr>
+          <p:cNvSpPr txBox="1"/>
+          <p:nvPr/>
+        </p:nvSpPr>
+        <p:spPr>
+          <a:xfrm>
+            <a:off x="6195807" y="3071485"/>
+            <a:ext cx="705642" cy="1446550"/>
+          </a:xfrm>
+          <a:prstGeom prst="rect">
+            <a:avLst/>
+          </a:prstGeom>
+          <a:noFill/>
+        </p:spPr>
+        <p:txBody>
+          <a:bodyPr wrap="none" rtlCol="0">
+            <a:spAutoFit/>
+          </a:bodyPr>
+          <a:lstStyle/>
+          <a:p>
+            <a:r>
+              <a:rPr lang="en-US" sz="8800" dirty="0">
+                <a:latin typeface="Fira Sans Condensed Medium" panose="020B0603050000020004" pitchFamily="34" charset="0"/>
               </a:rPr>
-              <a:t>Version Control </a:t>
-            </a:r>
-          </a:p>
-          <a:p>
-            <a:pPr marL="457200" indent="-457200">
-              <a:buFont typeface="Wingdings" pitchFamily="2" charset="2"/>
-              <a:buChar char="ü"/>
-            </a:pPr>
-            <a:r>
-              <a:rPr lang="en-US" sz="3200" dirty="0">
-                <a:latin typeface="Roboto" panose="02000000000000000000" pitchFamily="2" charset="0"/>
-                <a:ea typeface="Roboto" panose="02000000000000000000" pitchFamily="2" charset="0"/>
+              <a:t>=</a:t>
+            </a:r>
+          </a:p>
+        </p:txBody>
+      </p:sp>
+      <p:sp>
+        <p:nvSpPr>
+          <p:cNvPr id="7" name="TextBox 6">
+            <a:extLst>
+              <a:ext uri="{FF2B5EF4-FFF2-40B4-BE49-F238E27FC236}">
+                <a16:creationId xmlns:a16="http://schemas.microsoft.com/office/drawing/2014/main" id="{7BC3136E-AB1F-69A6-017E-D4B2AB8969A7}"/>
+              </a:ext>
+            </a:extLst>
+          </p:cNvPr>
+          <p:cNvSpPr txBox="1"/>
+          <p:nvPr/>
+        </p:nvSpPr>
+        <p:spPr>
+          <a:xfrm>
+            <a:off x="0" y="185705"/>
+            <a:ext cx="12192000" cy="769441"/>
+          </a:xfrm>
+          <a:prstGeom prst="rect">
+            <a:avLst/>
+          </a:prstGeom>
+          <a:noFill/>
+        </p:spPr>
+        <p:txBody>
+          <a:bodyPr wrap="square" rtlCol="0">
+            <a:spAutoFit/>
+          </a:bodyPr>
+          <a:lstStyle/>
+          <a:p>
+            <a:pPr algn="ctr"/>
+            <a:r>
+              <a:rPr lang="en-US" sz="4400" dirty="0">
+                <a:latin typeface="Fira Sans Condensed Medium" panose="020B0603050000020004" pitchFamily="34" charset="0"/>
               </a:rPr>
-              <a:t>Open Source</a:t>
+              <a:t>R package that renders Quarto files into surveys</a:t>
             </a:r>
           </a:p>
         </p:txBody>
@@ -9761,83 +8710,13 @@
     </p:spTree>
     <p:extLst>
       <p:ext uri="{BB962C8B-B14F-4D97-AF65-F5344CB8AC3E}">
-        <p14:creationId xmlns:p14="http://schemas.microsoft.com/office/powerpoint/2010/main" val="3279913876"/>
+        <p14:creationId xmlns:p14="http://schemas.microsoft.com/office/powerpoint/2010/main" val="1215931787"/>
       </p:ext>
     </p:extLst>
   </p:cSld>
   <p:clrMapOvr>
     <a:masterClrMapping/>
   </p:clrMapOvr>
-  <p:timing>
-    <p:tnLst>
-      <p:par>
-        <p:cTn id="1" dur="indefinite" restart="never" nodeType="tmRoot">
-          <p:childTnLst>
-            <p:seq concurrent="1" nextAc="seek">
-              <p:cTn id="2" dur="indefinite" nodeType="mainSeq">
-                <p:childTnLst>
-                  <p:par>
-                    <p:cTn id="3" fill="hold">
-                      <p:stCondLst>
-                        <p:cond delay="indefinite"/>
-                      </p:stCondLst>
-                      <p:childTnLst>
-                        <p:par>
-                          <p:cTn id="4" fill="hold">
-                            <p:stCondLst>
-                              <p:cond delay="0"/>
-                            </p:stCondLst>
-                            <p:childTnLst>
-                              <p:par>
-                                <p:cTn id="5" presetID="42" presetClass="path" presetSubtype="0" accel="50000" decel="50000" fill="hold" nodeType="clickEffect">
-                                  <p:stCondLst>
-                                    <p:cond delay="0"/>
-                                  </p:stCondLst>
-                                  <p:childTnLst>
-                                    <p:animMotion origin="layout" path="M 0 0 L 0.08932 -0.23356 " pathEditMode="relative" rAng="0" ptsTypes="AA">
-                                      <p:cBhvr>
-                                        <p:cTn id="6" dur="2000" fill="hold"/>
-                                        <p:tgtEl>
-                                          <p:spTgt spid="5"/>
-                                        </p:tgtEl>
-                                        <p:attrNameLst>
-                                          <p:attrName>ppt_x</p:attrName>
-                                          <p:attrName>ppt_y</p:attrName>
-                                        </p:attrNameLst>
-                                      </p:cBhvr>
-                                      <p:rCtr x="4466" y="-11690"/>
-                                    </p:animMotion>
-                                  </p:childTnLst>
-                                </p:cTn>
-                              </p:par>
-                            </p:childTnLst>
-                          </p:cTn>
-                        </p:par>
-                      </p:childTnLst>
-                    </p:cTn>
-                  </p:par>
-                </p:childTnLst>
-              </p:cTn>
-              <p:prevCondLst>
-                <p:cond evt="onPrev" delay="0">
-                  <p:tgtEl>
-                    <p:sldTgt/>
-                  </p:tgtEl>
-                </p:cond>
-              </p:prevCondLst>
-              <p:nextCondLst>
-                <p:cond evt="onNext" delay="0">
-                  <p:tgtEl>
-                    <p:sldTgt/>
-                  </p:tgtEl>
-                </p:cond>
-              </p:nextCondLst>
-            </p:seq>
-          </p:childTnLst>
-        </p:cTn>
-      </p:par>
-    </p:tnLst>
-  </p:timing>
 </p:sld>
 </file>
 

--- a/images/images.pptx
+++ b/images/images.pptx
@@ -5,21 +5,13 @@
     <p:sldMasterId id="2147483648" r:id="rId1"/>
   </p:sldMasterIdLst>
   <p:notesMasterIdLst>
-    <p:notesMasterId r:id="rId14"/>
+    <p:notesMasterId r:id="rId6"/>
   </p:notesMasterIdLst>
   <p:sldIdLst>
-    <p:sldId id="259" r:id="rId2"/>
-    <p:sldId id="281" r:id="rId3"/>
-    <p:sldId id="288" r:id="rId4"/>
-    <p:sldId id="289" r:id="rId5"/>
-    <p:sldId id="290" r:id="rId6"/>
-    <p:sldId id="285" r:id="rId7"/>
-    <p:sldId id="293" r:id="rId8"/>
-    <p:sldId id="291" r:id="rId9"/>
-    <p:sldId id="275" r:id="rId10"/>
-    <p:sldId id="278" r:id="rId11"/>
-    <p:sldId id="276" r:id="rId12"/>
-    <p:sldId id="277" r:id="rId13"/>
+    <p:sldId id="275" r:id="rId2"/>
+    <p:sldId id="278" r:id="rId3"/>
+    <p:sldId id="276" r:id="rId4"/>
+    <p:sldId id="277" r:id="rId5"/>
   </p:sldIdLst>
   <p:sldSz cx="12192000" cy="6858000"/>
   <p:notesSz cx="6858000" cy="9144000"/>
@@ -208,7 +200,7 @@
           <a:p>
             <a:fld id="{4CBED549-0FC6-D64B-978C-ED18C73516F8}" type="datetimeFigureOut">
               <a:rPr lang="en-US" smtClean="0"/>
-              <a:t>8/15/25</a:t>
+              <a:t>8/20/25</a:t>
             </a:fld>
             <a:endParaRPr lang="en-US"/>
           </a:p>
@@ -483,7 +475,7 @@
         <p:cNvPr id="1" name="">
           <a:extLst>
             <a:ext uri="{FF2B5EF4-FFF2-40B4-BE49-F238E27FC236}">
-              <a16:creationId xmlns:a16="http://schemas.microsoft.com/office/drawing/2014/main" id="{5907D80A-A8FE-DFF0-F07F-0ACF753A0794}"/>
+              <a16:creationId xmlns:a16="http://schemas.microsoft.com/office/drawing/2014/main" id="{6F99D202-3B42-0520-EFE4-6015F8221A19}"/>
             </a:ext>
           </a:extLst>
         </p:cNvPr>
@@ -503,7 +495,7 @@
           <p:cNvPr id="2" name="Slide Image Placeholder 1">
             <a:extLst>
               <a:ext uri="{FF2B5EF4-FFF2-40B4-BE49-F238E27FC236}">
-                <a16:creationId xmlns:a16="http://schemas.microsoft.com/office/drawing/2014/main" id="{49EB4529-831E-71FE-B785-BE181DA6108B}"/>
+                <a16:creationId xmlns:a16="http://schemas.microsoft.com/office/drawing/2014/main" id="{0F9F0B2B-53FD-A809-DD52-F4994AA83E39}"/>
               </a:ext>
             </a:extLst>
           </p:cNvPr>
@@ -521,7 +513,7 @@
           <p:cNvPr id="3" name="Notes Placeholder 2">
             <a:extLst>
               <a:ext uri="{FF2B5EF4-FFF2-40B4-BE49-F238E27FC236}">
-                <a16:creationId xmlns:a16="http://schemas.microsoft.com/office/drawing/2014/main" id="{8A62C066-46AB-028F-3C8B-219ECB1A811D}"/>
+                <a16:creationId xmlns:a16="http://schemas.microsoft.com/office/drawing/2014/main" id="{CADE0E93-03F1-E62B-A1D9-A425EB4193D5}"/>
               </a:ext>
             </a:extLst>
           </p:cNvPr>
@@ -546,7 +538,7 @@
           <p:cNvPr id="4" name="Slide Number Placeholder 3">
             <a:extLst>
               <a:ext uri="{FF2B5EF4-FFF2-40B4-BE49-F238E27FC236}">
-                <a16:creationId xmlns:a16="http://schemas.microsoft.com/office/drawing/2014/main" id="{8E4AB996-DD86-C36F-4EEF-1ECB8E0222FD}"/>
+                <a16:creationId xmlns:a16="http://schemas.microsoft.com/office/drawing/2014/main" id="{F22E6EDE-73A3-3AC5-1184-E43587973EAB}"/>
               </a:ext>
             </a:extLst>
           </p:cNvPr>
@@ -573,7 +565,7 @@
     </p:spTree>
     <p:extLst>
       <p:ext uri="{BB962C8B-B14F-4D97-AF65-F5344CB8AC3E}">
-        <p14:creationId xmlns:p14="http://schemas.microsoft.com/office/powerpoint/2010/main" val="1200045256"/>
+        <p14:creationId xmlns:p14="http://schemas.microsoft.com/office/powerpoint/2010/main" val="871147315"/>
       </p:ext>
     </p:extLst>
   </p:cSld>
@@ -583,7 +575,7 @@
 </p:notes>
 </file>
 
-<file path=ppt/notesSlides/notesSlide10.xml><?xml version="1.0" encoding="utf-8"?>
+<file path=ppt/notesSlides/notesSlide2.xml><?xml version="1.0" encoding="utf-8"?>
 <p:notes xmlns:a="http://schemas.openxmlformats.org/drawingml/2006/main" xmlns:r="http://schemas.openxmlformats.org/officeDocument/2006/relationships" xmlns:p="http://schemas.openxmlformats.org/presentationml/2006/main">
   <p:cSld>
     <p:spTree>
@@ -672,7 +664,7 @@
           <a:p>
             <a:fld id="{A59EC0A6-2850-D147-9A65-4202BC918C7F}" type="slidenum">
               <a:rPr lang="en-US" smtClean="0"/>
-              <a:t>10</a:t>
+              <a:t>2</a:t>
             </a:fld>
             <a:endParaRPr lang="en-US"/>
           </a:p>
@@ -691,7 +683,7 @@
 </p:notes>
 </file>
 
-<file path=ppt/notesSlides/notesSlide11.xml><?xml version="1.0" encoding="utf-8"?>
+<file path=ppt/notesSlides/notesSlide3.xml><?xml version="1.0" encoding="utf-8"?>
 <p:notes xmlns:a="http://schemas.openxmlformats.org/drawingml/2006/main" xmlns:r="http://schemas.openxmlformats.org/officeDocument/2006/relationships" xmlns:p="http://schemas.openxmlformats.org/presentationml/2006/main">
   <p:cSld>
     <p:spTree>
@@ -780,7 +772,7 @@
           <a:p>
             <a:fld id="{A59EC0A6-2850-D147-9A65-4202BC918C7F}" type="slidenum">
               <a:rPr lang="en-US" smtClean="0"/>
-              <a:t>11</a:t>
+              <a:t>3</a:t>
             </a:fld>
             <a:endParaRPr lang="en-US"/>
           </a:p>
@@ -799,7 +791,7 @@
 </p:notes>
 </file>
 
-<file path=ppt/notesSlides/notesSlide12.xml><?xml version="1.0" encoding="utf-8"?>
+<file path=ppt/notesSlides/notesSlide4.xml><?xml version="1.0" encoding="utf-8"?>
 <p:notes xmlns:a="http://schemas.openxmlformats.org/drawingml/2006/main" xmlns:r="http://schemas.openxmlformats.org/officeDocument/2006/relationships" xmlns:p="http://schemas.openxmlformats.org/presentationml/2006/main">
   <p:cSld>
     <p:spTree>
@@ -888,7 +880,7 @@
           <a:p>
             <a:fld id="{A59EC0A6-2850-D147-9A65-4202BC918C7F}" type="slidenum">
               <a:rPr lang="en-US" smtClean="0"/>
-              <a:t>12</a:t>
+              <a:t>4</a:t>
             </a:fld>
             <a:endParaRPr lang="en-US"/>
           </a:p>
@@ -898,870 +890,6 @@
     <p:extLst>
       <p:ext uri="{BB962C8B-B14F-4D97-AF65-F5344CB8AC3E}">
         <p14:creationId xmlns:p14="http://schemas.microsoft.com/office/powerpoint/2010/main" val="481812022"/>
-      </p:ext>
-    </p:extLst>
-  </p:cSld>
-  <p:clrMapOvr>
-    <a:masterClrMapping/>
-  </p:clrMapOvr>
-</p:notes>
-</file>
-
-<file path=ppt/notesSlides/notesSlide2.xml><?xml version="1.0" encoding="utf-8"?>
-<p:notes xmlns:a="http://schemas.openxmlformats.org/drawingml/2006/main" xmlns:r="http://schemas.openxmlformats.org/officeDocument/2006/relationships" xmlns:p="http://schemas.openxmlformats.org/presentationml/2006/main">
-  <p:cSld>
-    <p:spTree>
-      <p:nvGrpSpPr>
-        <p:cNvPr id="1" name="">
-          <a:extLst>
-            <a:ext uri="{FF2B5EF4-FFF2-40B4-BE49-F238E27FC236}">
-              <a16:creationId xmlns:a16="http://schemas.microsoft.com/office/drawing/2014/main" id="{056D3091-8EC6-8E52-0F87-B4BC316A30D7}"/>
-            </a:ext>
-          </a:extLst>
-        </p:cNvPr>
-        <p:cNvGrpSpPr/>
-        <p:nvPr/>
-      </p:nvGrpSpPr>
-      <p:grpSpPr>
-        <a:xfrm>
-          <a:off x="0" y="0"/>
-          <a:ext cx="0" cy="0"/>
-          <a:chOff x="0" y="0"/>
-          <a:chExt cx="0" cy="0"/>
-        </a:xfrm>
-      </p:grpSpPr>
-      <p:sp>
-        <p:nvSpPr>
-          <p:cNvPr id="2" name="Slide Image Placeholder 1">
-            <a:extLst>
-              <a:ext uri="{FF2B5EF4-FFF2-40B4-BE49-F238E27FC236}">
-                <a16:creationId xmlns:a16="http://schemas.microsoft.com/office/drawing/2014/main" id="{7455A0A0-9C53-F366-5946-3583C9C71271}"/>
-              </a:ext>
-            </a:extLst>
-          </p:cNvPr>
-          <p:cNvSpPr>
-            <a:spLocks noGrp="1" noRot="1" noChangeAspect="1"/>
-          </p:cNvSpPr>
-          <p:nvPr>
-            <p:ph type="sldImg"/>
-          </p:nvPr>
-        </p:nvSpPr>
-        <p:spPr/>
-      </p:sp>
-      <p:sp>
-        <p:nvSpPr>
-          <p:cNvPr id="3" name="Notes Placeholder 2">
-            <a:extLst>
-              <a:ext uri="{FF2B5EF4-FFF2-40B4-BE49-F238E27FC236}">
-                <a16:creationId xmlns:a16="http://schemas.microsoft.com/office/drawing/2014/main" id="{766B6DB5-6026-9A60-865E-309E60D2FB8C}"/>
-              </a:ext>
-            </a:extLst>
-          </p:cNvPr>
-          <p:cNvSpPr>
-            <a:spLocks noGrp="1"/>
-          </p:cNvSpPr>
-          <p:nvPr>
-            <p:ph type="body" idx="1"/>
-          </p:nvPr>
-        </p:nvSpPr>
-        <p:spPr/>
-        <p:txBody>
-          <a:bodyPr/>
-          <a:lstStyle/>
-          <a:p>
-            <a:endParaRPr lang="en-US" dirty="0"/>
-          </a:p>
-        </p:txBody>
-      </p:sp>
-      <p:sp>
-        <p:nvSpPr>
-          <p:cNvPr id="4" name="Slide Number Placeholder 3">
-            <a:extLst>
-              <a:ext uri="{FF2B5EF4-FFF2-40B4-BE49-F238E27FC236}">
-                <a16:creationId xmlns:a16="http://schemas.microsoft.com/office/drawing/2014/main" id="{EC587D72-4BE1-397A-9715-A2C3B3A1DCED}"/>
-              </a:ext>
-            </a:extLst>
-          </p:cNvPr>
-          <p:cNvSpPr>
-            <a:spLocks noGrp="1"/>
-          </p:cNvSpPr>
-          <p:nvPr>
-            <p:ph type="sldNum" sz="quarter" idx="5"/>
-          </p:nvPr>
-        </p:nvSpPr>
-        <p:spPr/>
-        <p:txBody>
-          <a:bodyPr/>
-          <a:lstStyle/>
-          <a:p>
-            <a:fld id="{A59EC0A6-2850-D147-9A65-4202BC918C7F}" type="slidenum">
-              <a:rPr lang="en-US" smtClean="0"/>
-              <a:t>2</a:t>
-            </a:fld>
-            <a:endParaRPr lang="en-US"/>
-          </a:p>
-        </p:txBody>
-      </p:sp>
-    </p:spTree>
-    <p:extLst>
-      <p:ext uri="{BB962C8B-B14F-4D97-AF65-F5344CB8AC3E}">
-        <p14:creationId xmlns:p14="http://schemas.microsoft.com/office/powerpoint/2010/main" val="1511674264"/>
-      </p:ext>
-    </p:extLst>
-  </p:cSld>
-  <p:clrMapOvr>
-    <a:masterClrMapping/>
-  </p:clrMapOvr>
-</p:notes>
-</file>
-
-<file path=ppt/notesSlides/notesSlide3.xml><?xml version="1.0" encoding="utf-8"?>
-<p:notes xmlns:a="http://schemas.openxmlformats.org/drawingml/2006/main" xmlns:r="http://schemas.openxmlformats.org/officeDocument/2006/relationships" xmlns:p="http://schemas.openxmlformats.org/presentationml/2006/main">
-  <p:cSld>
-    <p:spTree>
-      <p:nvGrpSpPr>
-        <p:cNvPr id="1" name="">
-          <a:extLst>
-            <a:ext uri="{FF2B5EF4-FFF2-40B4-BE49-F238E27FC236}">
-              <a16:creationId xmlns:a16="http://schemas.microsoft.com/office/drawing/2014/main" id="{6665CF20-94C0-931A-2DBD-C66D7985F71D}"/>
-            </a:ext>
-          </a:extLst>
-        </p:cNvPr>
-        <p:cNvGrpSpPr/>
-        <p:nvPr/>
-      </p:nvGrpSpPr>
-      <p:grpSpPr>
-        <a:xfrm>
-          <a:off x="0" y="0"/>
-          <a:ext cx="0" cy="0"/>
-          <a:chOff x="0" y="0"/>
-          <a:chExt cx="0" cy="0"/>
-        </a:xfrm>
-      </p:grpSpPr>
-      <p:sp>
-        <p:nvSpPr>
-          <p:cNvPr id="2" name="Slide Image Placeholder 1">
-            <a:extLst>
-              <a:ext uri="{FF2B5EF4-FFF2-40B4-BE49-F238E27FC236}">
-                <a16:creationId xmlns:a16="http://schemas.microsoft.com/office/drawing/2014/main" id="{799F063B-764F-55D9-5181-DAADBDEA427D}"/>
-              </a:ext>
-            </a:extLst>
-          </p:cNvPr>
-          <p:cNvSpPr>
-            <a:spLocks noGrp="1" noRot="1" noChangeAspect="1"/>
-          </p:cNvSpPr>
-          <p:nvPr>
-            <p:ph type="sldImg"/>
-          </p:nvPr>
-        </p:nvSpPr>
-        <p:spPr/>
-      </p:sp>
-      <p:sp>
-        <p:nvSpPr>
-          <p:cNvPr id="3" name="Notes Placeholder 2">
-            <a:extLst>
-              <a:ext uri="{FF2B5EF4-FFF2-40B4-BE49-F238E27FC236}">
-                <a16:creationId xmlns:a16="http://schemas.microsoft.com/office/drawing/2014/main" id="{C62695CF-505C-5762-237F-5065CDC554CE}"/>
-              </a:ext>
-            </a:extLst>
-          </p:cNvPr>
-          <p:cNvSpPr>
-            <a:spLocks noGrp="1"/>
-          </p:cNvSpPr>
-          <p:nvPr>
-            <p:ph type="body" idx="1"/>
-          </p:nvPr>
-        </p:nvSpPr>
-        <p:spPr/>
-        <p:txBody>
-          <a:bodyPr/>
-          <a:lstStyle/>
-          <a:p>
-            <a:endParaRPr lang="en-US" dirty="0"/>
-          </a:p>
-        </p:txBody>
-      </p:sp>
-      <p:sp>
-        <p:nvSpPr>
-          <p:cNvPr id="4" name="Slide Number Placeholder 3">
-            <a:extLst>
-              <a:ext uri="{FF2B5EF4-FFF2-40B4-BE49-F238E27FC236}">
-                <a16:creationId xmlns:a16="http://schemas.microsoft.com/office/drawing/2014/main" id="{F2FBA1CC-1778-AA17-54A4-1E558ED3E1BB}"/>
-              </a:ext>
-            </a:extLst>
-          </p:cNvPr>
-          <p:cNvSpPr>
-            <a:spLocks noGrp="1"/>
-          </p:cNvSpPr>
-          <p:nvPr>
-            <p:ph type="sldNum" sz="quarter" idx="5"/>
-          </p:nvPr>
-        </p:nvSpPr>
-        <p:spPr/>
-        <p:txBody>
-          <a:bodyPr/>
-          <a:lstStyle/>
-          <a:p>
-            <a:fld id="{A59EC0A6-2850-D147-9A65-4202BC918C7F}" type="slidenum">
-              <a:rPr lang="en-US" smtClean="0"/>
-              <a:t>3</a:t>
-            </a:fld>
-            <a:endParaRPr lang="en-US"/>
-          </a:p>
-        </p:txBody>
-      </p:sp>
-    </p:spTree>
-    <p:extLst>
-      <p:ext uri="{BB962C8B-B14F-4D97-AF65-F5344CB8AC3E}">
-        <p14:creationId xmlns:p14="http://schemas.microsoft.com/office/powerpoint/2010/main" val="1651712237"/>
-      </p:ext>
-    </p:extLst>
-  </p:cSld>
-  <p:clrMapOvr>
-    <a:masterClrMapping/>
-  </p:clrMapOvr>
-</p:notes>
-</file>
-
-<file path=ppt/notesSlides/notesSlide4.xml><?xml version="1.0" encoding="utf-8"?>
-<p:notes xmlns:a="http://schemas.openxmlformats.org/drawingml/2006/main" xmlns:r="http://schemas.openxmlformats.org/officeDocument/2006/relationships" xmlns:p="http://schemas.openxmlformats.org/presentationml/2006/main">
-  <p:cSld>
-    <p:spTree>
-      <p:nvGrpSpPr>
-        <p:cNvPr id="1" name="">
-          <a:extLst>
-            <a:ext uri="{FF2B5EF4-FFF2-40B4-BE49-F238E27FC236}">
-              <a16:creationId xmlns:a16="http://schemas.microsoft.com/office/drawing/2014/main" id="{B838FB5C-0B2A-2DDD-318D-6DBFA5AACE32}"/>
-            </a:ext>
-          </a:extLst>
-        </p:cNvPr>
-        <p:cNvGrpSpPr/>
-        <p:nvPr/>
-      </p:nvGrpSpPr>
-      <p:grpSpPr>
-        <a:xfrm>
-          <a:off x="0" y="0"/>
-          <a:ext cx="0" cy="0"/>
-          <a:chOff x="0" y="0"/>
-          <a:chExt cx="0" cy="0"/>
-        </a:xfrm>
-      </p:grpSpPr>
-      <p:sp>
-        <p:nvSpPr>
-          <p:cNvPr id="2" name="Slide Image Placeholder 1">
-            <a:extLst>
-              <a:ext uri="{FF2B5EF4-FFF2-40B4-BE49-F238E27FC236}">
-                <a16:creationId xmlns:a16="http://schemas.microsoft.com/office/drawing/2014/main" id="{C0A6DC94-D58F-CB23-C1A4-9AEA477AF431}"/>
-              </a:ext>
-            </a:extLst>
-          </p:cNvPr>
-          <p:cNvSpPr>
-            <a:spLocks noGrp="1" noRot="1" noChangeAspect="1"/>
-          </p:cNvSpPr>
-          <p:nvPr>
-            <p:ph type="sldImg"/>
-          </p:nvPr>
-        </p:nvSpPr>
-        <p:spPr/>
-      </p:sp>
-      <p:sp>
-        <p:nvSpPr>
-          <p:cNvPr id="3" name="Notes Placeholder 2">
-            <a:extLst>
-              <a:ext uri="{FF2B5EF4-FFF2-40B4-BE49-F238E27FC236}">
-                <a16:creationId xmlns:a16="http://schemas.microsoft.com/office/drawing/2014/main" id="{7DD89A44-D25A-A327-A1C7-2CD19F269FE5}"/>
-              </a:ext>
-            </a:extLst>
-          </p:cNvPr>
-          <p:cNvSpPr>
-            <a:spLocks noGrp="1"/>
-          </p:cNvSpPr>
-          <p:nvPr>
-            <p:ph type="body" idx="1"/>
-          </p:nvPr>
-        </p:nvSpPr>
-        <p:spPr/>
-        <p:txBody>
-          <a:bodyPr/>
-          <a:lstStyle/>
-          <a:p>
-            <a:endParaRPr lang="en-US" dirty="0"/>
-          </a:p>
-        </p:txBody>
-      </p:sp>
-      <p:sp>
-        <p:nvSpPr>
-          <p:cNvPr id="4" name="Slide Number Placeholder 3">
-            <a:extLst>
-              <a:ext uri="{FF2B5EF4-FFF2-40B4-BE49-F238E27FC236}">
-                <a16:creationId xmlns:a16="http://schemas.microsoft.com/office/drawing/2014/main" id="{CEF4B0DD-9E6E-44B5-9F91-0729434FDB16}"/>
-              </a:ext>
-            </a:extLst>
-          </p:cNvPr>
-          <p:cNvSpPr>
-            <a:spLocks noGrp="1"/>
-          </p:cNvSpPr>
-          <p:nvPr>
-            <p:ph type="sldNum" sz="quarter" idx="5"/>
-          </p:nvPr>
-        </p:nvSpPr>
-        <p:spPr/>
-        <p:txBody>
-          <a:bodyPr/>
-          <a:lstStyle/>
-          <a:p>
-            <a:fld id="{A59EC0A6-2850-D147-9A65-4202BC918C7F}" type="slidenum">
-              <a:rPr lang="en-US" smtClean="0"/>
-              <a:t>4</a:t>
-            </a:fld>
-            <a:endParaRPr lang="en-US"/>
-          </a:p>
-        </p:txBody>
-      </p:sp>
-    </p:spTree>
-    <p:extLst>
-      <p:ext uri="{BB962C8B-B14F-4D97-AF65-F5344CB8AC3E}">
-        <p14:creationId xmlns:p14="http://schemas.microsoft.com/office/powerpoint/2010/main" val="1029594499"/>
-      </p:ext>
-    </p:extLst>
-  </p:cSld>
-  <p:clrMapOvr>
-    <a:masterClrMapping/>
-  </p:clrMapOvr>
-</p:notes>
-</file>
-
-<file path=ppt/notesSlides/notesSlide5.xml><?xml version="1.0" encoding="utf-8"?>
-<p:notes xmlns:a="http://schemas.openxmlformats.org/drawingml/2006/main" xmlns:r="http://schemas.openxmlformats.org/officeDocument/2006/relationships" xmlns:p="http://schemas.openxmlformats.org/presentationml/2006/main">
-  <p:cSld>
-    <p:spTree>
-      <p:nvGrpSpPr>
-        <p:cNvPr id="1" name="">
-          <a:extLst>
-            <a:ext uri="{FF2B5EF4-FFF2-40B4-BE49-F238E27FC236}">
-              <a16:creationId xmlns:a16="http://schemas.microsoft.com/office/drawing/2014/main" id="{BD293398-4541-0E2D-C669-B4BB7FF0E5D2}"/>
-            </a:ext>
-          </a:extLst>
-        </p:cNvPr>
-        <p:cNvGrpSpPr/>
-        <p:nvPr/>
-      </p:nvGrpSpPr>
-      <p:grpSpPr>
-        <a:xfrm>
-          <a:off x="0" y="0"/>
-          <a:ext cx="0" cy="0"/>
-          <a:chOff x="0" y="0"/>
-          <a:chExt cx="0" cy="0"/>
-        </a:xfrm>
-      </p:grpSpPr>
-      <p:sp>
-        <p:nvSpPr>
-          <p:cNvPr id="2" name="Slide Image Placeholder 1">
-            <a:extLst>
-              <a:ext uri="{FF2B5EF4-FFF2-40B4-BE49-F238E27FC236}">
-                <a16:creationId xmlns:a16="http://schemas.microsoft.com/office/drawing/2014/main" id="{F0C837FE-6A29-B86B-3F93-8974426DFE70}"/>
-              </a:ext>
-            </a:extLst>
-          </p:cNvPr>
-          <p:cNvSpPr>
-            <a:spLocks noGrp="1" noRot="1" noChangeAspect="1"/>
-          </p:cNvSpPr>
-          <p:nvPr>
-            <p:ph type="sldImg"/>
-          </p:nvPr>
-        </p:nvSpPr>
-        <p:spPr/>
-      </p:sp>
-      <p:sp>
-        <p:nvSpPr>
-          <p:cNvPr id="3" name="Notes Placeholder 2">
-            <a:extLst>
-              <a:ext uri="{FF2B5EF4-FFF2-40B4-BE49-F238E27FC236}">
-                <a16:creationId xmlns:a16="http://schemas.microsoft.com/office/drawing/2014/main" id="{A2EA18E4-E4AB-025A-E2C6-DE0D32BB240D}"/>
-              </a:ext>
-            </a:extLst>
-          </p:cNvPr>
-          <p:cNvSpPr>
-            <a:spLocks noGrp="1"/>
-          </p:cNvSpPr>
-          <p:nvPr>
-            <p:ph type="body" idx="1"/>
-          </p:nvPr>
-        </p:nvSpPr>
-        <p:spPr/>
-        <p:txBody>
-          <a:bodyPr/>
-          <a:lstStyle/>
-          <a:p>
-            <a:endParaRPr lang="en-US" dirty="0"/>
-          </a:p>
-        </p:txBody>
-      </p:sp>
-      <p:sp>
-        <p:nvSpPr>
-          <p:cNvPr id="4" name="Slide Number Placeholder 3">
-            <a:extLst>
-              <a:ext uri="{FF2B5EF4-FFF2-40B4-BE49-F238E27FC236}">
-                <a16:creationId xmlns:a16="http://schemas.microsoft.com/office/drawing/2014/main" id="{0B216AC4-6718-A2DF-D608-EA8EEACC14BF}"/>
-              </a:ext>
-            </a:extLst>
-          </p:cNvPr>
-          <p:cNvSpPr>
-            <a:spLocks noGrp="1"/>
-          </p:cNvSpPr>
-          <p:nvPr>
-            <p:ph type="sldNum" sz="quarter" idx="5"/>
-          </p:nvPr>
-        </p:nvSpPr>
-        <p:spPr/>
-        <p:txBody>
-          <a:bodyPr/>
-          <a:lstStyle/>
-          <a:p>
-            <a:fld id="{A59EC0A6-2850-D147-9A65-4202BC918C7F}" type="slidenum">
-              <a:rPr lang="en-US" smtClean="0"/>
-              <a:t>5</a:t>
-            </a:fld>
-            <a:endParaRPr lang="en-US"/>
-          </a:p>
-        </p:txBody>
-      </p:sp>
-    </p:spTree>
-    <p:extLst>
-      <p:ext uri="{BB962C8B-B14F-4D97-AF65-F5344CB8AC3E}">
-        <p14:creationId xmlns:p14="http://schemas.microsoft.com/office/powerpoint/2010/main" val="1325719531"/>
-      </p:ext>
-    </p:extLst>
-  </p:cSld>
-  <p:clrMapOvr>
-    <a:masterClrMapping/>
-  </p:clrMapOvr>
-</p:notes>
-</file>
-
-<file path=ppt/notesSlides/notesSlide6.xml><?xml version="1.0" encoding="utf-8"?>
-<p:notes xmlns:a="http://schemas.openxmlformats.org/drawingml/2006/main" xmlns:r="http://schemas.openxmlformats.org/officeDocument/2006/relationships" xmlns:p="http://schemas.openxmlformats.org/presentationml/2006/main">
-  <p:cSld>
-    <p:spTree>
-      <p:nvGrpSpPr>
-        <p:cNvPr id="1" name="">
-          <a:extLst>
-            <a:ext uri="{FF2B5EF4-FFF2-40B4-BE49-F238E27FC236}">
-              <a16:creationId xmlns:a16="http://schemas.microsoft.com/office/drawing/2014/main" id="{EC372582-DBDC-A5F4-E1C1-E9FE861A83FF}"/>
-            </a:ext>
-          </a:extLst>
-        </p:cNvPr>
-        <p:cNvGrpSpPr/>
-        <p:nvPr/>
-      </p:nvGrpSpPr>
-      <p:grpSpPr>
-        <a:xfrm>
-          <a:off x="0" y="0"/>
-          <a:ext cx="0" cy="0"/>
-          <a:chOff x="0" y="0"/>
-          <a:chExt cx="0" cy="0"/>
-        </a:xfrm>
-      </p:grpSpPr>
-      <p:sp>
-        <p:nvSpPr>
-          <p:cNvPr id="2" name="Slide Image Placeholder 1">
-            <a:extLst>
-              <a:ext uri="{FF2B5EF4-FFF2-40B4-BE49-F238E27FC236}">
-                <a16:creationId xmlns:a16="http://schemas.microsoft.com/office/drawing/2014/main" id="{809AD666-6497-E360-19EB-5B245186AB01}"/>
-              </a:ext>
-            </a:extLst>
-          </p:cNvPr>
-          <p:cNvSpPr>
-            <a:spLocks noGrp="1" noRot="1" noChangeAspect="1"/>
-          </p:cNvSpPr>
-          <p:nvPr>
-            <p:ph type="sldImg"/>
-          </p:nvPr>
-        </p:nvSpPr>
-        <p:spPr/>
-      </p:sp>
-      <p:sp>
-        <p:nvSpPr>
-          <p:cNvPr id="3" name="Notes Placeholder 2">
-            <a:extLst>
-              <a:ext uri="{FF2B5EF4-FFF2-40B4-BE49-F238E27FC236}">
-                <a16:creationId xmlns:a16="http://schemas.microsoft.com/office/drawing/2014/main" id="{5D41F1D7-06C0-47C2-E0D0-C508B6E86CCC}"/>
-              </a:ext>
-            </a:extLst>
-          </p:cNvPr>
-          <p:cNvSpPr>
-            <a:spLocks noGrp="1"/>
-          </p:cNvSpPr>
-          <p:nvPr>
-            <p:ph type="body" idx="1"/>
-          </p:nvPr>
-        </p:nvSpPr>
-        <p:spPr/>
-        <p:txBody>
-          <a:bodyPr/>
-          <a:lstStyle/>
-          <a:p>
-            <a:endParaRPr lang="en-US" dirty="0"/>
-          </a:p>
-        </p:txBody>
-      </p:sp>
-      <p:sp>
-        <p:nvSpPr>
-          <p:cNvPr id="4" name="Slide Number Placeholder 3">
-            <a:extLst>
-              <a:ext uri="{FF2B5EF4-FFF2-40B4-BE49-F238E27FC236}">
-                <a16:creationId xmlns:a16="http://schemas.microsoft.com/office/drawing/2014/main" id="{B0981201-8D45-A721-A794-A1F05733B7E7}"/>
-              </a:ext>
-            </a:extLst>
-          </p:cNvPr>
-          <p:cNvSpPr>
-            <a:spLocks noGrp="1"/>
-          </p:cNvSpPr>
-          <p:nvPr>
-            <p:ph type="sldNum" sz="quarter" idx="5"/>
-          </p:nvPr>
-        </p:nvSpPr>
-        <p:spPr/>
-        <p:txBody>
-          <a:bodyPr/>
-          <a:lstStyle/>
-          <a:p>
-            <a:fld id="{A59EC0A6-2850-D147-9A65-4202BC918C7F}" type="slidenum">
-              <a:rPr lang="en-US" smtClean="0"/>
-              <a:t>6</a:t>
-            </a:fld>
-            <a:endParaRPr lang="en-US"/>
-          </a:p>
-        </p:txBody>
-      </p:sp>
-    </p:spTree>
-    <p:extLst>
-      <p:ext uri="{BB962C8B-B14F-4D97-AF65-F5344CB8AC3E}">
-        <p14:creationId xmlns:p14="http://schemas.microsoft.com/office/powerpoint/2010/main" val="2829227072"/>
-      </p:ext>
-    </p:extLst>
-  </p:cSld>
-  <p:clrMapOvr>
-    <a:masterClrMapping/>
-  </p:clrMapOvr>
-</p:notes>
-</file>
-
-<file path=ppt/notesSlides/notesSlide7.xml><?xml version="1.0" encoding="utf-8"?>
-<p:notes xmlns:a="http://schemas.openxmlformats.org/drawingml/2006/main" xmlns:r="http://schemas.openxmlformats.org/officeDocument/2006/relationships" xmlns:p="http://schemas.openxmlformats.org/presentationml/2006/main">
-  <p:cSld>
-    <p:spTree>
-      <p:nvGrpSpPr>
-        <p:cNvPr id="1" name="">
-          <a:extLst>
-            <a:ext uri="{FF2B5EF4-FFF2-40B4-BE49-F238E27FC236}">
-              <a16:creationId xmlns:a16="http://schemas.microsoft.com/office/drawing/2014/main" id="{A8B1FAB2-A0E4-F432-1CE3-30DC161F8511}"/>
-            </a:ext>
-          </a:extLst>
-        </p:cNvPr>
-        <p:cNvGrpSpPr/>
-        <p:nvPr/>
-      </p:nvGrpSpPr>
-      <p:grpSpPr>
-        <a:xfrm>
-          <a:off x="0" y="0"/>
-          <a:ext cx="0" cy="0"/>
-          <a:chOff x="0" y="0"/>
-          <a:chExt cx="0" cy="0"/>
-        </a:xfrm>
-      </p:grpSpPr>
-      <p:sp>
-        <p:nvSpPr>
-          <p:cNvPr id="2" name="Slide Image Placeholder 1">
-            <a:extLst>
-              <a:ext uri="{FF2B5EF4-FFF2-40B4-BE49-F238E27FC236}">
-                <a16:creationId xmlns:a16="http://schemas.microsoft.com/office/drawing/2014/main" id="{77FDC1DE-35AA-DEDC-4871-196C1DED8A66}"/>
-              </a:ext>
-            </a:extLst>
-          </p:cNvPr>
-          <p:cNvSpPr>
-            <a:spLocks noGrp="1" noRot="1" noChangeAspect="1"/>
-          </p:cNvSpPr>
-          <p:nvPr>
-            <p:ph type="sldImg"/>
-          </p:nvPr>
-        </p:nvSpPr>
-        <p:spPr/>
-      </p:sp>
-      <p:sp>
-        <p:nvSpPr>
-          <p:cNvPr id="3" name="Notes Placeholder 2">
-            <a:extLst>
-              <a:ext uri="{FF2B5EF4-FFF2-40B4-BE49-F238E27FC236}">
-                <a16:creationId xmlns:a16="http://schemas.microsoft.com/office/drawing/2014/main" id="{B770B1BC-9528-B44C-FD1E-A0B7AE228A75}"/>
-              </a:ext>
-            </a:extLst>
-          </p:cNvPr>
-          <p:cNvSpPr>
-            <a:spLocks noGrp="1"/>
-          </p:cNvSpPr>
-          <p:nvPr>
-            <p:ph type="body" idx="1"/>
-          </p:nvPr>
-        </p:nvSpPr>
-        <p:spPr/>
-        <p:txBody>
-          <a:bodyPr/>
-          <a:lstStyle/>
-          <a:p>
-            <a:endParaRPr lang="en-US" dirty="0"/>
-          </a:p>
-        </p:txBody>
-      </p:sp>
-      <p:sp>
-        <p:nvSpPr>
-          <p:cNvPr id="4" name="Slide Number Placeholder 3">
-            <a:extLst>
-              <a:ext uri="{FF2B5EF4-FFF2-40B4-BE49-F238E27FC236}">
-                <a16:creationId xmlns:a16="http://schemas.microsoft.com/office/drawing/2014/main" id="{404BE20D-A065-2762-341F-D563FA3B6B33}"/>
-              </a:ext>
-            </a:extLst>
-          </p:cNvPr>
-          <p:cNvSpPr>
-            <a:spLocks noGrp="1"/>
-          </p:cNvSpPr>
-          <p:nvPr>
-            <p:ph type="sldNum" sz="quarter" idx="5"/>
-          </p:nvPr>
-        </p:nvSpPr>
-        <p:spPr/>
-        <p:txBody>
-          <a:bodyPr/>
-          <a:lstStyle/>
-          <a:p>
-            <a:fld id="{A59EC0A6-2850-D147-9A65-4202BC918C7F}" type="slidenum">
-              <a:rPr lang="en-US" smtClean="0"/>
-              <a:t>7</a:t>
-            </a:fld>
-            <a:endParaRPr lang="en-US"/>
-          </a:p>
-        </p:txBody>
-      </p:sp>
-    </p:spTree>
-    <p:extLst>
-      <p:ext uri="{BB962C8B-B14F-4D97-AF65-F5344CB8AC3E}">
-        <p14:creationId xmlns:p14="http://schemas.microsoft.com/office/powerpoint/2010/main" val="2484609489"/>
-      </p:ext>
-    </p:extLst>
-  </p:cSld>
-  <p:clrMapOvr>
-    <a:masterClrMapping/>
-  </p:clrMapOvr>
-</p:notes>
-</file>
-
-<file path=ppt/notesSlides/notesSlide8.xml><?xml version="1.0" encoding="utf-8"?>
-<p:notes xmlns:a="http://schemas.openxmlformats.org/drawingml/2006/main" xmlns:r="http://schemas.openxmlformats.org/officeDocument/2006/relationships" xmlns:p="http://schemas.openxmlformats.org/presentationml/2006/main">
-  <p:cSld>
-    <p:spTree>
-      <p:nvGrpSpPr>
-        <p:cNvPr id="1" name="">
-          <a:extLst>
-            <a:ext uri="{FF2B5EF4-FFF2-40B4-BE49-F238E27FC236}">
-              <a16:creationId xmlns:a16="http://schemas.microsoft.com/office/drawing/2014/main" id="{3D19D5EA-EECD-7BBE-F3AE-6CD354E709CE}"/>
-            </a:ext>
-          </a:extLst>
-        </p:cNvPr>
-        <p:cNvGrpSpPr/>
-        <p:nvPr/>
-      </p:nvGrpSpPr>
-      <p:grpSpPr>
-        <a:xfrm>
-          <a:off x="0" y="0"/>
-          <a:ext cx="0" cy="0"/>
-          <a:chOff x="0" y="0"/>
-          <a:chExt cx="0" cy="0"/>
-        </a:xfrm>
-      </p:grpSpPr>
-      <p:sp>
-        <p:nvSpPr>
-          <p:cNvPr id="2" name="Slide Image Placeholder 1">
-            <a:extLst>
-              <a:ext uri="{FF2B5EF4-FFF2-40B4-BE49-F238E27FC236}">
-                <a16:creationId xmlns:a16="http://schemas.microsoft.com/office/drawing/2014/main" id="{22E53D2F-8709-63F5-692E-F207F6FA3D16}"/>
-              </a:ext>
-            </a:extLst>
-          </p:cNvPr>
-          <p:cNvSpPr>
-            <a:spLocks noGrp="1" noRot="1" noChangeAspect="1"/>
-          </p:cNvSpPr>
-          <p:nvPr>
-            <p:ph type="sldImg"/>
-          </p:nvPr>
-        </p:nvSpPr>
-        <p:spPr/>
-      </p:sp>
-      <p:sp>
-        <p:nvSpPr>
-          <p:cNvPr id="3" name="Notes Placeholder 2">
-            <a:extLst>
-              <a:ext uri="{FF2B5EF4-FFF2-40B4-BE49-F238E27FC236}">
-                <a16:creationId xmlns:a16="http://schemas.microsoft.com/office/drawing/2014/main" id="{0E17B8E7-8C99-C07E-47C3-8A4111309478}"/>
-              </a:ext>
-            </a:extLst>
-          </p:cNvPr>
-          <p:cNvSpPr>
-            <a:spLocks noGrp="1"/>
-          </p:cNvSpPr>
-          <p:nvPr>
-            <p:ph type="body" idx="1"/>
-          </p:nvPr>
-        </p:nvSpPr>
-        <p:spPr/>
-        <p:txBody>
-          <a:bodyPr/>
-          <a:lstStyle/>
-          <a:p>
-            <a:endParaRPr lang="en-US" dirty="0"/>
-          </a:p>
-        </p:txBody>
-      </p:sp>
-      <p:sp>
-        <p:nvSpPr>
-          <p:cNvPr id="4" name="Slide Number Placeholder 3">
-            <a:extLst>
-              <a:ext uri="{FF2B5EF4-FFF2-40B4-BE49-F238E27FC236}">
-                <a16:creationId xmlns:a16="http://schemas.microsoft.com/office/drawing/2014/main" id="{5B049532-7C3E-4420-73BD-21FFE58F08E1}"/>
-              </a:ext>
-            </a:extLst>
-          </p:cNvPr>
-          <p:cNvSpPr>
-            <a:spLocks noGrp="1"/>
-          </p:cNvSpPr>
-          <p:nvPr>
-            <p:ph type="sldNum" sz="quarter" idx="5"/>
-          </p:nvPr>
-        </p:nvSpPr>
-        <p:spPr/>
-        <p:txBody>
-          <a:bodyPr/>
-          <a:lstStyle/>
-          <a:p>
-            <a:fld id="{A59EC0A6-2850-D147-9A65-4202BC918C7F}" type="slidenum">
-              <a:rPr lang="en-US" smtClean="0"/>
-              <a:t>8</a:t>
-            </a:fld>
-            <a:endParaRPr lang="en-US"/>
-          </a:p>
-        </p:txBody>
-      </p:sp>
-    </p:spTree>
-    <p:extLst>
-      <p:ext uri="{BB962C8B-B14F-4D97-AF65-F5344CB8AC3E}">
-        <p14:creationId xmlns:p14="http://schemas.microsoft.com/office/powerpoint/2010/main" val="3434973260"/>
-      </p:ext>
-    </p:extLst>
-  </p:cSld>
-  <p:clrMapOvr>
-    <a:masterClrMapping/>
-  </p:clrMapOvr>
-</p:notes>
-</file>
-
-<file path=ppt/notesSlides/notesSlide9.xml><?xml version="1.0" encoding="utf-8"?>
-<p:notes xmlns:a="http://schemas.openxmlformats.org/drawingml/2006/main" xmlns:r="http://schemas.openxmlformats.org/officeDocument/2006/relationships" xmlns:p="http://schemas.openxmlformats.org/presentationml/2006/main">
-  <p:cSld>
-    <p:spTree>
-      <p:nvGrpSpPr>
-        <p:cNvPr id="1" name="">
-          <a:extLst>
-            <a:ext uri="{FF2B5EF4-FFF2-40B4-BE49-F238E27FC236}">
-              <a16:creationId xmlns:a16="http://schemas.microsoft.com/office/drawing/2014/main" id="{6F99D202-3B42-0520-EFE4-6015F8221A19}"/>
-            </a:ext>
-          </a:extLst>
-        </p:cNvPr>
-        <p:cNvGrpSpPr/>
-        <p:nvPr/>
-      </p:nvGrpSpPr>
-      <p:grpSpPr>
-        <a:xfrm>
-          <a:off x="0" y="0"/>
-          <a:ext cx="0" cy="0"/>
-          <a:chOff x="0" y="0"/>
-          <a:chExt cx="0" cy="0"/>
-        </a:xfrm>
-      </p:grpSpPr>
-      <p:sp>
-        <p:nvSpPr>
-          <p:cNvPr id="2" name="Slide Image Placeholder 1">
-            <a:extLst>
-              <a:ext uri="{FF2B5EF4-FFF2-40B4-BE49-F238E27FC236}">
-                <a16:creationId xmlns:a16="http://schemas.microsoft.com/office/drawing/2014/main" id="{0F9F0B2B-53FD-A809-DD52-F4994AA83E39}"/>
-              </a:ext>
-            </a:extLst>
-          </p:cNvPr>
-          <p:cNvSpPr>
-            <a:spLocks noGrp="1" noRot="1" noChangeAspect="1"/>
-          </p:cNvSpPr>
-          <p:nvPr>
-            <p:ph type="sldImg"/>
-          </p:nvPr>
-        </p:nvSpPr>
-        <p:spPr/>
-      </p:sp>
-      <p:sp>
-        <p:nvSpPr>
-          <p:cNvPr id="3" name="Notes Placeholder 2">
-            <a:extLst>
-              <a:ext uri="{FF2B5EF4-FFF2-40B4-BE49-F238E27FC236}">
-                <a16:creationId xmlns:a16="http://schemas.microsoft.com/office/drawing/2014/main" id="{CADE0E93-03F1-E62B-A1D9-A425EB4193D5}"/>
-              </a:ext>
-            </a:extLst>
-          </p:cNvPr>
-          <p:cNvSpPr>
-            <a:spLocks noGrp="1"/>
-          </p:cNvSpPr>
-          <p:nvPr>
-            <p:ph type="body" idx="1"/>
-          </p:nvPr>
-        </p:nvSpPr>
-        <p:spPr/>
-        <p:txBody>
-          <a:bodyPr/>
-          <a:lstStyle/>
-          <a:p>
-            <a:endParaRPr lang="en-US" dirty="0"/>
-          </a:p>
-        </p:txBody>
-      </p:sp>
-      <p:sp>
-        <p:nvSpPr>
-          <p:cNvPr id="4" name="Slide Number Placeholder 3">
-            <a:extLst>
-              <a:ext uri="{FF2B5EF4-FFF2-40B4-BE49-F238E27FC236}">
-                <a16:creationId xmlns:a16="http://schemas.microsoft.com/office/drawing/2014/main" id="{F22E6EDE-73A3-3AC5-1184-E43587973EAB}"/>
-              </a:ext>
-            </a:extLst>
-          </p:cNvPr>
-          <p:cNvSpPr>
-            <a:spLocks noGrp="1"/>
-          </p:cNvSpPr>
-          <p:nvPr>
-            <p:ph type="sldNum" sz="quarter" idx="5"/>
-          </p:nvPr>
-        </p:nvSpPr>
-        <p:spPr/>
-        <p:txBody>
-          <a:bodyPr/>
-          <a:lstStyle/>
-          <a:p>
-            <a:fld id="{A59EC0A6-2850-D147-9A65-4202BC918C7F}" type="slidenum">
-              <a:rPr lang="en-US" smtClean="0"/>
-              <a:t>9</a:t>
-            </a:fld>
-            <a:endParaRPr lang="en-US"/>
-          </a:p>
-        </p:txBody>
-      </p:sp>
-    </p:spTree>
-    <p:extLst>
-      <p:ext uri="{BB962C8B-B14F-4D97-AF65-F5344CB8AC3E}">
-        <p14:creationId xmlns:p14="http://schemas.microsoft.com/office/powerpoint/2010/main" val="871147315"/>
       </p:ext>
     </p:extLst>
   </p:cSld>
@@ -1918,7 +1046,7 @@
           <a:p>
             <a:fld id="{BF7D8EBE-1699-E345-8270-758E129D34E6}" type="datetimeFigureOut">
               <a:rPr lang="en-US" smtClean="0"/>
-              <a:t>8/15/25</a:t>
+              <a:t>8/20/25</a:t>
             </a:fld>
             <a:endParaRPr lang="en-US"/>
           </a:p>
@@ -2116,7 +1244,7 @@
           <a:p>
             <a:fld id="{BF7D8EBE-1699-E345-8270-758E129D34E6}" type="datetimeFigureOut">
               <a:rPr lang="en-US" smtClean="0"/>
-              <a:t>8/15/25</a:t>
+              <a:t>8/20/25</a:t>
             </a:fld>
             <a:endParaRPr lang="en-US"/>
           </a:p>
@@ -2324,7 +1452,7 @@
           <a:p>
             <a:fld id="{BF7D8EBE-1699-E345-8270-758E129D34E6}" type="datetimeFigureOut">
               <a:rPr lang="en-US" smtClean="0"/>
-              <a:t>8/15/25</a:t>
+              <a:t>8/20/25</a:t>
             </a:fld>
             <a:endParaRPr lang="en-US"/>
           </a:p>
@@ -2522,7 +1650,7 @@
           <a:p>
             <a:fld id="{BF7D8EBE-1699-E345-8270-758E129D34E6}" type="datetimeFigureOut">
               <a:rPr lang="en-US" smtClean="0"/>
-              <a:t>8/15/25</a:t>
+              <a:t>8/20/25</a:t>
             </a:fld>
             <a:endParaRPr lang="en-US"/>
           </a:p>
@@ -2797,7 +1925,7 @@
           <a:p>
             <a:fld id="{BF7D8EBE-1699-E345-8270-758E129D34E6}" type="datetimeFigureOut">
               <a:rPr lang="en-US" smtClean="0"/>
-              <a:t>8/15/25</a:t>
+              <a:t>8/20/25</a:t>
             </a:fld>
             <a:endParaRPr lang="en-US"/>
           </a:p>
@@ -3062,7 +2190,7 @@
           <a:p>
             <a:fld id="{BF7D8EBE-1699-E345-8270-758E129D34E6}" type="datetimeFigureOut">
               <a:rPr lang="en-US" smtClean="0"/>
-              <a:t>8/15/25</a:t>
+              <a:t>8/20/25</a:t>
             </a:fld>
             <a:endParaRPr lang="en-US"/>
           </a:p>
@@ -3474,7 +2602,7 @@
           <a:p>
             <a:fld id="{BF7D8EBE-1699-E345-8270-758E129D34E6}" type="datetimeFigureOut">
               <a:rPr lang="en-US" smtClean="0"/>
-              <a:t>8/15/25</a:t>
+              <a:t>8/20/25</a:t>
             </a:fld>
             <a:endParaRPr lang="en-US"/>
           </a:p>
@@ -3615,7 +2743,7 @@
           <a:p>
             <a:fld id="{BF7D8EBE-1699-E345-8270-758E129D34E6}" type="datetimeFigureOut">
               <a:rPr lang="en-US" smtClean="0"/>
-              <a:t>8/15/25</a:t>
+              <a:t>8/20/25</a:t>
             </a:fld>
             <a:endParaRPr lang="en-US"/>
           </a:p>
@@ -3728,7 +2856,7 @@
           <a:p>
             <a:fld id="{BF7D8EBE-1699-E345-8270-758E129D34E6}" type="datetimeFigureOut">
               <a:rPr lang="en-US" smtClean="0"/>
-              <a:t>8/15/25</a:t>
+              <a:t>8/20/25</a:t>
             </a:fld>
             <a:endParaRPr lang="en-US"/>
           </a:p>
@@ -4039,7 +3167,7 @@
           <a:p>
             <a:fld id="{BF7D8EBE-1699-E345-8270-758E129D34E6}" type="datetimeFigureOut">
               <a:rPr lang="en-US" smtClean="0"/>
-              <a:t>8/15/25</a:t>
+              <a:t>8/20/25</a:t>
             </a:fld>
             <a:endParaRPr lang="en-US"/>
           </a:p>
@@ -4327,7 +3455,7 @@
           <a:p>
             <a:fld id="{BF7D8EBE-1699-E345-8270-758E129D34E6}" type="datetimeFigureOut">
               <a:rPr lang="en-US" smtClean="0"/>
-              <a:t>8/15/25</a:t>
+              <a:t>8/20/25</a:t>
             </a:fld>
             <a:endParaRPr lang="en-US"/>
           </a:p>
@@ -4568,7 +3696,7 @@
           <a:p>
             <a:fld id="{BF7D8EBE-1699-E345-8270-758E129D34E6}" type="datetimeFigureOut">
               <a:rPr lang="en-US" smtClean="0"/>
-              <a:t>8/15/25</a:t>
+              <a:t>8/20/25</a:t>
             </a:fld>
             <a:endParaRPr lang="en-US"/>
           </a:p>
@@ -4971,12 +4099,20 @@
 <file path=ppt/slides/slide1.xml><?xml version="1.0" encoding="utf-8"?>
 <p:sld xmlns:a="http://schemas.openxmlformats.org/drawingml/2006/main" xmlns:r="http://schemas.openxmlformats.org/officeDocument/2006/relationships" xmlns:p="http://schemas.openxmlformats.org/presentationml/2006/main">
   <p:cSld>
+    <p:bg>
+      <p:bgPr>
+        <a:solidFill>
+          <a:srgbClr val="EAEAEB"/>
+        </a:solidFill>
+        <a:effectLst/>
+      </p:bgPr>
+    </p:bg>
     <p:spTree>
       <p:nvGrpSpPr>
         <p:cNvPr id="1" name="">
           <a:extLst>
             <a:ext uri="{FF2B5EF4-FFF2-40B4-BE49-F238E27FC236}">
-              <a16:creationId xmlns:a16="http://schemas.microsoft.com/office/drawing/2014/main" id="{2ACA5108-D457-92F9-18F6-F5E85056E1A2}"/>
+              <a16:creationId xmlns:a16="http://schemas.microsoft.com/office/drawing/2014/main" id="{94328526-D41C-6530-33A1-C8DB170D6EC3}"/>
             </a:ext>
           </a:extLst>
         </p:cNvPr>
@@ -4993,10 +4129,10 @@
       </p:grpSpPr>
       <p:pic>
         <p:nvPicPr>
-          <p:cNvPr id="3" name="Picture 2">
-            <a:extLst>
-              <a:ext uri="{FF2B5EF4-FFF2-40B4-BE49-F238E27FC236}">
-                <a16:creationId xmlns:a16="http://schemas.microsoft.com/office/drawing/2014/main" id="{6376DB87-8210-3AEF-2B84-C91B58DC97DA}"/>
+          <p:cNvPr id="8" name="Picture 7">
+            <a:extLst>
+              <a:ext uri="{FF2B5EF4-FFF2-40B4-BE49-F238E27FC236}">
+                <a16:creationId xmlns:a16="http://schemas.microsoft.com/office/drawing/2014/main" id="{C82F4BCC-BD67-DC98-297E-E920A110FB34}"/>
               </a:ext>
             </a:extLst>
           </p:cNvPr>
@@ -5012,98 +4148,222 @@
         </p:blipFill>
         <p:spPr>
           <a:xfrm>
-            <a:off x="1735375" y="1784973"/>
-            <a:ext cx="8721250" cy="2945741"/>
+            <a:off x="6814654" y="1320906"/>
+            <a:ext cx="5165266" cy="4947708"/>
+          </a:xfrm>
+          <a:prstGeom prst="rect">
+            <a:avLst/>
+          </a:prstGeom>
+          <a:solidFill>
+            <a:srgbClr val="EAEAEB">
+              <a:alpha val="99000"/>
+            </a:srgbClr>
+          </a:solidFill>
+        </p:spPr>
+      </p:pic>
+      <p:pic>
+        <p:nvPicPr>
+          <p:cNvPr id="3" name="Picture 2" descr="A hexagon with a sign and a arrow&#10;&#10;Description automatically generated">
+            <a:extLst>
+              <a:ext uri="{FF2B5EF4-FFF2-40B4-BE49-F238E27FC236}">
+                <a16:creationId xmlns:a16="http://schemas.microsoft.com/office/drawing/2014/main" id="{48FF060C-23CF-09A1-A547-6484DA79CB64}"/>
+              </a:ext>
+            </a:extLst>
+          </p:cNvPr>
+          <p:cNvPicPr>
+            <a:picLocks noChangeAspect="1"/>
+          </p:cNvPicPr>
+          <p:nvPr/>
+        </p:nvPicPr>
+        <p:blipFill>
+          <a:blip r:embed="rId4"/>
+          <a:stretch>
+            <a:fillRect/>
+          </a:stretch>
+        </p:blipFill>
+        <p:spPr>
+          <a:xfrm>
+            <a:off x="3710633" y="2423160"/>
+            <a:ext cx="2384755" cy="2743200"/>
           </a:xfrm>
           <a:prstGeom prst="rect">
             <a:avLst/>
           </a:prstGeom>
         </p:spPr>
       </p:pic>
+      <p:pic>
+        <p:nvPicPr>
+          <p:cNvPr id="4" name="Picture 4" descr="Hex logo for Quarto - a white circle segmented into quarters next to the text Quarto on a blue background.">
+            <a:extLst>
+              <a:ext uri="{FF2B5EF4-FFF2-40B4-BE49-F238E27FC236}">
+                <a16:creationId xmlns:a16="http://schemas.microsoft.com/office/drawing/2014/main" id="{5C400ECE-1343-7989-1A9B-8AD11516ED74}"/>
+              </a:ext>
+            </a:extLst>
+          </p:cNvPr>
+          <p:cNvPicPr>
+            <a:picLocks noChangeAspect="1" noChangeArrowheads="1"/>
+          </p:cNvPicPr>
+          <p:nvPr/>
+        </p:nvPicPr>
+        <p:blipFill>
+          <a:blip r:embed="rId5">
+            <a:extLst>
+              <a:ext uri="{28A0092B-C50C-407E-A947-70E740481C1C}">
+                <a14:useLocalDpi xmlns:a14="http://schemas.microsoft.com/office/drawing/2010/main" val="0"/>
+              </a:ext>
+            </a:extLst>
+          </a:blip>
+          <a:srcRect/>
+          <a:stretch>
+            <a:fillRect/>
+          </a:stretch>
+        </p:blipFill>
+        <p:spPr bwMode="auto">
+          <a:xfrm>
+            <a:off x="417753" y="2423160"/>
+            <a:ext cx="2376780" cy="2743200"/>
+          </a:xfrm>
+          <a:prstGeom prst="rect">
+            <a:avLst/>
+          </a:prstGeom>
+          <a:noFill/>
+          <a:extLst>
+            <a:ext uri="{909E8E84-426E-40DD-AFC4-6F175D3DCCD1}">
+              <a14:hiddenFill xmlns:a14="http://schemas.microsoft.com/office/drawing/2010/main">
+                <a:solidFill>
+                  <a:srgbClr val="FFFFFF"/>
+                </a:solidFill>
+              </a14:hiddenFill>
+            </a:ext>
+          </a:extLst>
+        </p:spPr>
+      </p:pic>
+      <p:sp>
+        <p:nvSpPr>
+          <p:cNvPr id="5" name="TextBox 4">
+            <a:extLst>
+              <a:ext uri="{FF2B5EF4-FFF2-40B4-BE49-F238E27FC236}">
+                <a16:creationId xmlns:a16="http://schemas.microsoft.com/office/drawing/2014/main" id="{049242D9-D73D-4BB1-A0E3-95E1DF362804}"/>
+              </a:ext>
+            </a:extLst>
+          </p:cNvPr>
+          <p:cNvSpPr txBox="1"/>
+          <p:nvPr/>
+        </p:nvSpPr>
+        <p:spPr>
+          <a:xfrm>
+            <a:off x="2894953" y="3071485"/>
+            <a:ext cx="715260" cy="1446550"/>
+          </a:xfrm>
+          <a:prstGeom prst="rect">
+            <a:avLst/>
+          </a:prstGeom>
+          <a:noFill/>
+        </p:spPr>
+        <p:txBody>
+          <a:bodyPr wrap="none" rtlCol="0">
+            <a:spAutoFit/>
+          </a:bodyPr>
+          <a:lstStyle/>
+          <a:p>
+            <a:r>
+              <a:rPr lang="en-US" sz="8800" dirty="0">
+                <a:latin typeface="Fira Sans Condensed Medium" panose="020B0603050000020004" pitchFamily="34" charset="0"/>
+              </a:rPr>
+              <a:t>+</a:t>
+            </a:r>
+          </a:p>
+        </p:txBody>
+      </p:sp>
+      <p:sp>
+        <p:nvSpPr>
+          <p:cNvPr id="6" name="TextBox 5">
+            <a:extLst>
+              <a:ext uri="{FF2B5EF4-FFF2-40B4-BE49-F238E27FC236}">
+                <a16:creationId xmlns:a16="http://schemas.microsoft.com/office/drawing/2014/main" id="{E9AFB6F6-C224-8059-14D9-94A7F6B7AC70}"/>
+              </a:ext>
+            </a:extLst>
+          </p:cNvPr>
+          <p:cNvSpPr txBox="1"/>
+          <p:nvPr/>
+        </p:nvSpPr>
+        <p:spPr>
+          <a:xfrm>
+            <a:off x="6195807" y="3071485"/>
+            <a:ext cx="705642" cy="1446550"/>
+          </a:xfrm>
+          <a:prstGeom prst="rect">
+            <a:avLst/>
+          </a:prstGeom>
+          <a:noFill/>
+        </p:spPr>
+        <p:txBody>
+          <a:bodyPr wrap="none" rtlCol="0">
+            <a:spAutoFit/>
+          </a:bodyPr>
+          <a:lstStyle/>
+          <a:p>
+            <a:r>
+              <a:rPr lang="en-US" sz="8800" dirty="0">
+                <a:latin typeface="Fira Sans Condensed Medium" panose="020B0603050000020004" pitchFamily="34" charset="0"/>
+              </a:rPr>
+              <a:t>=</a:t>
+            </a:r>
+          </a:p>
+        </p:txBody>
+      </p:sp>
+      <p:sp>
+        <p:nvSpPr>
+          <p:cNvPr id="7" name="TextBox 6">
+            <a:extLst>
+              <a:ext uri="{FF2B5EF4-FFF2-40B4-BE49-F238E27FC236}">
+                <a16:creationId xmlns:a16="http://schemas.microsoft.com/office/drawing/2014/main" id="{7BC3136E-AB1F-69A6-017E-D4B2AB8969A7}"/>
+              </a:ext>
+            </a:extLst>
+          </p:cNvPr>
+          <p:cNvSpPr txBox="1"/>
+          <p:nvPr/>
+        </p:nvSpPr>
+        <p:spPr>
+          <a:xfrm>
+            <a:off x="0" y="185705"/>
+            <a:ext cx="12192000" cy="769441"/>
+          </a:xfrm>
+          <a:prstGeom prst="rect">
+            <a:avLst/>
+          </a:prstGeom>
+          <a:noFill/>
+        </p:spPr>
+        <p:txBody>
+          <a:bodyPr wrap="square" rtlCol="0">
+            <a:spAutoFit/>
+          </a:bodyPr>
+          <a:lstStyle/>
+          <a:p>
+            <a:pPr algn="ctr"/>
+            <a:r>
+              <a:rPr lang="en-US" sz="4400" dirty="0">
+                <a:latin typeface="Fira Sans Condensed Medium" panose="020B0603050000020004" pitchFamily="34" charset="0"/>
+              </a:rPr>
+              <a:t>R package that renders Quarto files into surveys</a:t>
+            </a:r>
+          </a:p>
+        </p:txBody>
+      </p:sp>
     </p:spTree>
     <p:extLst>
       <p:ext uri="{BB962C8B-B14F-4D97-AF65-F5344CB8AC3E}">
-        <p14:creationId xmlns:p14="http://schemas.microsoft.com/office/powerpoint/2010/main" val="1050744130"/>
+        <p14:creationId xmlns:p14="http://schemas.microsoft.com/office/powerpoint/2010/main" val="1215931787"/>
       </p:ext>
     </p:extLst>
   </p:cSld>
   <p:clrMapOvr>
     <a:masterClrMapping/>
   </p:clrMapOvr>
-  <p:timing>
-    <p:tnLst>
-      <p:par>
-        <p:cTn id="1" dur="indefinite" restart="never" nodeType="tmRoot">
-          <p:childTnLst>
-            <p:seq concurrent="1" nextAc="seek">
-              <p:cTn id="2" dur="indefinite" nodeType="mainSeq">
-                <p:childTnLst>
-                  <p:par>
-                    <p:cTn id="3" fill="hold">
-                      <p:stCondLst>
-                        <p:cond delay="indefinite"/>
-                      </p:stCondLst>
-                      <p:childTnLst>
-                        <p:par>
-                          <p:cTn id="4" fill="hold">
-                            <p:stCondLst>
-                              <p:cond delay="0"/>
-                            </p:stCondLst>
-                            <p:childTnLst>
-                              <p:par>
-                                <p:cTn id="5" presetID="42" presetClass="path" presetSubtype="0" accel="50000" decel="50000" fill="hold" nodeType="clickEffect">
-                                  <p:stCondLst>
-                                    <p:cond delay="0"/>
-                                  </p:stCondLst>
-                                  <p:childTnLst>
-                                    <p:animMotion origin="layout" path="M 0 0 L 0.08932 -0.23356 " pathEditMode="relative" rAng="0" ptsTypes="AA">
-                                      <p:cBhvr>
-                                        <p:cTn id="6" dur="2000" fill="hold"/>
-                                        <p:tgtEl>
-                                          <p:spTgt spid="3"/>
-                                        </p:tgtEl>
-                                        <p:attrNameLst>
-                                          <p:attrName>ppt_x</p:attrName>
-                                          <p:attrName>ppt_y</p:attrName>
-                                        </p:attrNameLst>
-                                      </p:cBhvr>
-                                      <p:rCtr x="4466" y="-11690"/>
-                                    </p:animMotion>
-                                  </p:childTnLst>
-                                </p:cTn>
-                              </p:par>
-                            </p:childTnLst>
-                          </p:cTn>
-                        </p:par>
-                      </p:childTnLst>
-                    </p:cTn>
-                  </p:par>
-                </p:childTnLst>
-              </p:cTn>
-              <p:prevCondLst>
-                <p:cond evt="onPrev" delay="0">
-                  <p:tgtEl>
-                    <p:sldTgt/>
-                  </p:tgtEl>
-                </p:cond>
-              </p:prevCondLst>
-              <p:nextCondLst>
-                <p:cond evt="onNext" delay="0">
-                  <p:tgtEl>
-                    <p:sldTgt/>
-                  </p:tgtEl>
-                </p:cond>
-              </p:nextCondLst>
-            </p:seq>
-          </p:childTnLst>
-        </p:cTn>
-      </p:par>
-    </p:tnLst>
-  </p:timing>
 </p:sld>
 </file>
 
-<file path=ppt/slides/slide10.xml><?xml version="1.0" encoding="utf-8"?>
+<file path=ppt/slides/slide2.xml><?xml version="1.0" encoding="utf-8"?>
 <p:sld xmlns:a="http://schemas.openxmlformats.org/drawingml/2006/main" xmlns:r="http://schemas.openxmlformats.org/officeDocument/2006/relationships" xmlns:p="http://schemas.openxmlformats.org/presentationml/2006/main">
   <p:cSld>
     <p:bg>
@@ -5332,7 +4592,7 @@
 </p:sld>
 </file>
 
-<file path=ppt/slides/slide11.xml><?xml version="1.0" encoding="utf-8"?>
+<file path=ppt/slides/slide3.xml><?xml version="1.0" encoding="utf-8"?>
 <p:sld xmlns:a="http://schemas.openxmlformats.org/drawingml/2006/main" xmlns:r="http://schemas.openxmlformats.org/officeDocument/2006/relationships" xmlns:p="http://schemas.openxmlformats.org/presentationml/2006/main">
   <p:cSld>
     <p:bg>
@@ -5693,7 +4953,7 @@
 </p:sld>
 </file>
 
-<file path=ppt/slides/slide12.xml><?xml version="1.0" encoding="utf-8"?>
+<file path=ppt/slides/slide4.xml><?xml version="1.0" encoding="utf-8"?>
 <p:sld xmlns:a="http://schemas.openxmlformats.org/drawingml/2006/main" xmlns:r="http://schemas.openxmlformats.org/officeDocument/2006/relationships" xmlns:p="http://schemas.openxmlformats.org/presentationml/2006/main">
   <p:cSld>
     <p:bg>
@@ -6211,2506 +5471,6 @@
     <p:extLst>
       <p:ext uri="{BB962C8B-B14F-4D97-AF65-F5344CB8AC3E}">
         <p14:creationId xmlns:p14="http://schemas.microsoft.com/office/powerpoint/2010/main" val="3579784992"/>
-      </p:ext>
-    </p:extLst>
-  </p:cSld>
-  <p:clrMapOvr>
-    <a:masterClrMapping/>
-  </p:clrMapOvr>
-</p:sld>
-</file>
-
-<file path=ppt/slides/slide2.xml><?xml version="1.0" encoding="utf-8"?>
-<p:sld xmlns:a="http://schemas.openxmlformats.org/drawingml/2006/main" xmlns:r="http://schemas.openxmlformats.org/officeDocument/2006/relationships" xmlns:p="http://schemas.openxmlformats.org/presentationml/2006/main">
-  <p:cSld>
-    <p:spTree>
-      <p:nvGrpSpPr>
-        <p:cNvPr id="1" name="">
-          <a:extLst>
-            <a:ext uri="{FF2B5EF4-FFF2-40B4-BE49-F238E27FC236}">
-              <a16:creationId xmlns:a16="http://schemas.microsoft.com/office/drawing/2014/main" id="{86E239F1-06FD-2F0C-B3C2-25B3E4BD5987}"/>
-            </a:ext>
-          </a:extLst>
-        </p:cNvPr>
-        <p:cNvGrpSpPr/>
-        <p:nvPr/>
-      </p:nvGrpSpPr>
-      <p:grpSpPr>
-        <a:xfrm>
-          <a:off x="0" y="0"/>
-          <a:ext cx="0" cy="0"/>
-          <a:chOff x="0" y="0"/>
-          <a:chExt cx="0" cy="0"/>
-        </a:xfrm>
-      </p:grpSpPr>
-      <p:pic>
-        <p:nvPicPr>
-          <p:cNvPr id="2" name="Picture 1">
-            <a:extLst>
-              <a:ext uri="{FF2B5EF4-FFF2-40B4-BE49-F238E27FC236}">
-                <a16:creationId xmlns:a16="http://schemas.microsoft.com/office/drawing/2014/main" id="{EAA10AC5-20A1-DE75-6691-2170D4C88AF4}"/>
-              </a:ext>
-            </a:extLst>
-          </p:cNvPr>
-          <p:cNvPicPr>
-            <a:picLocks noChangeAspect="1" noChangeArrowheads="1"/>
-          </p:cNvPicPr>
-          <p:nvPr/>
-        </p:nvPicPr>
-        <p:blipFill rotWithShape="1">
-          <a:blip r:embed="rId3">
-            <a:extLst>
-              <a:ext uri="{28A0092B-C50C-407E-A947-70E740481C1C}">
-                <a14:useLocalDpi xmlns:a14="http://schemas.microsoft.com/office/drawing/2010/main" val="0"/>
-              </a:ext>
-            </a:extLst>
-          </a:blip>
-          <a:srcRect l="33464" t="16290" r="33856" b="16277"/>
-          <a:stretch/>
-        </p:blipFill>
-        <p:spPr bwMode="auto">
-          <a:xfrm>
-            <a:off x="1328902" y="349878"/>
-            <a:ext cx="2283041" cy="1784422"/>
-          </a:xfrm>
-          <a:prstGeom prst="rect">
-            <a:avLst/>
-          </a:prstGeom>
-          <a:noFill/>
-          <a:extLst>
-            <a:ext uri="{909E8E84-426E-40DD-AFC4-6F175D3DCCD1}">
-              <a14:hiddenFill xmlns:a14="http://schemas.microsoft.com/office/drawing/2010/main">
-                <a:solidFill>
-                  <a:srgbClr val="FFFFFF"/>
-                </a:solidFill>
-              </a14:hiddenFill>
-            </a:ext>
-          </a:extLst>
-        </p:spPr>
-      </p:pic>
-      <p:sp>
-        <p:nvSpPr>
-          <p:cNvPr id="3" name="TextBox 2">
-            <a:extLst>
-              <a:ext uri="{FF2B5EF4-FFF2-40B4-BE49-F238E27FC236}">
-                <a16:creationId xmlns:a16="http://schemas.microsoft.com/office/drawing/2014/main" id="{101C6604-7965-D4DB-A9E9-51F83472D15F}"/>
-              </a:ext>
-            </a:extLst>
-          </p:cNvPr>
-          <p:cNvSpPr txBox="1"/>
-          <p:nvPr/>
-        </p:nvSpPr>
-        <p:spPr>
-          <a:xfrm>
-            <a:off x="5223693" y="438516"/>
-            <a:ext cx="3573414" cy="1569660"/>
-          </a:xfrm>
-          <a:prstGeom prst="rect">
-            <a:avLst/>
-          </a:prstGeom>
-          <a:noFill/>
-        </p:spPr>
-        <p:txBody>
-          <a:bodyPr wrap="none" rtlCol="0">
-            <a:spAutoFit/>
-          </a:bodyPr>
-          <a:lstStyle/>
-          <a:p>
-            <a:pPr marL="457200" indent="-457200">
-              <a:buSzPct val="80000"/>
-              <a:buFont typeface=".Apple Color Emoji UI"/>
-              <a:buChar char="❌"/>
-            </a:pPr>
-            <a:r>
-              <a:rPr lang="en-US" sz="3200" dirty="0">
-                <a:latin typeface="Roboto" panose="02000000000000000000" pitchFamily="2" charset="0"/>
-                <a:ea typeface="Roboto" panose="02000000000000000000" pitchFamily="2" charset="0"/>
-              </a:rPr>
-              <a:t>Reproducibility</a:t>
-            </a:r>
-          </a:p>
-          <a:p>
-            <a:pPr marL="457200" indent="-457200">
-              <a:buSzPct val="80000"/>
-              <a:buFont typeface=".Apple Color Emoji UI"/>
-              <a:buChar char="❌"/>
-            </a:pPr>
-            <a:r>
-              <a:rPr lang="en-US" sz="3200" dirty="0">
-                <a:latin typeface="Roboto" panose="02000000000000000000" pitchFamily="2" charset="0"/>
-                <a:ea typeface="Roboto" panose="02000000000000000000" pitchFamily="2" charset="0"/>
-              </a:rPr>
-              <a:t>Version Control </a:t>
-            </a:r>
-          </a:p>
-          <a:p>
-            <a:pPr marL="457200" indent="-457200">
-              <a:buSzPct val="80000"/>
-              <a:buFont typeface=".Apple Color Emoji UI"/>
-              <a:buChar char="❌"/>
-            </a:pPr>
-            <a:r>
-              <a:rPr lang="en-US" sz="3200" dirty="0">
-                <a:latin typeface="Roboto" panose="02000000000000000000" pitchFamily="2" charset="0"/>
-                <a:ea typeface="Roboto" panose="02000000000000000000" pitchFamily="2" charset="0"/>
-              </a:rPr>
-              <a:t>Open Source</a:t>
-            </a:r>
-          </a:p>
-        </p:txBody>
-      </p:sp>
-      <p:pic>
-        <p:nvPicPr>
-          <p:cNvPr id="10" name="Picture 9">
-            <a:extLst>
-              <a:ext uri="{FF2B5EF4-FFF2-40B4-BE49-F238E27FC236}">
-                <a16:creationId xmlns:a16="http://schemas.microsoft.com/office/drawing/2014/main" id="{50CB02DC-B67D-DA0D-9D00-79DF0F2EC8F7}"/>
-              </a:ext>
-            </a:extLst>
-          </p:cNvPr>
-          <p:cNvPicPr>
-            <a:picLocks noChangeAspect="1"/>
-          </p:cNvPicPr>
-          <p:nvPr/>
-        </p:nvPicPr>
-        <p:blipFill>
-          <a:blip r:embed="rId4"/>
-          <a:srcRect/>
-          <a:stretch/>
-        </p:blipFill>
-        <p:spPr>
-          <a:xfrm>
-            <a:off x="1735375" y="2560687"/>
-            <a:ext cx="8721250" cy="2945741"/>
-          </a:xfrm>
-          <a:prstGeom prst="rect">
-            <a:avLst/>
-          </a:prstGeom>
-        </p:spPr>
-      </p:pic>
-      <p:sp>
-        <p:nvSpPr>
-          <p:cNvPr id="11" name="Rounded Rectangle 10">
-            <a:extLst>
-              <a:ext uri="{FF2B5EF4-FFF2-40B4-BE49-F238E27FC236}">
-                <a16:creationId xmlns:a16="http://schemas.microsoft.com/office/drawing/2014/main" id="{5C8F328E-36D3-A3C2-EC00-AEEE4B8B35B9}"/>
-              </a:ext>
-            </a:extLst>
-          </p:cNvPr>
-          <p:cNvSpPr/>
-          <p:nvPr/>
-        </p:nvSpPr>
-        <p:spPr>
-          <a:xfrm>
-            <a:off x="1654794" y="2474984"/>
-            <a:ext cx="6722053" cy="3031444"/>
-          </a:xfrm>
-          <a:prstGeom prst="roundRect">
-            <a:avLst>
-              <a:gd name="adj" fmla="val 7170"/>
-            </a:avLst>
-          </a:prstGeom>
-          <a:noFill/>
-          <a:ln w="38100">
-            <a:solidFill>
-              <a:schemeClr val="accent6">
-                <a:lumMod val="60000"/>
-                <a:lumOff val="40000"/>
-              </a:schemeClr>
-            </a:solidFill>
-          </a:ln>
-        </p:spPr>
-        <p:style>
-          <a:lnRef idx="2">
-            <a:schemeClr val="accent1">
-              <a:shade val="15000"/>
-            </a:schemeClr>
-          </a:lnRef>
-          <a:fillRef idx="1">
-            <a:schemeClr val="accent1"/>
-          </a:fillRef>
-          <a:effectRef idx="0">
-            <a:schemeClr val="accent1"/>
-          </a:effectRef>
-          <a:fontRef idx="minor">
-            <a:schemeClr val="lt1"/>
-          </a:fontRef>
-        </p:style>
-        <p:txBody>
-          <a:bodyPr rtlCol="0" anchor="ctr"/>
-          <a:lstStyle/>
-          <a:p>
-            <a:pPr algn="ctr"/>
-            <a:endParaRPr lang="en-US" sz="2200" dirty="0">
-              <a:solidFill>
-                <a:srgbClr val="FF0000"/>
-              </a:solidFill>
-              <a:latin typeface="Roboto" panose="02000000000000000000" pitchFamily="2" charset="0"/>
-              <a:ea typeface="Roboto" panose="02000000000000000000" pitchFamily="2" charset="0"/>
-            </a:endParaRPr>
-          </a:p>
-        </p:txBody>
-      </p:sp>
-    </p:spTree>
-    <p:extLst>
-      <p:ext uri="{BB962C8B-B14F-4D97-AF65-F5344CB8AC3E}">
-        <p14:creationId xmlns:p14="http://schemas.microsoft.com/office/powerpoint/2010/main" val="3403087920"/>
-      </p:ext>
-    </p:extLst>
-  </p:cSld>
-  <p:clrMapOvr>
-    <a:masterClrMapping/>
-  </p:clrMapOvr>
-  <p:timing>
-    <p:tnLst>
-      <p:par>
-        <p:cTn id="1" dur="indefinite" restart="never" nodeType="tmRoot">
-          <p:childTnLst>
-            <p:seq concurrent="1" nextAc="seek">
-              <p:cTn id="2" dur="indefinite" nodeType="mainSeq">
-                <p:childTnLst>
-                  <p:par>
-                    <p:cTn id="3" fill="hold">
-                      <p:stCondLst>
-                        <p:cond delay="indefinite"/>
-                      </p:stCondLst>
-                      <p:childTnLst>
-                        <p:par>
-                          <p:cTn id="4" fill="hold">
-                            <p:stCondLst>
-                              <p:cond delay="0"/>
-                            </p:stCondLst>
-                            <p:childTnLst>
-                              <p:par>
-                                <p:cTn id="5" presetID="42" presetClass="path" presetSubtype="0" accel="50000" decel="50000" fill="hold" nodeType="clickEffect">
-                                  <p:stCondLst>
-                                    <p:cond delay="0"/>
-                                  </p:stCondLst>
-                                  <p:childTnLst>
-                                    <p:animMotion origin="layout" path="M 0 0 L 0.08932 -0.23356 " pathEditMode="relative" rAng="0" ptsTypes="AA">
-                                      <p:cBhvr>
-                                        <p:cTn id="6" dur="2000" fill="hold"/>
-                                        <p:tgtEl>
-                                          <p:spTgt spid="10"/>
-                                        </p:tgtEl>
-                                        <p:attrNameLst>
-                                          <p:attrName>ppt_x</p:attrName>
-                                          <p:attrName>ppt_y</p:attrName>
-                                        </p:attrNameLst>
-                                      </p:cBhvr>
-                                      <p:rCtr x="4466" y="-11690"/>
-                                    </p:animMotion>
-                                  </p:childTnLst>
-                                </p:cTn>
-                              </p:par>
-                            </p:childTnLst>
-                          </p:cTn>
-                        </p:par>
-                      </p:childTnLst>
-                    </p:cTn>
-                  </p:par>
-                </p:childTnLst>
-              </p:cTn>
-              <p:prevCondLst>
-                <p:cond evt="onPrev" delay="0">
-                  <p:tgtEl>
-                    <p:sldTgt/>
-                  </p:tgtEl>
-                </p:cond>
-              </p:prevCondLst>
-              <p:nextCondLst>
-                <p:cond evt="onNext" delay="0">
-                  <p:tgtEl>
-                    <p:sldTgt/>
-                  </p:tgtEl>
-                </p:cond>
-              </p:nextCondLst>
-            </p:seq>
-          </p:childTnLst>
-        </p:cTn>
-      </p:par>
-    </p:tnLst>
-  </p:timing>
-</p:sld>
-</file>
-
-<file path=ppt/slides/slide3.xml><?xml version="1.0" encoding="utf-8"?>
-<p:sld xmlns:a="http://schemas.openxmlformats.org/drawingml/2006/main" xmlns:r="http://schemas.openxmlformats.org/officeDocument/2006/relationships" xmlns:p="http://schemas.openxmlformats.org/presentationml/2006/main">
-  <p:cSld>
-    <p:spTree>
-      <p:nvGrpSpPr>
-        <p:cNvPr id="1" name="">
-          <a:extLst>
-            <a:ext uri="{FF2B5EF4-FFF2-40B4-BE49-F238E27FC236}">
-              <a16:creationId xmlns:a16="http://schemas.microsoft.com/office/drawing/2014/main" id="{DCE9BCCC-898C-A497-EA89-704F0DCC54FC}"/>
-            </a:ext>
-          </a:extLst>
-        </p:cNvPr>
-        <p:cNvGrpSpPr/>
-        <p:nvPr/>
-      </p:nvGrpSpPr>
-      <p:grpSpPr>
-        <a:xfrm>
-          <a:off x="0" y="0"/>
-          <a:ext cx="0" cy="0"/>
-          <a:chOff x="0" y="0"/>
-          <a:chExt cx="0" cy="0"/>
-        </a:xfrm>
-      </p:grpSpPr>
-      <p:pic>
-        <p:nvPicPr>
-          <p:cNvPr id="6" name="Picture 6" descr="Tidyverse - Wikipedia">
-            <a:extLst>
-              <a:ext uri="{FF2B5EF4-FFF2-40B4-BE49-F238E27FC236}">
-                <a16:creationId xmlns:a16="http://schemas.microsoft.com/office/drawing/2014/main" id="{E96B78FD-4514-0269-55FD-95536D5423C6}"/>
-              </a:ext>
-            </a:extLst>
-          </p:cNvPr>
-          <p:cNvPicPr>
-            <a:picLocks noChangeAspect="1" noChangeArrowheads="1"/>
-          </p:cNvPicPr>
-          <p:nvPr/>
-        </p:nvPicPr>
-        <p:blipFill>
-          <a:blip r:embed="rId3">
-            <a:extLst>
-              <a:ext uri="{28A0092B-C50C-407E-A947-70E740481C1C}">
-                <a14:useLocalDpi xmlns:a14="http://schemas.microsoft.com/office/drawing/2010/main" val="0"/>
-              </a:ext>
-            </a:extLst>
-          </a:blip>
-          <a:srcRect/>
-          <a:stretch>
-            <a:fillRect/>
-          </a:stretch>
-        </p:blipFill>
-        <p:spPr bwMode="auto">
-          <a:xfrm>
-            <a:off x="1735375" y="176457"/>
-            <a:ext cx="1812669" cy="2093778"/>
-          </a:xfrm>
-          <a:prstGeom prst="rect">
-            <a:avLst/>
-          </a:prstGeom>
-          <a:noFill/>
-          <a:extLst>
-            <a:ext uri="{909E8E84-426E-40DD-AFC4-6F175D3DCCD1}">
-              <a14:hiddenFill xmlns:a14="http://schemas.microsoft.com/office/drawing/2010/main">
-                <a:solidFill>
-                  <a:srgbClr val="FFFFFF"/>
-                </a:solidFill>
-              </a14:hiddenFill>
-            </a:ext>
-          </a:extLst>
-        </p:spPr>
-      </p:pic>
-      <p:pic>
-        <p:nvPicPr>
-          <p:cNvPr id="10" name="Picture 9">
-            <a:extLst>
-              <a:ext uri="{FF2B5EF4-FFF2-40B4-BE49-F238E27FC236}">
-                <a16:creationId xmlns:a16="http://schemas.microsoft.com/office/drawing/2014/main" id="{BD5BA943-6693-234A-955D-1E20B14BD84B}"/>
-              </a:ext>
-            </a:extLst>
-          </p:cNvPr>
-          <p:cNvPicPr>
-            <a:picLocks noChangeAspect="1"/>
-          </p:cNvPicPr>
-          <p:nvPr/>
-        </p:nvPicPr>
-        <p:blipFill>
-          <a:blip r:embed="rId4"/>
-          <a:srcRect/>
-          <a:stretch/>
-        </p:blipFill>
-        <p:spPr>
-          <a:xfrm>
-            <a:off x="1735375" y="2560687"/>
-            <a:ext cx="8721250" cy="2945741"/>
-          </a:xfrm>
-          <a:prstGeom prst="rect">
-            <a:avLst/>
-          </a:prstGeom>
-        </p:spPr>
-      </p:pic>
-      <p:sp>
-        <p:nvSpPr>
-          <p:cNvPr id="11" name="Rounded Rectangle 10">
-            <a:extLst>
-              <a:ext uri="{FF2B5EF4-FFF2-40B4-BE49-F238E27FC236}">
-                <a16:creationId xmlns:a16="http://schemas.microsoft.com/office/drawing/2014/main" id="{DACFAA0D-56B2-DB97-28CF-1A4FE8B66A46}"/>
-              </a:ext>
-            </a:extLst>
-          </p:cNvPr>
-          <p:cNvSpPr/>
-          <p:nvPr/>
-        </p:nvSpPr>
-        <p:spPr>
-          <a:xfrm>
-            <a:off x="1654794" y="2474984"/>
-            <a:ext cx="6722053" cy="3031444"/>
-          </a:xfrm>
-          <a:prstGeom prst="roundRect">
-            <a:avLst>
-              <a:gd name="adj" fmla="val 7170"/>
-            </a:avLst>
-          </a:prstGeom>
-          <a:noFill/>
-          <a:ln w="38100">
-            <a:solidFill>
-              <a:schemeClr val="accent6">
-                <a:lumMod val="60000"/>
-                <a:lumOff val="40000"/>
-              </a:schemeClr>
-            </a:solidFill>
-          </a:ln>
-        </p:spPr>
-        <p:style>
-          <a:lnRef idx="2">
-            <a:schemeClr val="accent1">
-              <a:shade val="15000"/>
-            </a:schemeClr>
-          </a:lnRef>
-          <a:fillRef idx="1">
-            <a:schemeClr val="accent1"/>
-          </a:fillRef>
-          <a:effectRef idx="0">
-            <a:schemeClr val="accent1"/>
-          </a:effectRef>
-          <a:fontRef idx="minor">
-            <a:schemeClr val="lt1"/>
-          </a:fontRef>
-        </p:style>
-        <p:txBody>
-          <a:bodyPr rtlCol="0" anchor="ctr"/>
-          <a:lstStyle/>
-          <a:p>
-            <a:pPr algn="ctr"/>
-            <a:endParaRPr lang="en-US" sz="2200" dirty="0">
-              <a:solidFill>
-                <a:srgbClr val="FF0000"/>
-              </a:solidFill>
-              <a:latin typeface="Roboto" panose="02000000000000000000" pitchFamily="2" charset="0"/>
-              <a:ea typeface="Roboto" panose="02000000000000000000" pitchFamily="2" charset="0"/>
-            </a:endParaRPr>
-          </a:p>
-        </p:txBody>
-      </p:sp>
-      <p:sp>
-        <p:nvSpPr>
-          <p:cNvPr id="2" name="TextBox 1">
-            <a:extLst>
-              <a:ext uri="{FF2B5EF4-FFF2-40B4-BE49-F238E27FC236}">
-                <a16:creationId xmlns:a16="http://schemas.microsoft.com/office/drawing/2014/main" id="{6A690090-94DF-3ACE-ACA6-0F3D6C2936FE}"/>
-              </a:ext>
-            </a:extLst>
-          </p:cNvPr>
-          <p:cNvSpPr txBox="1"/>
-          <p:nvPr/>
-        </p:nvSpPr>
-        <p:spPr>
-          <a:xfrm>
-            <a:off x="5223693" y="438516"/>
-            <a:ext cx="3573414" cy="1569660"/>
-          </a:xfrm>
-          <a:prstGeom prst="rect">
-            <a:avLst/>
-          </a:prstGeom>
-          <a:noFill/>
-        </p:spPr>
-        <p:txBody>
-          <a:bodyPr wrap="none" rtlCol="0">
-            <a:spAutoFit/>
-          </a:bodyPr>
-          <a:lstStyle/>
-          <a:p>
-            <a:pPr marL="457200" indent="-457200">
-              <a:buFont typeface="Wingdings" pitchFamily="2" charset="2"/>
-              <a:buChar char="ü"/>
-            </a:pPr>
-            <a:r>
-              <a:rPr lang="en-US" sz="3200" dirty="0">
-                <a:latin typeface="Roboto" panose="02000000000000000000" pitchFamily="2" charset="0"/>
-                <a:ea typeface="Roboto" panose="02000000000000000000" pitchFamily="2" charset="0"/>
-              </a:rPr>
-              <a:t>Reproducibility</a:t>
-            </a:r>
-          </a:p>
-          <a:p>
-            <a:pPr marL="457200" indent="-457200">
-              <a:buFont typeface="Wingdings" pitchFamily="2" charset="2"/>
-              <a:buChar char="ü"/>
-            </a:pPr>
-            <a:r>
-              <a:rPr lang="en-US" sz="3200" dirty="0">
-                <a:latin typeface="Roboto" panose="02000000000000000000" pitchFamily="2" charset="0"/>
-                <a:ea typeface="Roboto" panose="02000000000000000000" pitchFamily="2" charset="0"/>
-              </a:rPr>
-              <a:t>Version Control </a:t>
-            </a:r>
-          </a:p>
-          <a:p>
-            <a:pPr marL="457200" indent="-457200">
-              <a:buFont typeface="Wingdings" pitchFamily="2" charset="2"/>
-              <a:buChar char="ü"/>
-            </a:pPr>
-            <a:r>
-              <a:rPr lang="en-US" sz="3200" dirty="0">
-                <a:latin typeface="Roboto" panose="02000000000000000000" pitchFamily="2" charset="0"/>
-                <a:ea typeface="Roboto" panose="02000000000000000000" pitchFamily="2" charset="0"/>
-              </a:rPr>
-              <a:t>Open Source</a:t>
-            </a:r>
-          </a:p>
-        </p:txBody>
-      </p:sp>
-    </p:spTree>
-    <p:extLst>
-      <p:ext uri="{BB962C8B-B14F-4D97-AF65-F5344CB8AC3E}">
-        <p14:creationId xmlns:p14="http://schemas.microsoft.com/office/powerpoint/2010/main" val="3452890697"/>
-      </p:ext>
-    </p:extLst>
-  </p:cSld>
-  <p:clrMapOvr>
-    <a:masterClrMapping/>
-  </p:clrMapOvr>
-  <p:timing>
-    <p:tnLst>
-      <p:par>
-        <p:cTn id="1" dur="indefinite" restart="never" nodeType="tmRoot">
-          <p:childTnLst>
-            <p:seq concurrent="1" nextAc="seek">
-              <p:cTn id="2" dur="indefinite" nodeType="mainSeq">
-                <p:childTnLst>
-                  <p:par>
-                    <p:cTn id="3" fill="hold">
-                      <p:stCondLst>
-                        <p:cond delay="indefinite"/>
-                      </p:stCondLst>
-                      <p:childTnLst>
-                        <p:par>
-                          <p:cTn id="4" fill="hold">
-                            <p:stCondLst>
-                              <p:cond delay="0"/>
-                            </p:stCondLst>
-                            <p:childTnLst>
-                              <p:par>
-                                <p:cTn id="5" presetID="42" presetClass="path" presetSubtype="0" accel="50000" decel="50000" fill="hold" nodeType="clickEffect">
-                                  <p:stCondLst>
-                                    <p:cond delay="0"/>
-                                  </p:stCondLst>
-                                  <p:childTnLst>
-                                    <p:animMotion origin="layout" path="M 0 0 L 0.08932 -0.23356 " pathEditMode="relative" rAng="0" ptsTypes="AA">
-                                      <p:cBhvr>
-                                        <p:cTn id="6" dur="2000" fill="hold"/>
-                                        <p:tgtEl>
-                                          <p:spTgt spid="10"/>
-                                        </p:tgtEl>
-                                        <p:attrNameLst>
-                                          <p:attrName>ppt_x</p:attrName>
-                                          <p:attrName>ppt_y</p:attrName>
-                                        </p:attrNameLst>
-                                      </p:cBhvr>
-                                      <p:rCtr x="4466" y="-11690"/>
-                                    </p:animMotion>
-                                  </p:childTnLst>
-                                </p:cTn>
-                              </p:par>
-                            </p:childTnLst>
-                          </p:cTn>
-                        </p:par>
-                      </p:childTnLst>
-                    </p:cTn>
-                  </p:par>
-                </p:childTnLst>
-              </p:cTn>
-              <p:prevCondLst>
-                <p:cond evt="onPrev" delay="0">
-                  <p:tgtEl>
-                    <p:sldTgt/>
-                  </p:tgtEl>
-                </p:cond>
-              </p:prevCondLst>
-              <p:nextCondLst>
-                <p:cond evt="onNext" delay="0">
-                  <p:tgtEl>
-                    <p:sldTgt/>
-                  </p:tgtEl>
-                </p:cond>
-              </p:nextCondLst>
-            </p:seq>
-          </p:childTnLst>
-        </p:cTn>
-      </p:par>
-    </p:tnLst>
-  </p:timing>
-</p:sld>
-</file>
-
-<file path=ppt/slides/slide4.xml><?xml version="1.0" encoding="utf-8"?>
-<p:sld xmlns:a="http://schemas.openxmlformats.org/drawingml/2006/main" xmlns:r="http://schemas.openxmlformats.org/officeDocument/2006/relationships" xmlns:p="http://schemas.openxmlformats.org/presentationml/2006/main">
-  <p:cSld>
-    <p:spTree>
-      <p:nvGrpSpPr>
-        <p:cNvPr id="1" name="">
-          <a:extLst>
-            <a:ext uri="{FF2B5EF4-FFF2-40B4-BE49-F238E27FC236}">
-              <a16:creationId xmlns:a16="http://schemas.microsoft.com/office/drawing/2014/main" id="{9B3F05B1-0FE0-EF13-2486-B5B0A95FD59F}"/>
-            </a:ext>
-          </a:extLst>
-        </p:cNvPr>
-        <p:cNvGrpSpPr/>
-        <p:nvPr/>
-      </p:nvGrpSpPr>
-      <p:grpSpPr>
-        <a:xfrm>
-          <a:off x="0" y="0"/>
-          <a:ext cx="0" cy="0"/>
-          <a:chOff x="0" y="0"/>
-          <a:chExt cx="0" cy="0"/>
-        </a:xfrm>
-      </p:grpSpPr>
-      <p:pic>
-        <p:nvPicPr>
-          <p:cNvPr id="10" name="Picture 9">
-            <a:extLst>
-              <a:ext uri="{FF2B5EF4-FFF2-40B4-BE49-F238E27FC236}">
-                <a16:creationId xmlns:a16="http://schemas.microsoft.com/office/drawing/2014/main" id="{D5BA2FC6-A379-5E43-FB54-F3697D206E56}"/>
-              </a:ext>
-            </a:extLst>
-          </p:cNvPr>
-          <p:cNvPicPr>
-            <a:picLocks noChangeAspect="1"/>
-          </p:cNvPicPr>
-          <p:nvPr/>
-        </p:nvPicPr>
-        <p:blipFill>
-          <a:blip r:embed="rId3"/>
-          <a:srcRect/>
-          <a:stretch/>
-        </p:blipFill>
-        <p:spPr>
-          <a:xfrm>
-            <a:off x="1735375" y="2560687"/>
-            <a:ext cx="8721250" cy="2945741"/>
-          </a:xfrm>
-          <a:prstGeom prst="rect">
-            <a:avLst/>
-          </a:prstGeom>
-        </p:spPr>
-      </p:pic>
-      <p:sp>
-        <p:nvSpPr>
-          <p:cNvPr id="4" name="Rounded Rectangle 3">
-            <a:extLst>
-              <a:ext uri="{FF2B5EF4-FFF2-40B4-BE49-F238E27FC236}">
-                <a16:creationId xmlns:a16="http://schemas.microsoft.com/office/drawing/2014/main" id="{7D2DDE60-FBFE-CBCA-2915-E8996B881C96}"/>
-              </a:ext>
-            </a:extLst>
-          </p:cNvPr>
-          <p:cNvSpPr/>
-          <p:nvPr/>
-        </p:nvSpPr>
-        <p:spPr>
-          <a:xfrm>
-            <a:off x="8376847" y="2474984"/>
-            <a:ext cx="2141672" cy="3031444"/>
-          </a:xfrm>
-          <a:prstGeom prst="roundRect">
-            <a:avLst>
-              <a:gd name="adj" fmla="val 7170"/>
-            </a:avLst>
-          </a:prstGeom>
-          <a:noFill/>
-          <a:ln w="28575">
-            <a:solidFill>
-              <a:schemeClr val="accent2">
-                <a:lumMod val="60000"/>
-                <a:lumOff val="40000"/>
-              </a:schemeClr>
-            </a:solidFill>
-          </a:ln>
-        </p:spPr>
-        <p:style>
-          <a:lnRef idx="2">
-            <a:schemeClr val="accent1">
-              <a:shade val="15000"/>
-            </a:schemeClr>
-          </a:lnRef>
-          <a:fillRef idx="1">
-            <a:schemeClr val="accent1"/>
-          </a:fillRef>
-          <a:effectRef idx="0">
-            <a:schemeClr val="accent1"/>
-          </a:effectRef>
-          <a:fontRef idx="minor">
-            <a:schemeClr val="lt1"/>
-          </a:fontRef>
-        </p:style>
-        <p:txBody>
-          <a:bodyPr rtlCol="0" anchor="ctr"/>
-          <a:lstStyle/>
-          <a:p>
-            <a:pPr algn="ctr"/>
-            <a:endParaRPr lang="en-US" sz="2200" dirty="0">
-              <a:solidFill>
-                <a:srgbClr val="FF0000"/>
-              </a:solidFill>
-              <a:latin typeface="Roboto" panose="02000000000000000000" pitchFamily="2" charset="0"/>
-              <a:ea typeface="Roboto" panose="02000000000000000000" pitchFamily="2" charset="0"/>
-            </a:endParaRPr>
-          </a:p>
-        </p:txBody>
-      </p:sp>
-      <p:pic>
-        <p:nvPicPr>
-          <p:cNvPr id="5" name="Picture 4">
-            <a:extLst>
-              <a:ext uri="{FF2B5EF4-FFF2-40B4-BE49-F238E27FC236}">
-                <a16:creationId xmlns:a16="http://schemas.microsoft.com/office/drawing/2014/main" id="{45A5FBA9-8F3D-3FF6-F550-13F55BD20832}"/>
-              </a:ext>
-            </a:extLst>
-          </p:cNvPr>
-          <p:cNvPicPr>
-            <a:picLocks noChangeAspect="1" noChangeArrowheads="1"/>
-          </p:cNvPicPr>
-          <p:nvPr/>
-        </p:nvPicPr>
-        <p:blipFill rotWithShape="1">
-          <a:blip r:embed="rId4">
-            <a:extLst>
-              <a:ext uri="{28A0092B-C50C-407E-A947-70E740481C1C}">
-                <a14:useLocalDpi xmlns:a14="http://schemas.microsoft.com/office/drawing/2010/main" val="0"/>
-              </a:ext>
-            </a:extLst>
-          </a:blip>
-          <a:srcRect l="65283" t="16283" r="4205" b="16283"/>
-          <a:stretch/>
-        </p:blipFill>
-        <p:spPr bwMode="auto">
-          <a:xfrm>
-            <a:off x="3280607" y="597736"/>
-            <a:ext cx="1801009" cy="1507669"/>
-          </a:xfrm>
-          <a:prstGeom prst="rect">
-            <a:avLst/>
-          </a:prstGeom>
-          <a:noFill/>
-          <a:extLst>
-            <a:ext uri="{909E8E84-426E-40DD-AFC4-6F175D3DCCD1}">
-              <a14:hiddenFill xmlns:a14="http://schemas.microsoft.com/office/drawing/2010/main">
-                <a:solidFill>
-                  <a:srgbClr val="FFFFFF"/>
-                </a:solidFill>
-              </a14:hiddenFill>
-            </a:ext>
-          </a:extLst>
-        </p:spPr>
-      </p:pic>
-      <p:pic>
-        <p:nvPicPr>
-          <p:cNvPr id="6" name="Picture 2">
-            <a:extLst>
-              <a:ext uri="{FF2B5EF4-FFF2-40B4-BE49-F238E27FC236}">
-                <a16:creationId xmlns:a16="http://schemas.microsoft.com/office/drawing/2014/main" id="{74C94071-7854-C8E8-ABC3-1B97E1104EC0}"/>
-              </a:ext>
-            </a:extLst>
-          </p:cNvPr>
-          <p:cNvPicPr>
-            <a:picLocks noChangeAspect="1" noChangeArrowheads="1"/>
-          </p:cNvPicPr>
-          <p:nvPr/>
-        </p:nvPicPr>
-        <p:blipFill rotWithShape="1">
-          <a:blip r:embed="rId4">
-            <a:extLst>
-              <a:ext uri="{28A0092B-C50C-407E-A947-70E740481C1C}">
-                <a14:useLocalDpi xmlns:a14="http://schemas.microsoft.com/office/drawing/2010/main" val="0"/>
-              </a:ext>
-            </a:extLst>
-          </a:blip>
-          <a:srcRect l="4205" t="16290" r="65282" b="16277"/>
-          <a:stretch/>
-        </p:blipFill>
-        <p:spPr bwMode="auto">
-          <a:xfrm>
-            <a:off x="1479598" y="597737"/>
-            <a:ext cx="1801009" cy="1507669"/>
-          </a:xfrm>
-          <a:prstGeom prst="rect">
-            <a:avLst/>
-          </a:prstGeom>
-          <a:noFill/>
-          <a:extLst>
-            <a:ext uri="{909E8E84-426E-40DD-AFC4-6F175D3DCCD1}">
-              <a14:hiddenFill xmlns:a14="http://schemas.microsoft.com/office/drawing/2010/main">
-                <a:solidFill>
-                  <a:srgbClr val="FFFFFF"/>
-                </a:solidFill>
-              </a14:hiddenFill>
-            </a:ext>
-          </a:extLst>
-        </p:spPr>
-      </p:pic>
-      <p:sp>
-        <p:nvSpPr>
-          <p:cNvPr id="2" name="TextBox 1">
-            <a:extLst>
-              <a:ext uri="{FF2B5EF4-FFF2-40B4-BE49-F238E27FC236}">
-                <a16:creationId xmlns:a16="http://schemas.microsoft.com/office/drawing/2014/main" id="{16EF7E8A-98C2-CFFB-04D7-5D7F148A5BA4}"/>
-              </a:ext>
-            </a:extLst>
-          </p:cNvPr>
-          <p:cNvSpPr txBox="1"/>
-          <p:nvPr/>
-        </p:nvSpPr>
-        <p:spPr>
-          <a:xfrm>
-            <a:off x="5223693" y="438516"/>
-            <a:ext cx="3573414" cy="1569660"/>
-          </a:xfrm>
-          <a:prstGeom prst="rect">
-            <a:avLst/>
-          </a:prstGeom>
-          <a:noFill/>
-        </p:spPr>
-        <p:txBody>
-          <a:bodyPr wrap="none" rtlCol="0">
-            <a:spAutoFit/>
-          </a:bodyPr>
-          <a:lstStyle/>
-          <a:p>
-            <a:pPr marL="457200" indent="-457200">
-              <a:buSzPct val="80000"/>
-              <a:buFont typeface=".Apple Color Emoji UI"/>
-              <a:buChar char="❌"/>
-            </a:pPr>
-            <a:r>
-              <a:rPr lang="en-US" sz="3200" dirty="0">
-                <a:latin typeface="Roboto" panose="02000000000000000000" pitchFamily="2" charset="0"/>
-                <a:ea typeface="Roboto" panose="02000000000000000000" pitchFamily="2" charset="0"/>
-              </a:rPr>
-              <a:t>Reproducibility</a:t>
-            </a:r>
-          </a:p>
-          <a:p>
-            <a:pPr marL="457200" indent="-457200">
-              <a:buSzPct val="80000"/>
-              <a:buFont typeface=".Apple Color Emoji UI"/>
-              <a:buChar char="❌"/>
-            </a:pPr>
-            <a:r>
-              <a:rPr lang="en-US" sz="3200" dirty="0">
-                <a:latin typeface="Roboto" panose="02000000000000000000" pitchFamily="2" charset="0"/>
-                <a:ea typeface="Roboto" panose="02000000000000000000" pitchFamily="2" charset="0"/>
-              </a:rPr>
-              <a:t>Version Control </a:t>
-            </a:r>
-          </a:p>
-          <a:p>
-            <a:pPr marL="457200" indent="-457200">
-              <a:buSzPct val="80000"/>
-              <a:buFont typeface=".Apple Color Emoji UI"/>
-              <a:buChar char="❌"/>
-            </a:pPr>
-            <a:r>
-              <a:rPr lang="en-US" sz="3200" dirty="0">
-                <a:latin typeface="Roboto" panose="02000000000000000000" pitchFamily="2" charset="0"/>
-                <a:ea typeface="Roboto" panose="02000000000000000000" pitchFamily="2" charset="0"/>
-              </a:rPr>
-              <a:t>Open Source</a:t>
-            </a:r>
-          </a:p>
-        </p:txBody>
-      </p:sp>
-    </p:spTree>
-    <p:extLst>
-      <p:ext uri="{BB962C8B-B14F-4D97-AF65-F5344CB8AC3E}">
-        <p14:creationId xmlns:p14="http://schemas.microsoft.com/office/powerpoint/2010/main" val="444553157"/>
-      </p:ext>
-    </p:extLst>
-  </p:cSld>
-  <p:clrMapOvr>
-    <a:masterClrMapping/>
-  </p:clrMapOvr>
-  <p:timing>
-    <p:tnLst>
-      <p:par>
-        <p:cTn id="1" dur="indefinite" restart="never" nodeType="tmRoot">
-          <p:childTnLst>
-            <p:seq concurrent="1" nextAc="seek">
-              <p:cTn id="2" dur="indefinite" nodeType="mainSeq">
-                <p:childTnLst>
-                  <p:par>
-                    <p:cTn id="3" fill="hold">
-                      <p:stCondLst>
-                        <p:cond delay="indefinite"/>
-                      </p:stCondLst>
-                      <p:childTnLst>
-                        <p:par>
-                          <p:cTn id="4" fill="hold">
-                            <p:stCondLst>
-                              <p:cond delay="0"/>
-                            </p:stCondLst>
-                            <p:childTnLst>
-                              <p:par>
-                                <p:cTn id="5" presetID="42" presetClass="path" presetSubtype="0" accel="50000" decel="50000" fill="hold" nodeType="clickEffect">
-                                  <p:stCondLst>
-                                    <p:cond delay="0"/>
-                                  </p:stCondLst>
-                                  <p:childTnLst>
-                                    <p:animMotion origin="layout" path="M 0 0 L 0.08932 -0.23356 " pathEditMode="relative" rAng="0" ptsTypes="AA">
-                                      <p:cBhvr>
-                                        <p:cTn id="6" dur="2000" fill="hold"/>
-                                        <p:tgtEl>
-                                          <p:spTgt spid="10"/>
-                                        </p:tgtEl>
-                                        <p:attrNameLst>
-                                          <p:attrName>ppt_x</p:attrName>
-                                          <p:attrName>ppt_y</p:attrName>
-                                        </p:attrNameLst>
-                                      </p:cBhvr>
-                                      <p:rCtr x="4466" y="-11690"/>
-                                    </p:animMotion>
-                                  </p:childTnLst>
-                                </p:cTn>
-                              </p:par>
-                            </p:childTnLst>
-                          </p:cTn>
-                        </p:par>
-                      </p:childTnLst>
-                    </p:cTn>
-                  </p:par>
-                </p:childTnLst>
-              </p:cTn>
-              <p:prevCondLst>
-                <p:cond evt="onPrev" delay="0">
-                  <p:tgtEl>
-                    <p:sldTgt/>
-                  </p:tgtEl>
-                </p:cond>
-              </p:prevCondLst>
-              <p:nextCondLst>
-                <p:cond evt="onNext" delay="0">
-                  <p:tgtEl>
-                    <p:sldTgt/>
-                  </p:tgtEl>
-                </p:cond>
-              </p:nextCondLst>
-            </p:seq>
-          </p:childTnLst>
-        </p:cTn>
-      </p:par>
-    </p:tnLst>
-  </p:timing>
-</p:sld>
-</file>
-
-<file path=ppt/slides/slide5.xml><?xml version="1.0" encoding="utf-8"?>
-<p:sld xmlns:a="http://schemas.openxmlformats.org/drawingml/2006/main" xmlns:r="http://schemas.openxmlformats.org/officeDocument/2006/relationships" xmlns:p="http://schemas.openxmlformats.org/presentationml/2006/main">
-  <p:cSld>
-    <p:spTree>
-      <p:nvGrpSpPr>
-        <p:cNvPr id="1" name="">
-          <a:extLst>
-            <a:ext uri="{FF2B5EF4-FFF2-40B4-BE49-F238E27FC236}">
-              <a16:creationId xmlns:a16="http://schemas.microsoft.com/office/drawing/2014/main" id="{AD17C86A-35FA-EB66-A05B-D4ECAEA02E6B}"/>
-            </a:ext>
-          </a:extLst>
-        </p:cNvPr>
-        <p:cNvGrpSpPr/>
-        <p:nvPr/>
-      </p:nvGrpSpPr>
-      <p:grpSpPr>
-        <a:xfrm>
-          <a:off x="0" y="0"/>
-          <a:ext cx="0" cy="0"/>
-          <a:chOff x="0" y="0"/>
-          <a:chExt cx="0" cy="0"/>
-        </a:xfrm>
-      </p:grpSpPr>
-      <p:pic>
-        <p:nvPicPr>
-          <p:cNvPr id="8" name="Picture 4" descr="Hex logo for Quarto - a white circle segmented into quarters next to the text Quarto on a blue background.">
-            <a:extLst>
-              <a:ext uri="{FF2B5EF4-FFF2-40B4-BE49-F238E27FC236}">
-                <a16:creationId xmlns:a16="http://schemas.microsoft.com/office/drawing/2014/main" id="{34FBB79A-420A-2A94-8174-EC804BA7D79C}"/>
-              </a:ext>
-            </a:extLst>
-          </p:cNvPr>
-          <p:cNvPicPr>
-            <a:picLocks noChangeAspect="1" noChangeArrowheads="1"/>
-          </p:cNvPicPr>
-          <p:nvPr/>
-        </p:nvPicPr>
-        <p:blipFill>
-          <a:blip r:embed="rId3">
-            <a:extLst>
-              <a:ext uri="{28A0092B-C50C-407E-A947-70E740481C1C}">
-                <a14:useLocalDpi xmlns:a14="http://schemas.microsoft.com/office/drawing/2010/main" val="0"/>
-              </a:ext>
-            </a:extLst>
-          </a:blip>
-          <a:srcRect/>
-          <a:stretch>
-            <a:fillRect/>
-          </a:stretch>
-        </p:blipFill>
-        <p:spPr bwMode="auto">
-          <a:xfrm>
-            <a:off x="1836676" y="176457"/>
-            <a:ext cx="1814103" cy="2093777"/>
-          </a:xfrm>
-          <a:prstGeom prst="rect">
-            <a:avLst/>
-          </a:prstGeom>
-          <a:noFill/>
-          <a:extLst>
-            <a:ext uri="{909E8E84-426E-40DD-AFC4-6F175D3DCCD1}">
-              <a14:hiddenFill xmlns:a14="http://schemas.microsoft.com/office/drawing/2010/main">
-                <a:solidFill>
-                  <a:srgbClr val="FFFFFF"/>
-                </a:solidFill>
-              </a14:hiddenFill>
-            </a:ext>
-          </a:extLst>
-        </p:spPr>
-      </p:pic>
-      <p:pic>
-        <p:nvPicPr>
-          <p:cNvPr id="10" name="Picture 9">
-            <a:extLst>
-              <a:ext uri="{FF2B5EF4-FFF2-40B4-BE49-F238E27FC236}">
-                <a16:creationId xmlns:a16="http://schemas.microsoft.com/office/drawing/2014/main" id="{4F059445-FBE4-B005-E17F-EE4E6176853A}"/>
-              </a:ext>
-            </a:extLst>
-          </p:cNvPr>
-          <p:cNvPicPr>
-            <a:picLocks noChangeAspect="1"/>
-          </p:cNvPicPr>
-          <p:nvPr/>
-        </p:nvPicPr>
-        <p:blipFill>
-          <a:blip r:embed="rId4"/>
-          <a:srcRect/>
-          <a:stretch/>
-        </p:blipFill>
-        <p:spPr>
-          <a:xfrm>
-            <a:off x="1735375" y="2560687"/>
-            <a:ext cx="8721250" cy="2945741"/>
-          </a:xfrm>
-          <a:prstGeom prst="rect">
-            <a:avLst/>
-          </a:prstGeom>
-        </p:spPr>
-      </p:pic>
-      <p:sp>
-        <p:nvSpPr>
-          <p:cNvPr id="4" name="Rounded Rectangle 3">
-            <a:extLst>
-              <a:ext uri="{FF2B5EF4-FFF2-40B4-BE49-F238E27FC236}">
-                <a16:creationId xmlns:a16="http://schemas.microsoft.com/office/drawing/2014/main" id="{3BD3173F-6012-586B-9210-C9E3259A68C8}"/>
-              </a:ext>
-            </a:extLst>
-          </p:cNvPr>
-          <p:cNvSpPr/>
-          <p:nvPr/>
-        </p:nvSpPr>
-        <p:spPr>
-          <a:xfrm>
-            <a:off x="8376847" y="2474984"/>
-            <a:ext cx="2141672" cy="3031444"/>
-          </a:xfrm>
-          <a:prstGeom prst="roundRect">
-            <a:avLst>
-              <a:gd name="adj" fmla="val 7170"/>
-            </a:avLst>
-          </a:prstGeom>
-          <a:noFill/>
-          <a:ln w="28575">
-            <a:solidFill>
-              <a:schemeClr val="accent2">
-                <a:lumMod val="60000"/>
-                <a:lumOff val="40000"/>
-              </a:schemeClr>
-            </a:solidFill>
-          </a:ln>
-        </p:spPr>
-        <p:style>
-          <a:lnRef idx="2">
-            <a:schemeClr val="accent1">
-              <a:shade val="15000"/>
-            </a:schemeClr>
-          </a:lnRef>
-          <a:fillRef idx="1">
-            <a:schemeClr val="accent1"/>
-          </a:fillRef>
-          <a:effectRef idx="0">
-            <a:schemeClr val="accent1"/>
-          </a:effectRef>
-          <a:fontRef idx="minor">
-            <a:schemeClr val="lt1"/>
-          </a:fontRef>
-        </p:style>
-        <p:txBody>
-          <a:bodyPr rtlCol="0" anchor="ctr"/>
-          <a:lstStyle/>
-          <a:p>
-            <a:pPr algn="ctr"/>
-            <a:endParaRPr lang="en-US" sz="2200" dirty="0">
-              <a:solidFill>
-                <a:srgbClr val="FF0000"/>
-              </a:solidFill>
-              <a:latin typeface="Roboto" panose="02000000000000000000" pitchFamily="2" charset="0"/>
-              <a:ea typeface="Roboto" panose="02000000000000000000" pitchFamily="2" charset="0"/>
-            </a:endParaRPr>
-          </a:p>
-        </p:txBody>
-      </p:sp>
-      <p:sp>
-        <p:nvSpPr>
-          <p:cNvPr id="3" name="TextBox 2">
-            <a:extLst>
-              <a:ext uri="{FF2B5EF4-FFF2-40B4-BE49-F238E27FC236}">
-                <a16:creationId xmlns:a16="http://schemas.microsoft.com/office/drawing/2014/main" id="{0A6371BD-963B-A690-FD71-E912D84FDA99}"/>
-              </a:ext>
-            </a:extLst>
-          </p:cNvPr>
-          <p:cNvSpPr txBox="1"/>
-          <p:nvPr/>
-        </p:nvSpPr>
-        <p:spPr>
-          <a:xfrm>
-            <a:off x="5223693" y="438516"/>
-            <a:ext cx="3573414" cy="1569660"/>
-          </a:xfrm>
-          <a:prstGeom prst="rect">
-            <a:avLst/>
-          </a:prstGeom>
-          <a:noFill/>
-        </p:spPr>
-        <p:txBody>
-          <a:bodyPr wrap="none" rtlCol="0">
-            <a:spAutoFit/>
-          </a:bodyPr>
-          <a:lstStyle/>
-          <a:p>
-            <a:pPr marL="457200" indent="-457200">
-              <a:buFont typeface="Wingdings" pitchFamily="2" charset="2"/>
-              <a:buChar char="ü"/>
-            </a:pPr>
-            <a:r>
-              <a:rPr lang="en-US" sz="3200" dirty="0">
-                <a:latin typeface="Roboto" panose="02000000000000000000" pitchFamily="2" charset="0"/>
-                <a:ea typeface="Roboto" panose="02000000000000000000" pitchFamily="2" charset="0"/>
-              </a:rPr>
-              <a:t>Reproducibility</a:t>
-            </a:r>
-          </a:p>
-          <a:p>
-            <a:pPr marL="457200" indent="-457200">
-              <a:buFont typeface="Wingdings" pitchFamily="2" charset="2"/>
-              <a:buChar char="ü"/>
-            </a:pPr>
-            <a:r>
-              <a:rPr lang="en-US" sz="3200" dirty="0">
-                <a:latin typeface="Roboto" panose="02000000000000000000" pitchFamily="2" charset="0"/>
-                <a:ea typeface="Roboto" panose="02000000000000000000" pitchFamily="2" charset="0"/>
-              </a:rPr>
-              <a:t>Version Control </a:t>
-            </a:r>
-          </a:p>
-          <a:p>
-            <a:pPr marL="457200" indent="-457200">
-              <a:buFont typeface="Wingdings" pitchFamily="2" charset="2"/>
-              <a:buChar char="ü"/>
-            </a:pPr>
-            <a:r>
-              <a:rPr lang="en-US" sz="3200" dirty="0">
-                <a:latin typeface="Roboto" panose="02000000000000000000" pitchFamily="2" charset="0"/>
-                <a:ea typeface="Roboto" panose="02000000000000000000" pitchFamily="2" charset="0"/>
-              </a:rPr>
-              <a:t>Open Source</a:t>
-            </a:r>
-          </a:p>
-        </p:txBody>
-      </p:sp>
-    </p:spTree>
-    <p:extLst>
-      <p:ext uri="{BB962C8B-B14F-4D97-AF65-F5344CB8AC3E}">
-        <p14:creationId xmlns:p14="http://schemas.microsoft.com/office/powerpoint/2010/main" val="1448058566"/>
-      </p:ext>
-    </p:extLst>
-  </p:cSld>
-  <p:clrMapOvr>
-    <a:masterClrMapping/>
-  </p:clrMapOvr>
-  <p:timing>
-    <p:tnLst>
-      <p:par>
-        <p:cTn id="1" dur="indefinite" restart="never" nodeType="tmRoot">
-          <p:childTnLst>
-            <p:seq concurrent="1" nextAc="seek">
-              <p:cTn id="2" dur="indefinite" nodeType="mainSeq">
-                <p:childTnLst>
-                  <p:par>
-                    <p:cTn id="3" fill="hold">
-                      <p:stCondLst>
-                        <p:cond delay="indefinite"/>
-                      </p:stCondLst>
-                      <p:childTnLst>
-                        <p:par>
-                          <p:cTn id="4" fill="hold">
-                            <p:stCondLst>
-                              <p:cond delay="0"/>
-                            </p:stCondLst>
-                            <p:childTnLst>
-                              <p:par>
-                                <p:cTn id="5" presetID="42" presetClass="path" presetSubtype="0" accel="50000" decel="50000" fill="hold" nodeType="clickEffect">
-                                  <p:stCondLst>
-                                    <p:cond delay="0"/>
-                                  </p:stCondLst>
-                                  <p:childTnLst>
-                                    <p:animMotion origin="layout" path="M 0 0 L 0.08932 -0.23356 " pathEditMode="relative" rAng="0" ptsTypes="AA">
-                                      <p:cBhvr>
-                                        <p:cTn id="6" dur="2000" fill="hold"/>
-                                        <p:tgtEl>
-                                          <p:spTgt spid="10"/>
-                                        </p:tgtEl>
-                                        <p:attrNameLst>
-                                          <p:attrName>ppt_x</p:attrName>
-                                          <p:attrName>ppt_y</p:attrName>
-                                        </p:attrNameLst>
-                                      </p:cBhvr>
-                                      <p:rCtr x="4466" y="-11690"/>
-                                    </p:animMotion>
-                                  </p:childTnLst>
-                                </p:cTn>
-                              </p:par>
-                            </p:childTnLst>
-                          </p:cTn>
-                        </p:par>
-                      </p:childTnLst>
-                    </p:cTn>
-                  </p:par>
-                </p:childTnLst>
-              </p:cTn>
-              <p:prevCondLst>
-                <p:cond evt="onPrev" delay="0">
-                  <p:tgtEl>
-                    <p:sldTgt/>
-                  </p:tgtEl>
-                </p:cond>
-              </p:prevCondLst>
-              <p:nextCondLst>
-                <p:cond evt="onNext" delay="0">
-                  <p:tgtEl>
-                    <p:sldTgt/>
-                  </p:tgtEl>
-                </p:cond>
-              </p:nextCondLst>
-            </p:seq>
-          </p:childTnLst>
-        </p:cTn>
-      </p:par>
-    </p:tnLst>
-  </p:timing>
-</p:sld>
-</file>
-
-<file path=ppt/slides/slide6.xml><?xml version="1.0" encoding="utf-8"?>
-<p:sld xmlns:a="http://schemas.openxmlformats.org/drawingml/2006/main" xmlns:r="http://schemas.openxmlformats.org/officeDocument/2006/relationships" xmlns:p="http://schemas.openxmlformats.org/presentationml/2006/main">
-  <p:cSld>
-    <p:spTree>
-      <p:nvGrpSpPr>
-        <p:cNvPr id="1" name="">
-          <a:extLst>
-            <a:ext uri="{FF2B5EF4-FFF2-40B4-BE49-F238E27FC236}">
-              <a16:creationId xmlns:a16="http://schemas.microsoft.com/office/drawing/2014/main" id="{0A5729EE-0EEC-B0FE-E66A-5D882FFF0C3D}"/>
-            </a:ext>
-          </a:extLst>
-        </p:cNvPr>
-        <p:cNvGrpSpPr/>
-        <p:nvPr/>
-      </p:nvGrpSpPr>
-      <p:grpSpPr>
-        <a:xfrm>
-          <a:off x="0" y="0"/>
-          <a:ext cx="0" cy="0"/>
-          <a:chOff x="0" y="0"/>
-          <a:chExt cx="0" cy="0"/>
-        </a:xfrm>
-      </p:grpSpPr>
-      <p:pic>
-        <p:nvPicPr>
-          <p:cNvPr id="10" name="Picture 9">
-            <a:extLst>
-              <a:ext uri="{FF2B5EF4-FFF2-40B4-BE49-F238E27FC236}">
-                <a16:creationId xmlns:a16="http://schemas.microsoft.com/office/drawing/2014/main" id="{CFDA00A3-CA17-CCDD-7C48-B8FDAC589F28}"/>
-              </a:ext>
-            </a:extLst>
-          </p:cNvPr>
-          <p:cNvPicPr>
-            <a:picLocks noChangeAspect="1"/>
-          </p:cNvPicPr>
-          <p:nvPr/>
-        </p:nvPicPr>
-        <p:blipFill>
-          <a:blip r:embed="rId3"/>
-          <a:srcRect/>
-          <a:stretch/>
-        </p:blipFill>
-        <p:spPr>
-          <a:xfrm>
-            <a:off x="1735375" y="1784973"/>
-            <a:ext cx="8721250" cy="2945741"/>
-          </a:xfrm>
-          <a:prstGeom prst="rect">
-            <a:avLst/>
-          </a:prstGeom>
-        </p:spPr>
-      </p:pic>
-    </p:spTree>
-    <p:extLst>
-      <p:ext uri="{BB962C8B-B14F-4D97-AF65-F5344CB8AC3E}">
-        <p14:creationId xmlns:p14="http://schemas.microsoft.com/office/powerpoint/2010/main" val="3489012568"/>
-      </p:ext>
-    </p:extLst>
-  </p:cSld>
-  <p:clrMapOvr>
-    <a:masterClrMapping/>
-  </p:clrMapOvr>
-  <p:timing>
-    <p:tnLst>
-      <p:par>
-        <p:cTn id="1" dur="indefinite" restart="never" nodeType="tmRoot">
-          <p:childTnLst>
-            <p:seq concurrent="1" nextAc="seek">
-              <p:cTn id="2" dur="indefinite" nodeType="mainSeq">
-                <p:childTnLst>
-                  <p:par>
-                    <p:cTn id="3" fill="hold">
-                      <p:stCondLst>
-                        <p:cond delay="indefinite"/>
-                      </p:stCondLst>
-                      <p:childTnLst>
-                        <p:par>
-                          <p:cTn id="4" fill="hold">
-                            <p:stCondLst>
-                              <p:cond delay="0"/>
-                            </p:stCondLst>
-                            <p:childTnLst>
-                              <p:par>
-                                <p:cTn id="5" presetID="42" presetClass="path" presetSubtype="0" accel="50000" decel="50000" fill="hold" nodeType="clickEffect">
-                                  <p:stCondLst>
-                                    <p:cond delay="0"/>
-                                  </p:stCondLst>
-                                  <p:childTnLst>
-                                    <p:animMotion origin="layout" path="M 0 0 L 0.08932 -0.23356 " pathEditMode="relative" rAng="0" ptsTypes="AA">
-                                      <p:cBhvr>
-                                        <p:cTn id="6" dur="2000" fill="hold"/>
-                                        <p:tgtEl>
-                                          <p:spTgt spid="10"/>
-                                        </p:tgtEl>
-                                        <p:attrNameLst>
-                                          <p:attrName>ppt_x</p:attrName>
-                                          <p:attrName>ppt_y</p:attrName>
-                                        </p:attrNameLst>
-                                      </p:cBhvr>
-                                      <p:rCtr x="4466" y="-11690"/>
-                                    </p:animMotion>
-                                  </p:childTnLst>
-                                </p:cTn>
-                              </p:par>
-                            </p:childTnLst>
-                          </p:cTn>
-                        </p:par>
-                      </p:childTnLst>
-                    </p:cTn>
-                  </p:par>
-                </p:childTnLst>
-              </p:cTn>
-              <p:prevCondLst>
-                <p:cond evt="onPrev" delay="0">
-                  <p:tgtEl>
-                    <p:sldTgt/>
-                  </p:tgtEl>
-                </p:cond>
-              </p:prevCondLst>
-              <p:nextCondLst>
-                <p:cond evt="onNext" delay="0">
-                  <p:tgtEl>
-                    <p:sldTgt/>
-                  </p:tgtEl>
-                </p:cond>
-              </p:nextCondLst>
-            </p:seq>
-          </p:childTnLst>
-        </p:cTn>
-      </p:par>
-    </p:tnLst>
-  </p:timing>
-</p:sld>
-</file>
-
-<file path=ppt/slides/slide7.xml><?xml version="1.0" encoding="utf-8"?>
-<p:sld xmlns:a="http://schemas.openxmlformats.org/drawingml/2006/main" xmlns:r="http://schemas.openxmlformats.org/officeDocument/2006/relationships" xmlns:p="http://schemas.openxmlformats.org/presentationml/2006/main">
-  <p:cSld>
-    <p:spTree>
-      <p:nvGrpSpPr>
-        <p:cNvPr id="1" name="">
-          <a:extLst>
-            <a:ext uri="{FF2B5EF4-FFF2-40B4-BE49-F238E27FC236}">
-              <a16:creationId xmlns:a16="http://schemas.microsoft.com/office/drawing/2014/main" id="{DD26B05A-2D0F-5ECD-7AD4-AFC6EE0780CE}"/>
-            </a:ext>
-          </a:extLst>
-        </p:cNvPr>
-        <p:cNvGrpSpPr/>
-        <p:nvPr/>
-      </p:nvGrpSpPr>
-      <p:grpSpPr>
-        <a:xfrm>
-          <a:off x="0" y="0"/>
-          <a:ext cx="0" cy="0"/>
-          <a:chOff x="0" y="0"/>
-          <a:chExt cx="0" cy="0"/>
-        </a:xfrm>
-      </p:grpSpPr>
-      <p:pic>
-        <p:nvPicPr>
-          <p:cNvPr id="10" name="Picture 9">
-            <a:extLst>
-              <a:ext uri="{FF2B5EF4-FFF2-40B4-BE49-F238E27FC236}">
-                <a16:creationId xmlns:a16="http://schemas.microsoft.com/office/drawing/2014/main" id="{DDA38E97-579D-32AC-18CA-F8DBA3EBBAA7}"/>
-              </a:ext>
-            </a:extLst>
-          </p:cNvPr>
-          <p:cNvPicPr>
-            <a:picLocks noChangeAspect="1"/>
-          </p:cNvPicPr>
-          <p:nvPr/>
-        </p:nvPicPr>
-        <p:blipFill>
-          <a:blip r:embed="rId3"/>
-          <a:srcRect/>
-          <a:stretch/>
-        </p:blipFill>
-        <p:spPr>
-          <a:xfrm>
-            <a:off x="2859981" y="1784973"/>
-            <a:ext cx="8721250" cy="2945741"/>
-          </a:xfrm>
-          <a:prstGeom prst="rect">
-            <a:avLst/>
-          </a:prstGeom>
-        </p:spPr>
-      </p:pic>
-      <p:grpSp>
-        <p:nvGrpSpPr>
-          <p:cNvPr id="2" name="Group 1">
-            <a:extLst>
-              <a:ext uri="{FF2B5EF4-FFF2-40B4-BE49-F238E27FC236}">
-                <a16:creationId xmlns:a16="http://schemas.microsoft.com/office/drawing/2014/main" id="{30DDA70D-ED9A-C87A-063C-60293C045139}"/>
-              </a:ext>
-            </a:extLst>
-          </p:cNvPr>
-          <p:cNvGrpSpPr/>
-          <p:nvPr/>
-        </p:nvGrpSpPr>
-        <p:grpSpPr>
-          <a:xfrm>
-            <a:off x="574841" y="1844819"/>
-            <a:ext cx="2347036" cy="2831890"/>
-            <a:chOff x="789569" y="1860698"/>
-            <a:chExt cx="2347036" cy="2831890"/>
-          </a:xfrm>
-        </p:grpSpPr>
-        <p:cxnSp>
-          <p:nvCxnSpPr>
-            <p:cNvPr id="3" name="Straight Arrow Connector 2">
-              <a:extLst>
-                <a:ext uri="{FF2B5EF4-FFF2-40B4-BE49-F238E27FC236}">
-                  <a16:creationId xmlns:a16="http://schemas.microsoft.com/office/drawing/2014/main" id="{6CC27CCA-A6E7-7362-2C8B-500C1D8BD45E}"/>
-                </a:ext>
-              </a:extLst>
-            </p:cNvPr>
-            <p:cNvCxnSpPr>
-              <a:cxnSpLocks/>
-            </p:cNvCxnSpPr>
-            <p:nvPr/>
-          </p:nvCxnSpPr>
-          <p:spPr>
-            <a:xfrm>
-              <a:off x="2742033" y="2975183"/>
-              <a:ext cx="394572" cy="0"/>
-            </a:xfrm>
-            <a:prstGeom prst="straightConnector1">
-              <a:avLst/>
-            </a:prstGeom>
-            <a:ln w="31750">
-              <a:solidFill>
-                <a:srgbClr val="FF0000"/>
-              </a:solidFill>
-              <a:tailEnd type="triangle" w="lg" len="lg"/>
-            </a:ln>
-          </p:spPr>
-          <p:style>
-            <a:lnRef idx="2">
-              <a:schemeClr val="accent1"/>
-            </a:lnRef>
-            <a:fillRef idx="0">
-              <a:schemeClr val="accent1"/>
-            </a:fillRef>
-            <a:effectRef idx="1">
-              <a:schemeClr val="accent1"/>
-            </a:effectRef>
-            <a:fontRef idx="minor">
-              <a:schemeClr val="tx1"/>
-            </a:fontRef>
-          </p:style>
-        </p:cxnSp>
-        <p:sp>
-          <p:nvSpPr>
-            <p:cNvPr id="4" name="TextBox 3">
-              <a:extLst>
-                <a:ext uri="{FF2B5EF4-FFF2-40B4-BE49-F238E27FC236}">
-                  <a16:creationId xmlns:a16="http://schemas.microsoft.com/office/drawing/2014/main" id="{E8FEB119-8034-B540-77C6-42F18DBCEFD3}"/>
-                </a:ext>
-              </a:extLst>
-            </p:cNvPr>
-            <p:cNvSpPr txBox="1"/>
-            <p:nvPr/>
-          </p:nvSpPr>
-          <p:spPr>
-            <a:xfrm>
-              <a:off x="789569" y="4354034"/>
-              <a:ext cx="763351" cy="338554"/>
-            </a:xfrm>
-            <a:prstGeom prst="rect">
-              <a:avLst/>
-            </a:prstGeom>
-            <a:noFill/>
-          </p:spPr>
-          <p:txBody>
-            <a:bodyPr wrap="none" rtlCol="0">
-              <a:spAutoFit/>
-            </a:bodyPr>
-            <a:lstStyle/>
-            <a:p>
-              <a:r>
-                <a:rPr lang="en-US" sz="1600" dirty="0">
-                  <a:solidFill>
-                    <a:srgbClr val="FF0000"/>
-                  </a:solidFill>
-                  <a:latin typeface="Fira Sans Condensed Medium" panose="020B0603050000020004" pitchFamily="34" charset="0"/>
-                  <a:ea typeface="Roboto" panose="02000000000000000000" pitchFamily="2" charset="0"/>
-                </a:rPr>
-                <a:t>Survey</a:t>
-              </a:r>
-            </a:p>
-          </p:txBody>
-        </p:sp>
-        <p:sp>
-          <p:nvSpPr>
-            <p:cNvPr id="5" name="Rounded Rectangle 4">
-              <a:extLst>
-                <a:ext uri="{FF2B5EF4-FFF2-40B4-BE49-F238E27FC236}">
-                  <a16:creationId xmlns:a16="http://schemas.microsoft.com/office/drawing/2014/main" id="{83BB4915-26F7-D72F-309E-5A7A1C48DB16}"/>
-                </a:ext>
-              </a:extLst>
-            </p:cNvPr>
-            <p:cNvSpPr/>
-            <p:nvPr/>
-          </p:nvSpPr>
-          <p:spPr>
-            <a:xfrm>
-              <a:off x="860681" y="1860698"/>
-              <a:ext cx="1881352" cy="2530549"/>
-            </a:xfrm>
-            <a:prstGeom prst="roundRect">
-              <a:avLst>
-                <a:gd name="adj" fmla="val 7170"/>
-              </a:avLst>
-            </a:prstGeom>
-            <a:noFill/>
-            <a:ln>
-              <a:solidFill>
-                <a:srgbClr val="FF0000"/>
-              </a:solidFill>
-            </a:ln>
-          </p:spPr>
-          <p:style>
-            <a:lnRef idx="2">
-              <a:schemeClr val="accent1">
-                <a:shade val="15000"/>
-              </a:schemeClr>
-            </a:lnRef>
-            <a:fillRef idx="1">
-              <a:schemeClr val="accent1"/>
-            </a:fillRef>
-            <a:effectRef idx="0">
-              <a:schemeClr val="accent1"/>
-            </a:effectRef>
-            <a:fontRef idx="minor">
-              <a:schemeClr val="lt1"/>
-            </a:fontRef>
-          </p:style>
-          <p:txBody>
-            <a:bodyPr rtlCol="0" anchor="ctr"/>
-            <a:lstStyle/>
-            <a:p>
-              <a:pPr algn="ctr"/>
-              <a:r>
-                <a:rPr lang="en-US" sz="2200" dirty="0">
-                  <a:solidFill>
-                    <a:srgbClr val="FF0000"/>
-                  </a:solidFill>
-                  <a:latin typeface="Roboto" panose="02000000000000000000" pitchFamily="2" charset="0"/>
-                  <a:ea typeface="Roboto" panose="02000000000000000000" pitchFamily="2" charset="0"/>
-                </a:rPr>
-                <a:t>Collect</a:t>
-              </a:r>
-            </a:p>
-            <a:p>
-              <a:pPr algn="ctr"/>
-              <a:r>
-                <a:rPr lang="en-US" sz="2200" dirty="0">
-                  <a:solidFill>
-                    <a:srgbClr val="FF0000"/>
-                  </a:solidFill>
-                  <a:latin typeface="Roboto" panose="02000000000000000000" pitchFamily="2" charset="0"/>
-                  <a:ea typeface="Roboto" panose="02000000000000000000" pitchFamily="2" charset="0"/>
-                </a:rPr>
-                <a:t>Data</a:t>
-              </a:r>
-            </a:p>
-          </p:txBody>
-        </p:sp>
-      </p:grpSp>
-    </p:spTree>
-    <p:extLst>
-      <p:ext uri="{BB962C8B-B14F-4D97-AF65-F5344CB8AC3E}">
-        <p14:creationId xmlns:p14="http://schemas.microsoft.com/office/powerpoint/2010/main" val="139461608"/>
-      </p:ext>
-    </p:extLst>
-  </p:cSld>
-  <p:clrMapOvr>
-    <a:masterClrMapping/>
-  </p:clrMapOvr>
-  <p:timing>
-    <p:tnLst>
-      <p:par>
-        <p:cTn id="1" dur="indefinite" restart="never" nodeType="tmRoot">
-          <p:childTnLst>
-            <p:seq concurrent="1" nextAc="seek">
-              <p:cTn id="2" dur="indefinite" nodeType="mainSeq">
-                <p:childTnLst>
-                  <p:par>
-                    <p:cTn id="3" fill="hold">
-                      <p:stCondLst>
-                        <p:cond delay="indefinite"/>
-                      </p:stCondLst>
-                      <p:childTnLst>
-                        <p:par>
-                          <p:cTn id="4" fill="hold">
-                            <p:stCondLst>
-                              <p:cond delay="0"/>
-                            </p:stCondLst>
-                            <p:childTnLst>
-                              <p:par>
-                                <p:cTn id="5" presetID="42" presetClass="path" presetSubtype="0" accel="50000" decel="50000" fill="hold" nodeType="clickEffect">
-                                  <p:stCondLst>
-                                    <p:cond delay="0"/>
-                                  </p:stCondLst>
-                                  <p:childTnLst>
-                                    <p:animMotion origin="layout" path="M 0 0 L 0.08932 -0.23356 " pathEditMode="relative" rAng="0" ptsTypes="AA">
-                                      <p:cBhvr>
-                                        <p:cTn id="6" dur="2000" fill="hold"/>
-                                        <p:tgtEl>
-                                          <p:spTgt spid="10"/>
-                                        </p:tgtEl>
-                                        <p:attrNameLst>
-                                          <p:attrName>ppt_x</p:attrName>
-                                          <p:attrName>ppt_y</p:attrName>
-                                        </p:attrNameLst>
-                                      </p:cBhvr>
-                                      <p:rCtr x="4466" y="-11690"/>
-                                    </p:animMotion>
-                                  </p:childTnLst>
-                                </p:cTn>
-                              </p:par>
-                            </p:childTnLst>
-                          </p:cTn>
-                        </p:par>
-                      </p:childTnLst>
-                    </p:cTn>
-                  </p:par>
-                </p:childTnLst>
-              </p:cTn>
-              <p:prevCondLst>
-                <p:cond evt="onPrev" delay="0">
-                  <p:tgtEl>
-                    <p:sldTgt/>
-                  </p:tgtEl>
-                </p:cond>
-              </p:prevCondLst>
-              <p:nextCondLst>
-                <p:cond evt="onNext" delay="0">
-                  <p:tgtEl>
-                    <p:sldTgt/>
-                  </p:tgtEl>
-                </p:cond>
-              </p:nextCondLst>
-            </p:seq>
-          </p:childTnLst>
-        </p:cTn>
-      </p:par>
-    </p:tnLst>
-  </p:timing>
-</p:sld>
-</file>
-
-<file path=ppt/slides/slide8.xml><?xml version="1.0" encoding="utf-8"?>
-<p:sld xmlns:a="http://schemas.openxmlformats.org/drawingml/2006/main" xmlns:r="http://schemas.openxmlformats.org/officeDocument/2006/relationships" xmlns:p="http://schemas.openxmlformats.org/presentationml/2006/main">
-  <p:cSld>
-    <p:spTree>
-      <p:nvGrpSpPr>
-        <p:cNvPr id="1" name="">
-          <a:extLst>
-            <a:ext uri="{FF2B5EF4-FFF2-40B4-BE49-F238E27FC236}">
-              <a16:creationId xmlns:a16="http://schemas.microsoft.com/office/drawing/2014/main" id="{2E87F590-1FF1-A155-B324-C7C655933D0A}"/>
-            </a:ext>
-          </a:extLst>
-        </p:cNvPr>
-        <p:cNvGrpSpPr/>
-        <p:nvPr/>
-      </p:nvGrpSpPr>
-      <p:grpSpPr>
-        <a:xfrm>
-          <a:off x="0" y="0"/>
-          <a:ext cx="0" cy="0"/>
-          <a:chOff x="0" y="0"/>
-          <a:chExt cx="0" cy="0"/>
-        </a:xfrm>
-      </p:grpSpPr>
-      <p:grpSp>
-        <p:nvGrpSpPr>
-          <p:cNvPr id="6" name="Group 5">
-            <a:extLst>
-              <a:ext uri="{FF2B5EF4-FFF2-40B4-BE49-F238E27FC236}">
-                <a16:creationId xmlns:a16="http://schemas.microsoft.com/office/drawing/2014/main" id="{B0F8B04A-8F1C-4489-CE83-98AD1C1E7C17}"/>
-              </a:ext>
-            </a:extLst>
-          </p:cNvPr>
-          <p:cNvGrpSpPr/>
-          <p:nvPr/>
-        </p:nvGrpSpPr>
-        <p:grpSpPr>
-          <a:xfrm>
-            <a:off x="547832" y="2623747"/>
-            <a:ext cx="2347036" cy="2831890"/>
-            <a:chOff x="789569" y="1860698"/>
-            <a:chExt cx="2347036" cy="2831890"/>
-          </a:xfrm>
-        </p:grpSpPr>
-        <p:cxnSp>
-          <p:nvCxnSpPr>
-            <p:cNvPr id="2" name="Straight Arrow Connector 1">
-              <a:extLst>
-                <a:ext uri="{FF2B5EF4-FFF2-40B4-BE49-F238E27FC236}">
-                  <a16:creationId xmlns:a16="http://schemas.microsoft.com/office/drawing/2014/main" id="{3F8ACA1F-4F44-9B7E-FA6A-CF8714F00F88}"/>
-                </a:ext>
-              </a:extLst>
-            </p:cNvPr>
-            <p:cNvCxnSpPr>
-              <a:cxnSpLocks/>
-            </p:cNvCxnSpPr>
-            <p:nvPr/>
-          </p:nvCxnSpPr>
-          <p:spPr>
-            <a:xfrm>
-              <a:off x="2742033" y="2975183"/>
-              <a:ext cx="394572" cy="0"/>
-            </a:xfrm>
-            <a:prstGeom prst="straightConnector1">
-              <a:avLst/>
-            </a:prstGeom>
-            <a:ln w="31750">
-              <a:solidFill>
-                <a:srgbClr val="FF0000"/>
-              </a:solidFill>
-              <a:tailEnd type="triangle" w="lg" len="lg"/>
-            </a:ln>
-          </p:spPr>
-          <p:style>
-            <a:lnRef idx="2">
-              <a:schemeClr val="accent1"/>
-            </a:lnRef>
-            <a:fillRef idx="0">
-              <a:schemeClr val="accent1"/>
-            </a:fillRef>
-            <a:effectRef idx="1">
-              <a:schemeClr val="accent1"/>
-            </a:effectRef>
-            <a:fontRef idx="minor">
-              <a:schemeClr val="tx1"/>
-            </a:fontRef>
-          </p:style>
-        </p:cxnSp>
-        <p:sp>
-          <p:nvSpPr>
-            <p:cNvPr id="3" name="TextBox 2">
-              <a:extLst>
-                <a:ext uri="{FF2B5EF4-FFF2-40B4-BE49-F238E27FC236}">
-                  <a16:creationId xmlns:a16="http://schemas.microsoft.com/office/drawing/2014/main" id="{2CE7AFE8-E5F2-B93E-A0E4-D0098FAB9F35}"/>
-                </a:ext>
-              </a:extLst>
-            </p:cNvPr>
-            <p:cNvSpPr txBox="1"/>
-            <p:nvPr/>
-          </p:nvSpPr>
-          <p:spPr>
-            <a:xfrm>
-              <a:off x="789569" y="4354034"/>
-              <a:ext cx="763351" cy="338554"/>
-            </a:xfrm>
-            <a:prstGeom prst="rect">
-              <a:avLst/>
-            </a:prstGeom>
-            <a:noFill/>
-          </p:spPr>
-          <p:txBody>
-            <a:bodyPr wrap="none" rtlCol="0">
-              <a:spAutoFit/>
-            </a:bodyPr>
-            <a:lstStyle/>
-            <a:p>
-              <a:r>
-                <a:rPr lang="en-US" sz="1600" dirty="0">
-                  <a:solidFill>
-                    <a:srgbClr val="FF0000"/>
-                  </a:solidFill>
-                  <a:latin typeface="Fira Sans Condensed Medium" panose="020B0603050000020004" pitchFamily="34" charset="0"/>
-                  <a:ea typeface="Roboto" panose="02000000000000000000" pitchFamily="2" charset="0"/>
-                </a:rPr>
-                <a:t>Survey</a:t>
-              </a:r>
-            </a:p>
-          </p:txBody>
-        </p:sp>
-        <p:sp>
-          <p:nvSpPr>
-            <p:cNvPr id="4" name="Rounded Rectangle 3">
-              <a:extLst>
-                <a:ext uri="{FF2B5EF4-FFF2-40B4-BE49-F238E27FC236}">
-                  <a16:creationId xmlns:a16="http://schemas.microsoft.com/office/drawing/2014/main" id="{4BD58C55-67DD-41E5-24E9-DE0E717DB25B}"/>
-                </a:ext>
-              </a:extLst>
-            </p:cNvPr>
-            <p:cNvSpPr/>
-            <p:nvPr/>
-          </p:nvSpPr>
-          <p:spPr>
-            <a:xfrm>
-              <a:off x="860681" y="1860698"/>
-              <a:ext cx="1881352" cy="2530549"/>
-            </a:xfrm>
-            <a:prstGeom prst="roundRect">
-              <a:avLst>
-                <a:gd name="adj" fmla="val 7170"/>
-              </a:avLst>
-            </a:prstGeom>
-            <a:noFill/>
-            <a:ln>
-              <a:solidFill>
-                <a:srgbClr val="FF0000"/>
-              </a:solidFill>
-            </a:ln>
-          </p:spPr>
-          <p:style>
-            <a:lnRef idx="2">
-              <a:schemeClr val="accent1">
-                <a:shade val="15000"/>
-              </a:schemeClr>
-            </a:lnRef>
-            <a:fillRef idx="1">
-              <a:schemeClr val="accent1"/>
-            </a:fillRef>
-            <a:effectRef idx="0">
-              <a:schemeClr val="accent1"/>
-            </a:effectRef>
-            <a:fontRef idx="minor">
-              <a:schemeClr val="lt1"/>
-            </a:fontRef>
-          </p:style>
-          <p:txBody>
-            <a:bodyPr rtlCol="0" anchor="ctr"/>
-            <a:lstStyle/>
-            <a:p>
-              <a:pPr algn="ctr"/>
-              <a:r>
-                <a:rPr lang="en-US" sz="2200" dirty="0">
-                  <a:solidFill>
-                    <a:srgbClr val="FF0000"/>
-                  </a:solidFill>
-                  <a:latin typeface="Roboto" panose="02000000000000000000" pitchFamily="2" charset="0"/>
-                  <a:ea typeface="Roboto" panose="02000000000000000000" pitchFamily="2" charset="0"/>
-                </a:rPr>
-                <a:t>Collect</a:t>
-              </a:r>
-            </a:p>
-            <a:p>
-              <a:pPr algn="ctr"/>
-              <a:r>
-                <a:rPr lang="en-US" sz="2200" dirty="0">
-                  <a:solidFill>
-                    <a:srgbClr val="FF0000"/>
-                  </a:solidFill>
-                  <a:latin typeface="Roboto" panose="02000000000000000000" pitchFamily="2" charset="0"/>
-                  <a:ea typeface="Roboto" panose="02000000000000000000" pitchFamily="2" charset="0"/>
-                </a:rPr>
-                <a:t>Data</a:t>
-              </a:r>
-            </a:p>
-          </p:txBody>
-        </p:sp>
-      </p:grpSp>
-      <p:pic>
-        <p:nvPicPr>
-          <p:cNvPr id="5" name="Picture 4">
-            <a:extLst>
-              <a:ext uri="{FF2B5EF4-FFF2-40B4-BE49-F238E27FC236}">
-                <a16:creationId xmlns:a16="http://schemas.microsoft.com/office/drawing/2014/main" id="{E8EC09B8-518B-F6DB-5CF9-41146DAFF76F}"/>
-              </a:ext>
-            </a:extLst>
-          </p:cNvPr>
-          <p:cNvPicPr>
-            <a:picLocks noChangeAspect="1"/>
-          </p:cNvPicPr>
-          <p:nvPr/>
-        </p:nvPicPr>
-        <p:blipFill>
-          <a:blip r:embed="rId3"/>
-          <a:srcRect/>
-          <a:stretch/>
-        </p:blipFill>
-        <p:spPr>
-          <a:xfrm>
-            <a:off x="2894868" y="2560687"/>
-            <a:ext cx="8721250" cy="2945741"/>
-          </a:xfrm>
-          <a:prstGeom prst="rect">
-            <a:avLst/>
-          </a:prstGeom>
-        </p:spPr>
-      </p:pic>
-      <p:pic>
-        <p:nvPicPr>
-          <p:cNvPr id="8" name="Picture 4" descr="Google Forms - Workforce EdTech">
-            <a:extLst>
-              <a:ext uri="{FF2B5EF4-FFF2-40B4-BE49-F238E27FC236}">
-                <a16:creationId xmlns:a16="http://schemas.microsoft.com/office/drawing/2014/main" id="{44A39429-2FA9-28C0-093B-EE0431FBDE5F}"/>
-              </a:ext>
-            </a:extLst>
-          </p:cNvPr>
-          <p:cNvPicPr>
-            <a:picLocks noChangeAspect="1" noChangeArrowheads="1"/>
-          </p:cNvPicPr>
-          <p:nvPr/>
-        </p:nvPicPr>
-        <p:blipFill>
-          <a:blip r:embed="rId4">
-            <a:extLst>
-              <a:ext uri="{28A0092B-C50C-407E-A947-70E740481C1C}">
-                <a14:useLocalDpi xmlns:a14="http://schemas.microsoft.com/office/drawing/2010/main" val="0"/>
-              </a:ext>
-            </a:extLst>
-          </a:blip>
-          <a:srcRect/>
-          <a:stretch>
-            <a:fillRect/>
-          </a:stretch>
-        </p:blipFill>
-        <p:spPr bwMode="auto">
-          <a:xfrm>
-            <a:off x="691080" y="568478"/>
-            <a:ext cx="1411257" cy="1411257"/>
-          </a:xfrm>
-          <a:prstGeom prst="rect">
-            <a:avLst/>
-          </a:prstGeom>
-          <a:noFill/>
-          <a:extLst>
-            <a:ext uri="{909E8E84-426E-40DD-AFC4-6F175D3DCCD1}">
-              <a14:hiddenFill xmlns:a14="http://schemas.microsoft.com/office/drawing/2010/main">
-                <a:solidFill>
-                  <a:srgbClr val="FFFFFF"/>
-                </a:solidFill>
-              </a14:hiddenFill>
-            </a:ext>
-          </a:extLst>
-        </p:spPr>
-      </p:pic>
-      <p:pic>
-        <p:nvPicPr>
-          <p:cNvPr id="9" name="Picture 2" descr="Qualtrics, a pioneer in Experience Management (XM) | SOM">
-            <a:extLst>
-              <a:ext uri="{FF2B5EF4-FFF2-40B4-BE49-F238E27FC236}">
-                <a16:creationId xmlns:a16="http://schemas.microsoft.com/office/drawing/2014/main" id="{4A1F7D68-4875-70A2-6E91-97026FCA5228}"/>
-              </a:ext>
-            </a:extLst>
-          </p:cNvPr>
-          <p:cNvPicPr>
-            <a:picLocks noChangeAspect="1" noChangeArrowheads="1"/>
-          </p:cNvPicPr>
-          <p:nvPr/>
-        </p:nvPicPr>
-        <p:blipFill>
-          <a:blip r:embed="rId5">
-            <a:extLst>
-              <a:ext uri="{28A0092B-C50C-407E-A947-70E740481C1C}">
-                <a14:useLocalDpi xmlns:a14="http://schemas.microsoft.com/office/drawing/2010/main" val="0"/>
-              </a:ext>
-            </a:extLst>
-          </a:blip>
-          <a:srcRect/>
-          <a:stretch>
-            <a:fillRect/>
-          </a:stretch>
-        </p:blipFill>
-        <p:spPr bwMode="auto">
-          <a:xfrm>
-            <a:off x="2088948" y="907945"/>
-            <a:ext cx="2110834" cy="599477"/>
-          </a:xfrm>
-          <a:prstGeom prst="rect">
-            <a:avLst/>
-          </a:prstGeom>
-          <a:noFill/>
-          <a:extLst>
-            <a:ext uri="{909E8E84-426E-40DD-AFC4-6F175D3DCCD1}">
-              <a14:hiddenFill xmlns:a14="http://schemas.microsoft.com/office/drawing/2010/main">
-                <a:solidFill>
-                  <a:srgbClr val="FFFFFF"/>
-                </a:solidFill>
-              </a14:hiddenFill>
-            </a:ext>
-          </a:extLst>
-        </p:spPr>
-      </p:pic>
-      <p:sp>
-        <p:nvSpPr>
-          <p:cNvPr id="11" name="TextBox 10">
-            <a:extLst>
-              <a:ext uri="{FF2B5EF4-FFF2-40B4-BE49-F238E27FC236}">
-                <a16:creationId xmlns:a16="http://schemas.microsoft.com/office/drawing/2014/main" id="{64B29524-5E26-565A-409C-4A7D6EFA1E06}"/>
-              </a:ext>
-            </a:extLst>
-          </p:cNvPr>
-          <p:cNvSpPr txBox="1"/>
-          <p:nvPr/>
-        </p:nvSpPr>
-        <p:spPr>
-          <a:xfrm>
-            <a:off x="5223693" y="438516"/>
-            <a:ext cx="3573414" cy="1569660"/>
-          </a:xfrm>
-          <a:prstGeom prst="rect">
-            <a:avLst/>
-          </a:prstGeom>
-          <a:noFill/>
-        </p:spPr>
-        <p:txBody>
-          <a:bodyPr wrap="none" rtlCol="0">
-            <a:spAutoFit/>
-          </a:bodyPr>
-          <a:lstStyle/>
-          <a:p>
-            <a:pPr marL="457200" indent="-457200">
-              <a:buSzPct val="80000"/>
-              <a:buFont typeface=".Apple Color Emoji UI"/>
-              <a:buChar char="❌"/>
-            </a:pPr>
-            <a:r>
-              <a:rPr lang="en-US" sz="3200" dirty="0">
-                <a:latin typeface="Roboto" panose="02000000000000000000" pitchFamily="2" charset="0"/>
-                <a:ea typeface="Roboto" panose="02000000000000000000" pitchFamily="2" charset="0"/>
-              </a:rPr>
-              <a:t>Reproducibility</a:t>
-            </a:r>
-          </a:p>
-          <a:p>
-            <a:pPr marL="457200" indent="-457200">
-              <a:buSzPct val="80000"/>
-              <a:buFont typeface=".Apple Color Emoji UI"/>
-              <a:buChar char="❌"/>
-            </a:pPr>
-            <a:r>
-              <a:rPr lang="en-US" sz="3200" dirty="0">
-                <a:latin typeface="Roboto" panose="02000000000000000000" pitchFamily="2" charset="0"/>
-                <a:ea typeface="Roboto" panose="02000000000000000000" pitchFamily="2" charset="0"/>
-              </a:rPr>
-              <a:t>Version Control </a:t>
-            </a:r>
-          </a:p>
-          <a:p>
-            <a:pPr marL="457200" indent="-457200">
-              <a:buSzPct val="80000"/>
-              <a:buFont typeface=".Apple Color Emoji UI"/>
-              <a:buChar char="❌"/>
-            </a:pPr>
-            <a:r>
-              <a:rPr lang="en-US" sz="3200" dirty="0">
-                <a:latin typeface="Roboto" panose="02000000000000000000" pitchFamily="2" charset="0"/>
-                <a:ea typeface="Roboto" panose="02000000000000000000" pitchFamily="2" charset="0"/>
-              </a:rPr>
-              <a:t>Open Source</a:t>
-            </a:r>
-          </a:p>
-        </p:txBody>
-      </p:sp>
-    </p:spTree>
-    <p:extLst>
-      <p:ext uri="{BB962C8B-B14F-4D97-AF65-F5344CB8AC3E}">
-        <p14:creationId xmlns:p14="http://schemas.microsoft.com/office/powerpoint/2010/main" val="3413541852"/>
-      </p:ext>
-    </p:extLst>
-  </p:cSld>
-  <p:clrMapOvr>
-    <a:masterClrMapping/>
-  </p:clrMapOvr>
-  <p:timing>
-    <p:tnLst>
-      <p:par>
-        <p:cTn id="1" dur="indefinite" restart="never" nodeType="tmRoot">
-          <p:childTnLst>
-            <p:seq concurrent="1" nextAc="seek">
-              <p:cTn id="2" dur="indefinite" nodeType="mainSeq">
-                <p:childTnLst>
-                  <p:par>
-                    <p:cTn id="3" fill="hold">
-                      <p:stCondLst>
-                        <p:cond delay="indefinite"/>
-                      </p:stCondLst>
-                      <p:childTnLst>
-                        <p:par>
-                          <p:cTn id="4" fill="hold">
-                            <p:stCondLst>
-                              <p:cond delay="0"/>
-                            </p:stCondLst>
-                            <p:childTnLst>
-                              <p:par>
-                                <p:cTn id="5" presetID="42" presetClass="path" presetSubtype="0" accel="50000" decel="50000" fill="hold" nodeType="clickEffect">
-                                  <p:stCondLst>
-                                    <p:cond delay="0"/>
-                                  </p:stCondLst>
-                                  <p:childTnLst>
-                                    <p:animMotion origin="layout" path="M 0 0 L 0.08932 -0.23356 " pathEditMode="relative" rAng="0" ptsTypes="AA">
-                                      <p:cBhvr>
-                                        <p:cTn id="6" dur="2000" fill="hold"/>
-                                        <p:tgtEl>
-                                          <p:spTgt spid="5"/>
-                                        </p:tgtEl>
-                                        <p:attrNameLst>
-                                          <p:attrName>ppt_x</p:attrName>
-                                          <p:attrName>ppt_y</p:attrName>
-                                        </p:attrNameLst>
-                                      </p:cBhvr>
-                                      <p:rCtr x="4466" y="-11690"/>
-                                    </p:animMotion>
-                                  </p:childTnLst>
-                                </p:cTn>
-                              </p:par>
-                            </p:childTnLst>
-                          </p:cTn>
-                        </p:par>
-                      </p:childTnLst>
-                    </p:cTn>
-                  </p:par>
-                </p:childTnLst>
-              </p:cTn>
-              <p:prevCondLst>
-                <p:cond evt="onPrev" delay="0">
-                  <p:tgtEl>
-                    <p:sldTgt/>
-                  </p:tgtEl>
-                </p:cond>
-              </p:prevCondLst>
-              <p:nextCondLst>
-                <p:cond evt="onNext" delay="0">
-                  <p:tgtEl>
-                    <p:sldTgt/>
-                  </p:tgtEl>
-                </p:cond>
-              </p:nextCondLst>
-            </p:seq>
-          </p:childTnLst>
-        </p:cTn>
-      </p:par>
-    </p:tnLst>
-  </p:timing>
-</p:sld>
-</file>
-
-<file path=ppt/slides/slide9.xml><?xml version="1.0" encoding="utf-8"?>
-<p:sld xmlns:a="http://schemas.openxmlformats.org/drawingml/2006/main" xmlns:r="http://schemas.openxmlformats.org/officeDocument/2006/relationships" xmlns:p="http://schemas.openxmlformats.org/presentationml/2006/main">
-  <p:cSld>
-    <p:bg>
-      <p:bgPr>
-        <a:solidFill>
-          <a:srgbClr val="EAEAEB"/>
-        </a:solidFill>
-        <a:effectLst/>
-      </p:bgPr>
-    </p:bg>
-    <p:spTree>
-      <p:nvGrpSpPr>
-        <p:cNvPr id="1" name="">
-          <a:extLst>
-            <a:ext uri="{FF2B5EF4-FFF2-40B4-BE49-F238E27FC236}">
-              <a16:creationId xmlns:a16="http://schemas.microsoft.com/office/drawing/2014/main" id="{94328526-D41C-6530-33A1-C8DB170D6EC3}"/>
-            </a:ext>
-          </a:extLst>
-        </p:cNvPr>
-        <p:cNvGrpSpPr/>
-        <p:nvPr/>
-      </p:nvGrpSpPr>
-      <p:grpSpPr>
-        <a:xfrm>
-          <a:off x="0" y="0"/>
-          <a:ext cx="0" cy="0"/>
-          <a:chOff x="0" y="0"/>
-          <a:chExt cx="0" cy="0"/>
-        </a:xfrm>
-      </p:grpSpPr>
-      <p:pic>
-        <p:nvPicPr>
-          <p:cNvPr id="8" name="Picture 7">
-            <a:extLst>
-              <a:ext uri="{FF2B5EF4-FFF2-40B4-BE49-F238E27FC236}">
-                <a16:creationId xmlns:a16="http://schemas.microsoft.com/office/drawing/2014/main" id="{C82F4BCC-BD67-DC98-297E-E920A110FB34}"/>
-              </a:ext>
-            </a:extLst>
-          </p:cNvPr>
-          <p:cNvPicPr>
-            <a:picLocks noChangeAspect="1"/>
-          </p:cNvPicPr>
-          <p:nvPr/>
-        </p:nvPicPr>
-        <p:blipFill>
-          <a:blip r:embed="rId3"/>
-          <a:srcRect/>
-          <a:stretch/>
-        </p:blipFill>
-        <p:spPr>
-          <a:xfrm>
-            <a:off x="6814654" y="1320906"/>
-            <a:ext cx="5165266" cy="4947708"/>
-          </a:xfrm>
-          <a:prstGeom prst="rect">
-            <a:avLst/>
-          </a:prstGeom>
-          <a:solidFill>
-            <a:srgbClr val="EAEAEB">
-              <a:alpha val="99000"/>
-            </a:srgbClr>
-          </a:solidFill>
-        </p:spPr>
-      </p:pic>
-      <p:pic>
-        <p:nvPicPr>
-          <p:cNvPr id="3" name="Picture 2" descr="A hexagon with a sign and a arrow&#10;&#10;Description automatically generated">
-            <a:extLst>
-              <a:ext uri="{FF2B5EF4-FFF2-40B4-BE49-F238E27FC236}">
-                <a16:creationId xmlns:a16="http://schemas.microsoft.com/office/drawing/2014/main" id="{48FF060C-23CF-09A1-A547-6484DA79CB64}"/>
-              </a:ext>
-            </a:extLst>
-          </p:cNvPr>
-          <p:cNvPicPr>
-            <a:picLocks noChangeAspect="1"/>
-          </p:cNvPicPr>
-          <p:nvPr/>
-        </p:nvPicPr>
-        <p:blipFill>
-          <a:blip r:embed="rId4"/>
-          <a:stretch>
-            <a:fillRect/>
-          </a:stretch>
-        </p:blipFill>
-        <p:spPr>
-          <a:xfrm>
-            <a:off x="3710633" y="2423160"/>
-            <a:ext cx="2384755" cy="2743200"/>
-          </a:xfrm>
-          <a:prstGeom prst="rect">
-            <a:avLst/>
-          </a:prstGeom>
-        </p:spPr>
-      </p:pic>
-      <p:pic>
-        <p:nvPicPr>
-          <p:cNvPr id="4" name="Picture 4" descr="Hex logo for Quarto - a white circle segmented into quarters next to the text Quarto on a blue background.">
-            <a:extLst>
-              <a:ext uri="{FF2B5EF4-FFF2-40B4-BE49-F238E27FC236}">
-                <a16:creationId xmlns:a16="http://schemas.microsoft.com/office/drawing/2014/main" id="{5C400ECE-1343-7989-1A9B-8AD11516ED74}"/>
-              </a:ext>
-            </a:extLst>
-          </p:cNvPr>
-          <p:cNvPicPr>
-            <a:picLocks noChangeAspect="1" noChangeArrowheads="1"/>
-          </p:cNvPicPr>
-          <p:nvPr/>
-        </p:nvPicPr>
-        <p:blipFill>
-          <a:blip r:embed="rId5">
-            <a:extLst>
-              <a:ext uri="{28A0092B-C50C-407E-A947-70E740481C1C}">
-                <a14:useLocalDpi xmlns:a14="http://schemas.microsoft.com/office/drawing/2010/main" val="0"/>
-              </a:ext>
-            </a:extLst>
-          </a:blip>
-          <a:srcRect/>
-          <a:stretch>
-            <a:fillRect/>
-          </a:stretch>
-        </p:blipFill>
-        <p:spPr bwMode="auto">
-          <a:xfrm>
-            <a:off x="417753" y="2423160"/>
-            <a:ext cx="2376780" cy="2743200"/>
-          </a:xfrm>
-          <a:prstGeom prst="rect">
-            <a:avLst/>
-          </a:prstGeom>
-          <a:noFill/>
-          <a:extLst>
-            <a:ext uri="{909E8E84-426E-40DD-AFC4-6F175D3DCCD1}">
-              <a14:hiddenFill xmlns:a14="http://schemas.microsoft.com/office/drawing/2010/main">
-                <a:solidFill>
-                  <a:srgbClr val="FFFFFF"/>
-                </a:solidFill>
-              </a14:hiddenFill>
-            </a:ext>
-          </a:extLst>
-        </p:spPr>
-      </p:pic>
-      <p:sp>
-        <p:nvSpPr>
-          <p:cNvPr id="5" name="TextBox 4">
-            <a:extLst>
-              <a:ext uri="{FF2B5EF4-FFF2-40B4-BE49-F238E27FC236}">
-                <a16:creationId xmlns:a16="http://schemas.microsoft.com/office/drawing/2014/main" id="{049242D9-D73D-4BB1-A0E3-95E1DF362804}"/>
-              </a:ext>
-            </a:extLst>
-          </p:cNvPr>
-          <p:cNvSpPr txBox="1"/>
-          <p:nvPr/>
-        </p:nvSpPr>
-        <p:spPr>
-          <a:xfrm>
-            <a:off x="2894953" y="3071485"/>
-            <a:ext cx="715260" cy="1446550"/>
-          </a:xfrm>
-          <a:prstGeom prst="rect">
-            <a:avLst/>
-          </a:prstGeom>
-          <a:noFill/>
-        </p:spPr>
-        <p:txBody>
-          <a:bodyPr wrap="none" rtlCol="0">
-            <a:spAutoFit/>
-          </a:bodyPr>
-          <a:lstStyle/>
-          <a:p>
-            <a:r>
-              <a:rPr lang="en-US" sz="8800" dirty="0">
-                <a:latin typeface="Fira Sans Condensed Medium" panose="020B0603050000020004" pitchFamily="34" charset="0"/>
-              </a:rPr>
-              <a:t>+</a:t>
-            </a:r>
-          </a:p>
-        </p:txBody>
-      </p:sp>
-      <p:sp>
-        <p:nvSpPr>
-          <p:cNvPr id="6" name="TextBox 5">
-            <a:extLst>
-              <a:ext uri="{FF2B5EF4-FFF2-40B4-BE49-F238E27FC236}">
-                <a16:creationId xmlns:a16="http://schemas.microsoft.com/office/drawing/2014/main" id="{E9AFB6F6-C224-8059-14D9-94A7F6B7AC70}"/>
-              </a:ext>
-            </a:extLst>
-          </p:cNvPr>
-          <p:cNvSpPr txBox="1"/>
-          <p:nvPr/>
-        </p:nvSpPr>
-        <p:spPr>
-          <a:xfrm>
-            <a:off x="6195807" y="3071485"/>
-            <a:ext cx="705642" cy="1446550"/>
-          </a:xfrm>
-          <a:prstGeom prst="rect">
-            <a:avLst/>
-          </a:prstGeom>
-          <a:noFill/>
-        </p:spPr>
-        <p:txBody>
-          <a:bodyPr wrap="none" rtlCol="0">
-            <a:spAutoFit/>
-          </a:bodyPr>
-          <a:lstStyle/>
-          <a:p>
-            <a:r>
-              <a:rPr lang="en-US" sz="8800" dirty="0">
-                <a:latin typeface="Fira Sans Condensed Medium" panose="020B0603050000020004" pitchFamily="34" charset="0"/>
-              </a:rPr>
-              <a:t>=</a:t>
-            </a:r>
-          </a:p>
-        </p:txBody>
-      </p:sp>
-      <p:sp>
-        <p:nvSpPr>
-          <p:cNvPr id="7" name="TextBox 6">
-            <a:extLst>
-              <a:ext uri="{FF2B5EF4-FFF2-40B4-BE49-F238E27FC236}">
-                <a16:creationId xmlns:a16="http://schemas.microsoft.com/office/drawing/2014/main" id="{7BC3136E-AB1F-69A6-017E-D4B2AB8969A7}"/>
-              </a:ext>
-            </a:extLst>
-          </p:cNvPr>
-          <p:cNvSpPr txBox="1"/>
-          <p:nvPr/>
-        </p:nvSpPr>
-        <p:spPr>
-          <a:xfrm>
-            <a:off x="0" y="185705"/>
-            <a:ext cx="12192000" cy="769441"/>
-          </a:xfrm>
-          <a:prstGeom prst="rect">
-            <a:avLst/>
-          </a:prstGeom>
-          <a:noFill/>
-        </p:spPr>
-        <p:txBody>
-          <a:bodyPr wrap="square" rtlCol="0">
-            <a:spAutoFit/>
-          </a:bodyPr>
-          <a:lstStyle/>
-          <a:p>
-            <a:pPr algn="ctr"/>
-            <a:r>
-              <a:rPr lang="en-US" sz="4400" dirty="0">
-                <a:latin typeface="Fira Sans Condensed Medium" panose="020B0603050000020004" pitchFamily="34" charset="0"/>
-              </a:rPr>
-              <a:t>R package that renders Quarto files into surveys</a:t>
-            </a:r>
-          </a:p>
-        </p:txBody>
-      </p:sp>
-    </p:spTree>
-    <p:extLst>
-      <p:ext uri="{BB962C8B-B14F-4D97-AF65-F5344CB8AC3E}">
-        <p14:creationId xmlns:p14="http://schemas.microsoft.com/office/powerpoint/2010/main" val="1215931787"/>
       </p:ext>
     </p:extLst>
   </p:cSld>
